--- a/docs/AOE4 Matchmaking System.pptx
+++ b/docs/AOE4 Matchmaking System.pptx
@@ -113,757 +113,15 @@
       </a:defRPr>
     </a:lvl9pPr>
   </p:defaultTextStyle>
+  <p:extLst>
+    <p:ext uri="{EFAFB233-063F-42B5-8137-9DF3F51BA10A}">
+      <p15:sldGuideLst xmlns:p15="http://schemas.microsoft.com/office/powerpoint/2012/main"/>
+    </p:ext>
+  </p:extLst>
 </p:presentation>
 </file>
 
 <file path=ppt/diagrams/colors1.xml><?xml version="1.0" encoding="utf-8"?>
-<dgm:colorsDef xmlns:dgm="http://schemas.openxmlformats.org/drawingml/2006/diagram" xmlns:a="http://schemas.openxmlformats.org/drawingml/2006/main" uniqueId="urn:microsoft.com/office/officeart/2005/8/colors/accent1_2">
-  <dgm:title val=""/>
-  <dgm:desc val=""/>
-  <dgm:catLst>
-    <dgm:cat type="accent1" pri="11200"/>
-  </dgm:catLst>
-  <dgm:styleLbl name="node0">
-    <dgm:fillClrLst meth="repeat">
-      <a:schemeClr val="accent1"/>
-    </dgm:fillClrLst>
-    <dgm:linClrLst meth="repeat">
-      <a:schemeClr val="lt1"/>
-    </dgm:linClrLst>
-    <dgm:effectClrLst/>
-    <dgm:txLinClrLst/>
-    <dgm:txFillClrLst/>
-    <dgm:txEffectClrLst/>
-  </dgm:styleLbl>
-  <dgm:styleLbl name="alignNode1">
-    <dgm:fillClrLst meth="repeat">
-      <a:schemeClr val="accent1"/>
-    </dgm:fillClrLst>
-    <dgm:linClrLst meth="repeat">
-      <a:schemeClr val="accent1"/>
-    </dgm:linClrLst>
-    <dgm:effectClrLst/>
-    <dgm:txLinClrLst/>
-    <dgm:txFillClrLst/>
-    <dgm:txEffectClrLst/>
-  </dgm:styleLbl>
-  <dgm:styleLbl name="node1">
-    <dgm:fillClrLst meth="repeat">
-      <a:schemeClr val="accent1"/>
-    </dgm:fillClrLst>
-    <dgm:linClrLst meth="repeat">
-      <a:schemeClr val="lt1"/>
-    </dgm:linClrLst>
-    <dgm:effectClrLst/>
-    <dgm:txLinClrLst/>
-    <dgm:txFillClrLst/>
-    <dgm:txEffectClrLst/>
-  </dgm:styleLbl>
-  <dgm:styleLbl name="lnNode1">
-    <dgm:fillClrLst meth="repeat">
-      <a:schemeClr val="accent1"/>
-    </dgm:fillClrLst>
-    <dgm:linClrLst meth="repeat">
-      <a:schemeClr val="lt1"/>
-    </dgm:linClrLst>
-    <dgm:effectClrLst/>
-    <dgm:txLinClrLst/>
-    <dgm:txFillClrLst/>
-    <dgm:txEffectClrLst/>
-  </dgm:styleLbl>
-  <dgm:styleLbl name="vennNode1">
-    <dgm:fillClrLst meth="repeat">
-      <a:schemeClr val="accent1">
-        <a:alpha val="50000"/>
-      </a:schemeClr>
-    </dgm:fillClrLst>
-    <dgm:linClrLst meth="repeat">
-      <a:schemeClr val="lt1"/>
-    </dgm:linClrLst>
-    <dgm:effectClrLst/>
-    <dgm:txLinClrLst/>
-    <dgm:txFillClrLst/>
-    <dgm:txEffectClrLst/>
-  </dgm:styleLbl>
-  <dgm:styleLbl name="node2">
-    <dgm:fillClrLst meth="repeat">
-      <a:schemeClr val="accent1"/>
-    </dgm:fillClrLst>
-    <dgm:linClrLst meth="repeat">
-      <a:schemeClr val="lt1"/>
-    </dgm:linClrLst>
-    <dgm:effectClrLst/>
-    <dgm:txLinClrLst/>
-    <dgm:txFillClrLst/>
-    <dgm:txEffectClrLst/>
-  </dgm:styleLbl>
-  <dgm:styleLbl name="node3">
-    <dgm:fillClrLst meth="repeat">
-      <a:schemeClr val="accent1"/>
-    </dgm:fillClrLst>
-    <dgm:linClrLst meth="repeat">
-      <a:schemeClr val="lt1"/>
-    </dgm:linClrLst>
-    <dgm:effectClrLst/>
-    <dgm:txLinClrLst/>
-    <dgm:txFillClrLst/>
-    <dgm:txEffectClrLst/>
-  </dgm:styleLbl>
-  <dgm:styleLbl name="node4">
-    <dgm:fillClrLst meth="repeat">
-      <a:schemeClr val="accent1"/>
-    </dgm:fillClrLst>
-    <dgm:linClrLst meth="repeat">
-      <a:schemeClr val="lt1"/>
-    </dgm:linClrLst>
-    <dgm:effectClrLst/>
-    <dgm:txLinClrLst/>
-    <dgm:txFillClrLst/>
-    <dgm:txEffectClrLst/>
-  </dgm:styleLbl>
-  <dgm:styleLbl name="fgImgPlace1">
-    <dgm:fillClrLst meth="repeat">
-      <a:schemeClr val="accent1">
-        <a:tint val="50000"/>
-      </a:schemeClr>
-    </dgm:fillClrLst>
-    <dgm:linClrLst meth="repeat">
-      <a:schemeClr val="lt1"/>
-    </dgm:linClrLst>
-    <dgm:effectClrLst/>
-    <dgm:txLinClrLst/>
-    <dgm:txFillClrLst meth="repeat">
-      <a:schemeClr val="lt1"/>
-    </dgm:txFillClrLst>
-    <dgm:txEffectClrLst/>
-  </dgm:styleLbl>
-  <dgm:styleLbl name="alignImgPlace1">
-    <dgm:fillClrLst meth="repeat">
-      <a:schemeClr val="accent1">
-        <a:tint val="50000"/>
-      </a:schemeClr>
-    </dgm:fillClrLst>
-    <dgm:linClrLst meth="repeat">
-      <a:schemeClr val="lt1"/>
-    </dgm:linClrLst>
-    <dgm:effectClrLst/>
-    <dgm:txLinClrLst/>
-    <dgm:txFillClrLst meth="repeat">
-      <a:schemeClr val="lt1"/>
-    </dgm:txFillClrLst>
-    <dgm:txEffectClrLst/>
-  </dgm:styleLbl>
-  <dgm:styleLbl name="bgImgPlace1">
-    <dgm:fillClrLst meth="repeat">
-      <a:schemeClr val="accent1">
-        <a:tint val="50000"/>
-      </a:schemeClr>
-    </dgm:fillClrLst>
-    <dgm:linClrLst meth="repeat">
-      <a:schemeClr val="lt1"/>
-    </dgm:linClrLst>
-    <dgm:effectClrLst/>
-    <dgm:txLinClrLst/>
-    <dgm:txFillClrLst meth="repeat">
-      <a:schemeClr val="lt1"/>
-    </dgm:txFillClrLst>
-    <dgm:txEffectClrLst/>
-  </dgm:styleLbl>
-  <dgm:styleLbl name="sibTrans2D1">
-    <dgm:fillClrLst meth="repeat">
-      <a:schemeClr val="accent1">
-        <a:tint val="60000"/>
-      </a:schemeClr>
-    </dgm:fillClrLst>
-    <dgm:linClrLst meth="repeat">
-      <a:schemeClr val="accent1">
-        <a:tint val="60000"/>
-      </a:schemeClr>
-    </dgm:linClrLst>
-    <dgm:effectClrLst/>
-    <dgm:txLinClrLst/>
-    <dgm:txFillClrLst/>
-    <dgm:txEffectClrLst/>
-  </dgm:styleLbl>
-  <dgm:styleLbl name="fgSibTrans2D1">
-    <dgm:fillClrLst meth="repeat">
-      <a:schemeClr val="accent1">
-        <a:tint val="60000"/>
-      </a:schemeClr>
-    </dgm:fillClrLst>
-    <dgm:linClrLst meth="repeat">
-      <a:schemeClr val="accent1">
-        <a:tint val="60000"/>
-      </a:schemeClr>
-    </dgm:linClrLst>
-    <dgm:effectClrLst/>
-    <dgm:txLinClrLst/>
-    <dgm:txFillClrLst/>
-    <dgm:txEffectClrLst/>
-  </dgm:styleLbl>
-  <dgm:styleLbl name="bgSibTrans2D1">
-    <dgm:fillClrLst meth="repeat">
-      <a:schemeClr val="accent1">
-        <a:tint val="60000"/>
-      </a:schemeClr>
-    </dgm:fillClrLst>
-    <dgm:linClrLst meth="repeat">
-      <a:schemeClr val="accent1">
-        <a:tint val="60000"/>
-      </a:schemeClr>
-    </dgm:linClrLst>
-    <dgm:effectClrLst/>
-    <dgm:txLinClrLst/>
-    <dgm:txFillClrLst/>
-    <dgm:txEffectClrLst/>
-  </dgm:styleLbl>
-  <dgm:styleLbl name="sibTrans1D1">
-    <dgm:fillClrLst meth="repeat">
-      <a:schemeClr val="accent1"/>
-    </dgm:fillClrLst>
-    <dgm:linClrLst meth="repeat">
-      <a:schemeClr val="accent1"/>
-    </dgm:linClrLst>
-    <dgm:effectClrLst/>
-    <dgm:txLinClrLst/>
-    <dgm:txFillClrLst meth="repeat">
-      <a:schemeClr val="tx1"/>
-    </dgm:txFillClrLst>
-    <dgm:txEffectClrLst/>
-  </dgm:styleLbl>
-  <dgm:styleLbl name="callout">
-    <dgm:fillClrLst meth="repeat">
-      <a:schemeClr val="accent1"/>
-    </dgm:fillClrLst>
-    <dgm:linClrLst meth="repeat">
-      <a:schemeClr val="accent1">
-        <a:tint val="50000"/>
-      </a:schemeClr>
-    </dgm:linClrLst>
-    <dgm:effectClrLst/>
-    <dgm:txLinClrLst/>
-    <dgm:txFillClrLst meth="repeat">
-      <a:schemeClr val="tx1"/>
-    </dgm:txFillClrLst>
-    <dgm:txEffectClrLst/>
-  </dgm:styleLbl>
-  <dgm:styleLbl name="asst0">
-    <dgm:fillClrLst meth="repeat">
-      <a:schemeClr val="accent1"/>
-    </dgm:fillClrLst>
-    <dgm:linClrLst meth="repeat">
-      <a:schemeClr val="lt1"/>
-    </dgm:linClrLst>
-    <dgm:effectClrLst/>
-    <dgm:txLinClrLst/>
-    <dgm:txFillClrLst/>
-    <dgm:txEffectClrLst/>
-  </dgm:styleLbl>
-  <dgm:styleLbl name="asst1">
-    <dgm:fillClrLst meth="repeat">
-      <a:schemeClr val="accent1"/>
-    </dgm:fillClrLst>
-    <dgm:linClrLst meth="repeat">
-      <a:schemeClr val="lt1"/>
-    </dgm:linClrLst>
-    <dgm:effectClrLst/>
-    <dgm:txLinClrLst/>
-    <dgm:txFillClrLst/>
-    <dgm:txEffectClrLst/>
-  </dgm:styleLbl>
-  <dgm:styleLbl name="asst2">
-    <dgm:fillClrLst meth="repeat">
-      <a:schemeClr val="accent1"/>
-    </dgm:fillClrLst>
-    <dgm:linClrLst meth="repeat">
-      <a:schemeClr val="lt1"/>
-    </dgm:linClrLst>
-    <dgm:effectClrLst/>
-    <dgm:txLinClrLst/>
-    <dgm:txFillClrLst/>
-    <dgm:txEffectClrLst/>
-  </dgm:styleLbl>
-  <dgm:styleLbl name="asst3">
-    <dgm:fillClrLst meth="repeat">
-      <a:schemeClr val="accent1"/>
-    </dgm:fillClrLst>
-    <dgm:linClrLst meth="repeat">
-      <a:schemeClr val="lt1"/>
-    </dgm:linClrLst>
-    <dgm:effectClrLst/>
-    <dgm:txLinClrLst/>
-    <dgm:txFillClrLst/>
-    <dgm:txEffectClrLst/>
-  </dgm:styleLbl>
-  <dgm:styleLbl name="asst4">
-    <dgm:fillClrLst meth="repeat">
-      <a:schemeClr val="accent1"/>
-    </dgm:fillClrLst>
-    <dgm:linClrLst meth="repeat">
-      <a:schemeClr val="lt1"/>
-    </dgm:linClrLst>
-    <dgm:effectClrLst/>
-    <dgm:txLinClrLst/>
-    <dgm:txFillClrLst/>
-    <dgm:txEffectClrLst/>
-  </dgm:styleLbl>
-  <dgm:styleLbl name="parChTrans2D1">
-    <dgm:fillClrLst meth="repeat">
-      <a:schemeClr val="accent1">
-        <a:tint val="60000"/>
-      </a:schemeClr>
-    </dgm:fillClrLst>
-    <dgm:linClrLst meth="repeat">
-      <a:schemeClr val="accent1">
-        <a:tint val="60000"/>
-      </a:schemeClr>
-    </dgm:linClrLst>
-    <dgm:effectClrLst/>
-    <dgm:txLinClrLst/>
-    <dgm:txFillClrLst meth="repeat">
-      <a:schemeClr val="lt1"/>
-    </dgm:txFillClrLst>
-    <dgm:txEffectClrLst/>
-  </dgm:styleLbl>
-  <dgm:styleLbl name="parChTrans2D2">
-    <dgm:fillClrLst meth="repeat">
-      <a:schemeClr val="accent1"/>
-    </dgm:fillClrLst>
-    <dgm:linClrLst meth="repeat">
-      <a:schemeClr val="accent1"/>
-    </dgm:linClrLst>
-    <dgm:effectClrLst/>
-    <dgm:txLinClrLst/>
-    <dgm:txFillClrLst meth="repeat">
-      <a:schemeClr val="lt1"/>
-    </dgm:txFillClrLst>
-    <dgm:txEffectClrLst/>
-  </dgm:styleLbl>
-  <dgm:styleLbl name="parChTrans2D3">
-    <dgm:fillClrLst meth="repeat">
-      <a:schemeClr val="accent1"/>
-    </dgm:fillClrLst>
-    <dgm:linClrLst meth="repeat">
-      <a:schemeClr val="accent1"/>
-    </dgm:linClrLst>
-    <dgm:effectClrLst/>
-    <dgm:txLinClrLst/>
-    <dgm:txFillClrLst meth="repeat">
-      <a:schemeClr val="lt1"/>
-    </dgm:txFillClrLst>
-    <dgm:txEffectClrLst/>
-  </dgm:styleLbl>
-  <dgm:styleLbl name="parChTrans2D4">
-    <dgm:fillClrLst meth="repeat">
-      <a:schemeClr val="accent1"/>
-    </dgm:fillClrLst>
-    <dgm:linClrLst meth="repeat">
-      <a:schemeClr val="accent1"/>
-    </dgm:linClrLst>
-    <dgm:effectClrLst/>
-    <dgm:txLinClrLst/>
-    <dgm:txFillClrLst meth="repeat">
-      <a:schemeClr val="lt1"/>
-    </dgm:txFillClrLst>
-    <dgm:txEffectClrLst/>
-  </dgm:styleLbl>
-  <dgm:styleLbl name="parChTrans1D1">
-    <dgm:fillClrLst meth="repeat">
-      <a:schemeClr val="accent1"/>
-    </dgm:fillClrLst>
-    <dgm:linClrLst meth="repeat">
-      <a:schemeClr val="accent1">
-        <a:shade val="60000"/>
-      </a:schemeClr>
-    </dgm:linClrLst>
-    <dgm:effectClrLst/>
-    <dgm:txLinClrLst/>
-    <dgm:txFillClrLst meth="repeat">
-      <a:schemeClr val="tx1"/>
-    </dgm:txFillClrLst>
-    <dgm:txEffectClrLst/>
-  </dgm:styleLbl>
-  <dgm:styleLbl name="parChTrans1D2">
-    <dgm:fillClrLst meth="repeat">
-      <a:schemeClr val="accent1"/>
-    </dgm:fillClrLst>
-    <dgm:linClrLst meth="repeat">
-      <a:schemeClr val="accent1">
-        <a:shade val="60000"/>
-      </a:schemeClr>
-    </dgm:linClrLst>
-    <dgm:effectClrLst/>
-    <dgm:txLinClrLst/>
-    <dgm:txFillClrLst meth="repeat">
-      <a:schemeClr val="tx1"/>
-    </dgm:txFillClrLst>
-    <dgm:txEffectClrLst/>
-  </dgm:styleLbl>
-  <dgm:styleLbl name="parChTrans1D3">
-    <dgm:fillClrLst meth="repeat">
-      <a:schemeClr val="accent1"/>
-    </dgm:fillClrLst>
-    <dgm:linClrLst meth="repeat">
-      <a:schemeClr val="accent1">
-        <a:shade val="80000"/>
-      </a:schemeClr>
-    </dgm:linClrLst>
-    <dgm:effectClrLst/>
-    <dgm:txLinClrLst/>
-    <dgm:txFillClrLst meth="repeat">
-      <a:schemeClr val="tx1"/>
-    </dgm:txFillClrLst>
-    <dgm:txEffectClrLst/>
-  </dgm:styleLbl>
-  <dgm:styleLbl name="parChTrans1D4">
-    <dgm:fillClrLst meth="repeat">
-      <a:schemeClr val="accent1"/>
-    </dgm:fillClrLst>
-    <dgm:linClrLst meth="repeat">
-      <a:schemeClr val="accent1">
-        <a:shade val="80000"/>
-      </a:schemeClr>
-    </dgm:linClrLst>
-    <dgm:effectClrLst/>
-    <dgm:txLinClrLst/>
-    <dgm:txFillClrLst meth="repeat">
-      <a:schemeClr val="tx1"/>
-    </dgm:txFillClrLst>
-    <dgm:txEffectClrLst/>
-  </dgm:styleLbl>
-  <dgm:styleLbl name="fgAcc1">
-    <dgm:fillClrLst meth="repeat">
-      <a:schemeClr val="lt1">
-        <a:alpha val="90000"/>
-      </a:schemeClr>
-    </dgm:fillClrLst>
-    <dgm:linClrLst meth="repeat">
-      <a:schemeClr val="accent1"/>
-    </dgm:linClrLst>
-    <dgm:effectClrLst/>
-    <dgm:txLinClrLst/>
-    <dgm:txFillClrLst meth="repeat">
-      <a:schemeClr val="dk1"/>
-    </dgm:txFillClrLst>
-    <dgm:txEffectClrLst/>
-  </dgm:styleLbl>
-  <dgm:styleLbl name="conFgAcc1">
-    <dgm:fillClrLst meth="repeat">
-      <a:schemeClr val="lt1">
-        <a:alpha val="90000"/>
-      </a:schemeClr>
-    </dgm:fillClrLst>
-    <dgm:linClrLst meth="repeat">
-      <a:schemeClr val="accent1"/>
-    </dgm:linClrLst>
-    <dgm:effectClrLst/>
-    <dgm:txLinClrLst/>
-    <dgm:txFillClrLst meth="repeat">
-      <a:schemeClr val="dk1"/>
-    </dgm:txFillClrLst>
-    <dgm:txEffectClrLst/>
-  </dgm:styleLbl>
-  <dgm:styleLbl name="alignAcc1">
-    <dgm:fillClrLst meth="repeat">
-      <a:schemeClr val="lt1">
-        <a:alpha val="90000"/>
-      </a:schemeClr>
-    </dgm:fillClrLst>
-    <dgm:linClrLst meth="repeat">
-      <a:schemeClr val="accent1"/>
-    </dgm:linClrLst>
-    <dgm:effectClrLst/>
-    <dgm:txLinClrLst/>
-    <dgm:txFillClrLst meth="repeat">
-      <a:schemeClr val="dk1"/>
-    </dgm:txFillClrLst>
-    <dgm:txEffectClrLst/>
-  </dgm:styleLbl>
-  <dgm:styleLbl name="trAlignAcc1">
-    <dgm:fillClrLst meth="repeat">
-      <a:schemeClr val="lt1">
-        <a:alpha val="40000"/>
-      </a:schemeClr>
-    </dgm:fillClrLst>
-    <dgm:linClrLst meth="repeat">
-      <a:schemeClr val="accent1"/>
-    </dgm:linClrLst>
-    <dgm:effectClrLst/>
-    <dgm:txLinClrLst/>
-    <dgm:txFillClrLst meth="repeat">
-      <a:schemeClr val="dk1"/>
-    </dgm:txFillClrLst>
-    <dgm:txEffectClrLst/>
-  </dgm:styleLbl>
-  <dgm:styleLbl name="bgAcc1">
-    <dgm:fillClrLst meth="repeat">
-      <a:schemeClr val="lt1">
-        <a:alpha val="90000"/>
-      </a:schemeClr>
-    </dgm:fillClrLst>
-    <dgm:linClrLst meth="repeat">
-      <a:schemeClr val="accent1"/>
-    </dgm:linClrLst>
-    <dgm:effectClrLst/>
-    <dgm:txLinClrLst/>
-    <dgm:txFillClrLst meth="repeat">
-      <a:schemeClr val="dk1"/>
-    </dgm:txFillClrLst>
-    <dgm:txEffectClrLst/>
-  </dgm:styleLbl>
-  <dgm:styleLbl name="solidFgAcc1">
-    <dgm:fillClrLst meth="repeat">
-      <a:schemeClr val="lt1"/>
-    </dgm:fillClrLst>
-    <dgm:linClrLst meth="repeat">
-      <a:schemeClr val="accent1"/>
-    </dgm:linClrLst>
-    <dgm:effectClrLst/>
-    <dgm:txLinClrLst/>
-    <dgm:txFillClrLst meth="repeat">
-      <a:schemeClr val="dk1"/>
-    </dgm:txFillClrLst>
-    <dgm:txEffectClrLst/>
-  </dgm:styleLbl>
-  <dgm:styleLbl name="solidAlignAcc1">
-    <dgm:fillClrLst meth="repeat">
-      <a:schemeClr val="lt1"/>
-    </dgm:fillClrLst>
-    <dgm:linClrLst meth="repeat">
-      <a:schemeClr val="accent1"/>
-    </dgm:linClrLst>
-    <dgm:effectClrLst/>
-    <dgm:txLinClrLst/>
-    <dgm:txFillClrLst meth="repeat">
-      <a:schemeClr val="dk1"/>
-    </dgm:txFillClrLst>
-    <dgm:txEffectClrLst/>
-  </dgm:styleLbl>
-  <dgm:styleLbl name="solidBgAcc1">
-    <dgm:fillClrLst meth="repeat">
-      <a:schemeClr val="lt1"/>
-    </dgm:fillClrLst>
-    <dgm:linClrLst meth="repeat">
-      <a:schemeClr val="accent1"/>
-    </dgm:linClrLst>
-    <dgm:effectClrLst/>
-    <dgm:txLinClrLst/>
-    <dgm:txFillClrLst meth="repeat">
-      <a:schemeClr val="dk1"/>
-    </dgm:txFillClrLst>
-    <dgm:txEffectClrLst/>
-  </dgm:styleLbl>
-  <dgm:styleLbl name="fgAccFollowNode1">
-    <dgm:fillClrLst meth="repeat">
-      <a:schemeClr val="accent1">
-        <a:alpha val="90000"/>
-        <a:tint val="40000"/>
-      </a:schemeClr>
-    </dgm:fillClrLst>
-    <dgm:linClrLst meth="repeat">
-      <a:schemeClr val="accent1">
-        <a:alpha val="90000"/>
-        <a:tint val="40000"/>
-      </a:schemeClr>
-    </dgm:linClrLst>
-    <dgm:effectClrLst/>
-    <dgm:txLinClrLst/>
-    <dgm:txFillClrLst meth="repeat">
-      <a:schemeClr val="dk1"/>
-    </dgm:txFillClrLst>
-    <dgm:txEffectClrLst/>
-  </dgm:styleLbl>
-  <dgm:styleLbl name="alignAccFollowNode1">
-    <dgm:fillClrLst meth="repeat">
-      <a:schemeClr val="accent1">
-        <a:alpha val="90000"/>
-        <a:tint val="40000"/>
-      </a:schemeClr>
-    </dgm:fillClrLst>
-    <dgm:linClrLst meth="repeat">
-      <a:schemeClr val="accent1">
-        <a:alpha val="90000"/>
-        <a:tint val="40000"/>
-      </a:schemeClr>
-    </dgm:linClrLst>
-    <dgm:effectClrLst/>
-    <dgm:txLinClrLst/>
-    <dgm:txFillClrLst meth="repeat">
-      <a:schemeClr val="dk1"/>
-    </dgm:txFillClrLst>
-    <dgm:txEffectClrLst/>
-  </dgm:styleLbl>
-  <dgm:styleLbl name="bgAccFollowNode1">
-    <dgm:fillClrLst meth="repeat">
-      <a:schemeClr val="accent1">
-        <a:alpha val="90000"/>
-        <a:tint val="40000"/>
-      </a:schemeClr>
-    </dgm:fillClrLst>
-    <dgm:linClrLst meth="repeat">
-      <a:schemeClr val="accent1">
-        <a:alpha val="90000"/>
-        <a:tint val="40000"/>
-      </a:schemeClr>
-    </dgm:linClrLst>
-    <dgm:effectClrLst/>
-    <dgm:txLinClrLst/>
-    <dgm:txFillClrLst meth="repeat">
-      <a:schemeClr val="dk1"/>
-    </dgm:txFillClrLst>
-    <dgm:txEffectClrLst/>
-  </dgm:styleLbl>
-  <dgm:styleLbl name="fgAcc0">
-    <dgm:fillClrLst meth="repeat">
-      <a:schemeClr val="lt1">
-        <a:alpha val="90000"/>
-      </a:schemeClr>
-    </dgm:fillClrLst>
-    <dgm:linClrLst meth="repeat">
-      <a:schemeClr val="accent1"/>
-    </dgm:linClrLst>
-    <dgm:effectClrLst/>
-    <dgm:txLinClrLst/>
-    <dgm:txFillClrLst meth="repeat">
-      <a:schemeClr val="dk1"/>
-    </dgm:txFillClrLst>
-    <dgm:txEffectClrLst/>
-  </dgm:styleLbl>
-  <dgm:styleLbl name="fgAcc2">
-    <dgm:fillClrLst meth="repeat">
-      <a:schemeClr val="lt1">
-        <a:alpha val="90000"/>
-      </a:schemeClr>
-    </dgm:fillClrLst>
-    <dgm:linClrLst meth="repeat">
-      <a:schemeClr val="accent1"/>
-    </dgm:linClrLst>
-    <dgm:effectClrLst/>
-    <dgm:txLinClrLst/>
-    <dgm:txFillClrLst meth="repeat">
-      <a:schemeClr val="dk1"/>
-    </dgm:txFillClrLst>
-    <dgm:txEffectClrLst/>
-  </dgm:styleLbl>
-  <dgm:styleLbl name="fgAcc3">
-    <dgm:fillClrLst meth="repeat">
-      <a:schemeClr val="lt1">
-        <a:alpha val="90000"/>
-      </a:schemeClr>
-    </dgm:fillClrLst>
-    <dgm:linClrLst meth="repeat">
-      <a:schemeClr val="accent1"/>
-    </dgm:linClrLst>
-    <dgm:effectClrLst/>
-    <dgm:txLinClrLst/>
-    <dgm:txFillClrLst meth="repeat">
-      <a:schemeClr val="dk1"/>
-    </dgm:txFillClrLst>
-    <dgm:txEffectClrLst/>
-  </dgm:styleLbl>
-  <dgm:styleLbl name="fgAcc4">
-    <dgm:fillClrLst meth="repeat">
-      <a:schemeClr val="lt1">
-        <a:alpha val="90000"/>
-      </a:schemeClr>
-    </dgm:fillClrLst>
-    <dgm:linClrLst meth="repeat">
-      <a:schemeClr val="accent1"/>
-    </dgm:linClrLst>
-    <dgm:effectClrLst/>
-    <dgm:txLinClrLst/>
-    <dgm:txFillClrLst meth="repeat">
-      <a:schemeClr val="dk1"/>
-    </dgm:txFillClrLst>
-    <dgm:txEffectClrLst/>
-  </dgm:styleLbl>
-  <dgm:styleLbl name="bgShp">
-    <dgm:fillClrLst meth="repeat">
-      <a:schemeClr val="accent1">
-        <a:tint val="40000"/>
-      </a:schemeClr>
-    </dgm:fillClrLst>
-    <dgm:linClrLst meth="repeat">
-      <a:schemeClr val="accent1"/>
-    </dgm:linClrLst>
-    <dgm:effectClrLst/>
-    <dgm:txLinClrLst/>
-    <dgm:txFillClrLst meth="repeat">
-      <a:schemeClr val="dk1"/>
-    </dgm:txFillClrLst>
-    <dgm:txEffectClrLst/>
-  </dgm:styleLbl>
-  <dgm:styleLbl name="dkBgShp">
-    <dgm:fillClrLst meth="repeat">
-      <a:schemeClr val="accent1">
-        <a:shade val="80000"/>
-      </a:schemeClr>
-    </dgm:fillClrLst>
-    <dgm:linClrLst meth="repeat">
-      <a:schemeClr val="accent1"/>
-    </dgm:linClrLst>
-    <dgm:effectClrLst/>
-    <dgm:txLinClrLst/>
-    <dgm:txFillClrLst meth="repeat">
-      <a:schemeClr val="lt1"/>
-    </dgm:txFillClrLst>
-    <dgm:txEffectClrLst/>
-  </dgm:styleLbl>
-  <dgm:styleLbl name="trBgShp">
-    <dgm:fillClrLst meth="repeat">
-      <a:schemeClr val="accent1">
-        <a:tint val="50000"/>
-        <a:alpha val="40000"/>
-      </a:schemeClr>
-    </dgm:fillClrLst>
-    <dgm:linClrLst meth="repeat">
-      <a:schemeClr val="accent1"/>
-    </dgm:linClrLst>
-    <dgm:effectClrLst/>
-    <dgm:txLinClrLst/>
-    <dgm:txFillClrLst meth="repeat">
-      <a:schemeClr val="lt1"/>
-    </dgm:txFillClrLst>
-    <dgm:txEffectClrLst/>
-  </dgm:styleLbl>
-  <dgm:styleLbl name="fgShp">
-    <dgm:fillClrLst meth="repeat">
-      <a:schemeClr val="accent1">
-        <a:tint val="60000"/>
-      </a:schemeClr>
-    </dgm:fillClrLst>
-    <dgm:linClrLst meth="repeat">
-      <a:schemeClr val="lt1"/>
-    </dgm:linClrLst>
-    <dgm:effectClrLst/>
-    <dgm:txLinClrLst/>
-    <dgm:txFillClrLst meth="repeat">
-      <a:schemeClr val="dk1"/>
-    </dgm:txFillClrLst>
-    <dgm:txEffectClrLst/>
-  </dgm:styleLbl>
-  <dgm:styleLbl name="revTx">
-    <dgm:fillClrLst meth="repeat">
-      <a:schemeClr val="lt1">
-        <a:alpha val="0"/>
-      </a:schemeClr>
-    </dgm:fillClrLst>
-    <dgm:linClrLst meth="repeat">
-      <a:schemeClr val="dk1">
-        <a:alpha val="0"/>
-      </a:schemeClr>
-    </dgm:linClrLst>
-    <dgm:effectClrLst/>
-    <dgm:txLinClrLst/>
-    <dgm:txFillClrLst meth="repeat">
-      <a:schemeClr val="tx1"/>
-    </dgm:txFillClrLst>
-    <dgm:txEffectClrLst/>
-  </dgm:styleLbl>
-</dgm:colorsDef>
-</file>
-
-<file path=ppt/diagrams/colors2.xml><?xml version="1.0" encoding="utf-8"?>
 <dgm:colorsDef xmlns:dgm="http://schemas.openxmlformats.org/drawingml/2006/diagram" xmlns:a="http://schemas.openxmlformats.org/drawingml/2006/main" uniqueId="urn:microsoft.com/office/officeart/2005/8/colors/accent0_3">
   <dgm:title val=""/>
   <dgm:desc val=""/>
@@ -1614,11 +872,758 @@
 </dgm:colorsDef>
 </file>
 
+<file path=ppt/diagrams/colors2.xml><?xml version="1.0" encoding="utf-8"?>
+<dgm:colorsDef xmlns:dgm="http://schemas.openxmlformats.org/drawingml/2006/diagram" xmlns:a="http://schemas.openxmlformats.org/drawingml/2006/main" uniqueId="urn:microsoft.com/office/officeart/2005/8/colors/accent6_2">
+  <dgm:title val=""/>
+  <dgm:desc val=""/>
+  <dgm:catLst>
+    <dgm:cat type="accent6" pri="11200"/>
+  </dgm:catLst>
+  <dgm:styleLbl name="node0">
+    <dgm:fillClrLst meth="repeat">
+      <a:schemeClr val="accent6"/>
+    </dgm:fillClrLst>
+    <dgm:linClrLst meth="repeat">
+      <a:schemeClr val="lt1"/>
+    </dgm:linClrLst>
+    <dgm:effectClrLst/>
+    <dgm:txLinClrLst/>
+    <dgm:txFillClrLst/>
+    <dgm:txEffectClrLst/>
+  </dgm:styleLbl>
+  <dgm:styleLbl name="node1">
+    <dgm:fillClrLst meth="repeat">
+      <a:schemeClr val="accent6"/>
+    </dgm:fillClrLst>
+    <dgm:linClrLst meth="repeat">
+      <a:schemeClr val="lt1"/>
+    </dgm:linClrLst>
+    <dgm:effectClrLst/>
+    <dgm:txLinClrLst/>
+    <dgm:txFillClrLst/>
+    <dgm:txEffectClrLst/>
+  </dgm:styleLbl>
+  <dgm:styleLbl name="alignNode1">
+    <dgm:fillClrLst meth="repeat">
+      <a:schemeClr val="accent6"/>
+    </dgm:fillClrLst>
+    <dgm:linClrLst meth="repeat">
+      <a:schemeClr val="accent6"/>
+    </dgm:linClrLst>
+    <dgm:effectClrLst/>
+    <dgm:txLinClrLst/>
+    <dgm:txFillClrLst/>
+    <dgm:txEffectClrLst/>
+  </dgm:styleLbl>
+  <dgm:styleLbl name="lnNode1">
+    <dgm:fillClrLst meth="repeat">
+      <a:schemeClr val="accent6"/>
+    </dgm:fillClrLst>
+    <dgm:linClrLst meth="repeat">
+      <a:schemeClr val="lt1"/>
+    </dgm:linClrLst>
+    <dgm:effectClrLst/>
+    <dgm:txLinClrLst/>
+    <dgm:txFillClrLst/>
+    <dgm:txEffectClrLst/>
+  </dgm:styleLbl>
+  <dgm:styleLbl name="vennNode1">
+    <dgm:fillClrLst meth="repeat">
+      <a:schemeClr val="accent6">
+        <a:alpha val="50000"/>
+      </a:schemeClr>
+    </dgm:fillClrLst>
+    <dgm:linClrLst meth="repeat">
+      <a:schemeClr val="lt1"/>
+    </dgm:linClrLst>
+    <dgm:effectClrLst/>
+    <dgm:txLinClrLst/>
+    <dgm:txFillClrLst/>
+    <dgm:txEffectClrLst/>
+  </dgm:styleLbl>
+  <dgm:styleLbl name="node2">
+    <dgm:fillClrLst meth="repeat">
+      <a:schemeClr val="accent6"/>
+    </dgm:fillClrLst>
+    <dgm:linClrLst meth="repeat">
+      <a:schemeClr val="lt1"/>
+    </dgm:linClrLst>
+    <dgm:effectClrLst/>
+    <dgm:txLinClrLst/>
+    <dgm:txFillClrLst/>
+    <dgm:txEffectClrLst/>
+  </dgm:styleLbl>
+  <dgm:styleLbl name="node3">
+    <dgm:fillClrLst meth="repeat">
+      <a:schemeClr val="accent6"/>
+    </dgm:fillClrLst>
+    <dgm:linClrLst meth="repeat">
+      <a:schemeClr val="lt1"/>
+    </dgm:linClrLst>
+    <dgm:effectClrLst/>
+    <dgm:txLinClrLst/>
+    <dgm:txFillClrLst/>
+    <dgm:txEffectClrLst/>
+  </dgm:styleLbl>
+  <dgm:styleLbl name="node4">
+    <dgm:fillClrLst meth="repeat">
+      <a:schemeClr val="accent6"/>
+    </dgm:fillClrLst>
+    <dgm:linClrLst meth="repeat">
+      <a:schemeClr val="lt1"/>
+    </dgm:linClrLst>
+    <dgm:effectClrLst/>
+    <dgm:txLinClrLst/>
+    <dgm:txFillClrLst/>
+    <dgm:txEffectClrLst/>
+  </dgm:styleLbl>
+  <dgm:styleLbl name="fgImgPlace1">
+    <dgm:fillClrLst meth="repeat">
+      <a:schemeClr val="accent6">
+        <a:tint val="50000"/>
+      </a:schemeClr>
+    </dgm:fillClrLst>
+    <dgm:linClrLst meth="repeat">
+      <a:schemeClr val="lt1"/>
+    </dgm:linClrLst>
+    <dgm:effectClrLst/>
+    <dgm:txLinClrLst/>
+    <dgm:txFillClrLst meth="repeat">
+      <a:schemeClr val="lt1"/>
+    </dgm:txFillClrLst>
+    <dgm:txEffectClrLst/>
+  </dgm:styleLbl>
+  <dgm:styleLbl name="alignImgPlace1">
+    <dgm:fillClrLst meth="repeat">
+      <a:schemeClr val="accent6">
+        <a:tint val="50000"/>
+      </a:schemeClr>
+    </dgm:fillClrLst>
+    <dgm:linClrLst meth="repeat">
+      <a:schemeClr val="lt1"/>
+    </dgm:linClrLst>
+    <dgm:effectClrLst/>
+    <dgm:txLinClrLst/>
+    <dgm:txFillClrLst meth="repeat">
+      <a:schemeClr val="lt1"/>
+    </dgm:txFillClrLst>
+    <dgm:txEffectClrLst/>
+  </dgm:styleLbl>
+  <dgm:styleLbl name="bgImgPlace1">
+    <dgm:fillClrLst meth="repeat">
+      <a:schemeClr val="accent6">
+        <a:tint val="50000"/>
+      </a:schemeClr>
+    </dgm:fillClrLst>
+    <dgm:linClrLst meth="repeat">
+      <a:schemeClr val="lt1"/>
+    </dgm:linClrLst>
+    <dgm:effectClrLst/>
+    <dgm:txLinClrLst/>
+    <dgm:txFillClrLst meth="repeat">
+      <a:schemeClr val="lt1"/>
+    </dgm:txFillClrLst>
+    <dgm:txEffectClrLst/>
+  </dgm:styleLbl>
+  <dgm:styleLbl name="sibTrans2D1">
+    <dgm:fillClrLst meth="repeat">
+      <a:schemeClr val="accent6">
+        <a:tint val="60000"/>
+      </a:schemeClr>
+    </dgm:fillClrLst>
+    <dgm:linClrLst meth="repeat">
+      <a:schemeClr val="accent6">
+        <a:tint val="60000"/>
+      </a:schemeClr>
+    </dgm:linClrLst>
+    <dgm:effectClrLst/>
+    <dgm:txLinClrLst/>
+    <dgm:txFillClrLst/>
+    <dgm:txEffectClrLst/>
+  </dgm:styleLbl>
+  <dgm:styleLbl name="fgSibTrans2D1">
+    <dgm:fillClrLst meth="repeat">
+      <a:schemeClr val="accent6">
+        <a:tint val="60000"/>
+      </a:schemeClr>
+    </dgm:fillClrLst>
+    <dgm:linClrLst meth="repeat">
+      <a:schemeClr val="accent6">
+        <a:tint val="60000"/>
+      </a:schemeClr>
+    </dgm:linClrLst>
+    <dgm:effectClrLst/>
+    <dgm:txLinClrLst/>
+    <dgm:txFillClrLst/>
+    <dgm:txEffectClrLst/>
+  </dgm:styleLbl>
+  <dgm:styleLbl name="bgSibTrans2D1">
+    <dgm:fillClrLst meth="repeat">
+      <a:schemeClr val="accent6">
+        <a:tint val="60000"/>
+      </a:schemeClr>
+    </dgm:fillClrLst>
+    <dgm:linClrLst meth="repeat">
+      <a:schemeClr val="accent6">
+        <a:tint val="60000"/>
+      </a:schemeClr>
+    </dgm:linClrLst>
+    <dgm:effectClrLst/>
+    <dgm:txLinClrLst/>
+    <dgm:txFillClrLst/>
+    <dgm:txEffectClrLst/>
+  </dgm:styleLbl>
+  <dgm:styleLbl name="sibTrans1D1">
+    <dgm:fillClrLst meth="repeat">
+      <a:schemeClr val="accent6"/>
+    </dgm:fillClrLst>
+    <dgm:linClrLst meth="repeat">
+      <a:schemeClr val="accent6"/>
+    </dgm:linClrLst>
+    <dgm:effectClrLst/>
+    <dgm:txLinClrLst/>
+    <dgm:txFillClrLst meth="repeat">
+      <a:schemeClr val="tx1"/>
+    </dgm:txFillClrLst>
+    <dgm:txEffectClrLst/>
+  </dgm:styleLbl>
+  <dgm:styleLbl name="callout">
+    <dgm:fillClrLst meth="repeat">
+      <a:schemeClr val="accent6"/>
+    </dgm:fillClrLst>
+    <dgm:linClrLst meth="repeat">
+      <a:schemeClr val="accent6">
+        <a:tint val="50000"/>
+      </a:schemeClr>
+    </dgm:linClrLst>
+    <dgm:effectClrLst/>
+    <dgm:txLinClrLst/>
+    <dgm:txFillClrLst meth="repeat">
+      <a:schemeClr val="tx1"/>
+    </dgm:txFillClrLst>
+    <dgm:txEffectClrLst/>
+  </dgm:styleLbl>
+  <dgm:styleLbl name="asst0">
+    <dgm:fillClrLst meth="repeat">
+      <a:schemeClr val="accent6"/>
+    </dgm:fillClrLst>
+    <dgm:linClrLst meth="repeat">
+      <a:schemeClr val="lt1"/>
+    </dgm:linClrLst>
+    <dgm:effectClrLst/>
+    <dgm:txLinClrLst/>
+    <dgm:txFillClrLst/>
+    <dgm:txEffectClrLst/>
+  </dgm:styleLbl>
+  <dgm:styleLbl name="asst1">
+    <dgm:fillClrLst meth="repeat">
+      <a:schemeClr val="accent6"/>
+    </dgm:fillClrLst>
+    <dgm:linClrLst meth="repeat">
+      <a:schemeClr val="lt1"/>
+    </dgm:linClrLst>
+    <dgm:effectClrLst/>
+    <dgm:txLinClrLst/>
+    <dgm:txFillClrLst/>
+    <dgm:txEffectClrLst/>
+  </dgm:styleLbl>
+  <dgm:styleLbl name="asst2">
+    <dgm:fillClrLst meth="repeat">
+      <a:schemeClr val="accent6"/>
+    </dgm:fillClrLst>
+    <dgm:linClrLst meth="repeat">
+      <a:schemeClr val="lt1"/>
+    </dgm:linClrLst>
+    <dgm:effectClrLst/>
+    <dgm:txLinClrLst/>
+    <dgm:txFillClrLst/>
+    <dgm:txEffectClrLst/>
+  </dgm:styleLbl>
+  <dgm:styleLbl name="asst3">
+    <dgm:fillClrLst meth="repeat">
+      <a:schemeClr val="accent6"/>
+    </dgm:fillClrLst>
+    <dgm:linClrLst meth="repeat">
+      <a:schemeClr val="lt1"/>
+    </dgm:linClrLst>
+    <dgm:effectClrLst/>
+    <dgm:txLinClrLst/>
+    <dgm:txFillClrLst/>
+    <dgm:txEffectClrLst/>
+  </dgm:styleLbl>
+  <dgm:styleLbl name="asst4">
+    <dgm:fillClrLst meth="repeat">
+      <a:schemeClr val="accent6"/>
+    </dgm:fillClrLst>
+    <dgm:linClrLst meth="repeat">
+      <a:schemeClr val="lt1"/>
+    </dgm:linClrLst>
+    <dgm:effectClrLst/>
+    <dgm:txLinClrLst/>
+    <dgm:txFillClrLst/>
+    <dgm:txEffectClrLst/>
+  </dgm:styleLbl>
+  <dgm:styleLbl name="parChTrans2D1">
+    <dgm:fillClrLst meth="repeat">
+      <a:schemeClr val="accent6">
+        <a:tint val="60000"/>
+      </a:schemeClr>
+    </dgm:fillClrLst>
+    <dgm:linClrLst meth="repeat">
+      <a:schemeClr val="accent6">
+        <a:tint val="60000"/>
+      </a:schemeClr>
+    </dgm:linClrLst>
+    <dgm:effectClrLst/>
+    <dgm:txLinClrLst/>
+    <dgm:txFillClrLst meth="repeat">
+      <a:schemeClr val="lt1"/>
+    </dgm:txFillClrLst>
+    <dgm:txEffectClrLst/>
+  </dgm:styleLbl>
+  <dgm:styleLbl name="parChTrans2D2">
+    <dgm:fillClrLst meth="repeat">
+      <a:schemeClr val="accent6"/>
+    </dgm:fillClrLst>
+    <dgm:linClrLst meth="repeat">
+      <a:schemeClr val="accent6"/>
+    </dgm:linClrLst>
+    <dgm:effectClrLst/>
+    <dgm:txLinClrLst/>
+    <dgm:txFillClrLst meth="repeat">
+      <a:schemeClr val="lt1"/>
+    </dgm:txFillClrLst>
+    <dgm:txEffectClrLst/>
+  </dgm:styleLbl>
+  <dgm:styleLbl name="parChTrans2D3">
+    <dgm:fillClrLst meth="repeat">
+      <a:schemeClr val="accent6"/>
+    </dgm:fillClrLst>
+    <dgm:linClrLst meth="repeat">
+      <a:schemeClr val="accent6"/>
+    </dgm:linClrLst>
+    <dgm:effectClrLst/>
+    <dgm:txLinClrLst/>
+    <dgm:txFillClrLst meth="repeat">
+      <a:schemeClr val="lt1"/>
+    </dgm:txFillClrLst>
+    <dgm:txEffectClrLst/>
+  </dgm:styleLbl>
+  <dgm:styleLbl name="parChTrans2D4">
+    <dgm:fillClrLst meth="repeat">
+      <a:schemeClr val="accent6"/>
+    </dgm:fillClrLst>
+    <dgm:linClrLst meth="repeat">
+      <a:schemeClr val="accent6"/>
+    </dgm:linClrLst>
+    <dgm:effectClrLst/>
+    <dgm:txLinClrLst/>
+    <dgm:txFillClrLst meth="repeat">
+      <a:schemeClr val="lt1"/>
+    </dgm:txFillClrLst>
+    <dgm:txEffectClrLst/>
+  </dgm:styleLbl>
+  <dgm:styleLbl name="parChTrans1D1">
+    <dgm:fillClrLst meth="repeat">
+      <a:schemeClr val="accent6"/>
+    </dgm:fillClrLst>
+    <dgm:linClrLst meth="repeat">
+      <a:schemeClr val="accent6">
+        <a:shade val="60000"/>
+      </a:schemeClr>
+    </dgm:linClrLst>
+    <dgm:effectClrLst/>
+    <dgm:txLinClrLst/>
+    <dgm:txFillClrLst meth="repeat">
+      <a:schemeClr val="tx1"/>
+    </dgm:txFillClrLst>
+    <dgm:txEffectClrLst/>
+  </dgm:styleLbl>
+  <dgm:styleLbl name="parChTrans1D2">
+    <dgm:fillClrLst meth="repeat">
+      <a:schemeClr val="accent6"/>
+    </dgm:fillClrLst>
+    <dgm:linClrLst meth="repeat">
+      <a:schemeClr val="accent6">
+        <a:shade val="60000"/>
+      </a:schemeClr>
+    </dgm:linClrLst>
+    <dgm:effectClrLst/>
+    <dgm:txLinClrLst/>
+    <dgm:txFillClrLst meth="repeat">
+      <a:schemeClr val="tx1"/>
+    </dgm:txFillClrLst>
+    <dgm:txEffectClrLst/>
+  </dgm:styleLbl>
+  <dgm:styleLbl name="parChTrans1D3">
+    <dgm:fillClrLst meth="repeat">
+      <a:schemeClr val="accent6"/>
+    </dgm:fillClrLst>
+    <dgm:linClrLst meth="repeat">
+      <a:schemeClr val="accent6">
+        <a:shade val="80000"/>
+      </a:schemeClr>
+    </dgm:linClrLst>
+    <dgm:effectClrLst/>
+    <dgm:txLinClrLst/>
+    <dgm:txFillClrLst meth="repeat">
+      <a:schemeClr val="tx1"/>
+    </dgm:txFillClrLst>
+    <dgm:txEffectClrLst/>
+  </dgm:styleLbl>
+  <dgm:styleLbl name="parChTrans1D4">
+    <dgm:fillClrLst meth="repeat">
+      <a:schemeClr val="accent6"/>
+    </dgm:fillClrLst>
+    <dgm:linClrLst meth="repeat">
+      <a:schemeClr val="accent6">
+        <a:shade val="80000"/>
+      </a:schemeClr>
+    </dgm:linClrLst>
+    <dgm:effectClrLst/>
+    <dgm:txLinClrLst/>
+    <dgm:txFillClrLst meth="repeat">
+      <a:schemeClr val="tx1"/>
+    </dgm:txFillClrLst>
+    <dgm:txEffectClrLst/>
+  </dgm:styleLbl>
+  <dgm:styleLbl name="fgAcc1">
+    <dgm:fillClrLst meth="repeat">
+      <a:schemeClr val="lt1">
+        <a:alpha val="90000"/>
+      </a:schemeClr>
+    </dgm:fillClrLst>
+    <dgm:linClrLst meth="repeat">
+      <a:schemeClr val="accent6"/>
+    </dgm:linClrLst>
+    <dgm:effectClrLst/>
+    <dgm:txLinClrLst/>
+    <dgm:txFillClrLst meth="repeat">
+      <a:schemeClr val="dk1"/>
+    </dgm:txFillClrLst>
+    <dgm:txEffectClrLst/>
+  </dgm:styleLbl>
+  <dgm:styleLbl name="conFgAcc1">
+    <dgm:fillClrLst meth="repeat">
+      <a:schemeClr val="lt1">
+        <a:alpha val="90000"/>
+      </a:schemeClr>
+    </dgm:fillClrLst>
+    <dgm:linClrLst meth="repeat">
+      <a:schemeClr val="accent6"/>
+    </dgm:linClrLst>
+    <dgm:effectClrLst/>
+    <dgm:txLinClrLst/>
+    <dgm:txFillClrLst meth="repeat">
+      <a:schemeClr val="dk1"/>
+    </dgm:txFillClrLst>
+    <dgm:txEffectClrLst/>
+  </dgm:styleLbl>
+  <dgm:styleLbl name="alignAcc1">
+    <dgm:fillClrLst meth="repeat">
+      <a:schemeClr val="lt1">
+        <a:alpha val="90000"/>
+      </a:schemeClr>
+    </dgm:fillClrLst>
+    <dgm:linClrLst meth="repeat">
+      <a:schemeClr val="accent6"/>
+    </dgm:linClrLst>
+    <dgm:effectClrLst/>
+    <dgm:txLinClrLst/>
+    <dgm:txFillClrLst meth="repeat">
+      <a:schemeClr val="dk1"/>
+    </dgm:txFillClrLst>
+    <dgm:txEffectClrLst/>
+  </dgm:styleLbl>
+  <dgm:styleLbl name="trAlignAcc1">
+    <dgm:fillClrLst meth="repeat">
+      <a:schemeClr val="lt1">
+        <a:alpha val="40000"/>
+      </a:schemeClr>
+    </dgm:fillClrLst>
+    <dgm:linClrLst meth="repeat">
+      <a:schemeClr val="accent6"/>
+    </dgm:linClrLst>
+    <dgm:effectClrLst/>
+    <dgm:txLinClrLst/>
+    <dgm:txFillClrLst meth="repeat">
+      <a:schemeClr val="dk1"/>
+    </dgm:txFillClrLst>
+    <dgm:txEffectClrLst/>
+  </dgm:styleLbl>
+  <dgm:styleLbl name="bgAcc1">
+    <dgm:fillClrLst meth="repeat">
+      <a:schemeClr val="lt1">
+        <a:alpha val="90000"/>
+      </a:schemeClr>
+    </dgm:fillClrLst>
+    <dgm:linClrLst meth="repeat">
+      <a:schemeClr val="accent6"/>
+    </dgm:linClrLst>
+    <dgm:effectClrLst/>
+    <dgm:txLinClrLst/>
+    <dgm:txFillClrLst meth="repeat">
+      <a:schemeClr val="dk1"/>
+    </dgm:txFillClrLst>
+    <dgm:txEffectClrLst/>
+  </dgm:styleLbl>
+  <dgm:styleLbl name="solidFgAcc1">
+    <dgm:fillClrLst meth="repeat">
+      <a:schemeClr val="lt1"/>
+    </dgm:fillClrLst>
+    <dgm:linClrLst meth="repeat">
+      <a:schemeClr val="accent6"/>
+    </dgm:linClrLst>
+    <dgm:effectClrLst/>
+    <dgm:txLinClrLst/>
+    <dgm:txFillClrLst meth="repeat">
+      <a:schemeClr val="dk1"/>
+    </dgm:txFillClrLst>
+    <dgm:txEffectClrLst/>
+  </dgm:styleLbl>
+  <dgm:styleLbl name="solidAlignAcc1">
+    <dgm:fillClrLst meth="repeat">
+      <a:schemeClr val="lt1"/>
+    </dgm:fillClrLst>
+    <dgm:linClrLst meth="repeat">
+      <a:schemeClr val="accent6"/>
+    </dgm:linClrLst>
+    <dgm:effectClrLst/>
+    <dgm:txLinClrLst/>
+    <dgm:txFillClrLst meth="repeat">
+      <a:schemeClr val="dk1"/>
+    </dgm:txFillClrLst>
+    <dgm:txEffectClrLst/>
+  </dgm:styleLbl>
+  <dgm:styleLbl name="solidBgAcc1">
+    <dgm:fillClrLst meth="repeat">
+      <a:schemeClr val="lt1"/>
+    </dgm:fillClrLst>
+    <dgm:linClrLst meth="repeat">
+      <a:schemeClr val="accent6"/>
+    </dgm:linClrLst>
+    <dgm:effectClrLst/>
+    <dgm:txLinClrLst/>
+    <dgm:txFillClrLst meth="repeat">
+      <a:schemeClr val="dk1"/>
+    </dgm:txFillClrLst>
+    <dgm:txEffectClrLst/>
+  </dgm:styleLbl>
+  <dgm:styleLbl name="fgAccFollowNode1">
+    <dgm:fillClrLst meth="repeat">
+      <a:schemeClr val="accent6">
+        <a:alpha val="90000"/>
+        <a:tint val="40000"/>
+      </a:schemeClr>
+    </dgm:fillClrLst>
+    <dgm:linClrLst meth="repeat">
+      <a:schemeClr val="accent6">
+        <a:alpha val="90000"/>
+        <a:tint val="40000"/>
+      </a:schemeClr>
+    </dgm:linClrLst>
+    <dgm:effectClrLst/>
+    <dgm:txLinClrLst/>
+    <dgm:txFillClrLst meth="repeat">
+      <a:schemeClr val="dk1"/>
+    </dgm:txFillClrLst>
+    <dgm:txEffectClrLst/>
+  </dgm:styleLbl>
+  <dgm:styleLbl name="alignAccFollowNode1">
+    <dgm:fillClrLst meth="repeat">
+      <a:schemeClr val="accent6">
+        <a:alpha val="90000"/>
+        <a:tint val="40000"/>
+      </a:schemeClr>
+    </dgm:fillClrLst>
+    <dgm:linClrLst meth="repeat">
+      <a:schemeClr val="accent6">
+        <a:alpha val="90000"/>
+        <a:tint val="40000"/>
+      </a:schemeClr>
+    </dgm:linClrLst>
+    <dgm:effectClrLst/>
+    <dgm:txLinClrLst/>
+    <dgm:txFillClrLst meth="repeat">
+      <a:schemeClr val="dk1"/>
+    </dgm:txFillClrLst>
+    <dgm:txEffectClrLst/>
+  </dgm:styleLbl>
+  <dgm:styleLbl name="bgAccFollowNode1">
+    <dgm:fillClrLst meth="repeat">
+      <a:schemeClr val="accent6">
+        <a:alpha val="90000"/>
+        <a:tint val="40000"/>
+      </a:schemeClr>
+    </dgm:fillClrLst>
+    <dgm:linClrLst meth="repeat">
+      <a:schemeClr val="accent6">
+        <a:alpha val="90000"/>
+        <a:tint val="40000"/>
+      </a:schemeClr>
+    </dgm:linClrLst>
+    <dgm:effectClrLst/>
+    <dgm:txLinClrLst/>
+    <dgm:txFillClrLst meth="repeat">
+      <a:schemeClr val="dk1"/>
+    </dgm:txFillClrLst>
+    <dgm:txEffectClrLst/>
+  </dgm:styleLbl>
+  <dgm:styleLbl name="fgAcc0">
+    <dgm:fillClrLst meth="repeat">
+      <a:schemeClr val="lt1">
+        <a:alpha val="90000"/>
+      </a:schemeClr>
+    </dgm:fillClrLst>
+    <dgm:linClrLst meth="repeat">
+      <a:schemeClr val="accent6"/>
+    </dgm:linClrLst>
+    <dgm:effectClrLst/>
+    <dgm:txLinClrLst/>
+    <dgm:txFillClrLst meth="repeat">
+      <a:schemeClr val="dk1"/>
+    </dgm:txFillClrLst>
+    <dgm:txEffectClrLst/>
+  </dgm:styleLbl>
+  <dgm:styleLbl name="fgAcc2">
+    <dgm:fillClrLst meth="repeat">
+      <a:schemeClr val="lt1">
+        <a:alpha val="90000"/>
+      </a:schemeClr>
+    </dgm:fillClrLst>
+    <dgm:linClrLst meth="repeat">
+      <a:schemeClr val="accent6"/>
+    </dgm:linClrLst>
+    <dgm:effectClrLst/>
+    <dgm:txLinClrLst/>
+    <dgm:txFillClrLst meth="repeat">
+      <a:schemeClr val="dk1"/>
+    </dgm:txFillClrLst>
+    <dgm:txEffectClrLst/>
+  </dgm:styleLbl>
+  <dgm:styleLbl name="fgAcc3">
+    <dgm:fillClrLst meth="repeat">
+      <a:schemeClr val="lt1">
+        <a:alpha val="90000"/>
+      </a:schemeClr>
+    </dgm:fillClrLst>
+    <dgm:linClrLst meth="repeat">
+      <a:schemeClr val="accent6"/>
+    </dgm:linClrLst>
+    <dgm:effectClrLst/>
+    <dgm:txLinClrLst/>
+    <dgm:txFillClrLst meth="repeat">
+      <a:schemeClr val="dk1"/>
+    </dgm:txFillClrLst>
+    <dgm:txEffectClrLst/>
+  </dgm:styleLbl>
+  <dgm:styleLbl name="fgAcc4">
+    <dgm:fillClrLst meth="repeat">
+      <a:schemeClr val="lt1">
+        <a:alpha val="90000"/>
+      </a:schemeClr>
+    </dgm:fillClrLst>
+    <dgm:linClrLst meth="repeat">
+      <a:schemeClr val="accent6"/>
+    </dgm:linClrLst>
+    <dgm:effectClrLst/>
+    <dgm:txLinClrLst/>
+    <dgm:txFillClrLst meth="repeat">
+      <a:schemeClr val="dk1"/>
+    </dgm:txFillClrLst>
+    <dgm:txEffectClrLst/>
+  </dgm:styleLbl>
+  <dgm:styleLbl name="bgShp">
+    <dgm:fillClrLst meth="repeat">
+      <a:schemeClr val="accent6">
+        <a:tint val="40000"/>
+      </a:schemeClr>
+    </dgm:fillClrLst>
+    <dgm:linClrLst meth="repeat">
+      <a:schemeClr val="accent6"/>
+    </dgm:linClrLst>
+    <dgm:effectClrLst/>
+    <dgm:txLinClrLst/>
+    <dgm:txFillClrLst meth="repeat">
+      <a:schemeClr val="dk1"/>
+    </dgm:txFillClrLst>
+    <dgm:txEffectClrLst/>
+  </dgm:styleLbl>
+  <dgm:styleLbl name="dkBgShp">
+    <dgm:fillClrLst meth="repeat">
+      <a:schemeClr val="accent6">
+        <a:shade val="80000"/>
+      </a:schemeClr>
+    </dgm:fillClrLst>
+    <dgm:linClrLst meth="repeat">
+      <a:schemeClr val="accent6"/>
+    </dgm:linClrLst>
+    <dgm:effectClrLst/>
+    <dgm:txLinClrLst/>
+    <dgm:txFillClrLst meth="repeat">
+      <a:schemeClr val="lt1"/>
+    </dgm:txFillClrLst>
+    <dgm:txEffectClrLst/>
+  </dgm:styleLbl>
+  <dgm:styleLbl name="trBgShp">
+    <dgm:fillClrLst meth="repeat">
+      <a:schemeClr val="accent6">
+        <a:tint val="50000"/>
+        <a:alpha val="40000"/>
+      </a:schemeClr>
+    </dgm:fillClrLst>
+    <dgm:linClrLst meth="repeat">
+      <a:schemeClr val="accent6"/>
+    </dgm:linClrLst>
+    <dgm:effectClrLst/>
+    <dgm:txLinClrLst/>
+    <dgm:txFillClrLst meth="repeat">
+      <a:schemeClr val="lt1"/>
+    </dgm:txFillClrLst>
+    <dgm:txEffectClrLst/>
+  </dgm:styleLbl>
+  <dgm:styleLbl name="fgShp">
+    <dgm:fillClrLst meth="repeat">
+      <a:schemeClr val="accent6">
+        <a:tint val="60000"/>
+      </a:schemeClr>
+    </dgm:fillClrLst>
+    <dgm:linClrLst meth="repeat">
+      <a:schemeClr val="lt1"/>
+    </dgm:linClrLst>
+    <dgm:effectClrLst/>
+    <dgm:txLinClrLst/>
+    <dgm:txFillClrLst meth="repeat">
+      <a:schemeClr val="dk1"/>
+    </dgm:txFillClrLst>
+    <dgm:txEffectClrLst/>
+  </dgm:styleLbl>
+  <dgm:styleLbl name="revTx">
+    <dgm:fillClrLst meth="repeat">
+      <a:schemeClr val="lt1">
+        <a:alpha val="0"/>
+      </a:schemeClr>
+    </dgm:fillClrLst>
+    <dgm:linClrLst meth="repeat">
+      <a:schemeClr val="dk1">
+        <a:alpha val="0"/>
+      </a:schemeClr>
+    </dgm:linClrLst>
+    <dgm:effectClrLst/>
+    <dgm:txLinClrLst/>
+    <dgm:txFillClrLst meth="repeat">
+      <a:schemeClr val="tx1"/>
+    </dgm:txFillClrLst>
+    <dgm:txEffectClrLst/>
+  </dgm:styleLbl>
+</dgm:colorsDef>
+</file>
+
 <file path=ppt/diagrams/data1.xml><?xml version="1.0" encoding="utf-8"?>
 <dgm:dataModel xmlns:dgm="http://schemas.openxmlformats.org/drawingml/2006/diagram" xmlns:a="http://schemas.openxmlformats.org/drawingml/2006/main">
   <dgm:ptLst>
     <dgm:pt modelId="{B1FF7010-062C-4BBC-B009-670B386BF210}" type="doc">
-      <dgm:prSet loTypeId="urn:microsoft.com/office/officeart/2005/8/layout/vList2" loCatId="list" qsTypeId="urn:microsoft.com/office/officeart/2005/8/quickstyle/simple1" qsCatId="simple" csTypeId="urn:microsoft.com/office/officeart/2005/8/colors/accent1_2" csCatId="accent1"/>
+      <dgm:prSet loTypeId="urn:microsoft.com/office/officeart/2005/8/layout/vProcess5" loCatId="process" qsTypeId="urn:microsoft.com/office/officeart/2005/8/quickstyle/simple5" qsCatId="simple" csTypeId="urn:microsoft.com/office/officeart/2005/8/colors/accent0_3" csCatId="mainScheme"/>
       <dgm:spPr/>
       <dgm:t>
         <a:bodyPr/>
@@ -1672,7 +1677,7 @@
         <a:lstStyle/>
         <a:p>
           <a:r>
-            <a:rPr lang="en-US"/>
+            <a:rPr lang="en-US" dirty="0"/>
             <a:t>Brief introduction to AoE4 matchmaking challenges.</a:t>
           </a:r>
         </a:p>
@@ -1708,7 +1713,7 @@
         <a:lstStyle/>
         <a:p>
           <a:r>
-            <a:rPr lang="en-US"/>
+            <a:rPr lang="en-US" dirty="0"/>
             <a:t>Objective: Fair, balanced matches using ML &amp; Clustering.</a:t>
           </a:r>
         </a:p>
@@ -1744,7 +1749,7 @@
         <a:lstStyle/>
         <a:p>
           <a:r>
-            <a:rPr lang="en-US"/>
+            <a:rPr lang="en-US" dirty="0"/>
             <a:t>Traditional matchmaking system vs ML based matchmaking system</a:t>
           </a:r>
         </a:p>
@@ -1772,58 +1777,105 @@
         </a:p>
       </dgm:t>
     </dgm:pt>
-    <dgm:pt modelId="{A90801B8-B71C-4AF3-8055-E959D4BF5FC1}" type="pres">
-      <dgm:prSet presAssocID="{B1FF7010-062C-4BBC-B009-670B386BF210}" presName="linear" presStyleCnt="0">
+    <dgm:pt modelId="{773DEC5F-07A2-4DC7-BA14-FC9A06A3C3CB}" type="pres">
+      <dgm:prSet presAssocID="{B1FF7010-062C-4BBC-B009-670B386BF210}" presName="outerComposite" presStyleCnt="0">
         <dgm:presLayoutVars>
-          <dgm:animLvl val="lvl"/>
+          <dgm:chMax val="5"/>
+          <dgm:dir/>
           <dgm:resizeHandles val="exact"/>
         </dgm:presLayoutVars>
       </dgm:prSet>
       <dgm:spPr/>
     </dgm:pt>
-    <dgm:pt modelId="{ACB494E2-297D-4C31-88DE-F9E7FADD24BB}" type="pres">
-      <dgm:prSet presAssocID="{CE1ACB62-1CCA-4704-B95A-3916E4C55658}" presName="parentText" presStyleLbl="node1" presStyleIdx="0" presStyleCnt="4">
+    <dgm:pt modelId="{943BABC0-396A-4995-9039-7F1F8C751D57}" type="pres">
+      <dgm:prSet presAssocID="{B1FF7010-062C-4BBC-B009-670B386BF210}" presName="dummyMaxCanvas" presStyleCnt="0">
+        <dgm:presLayoutVars/>
+      </dgm:prSet>
+      <dgm:spPr/>
+    </dgm:pt>
+    <dgm:pt modelId="{04E051A7-AF17-49BE-9635-1D63FC8762C5}" type="pres">
+      <dgm:prSet presAssocID="{B1FF7010-062C-4BBC-B009-670B386BF210}" presName="FourNodes_1" presStyleLbl="node1" presStyleIdx="0" presStyleCnt="4">
         <dgm:presLayoutVars>
-          <dgm:chMax val="0"/>
           <dgm:bulletEnabled val="1"/>
         </dgm:presLayoutVars>
       </dgm:prSet>
       <dgm:spPr/>
     </dgm:pt>
-    <dgm:pt modelId="{A571A6C6-EA5C-4411-AD76-A67DB9B7BCA3}" type="pres">
-      <dgm:prSet presAssocID="{147B5738-8E44-4C8F-B8E3-9F312C0FD220}" presName="spacer" presStyleCnt="0"/>
-      <dgm:spPr/>
-    </dgm:pt>
-    <dgm:pt modelId="{E0356770-02CE-43F5-B2D3-47B55F9C52E2}" type="pres">
-      <dgm:prSet presAssocID="{A4EBCB11-F233-418A-A382-9413055E4A16}" presName="parentText" presStyleLbl="node1" presStyleIdx="1" presStyleCnt="4">
+    <dgm:pt modelId="{D704FB58-9B9C-430B-B781-43CF403AFC54}" type="pres">
+      <dgm:prSet presAssocID="{B1FF7010-062C-4BBC-B009-670B386BF210}" presName="FourNodes_2" presStyleLbl="node1" presStyleIdx="1" presStyleCnt="4">
         <dgm:presLayoutVars>
-          <dgm:chMax val="0"/>
           <dgm:bulletEnabled val="1"/>
         </dgm:presLayoutVars>
       </dgm:prSet>
       <dgm:spPr/>
     </dgm:pt>
-    <dgm:pt modelId="{A0F96501-2F33-46CF-B836-7458C73AEEAC}" type="pres">
-      <dgm:prSet presAssocID="{F2A72625-A7F8-4597-A4AD-F055584922F7}" presName="spacer" presStyleCnt="0"/>
-      <dgm:spPr/>
-    </dgm:pt>
-    <dgm:pt modelId="{5F72B45C-22CC-4010-A7A3-7654350A9309}" type="pres">
-      <dgm:prSet presAssocID="{E169CA80-FAB0-4582-BB22-B2F7F0E69DF7}" presName="parentText" presStyleLbl="node1" presStyleIdx="2" presStyleCnt="4">
+    <dgm:pt modelId="{F70D9A8D-57AD-4C89-B8D5-C3CEDD286807}" type="pres">
+      <dgm:prSet presAssocID="{B1FF7010-062C-4BBC-B009-670B386BF210}" presName="FourNodes_3" presStyleLbl="node1" presStyleIdx="2" presStyleCnt="4">
         <dgm:presLayoutVars>
-          <dgm:chMax val="0"/>
           <dgm:bulletEnabled val="1"/>
         </dgm:presLayoutVars>
       </dgm:prSet>
       <dgm:spPr/>
     </dgm:pt>
-    <dgm:pt modelId="{1A2A06DB-46E5-4D36-8298-50353A998894}" type="pres">
-      <dgm:prSet presAssocID="{9C1425D9-03FB-4DF1-8CEF-E7B3A55DC9D1}" presName="spacer" presStyleCnt="0"/>
+    <dgm:pt modelId="{E94B2BEE-550E-44DA-B97B-671821312375}" type="pres">
+      <dgm:prSet presAssocID="{B1FF7010-062C-4BBC-B009-670B386BF210}" presName="FourNodes_4" presStyleLbl="node1" presStyleIdx="3" presStyleCnt="4">
+        <dgm:presLayoutVars>
+          <dgm:bulletEnabled val="1"/>
+        </dgm:presLayoutVars>
+      </dgm:prSet>
       <dgm:spPr/>
     </dgm:pt>
-    <dgm:pt modelId="{DC2E4880-E226-4DD1-BA6F-008A1CD4A936}" type="pres">
-      <dgm:prSet presAssocID="{868A9156-3AC8-4188-BAC3-0E676F4CB4D3}" presName="parentText" presStyleLbl="node1" presStyleIdx="3" presStyleCnt="4">
+    <dgm:pt modelId="{BCAB322E-A459-4CFD-BE2D-0FA172441910}" type="pres">
+      <dgm:prSet presAssocID="{B1FF7010-062C-4BBC-B009-670B386BF210}" presName="FourConn_1-2" presStyleLbl="fgAccFollowNode1" presStyleIdx="0" presStyleCnt="3">
         <dgm:presLayoutVars>
-          <dgm:chMax val="0"/>
+          <dgm:bulletEnabled val="1"/>
+        </dgm:presLayoutVars>
+      </dgm:prSet>
+      <dgm:spPr/>
+    </dgm:pt>
+    <dgm:pt modelId="{4655B8B5-6370-4BB9-940F-1C1C0A68FDCF}" type="pres">
+      <dgm:prSet presAssocID="{B1FF7010-062C-4BBC-B009-670B386BF210}" presName="FourConn_2-3" presStyleLbl="fgAccFollowNode1" presStyleIdx="1" presStyleCnt="3">
+        <dgm:presLayoutVars>
+          <dgm:bulletEnabled val="1"/>
+        </dgm:presLayoutVars>
+      </dgm:prSet>
+      <dgm:spPr/>
+    </dgm:pt>
+    <dgm:pt modelId="{E41D9BE8-E5D7-47A5-92ED-CD8A62AAB42E}" type="pres">
+      <dgm:prSet presAssocID="{B1FF7010-062C-4BBC-B009-670B386BF210}" presName="FourConn_3-4" presStyleLbl="fgAccFollowNode1" presStyleIdx="2" presStyleCnt="3">
+        <dgm:presLayoutVars>
+          <dgm:bulletEnabled val="1"/>
+        </dgm:presLayoutVars>
+      </dgm:prSet>
+      <dgm:spPr/>
+    </dgm:pt>
+    <dgm:pt modelId="{7F68AEBC-1ADF-4063-851B-6D228F0C8265}" type="pres">
+      <dgm:prSet presAssocID="{B1FF7010-062C-4BBC-B009-670B386BF210}" presName="FourNodes_1_text" presStyleLbl="node1" presStyleIdx="3" presStyleCnt="4">
+        <dgm:presLayoutVars>
+          <dgm:bulletEnabled val="1"/>
+        </dgm:presLayoutVars>
+      </dgm:prSet>
+      <dgm:spPr/>
+    </dgm:pt>
+    <dgm:pt modelId="{A6DAB29D-CB0A-441D-880B-11A0979C6799}" type="pres">
+      <dgm:prSet presAssocID="{B1FF7010-062C-4BBC-B009-670B386BF210}" presName="FourNodes_2_text" presStyleLbl="node1" presStyleIdx="3" presStyleCnt="4">
+        <dgm:presLayoutVars>
+          <dgm:bulletEnabled val="1"/>
+        </dgm:presLayoutVars>
+      </dgm:prSet>
+      <dgm:spPr/>
+    </dgm:pt>
+    <dgm:pt modelId="{63943ABB-7D7D-402D-B145-13F9017B2D49}" type="pres">
+      <dgm:prSet presAssocID="{B1FF7010-062C-4BBC-B009-670B386BF210}" presName="FourNodes_3_text" presStyleLbl="node1" presStyleIdx="3" presStyleCnt="4">
+        <dgm:presLayoutVars>
+          <dgm:bulletEnabled val="1"/>
+        </dgm:presLayoutVars>
+      </dgm:prSet>
+      <dgm:spPr/>
+    </dgm:pt>
+    <dgm:pt modelId="{8205F4BB-FE40-43C7-BEE1-98BA71C974AD}" type="pres">
+      <dgm:prSet presAssocID="{B1FF7010-062C-4BBC-B009-670B386BF210}" presName="FourNodes_4_text" presStyleLbl="node1" presStyleIdx="3" presStyleCnt="4">
+        <dgm:presLayoutVars>
           <dgm:bulletEnabled val="1"/>
         </dgm:presLayoutVars>
       </dgm:prSet>
@@ -1831,28 +1883,40 @@
     </dgm:pt>
   </dgm:ptLst>
   <dgm:cxnLst>
-    <dgm:cxn modelId="{46C7580A-BBA2-4238-8627-8803030142A7}" type="presOf" srcId="{B1FF7010-062C-4BBC-B009-670B386BF210}" destId="{A90801B8-B71C-4AF3-8055-E959D4BF5FC1}" srcOrd="0" destOrd="0" presId="urn:microsoft.com/office/officeart/2005/8/layout/vList2"/>
     <dgm:cxn modelId="{E305171C-7096-4DCB-A328-A20A18A23DC0}" srcId="{B1FF7010-062C-4BBC-B009-670B386BF210}" destId="{A4EBCB11-F233-418A-A382-9413055E4A16}" srcOrd="1" destOrd="0" parTransId="{4919F920-73AA-4DB8-86B8-50E7DDF860E8}" sibTransId="{F2A72625-A7F8-4597-A4AD-F055584922F7}"/>
+    <dgm:cxn modelId="{B0B9FD1E-8FC8-4CC7-A5D8-DA686991E0F0}" type="presOf" srcId="{CE1ACB62-1CCA-4704-B95A-3916E4C55658}" destId="{7F68AEBC-1ADF-4063-851B-6D228F0C8265}" srcOrd="1" destOrd="0" presId="urn:microsoft.com/office/officeart/2005/8/layout/vProcess5"/>
+    <dgm:cxn modelId="{5538EE2B-6765-4A54-A123-4749937CE6EB}" type="presOf" srcId="{E169CA80-FAB0-4582-BB22-B2F7F0E69DF7}" destId="{63943ABB-7D7D-402D-B145-13F9017B2D49}" srcOrd="1" destOrd="0" presId="urn:microsoft.com/office/officeart/2005/8/layout/vProcess5"/>
     <dgm:cxn modelId="{2F802D3A-6F79-4D70-879A-C04BF0DD9F51}" srcId="{B1FF7010-062C-4BBC-B009-670B386BF210}" destId="{E169CA80-FAB0-4582-BB22-B2F7F0E69DF7}" srcOrd="2" destOrd="0" parTransId="{3AE74DC8-48CD-405E-A54B-F1E988769433}" sibTransId="{9C1425D9-03FB-4DF1-8CEF-E7B3A55DC9D1}"/>
-    <dgm:cxn modelId="{0A47AE3F-9F19-40A6-82EE-005146DA685D}" type="presOf" srcId="{E169CA80-FAB0-4582-BB22-B2F7F0E69DF7}" destId="{5F72B45C-22CC-4010-A7A3-7654350A9309}" srcOrd="0" destOrd="0" presId="urn:microsoft.com/office/officeart/2005/8/layout/vList2"/>
+    <dgm:cxn modelId="{13B33A5B-C7EB-496D-88DB-6A5D6C865710}" type="presOf" srcId="{9C1425D9-03FB-4DF1-8CEF-E7B3A55DC9D1}" destId="{E41D9BE8-E5D7-47A5-92ED-CD8A62AAB42E}" srcOrd="0" destOrd="0" presId="urn:microsoft.com/office/officeart/2005/8/layout/vProcess5"/>
+    <dgm:cxn modelId="{83ED155E-183F-4707-849F-C84B54BA137E}" type="presOf" srcId="{A4EBCB11-F233-418A-A382-9413055E4A16}" destId="{A6DAB29D-CB0A-441D-880B-11A0979C6799}" srcOrd="1" destOrd="0" presId="urn:microsoft.com/office/officeart/2005/8/layout/vProcess5"/>
     <dgm:cxn modelId="{2A2E9663-EE30-4BF8-9225-2447F63D062E}" srcId="{B1FF7010-062C-4BBC-B009-670B386BF210}" destId="{CE1ACB62-1CCA-4704-B95A-3916E4C55658}" srcOrd="0" destOrd="0" parTransId="{2064A736-2511-46DF-8408-0A7236D178EC}" sibTransId="{147B5738-8E44-4C8F-B8E3-9F312C0FD220}"/>
+    <dgm:cxn modelId="{B6C07070-ED35-4B16-A180-7171BE8D9732}" type="presOf" srcId="{F2A72625-A7F8-4597-A4AD-F055584922F7}" destId="{4655B8B5-6370-4BB9-940F-1C1C0A68FDCF}" srcOrd="0" destOrd="0" presId="urn:microsoft.com/office/officeart/2005/8/layout/vProcess5"/>
     <dgm:cxn modelId="{EFF5E252-82E4-406A-8B57-B26EA02FC7D4}" srcId="{B1FF7010-062C-4BBC-B009-670B386BF210}" destId="{868A9156-3AC8-4188-BAC3-0E676F4CB4D3}" srcOrd="3" destOrd="0" parTransId="{39F6AD7D-8108-41BD-98F4-3DB74DF138A8}" sibTransId="{E764FD86-59D0-450E-8141-9242ACA646C5}"/>
-    <dgm:cxn modelId="{2FF2DB75-8092-4E93-8143-9AEC29919928}" type="presOf" srcId="{CE1ACB62-1CCA-4704-B95A-3916E4C55658}" destId="{ACB494E2-297D-4C31-88DE-F9E7FADD24BB}" srcOrd="0" destOrd="0" presId="urn:microsoft.com/office/officeart/2005/8/layout/vList2"/>
-    <dgm:cxn modelId="{84A8D08B-8428-45BD-8797-635FD0B8A641}" type="presOf" srcId="{A4EBCB11-F233-418A-A382-9413055E4A16}" destId="{E0356770-02CE-43F5-B2D3-47B55F9C52E2}" srcOrd="0" destOrd="0" presId="urn:microsoft.com/office/officeart/2005/8/layout/vList2"/>
-    <dgm:cxn modelId="{BF040DD5-DF97-44A5-8BD2-FF565F391949}" type="presOf" srcId="{868A9156-3AC8-4188-BAC3-0E676F4CB4D3}" destId="{DC2E4880-E226-4DD1-BA6F-008A1CD4A936}" srcOrd="0" destOrd="0" presId="urn:microsoft.com/office/officeart/2005/8/layout/vList2"/>
-    <dgm:cxn modelId="{53FB564F-75B5-4529-90EC-305F5C22A6E4}" type="presParOf" srcId="{A90801B8-B71C-4AF3-8055-E959D4BF5FC1}" destId="{ACB494E2-297D-4C31-88DE-F9E7FADD24BB}" srcOrd="0" destOrd="0" presId="urn:microsoft.com/office/officeart/2005/8/layout/vList2"/>
-    <dgm:cxn modelId="{21F868A7-36C8-4D54-97AE-EDFC927286E7}" type="presParOf" srcId="{A90801B8-B71C-4AF3-8055-E959D4BF5FC1}" destId="{A571A6C6-EA5C-4411-AD76-A67DB9B7BCA3}" srcOrd="1" destOrd="0" presId="urn:microsoft.com/office/officeart/2005/8/layout/vList2"/>
-    <dgm:cxn modelId="{651B0C1D-2E1D-4971-B295-DCE88E31D4B1}" type="presParOf" srcId="{A90801B8-B71C-4AF3-8055-E959D4BF5FC1}" destId="{E0356770-02CE-43F5-B2D3-47B55F9C52E2}" srcOrd="2" destOrd="0" presId="urn:microsoft.com/office/officeart/2005/8/layout/vList2"/>
-    <dgm:cxn modelId="{1F31D785-FF6F-4CC1-9675-24ABB8752D7D}" type="presParOf" srcId="{A90801B8-B71C-4AF3-8055-E959D4BF5FC1}" destId="{A0F96501-2F33-46CF-B836-7458C73AEEAC}" srcOrd="3" destOrd="0" presId="urn:microsoft.com/office/officeart/2005/8/layout/vList2"/>
-    <dgm:cxn modelId="{9076FABE-03DD-49A2-9B30-E462CF8956FA}" type="presParOf" srcId="{A90801B8-B71C-4AF3-8055-E959D4BF5FC1}" destId="{5F72B45C-22CC-4010-A7A3-7654350A9309}" srcOrd="4" destOrd="0" presId="urn:microsoft.com/office/officeart/2005/8/layout/vList2"/>
-    <dgm:cxn modelId="{1997A9EA-7E65-482F-9FEA-39792415680F}" type="presParOf" srcId="{A90801B8-B71C-4AF3-8055-E959D4BF5FC1}" destId="{1A2A06DB-46E5-4D36-8298-50353A998894}" srcOrd="5" destOrd="0" presId="urn:microsoft.com/office/officeart/2005/8/layout/vList2"/>
-    <dgm:cxn modelId="{9FED0D4F-CFC3-4141-888E-68C04BF134B1}" type="presParOf" srcId="{A90801B8-B71C-4AF3-8055-E959D4BF5FC1}" destId="{DC2E4880-E226-4DD1-BA6F-008A1CD4A936}" srcOrd="6" destOrd="0" presId="urn:microsoft.com/office/officeart/2005/8/layout/vList2"/>
+    <dgm:cxn modelId="{B091E788-9352-49D6-8765-82890C39CF61}" type="presOf" srcId="{E169CA80-FAB0-4582-BB22-B2F7F0E69DF7}" destId="{F70D9A8D-57AD-4C89-B8D5-C3CEDD286807}" srcOrd="0" destOrd="0" presId="urn:microsoft.com/office/officeart/2005/8/layout/vProcess5"/>
+    <dgm:cxn modelId="{6012DDBC-00CF-408C-8891-835750BDF5C6}" type="presOf" srcId="{CE1ACB62-1CCA-4704-B95A-3916E4C55658}" destId="{04E051A7-AF17-49BE-9635-1D63FC8762C5}" srcOrd="0" destOrd="0" presId="urn:microsoft.com/office/officeart/2005/8/layout/vProcess5"/>
+    <dgm:cxn modelId="{1B0005DA-19BE-4494-9380-B525B0EDC153}" type="presOf" srcId="{868A9156-3AC8-4188-BAC3-0E676F4CB4D3}" destId="{8205F4BB-FE40-43C7-BEE1-98BA71C974AD}" srcOrd="1" destOrd="0" presId="urn:microsoft.com/office/officeart/2005/8/layout/vProcess5"/>
+    <dgm:cxn modelId="{D1C32DE2-2495-4FCF-8220-B238F1239AAE}" type="presOf" srcId="{868A9156-3AC8-4188-BAC3-0E676F4CB4D3}" destId="{E94B2BEE-550E-44DA-B97B-671821312375}" srcOrd="0" destOrd="0" presId="urn:microsoft.com/office/officeart/2005/8/layout/vProcess5"/>
+    <dgm:cxn modelId="{B0AB17F4-351E-41D7-8CF0-23B21EB21E7F}" type="presOf" srcId="{147B5738-8E44-4C8F-B8E3-9F312C0FD220}" destId="{BCAB322E-A459-4CFD-BE2D-0FA172441910}" srcOrd="0" destOrd="0" presId="urn:microsoft.com/office/officeart/2005/8/layout/vProcess5"/>
+    <dgm:cxn modelId="{B18788FC-6E80-4A0E-9E4F-6CDAAD407B8C}" type="presOf" srcId="{A4EBCB11-F233-418A-A382-9413055E4A16}" destId="{D704FB58-9B9C-430B-B781-43CF403AFC54}" srcOrd="0" destOrd="0" presId="urn:microsoft.com/office/officeart/2005/8/layout/vProcess5"/>
+    <dgm:cxn modelId="{ED7D39FD-E6B1-4238-8D8F-BF239408325A}" type="presOf" srcId="{B1FF7010-062C-4BBC-B009-670B386BF210}" destId="{773DEC5F-07A2-4DC7-BA14-FC9A06A3C3CB}" srcOrd="0" destOrd="0" presId="urn:microsoft.com/office/officeart/2005/8/layout/vProcess5"/>
+    <dgm:cxn modelId="{E6B48B33-F27B-4A96-B114-75BEF688C315}" type="presParOf" srcId="{773DEC5F-07A2-4DC7-BA14-FC9A06A3C3CB}" destId="{943BABC0-396A-4995-9039-7F1F8C751D57}" srcOrd="0" destOrd="0" presId="urn:microsoft.com/office/officeart/2005/8/layout/vProcess5"/>
+    <dgm:cxn modelId="{FCC4AB4A-343B-457D-B732-34074BFDEFAC}" type="presParOf" srcId="{773DEC5F-07A2-4DC7-BA14-FC9A06A3C3CB}" destId="{04E051A7-AF17-49BE-9635-1D63FC8762C5}" srcOrd="1" destOrd="0" presId="urn:microsoft.com/office/officeart/2005/8/layout/vProcess5"/>
+    <dgm:cxn modelId="{E73904A8-9826-42D9-9C3F-744BF609A1F3}" type="presParOf" srcId="{773DEC5F-07A2-4DC7-BA14-FC9A06A3C3CB}" destId="{D704FB58-9B9C-430B-B781-43CF403AFC54}" srcOrd="2" destOrd="0" presId="urn:microsoft.com/office/officeart/2005/8/layout/vProcess5"/>
+    <dgm:cxn modelId="{36A7EB0B-97B7-46D7-A600-88F1D8A35D88}" type="presParOf" srcId="{773DEC5F-07A2-4DC7-BA14-FC9A06A3C3CB}" destId="{F70D9A8D-57AD-4C89-B8D5-C3CEDD286807}" srcOrd="3" destOrd="0" presId="urn:microsoft.com/office/officeart/2005/8/layout/vProcess5"/>
+    <dgm:cxn modelId="{DCE58188-7089-4FE2-A152-F55575162A3F}" type="presParOf" srcId="{773DEC5F-07A2-4DC7-BA14-FC9A06A3C3CB}" destId="{E94B2BEE-550E-44DA-B97B-671821312375}" srcOrd="4" destOrd="0" presId="urn:microsoft.com/office/officeart/2005/8/layout/vProcess5"/>
+    <dgm:cxn modelId="{32625736-0F32-4460-881E-52A80FA7C32D}" type="presParOf" srcId="{773DEC5F-07A2-4DC7-BA14-FC9A06A3C3CB}" destId="{BCAB322E-A459-4CFD-BE2D-0FA172441910}" srcOrd="5" destOrd="0" presId="urn:microsoft.com/office/officeart/2005/8/layout/vProcess5"/>
+    <dgm:cxn modelId="{CCC32674-24EE-465D-B305-E3DEE134F90F}" type="presParOf" srcId="{773DEC5F-07A2-4DC7-BA14-FC9A06A3C3CB}" destId="{4655B8B5-6370-4BB9-940F-1C1C0A68FDCF}" srcOrd="6" destOrd="0" presId="urn:microsoft.com/office/officeart/2005/8/layout/vProcess5"/>
+    <dgm:cxn modelId="{47E00F4D-48A6-41A0-A3FB-2C8D6B583063}" type="presParOf" srcId="{773DEC5F-07A2-4DC7-BA14-FC9A06A3C3CB}" destId="{E41D9BE8-E5D7-47A5-92ED-CD8A62AAB42E}" srcOrd="7" destOrd="0" presId="urn:microsoft.com/office/officeart/2005/8/layout/vProcess5"/>
+    <dgm:cxn modelId="{4792C733-EC6A-4931-9DF5-A84642252517}" type="presParOf" srcId="{773DEC5F-07A2-4DC7-BA14-FC9A06A3C3CB}" destId="{7F68AEBC-1ADF-4063-851B-6D228F0C8265}" srcOrd="8" destOrd="0" presId="urn:microsoft.com/office/officeart/2005/8/layout/vProcess5"/>
+    <dgm:cxn modelId="{B4C7BE16-5495-4F49-8FCD-83C891C2B56C}" type="presParOf" srcId="{773DEC5F-07A2-4DC7-BA14-FC9A06A3C3CB}" destId="{A6DAB29D-CB0A-441D-880B-11A0979C6799}" srcOrd="9" destOrd="0" presId="urn:microsoft.com/office/officeart/2005/8/layout/vProcess5"/>
+    <dgm:cxn modelId="{9A22886D-4117-4FB8-B6ED-6AAF4F904531}" type="presParOf" srcId="{773DEC5F-07A2-4DC7-BA14-FC9A06A3C3CB}" destId="{63943ABB-7D7D-402D-B145-13F9017B2D49}" srcOrd="10" destOrd="0" presId="urn:microsoft.com/office/officeart/2005/8/layout/vProcess5"/>
+    <dgm:cxn modelId="{F1D749B1-000B-437A-81A7-56B24757DDC5}" type="presParOf" srcId="{773DEC5F-07A2-4DC7-BA14-FC9A06A3C3CB}" destId="{8205F4BB-FE40-43C7-BEE1-98BA71C974AD}" srcOrd="11" destOrd="0" presId="urn:microsoft.com/office/officeart/2005/8/layout/vProcess5"/>
   </dgm:cxnLst>
   <dgm:bg/>
   <dgm:whole/>
   <dgm:extLst>
     <a:ext uri="http://schemas.microsoft.com/office/drawing/2008/diagram">
-      <dsp:dataModelExt xmlns:dsp="http://schemas.microsoft.com/office/drawing/2008/diagram" relId="rId6" minVer="http://schemas.openxmlformats.org/drawingml/2006/diagram"/>
+      <dsp:dataModelExt xmlns:dsp="http://schemas.microsoft.com/office/drawing/2008/diagram" relId="rId7" minVer="http://schemas.openxmlformats.org/drawingml/2006/diagram"/>
     </a:ext>
   </dgm:extLst>
 </dgm:dataModel>
@@ -1862,7 +1926,7 @@
 <dgm:dataModel xmlns:dgm="http://schemas.openxmlformats.org/drawingml/2006/diagram" xmlns:a="http://schemas.openxmlformats.org/drawingml/2006/main">
   <dgm:ptLst>
     <dgm:pt modelId="{2CC91F0E-6B63-4918-82AC-C7A970321E62}" type="doc">
-      <dgm:prSet loTypeId="urn:microsoft.com/office/officeart/2005/8/layout/vProcess5" loCatId="process" qsTypeId="urn:microsoft.com/office/officeart/2005/8/quickstyle/simple1" qsCatId="simple" csTypeId="urn:microsoft.com/office/officeart/2005/8/colors/accent0_3" csCatId="mainScheme"/>
+      <dgm:prSet loTypeId="urn:microsoft.com/office/officeart/2005/8/layout/vProcess5" loCatId="process" qsTypeId="urn:microsoft.com/office/officeart/2005/8/quickstyle/simple1" qsCatId="simple" csTypeId="urn:microsoft.com/office/officeart/2005/8/colors/accent6_2" csCatId="accent6"/>
       <dgm:spPr/>
       <dgm:t>
         <a:bodyPr/>
@@ -1980,7 +2044,7 @@
         </a:p>
       </dgm:t>
     </dgm:pt>
-    <dgm:pt modelId="{3A9454E1-39B6-4D3C-939E-DC9CB7EB2007}" type="pres">
+    <dgm:pt modelId="{3737070A-9330-44B6-A3FA-85FAD6542772}" type="pres">
       <dgm:prSet presAssocID="{2CC91F0E-6B63-4918-82AC-C7A970321E62}" presName="outerComposite" presStyleCnt="0">
         <dgm:presLayoutVars>
           <dgm:chMax val="5"/>
@@ -1990,13 +2054,13 @@
       </dgm:prSet>
       <dgm:spPr/>
     </dgm:pt>
-    <dgm:pt modelId="{7BDF4D93-7DA6-4A8A-8C2D-F20A2D88D7DC}" type="pres">
+    <dgm:pt modelId="{3B2CCE25-3E7F-4EBD-840C-4F8F0D63E2B2}" type="pres">
       <dgm:prSet presAssocID="{2CC91F0E-6B63-4918-82AC-C7A970321E62}" presName="dummyMaxCanvas" presStyleCnt="0">
         <dgm:presLayoutVars/>
       </dgm:prSet>
       <dgm:spPr/>
     </dgm:pt>
-    <dgm:pt modelId="{6CAACCA3-C7A3-42CD-98FC-26A5E49FFD03}" type="pres">
+    <dgm:pt modelId="{29DD6B0D-2C1C-4198-8E51-75571EABCB4A}" type="pres">
       <dgm:prSet presAssocID="{2CC91F0E-6B63-4918-82AC-C7A970321E62}" presName="ThreeNodes_1" presStyleLbl="node1" presStyleIdx="0" presStyleCnt="3">
         <dgm:presLayoutVars>
           <dgm:bulletEnabled val="1"/>
@@ -2004,7 +2068,7 @@
       </dgm:prSet>
       <dgm:spPr/>
     </dgm:pt>
-    <dgm:pt modelId="{390ACB07-C2CF-4751-B8F4-5F682994CFA6}" type="pres">
+    <dgm:pt modelId="{CEFF7E38-9966-4323-8491-BC71EE3A0716}" type="pres">
       <dgm:prSet presAssocID="{2CC91F0E-6B63-4918-82AC-C7A970321E62}" presName="ThreeNodes_2" presStyleLbl="node1" presStyleIdx="1" presStyleCnt="3">
         <dgm:presLayoutVars>
           <dgm:bulletEnabled val="1"/>
@@ -2012,7 +2076,7 @@
       </dgm:prSet>
       <dgm:spPr/>
     </dgm:pt>
-    <dgm:pt modelId="{4B74A72E-0B31-49B8-97F3-48723F69D51D}" type="pres">
+    <dgm:pt modelId="{B01E385D-7BD2-414A-B8DD-8BF9BF3ABB8E}" type="pres">
       <dgm:prSet presAssocID="{2CC91F0E-6B63-4918-82AC-C7A970321E62}" presName="ThreeNodes_3" presStyleLbl="node1" presStyleIdx="2" presStyleCnt="3">
         <dgm:presLayoutVars>
           <dgm:bulletEnabled val="1"/>
@@ -2020,7 +2084,7 @@
       </dgm:prSet>
       <dgm:spPr/>
     </dgm:pt>
-    <dgm:pt modelId="{13A3F50D-9D5F-4C2C-B7B5-14061D9131D5}" type="pres">
+    <dgm:pt modelId="{9527C9F9-C0F1-4BA4-AEE0-DC832DC4404D}" type="pres">
       <dgm:prSet presAssocID="{2CC91F0E-6B63-4918-82AC-C7A970321E62}" presName="ThreeConn_1-2" presStyleLbl="fgAccFollowNode1" presStyleIdx="0" presStyleCnt="2">
         <dgm:presLayoutVars>
           <dgm:bulletEnabled val="1"/>
@@ -2028,7 +2092,7 @@
       </dgm:prSet>
       <dgm:spPr/>
     </dgm:pt>
-    <dgm:pt modelId="{ADD65A77-C42C-49FE-8602-C03A3BF1469F}" type="pres">
+    <dgm:pt modelId="{14BE8037-CDD7-419A-989E-768376D52AD5}" type="pres">
       <dgm:prSet presAssocID="{2CC91F0E-6B63-4918-82AC-C7A970321E62}" presName="ThreeConn_2-3" presStyleLbl="fgAccFollowNode1" presStyleIdx="1" presStyleCnt="2">
         <dgm:presLayoutVars>
           <dgm:bulletEnabled val="1"/>
@@ -2036,7 +2100,7 @@
       </dgm:prSet>
       <dgm:spPr/>
     </dgm:pt>
-    <dgm:pt modelId="{A5028F19-F018-4E1B-BDE3-DEBC4373FFFF}" type="pres">
+    <dgm:pt modelId="{9E72E343-BCE5-48D1-81CC-ABD4357192A3}" type="pres">
       <dgm:prSet presAssocID="{2CC91F0E-6B63-4918-82AC-C7A970321E62}" presName="ThreeNodes_1_text" presStyleLbl="node1" presStyleIdx="2" presStyleCnt="3">
         <dgm:presLayoutVars>
           <dgm:bulletEnabled val="1"/>
@@ -2044,7 +2108,7 @@
       </dgm:prSet>
       <dgm:spPr/>
     </dgm:pt>
-    <dgm:pt modelId="{63679530-92FF-41F2-891C-843D03519E73}" type="pres">
+    <dgm:pt modelId="{A6DF1A5E-F3A1-4F49-8074-0BAA22B6C6B0}" type="pres">
       <dgm:prSet presAssocID="{2CC91F0E-6B63-4918-82AC-C7A970321E62}" presName="ThreeNodes_2_text" presStyleLbl="node1" presStyleIdx="2" presStyleCnt="3">
         <dgm:presLayoutVars>
           <dgm:bulletEnabled val="1"/>
@@ -2052,7 +2116,7 @@
       </dgm:prSet>
       <dgm:spPr/>
     </dgm:pt>
-    <dgm:pt modelId="{E52BADBA-4548-44A9-9B3C-BF4BEF584620}" type="pres">
+    <dgm:pt modelId="{7A36DF09-9675-42B6-A5B7-9C596CFB5055}" type="pres">
       <dgm:prSet presAssocID="{2CC91F0E-6B63-4918-82AC-C7A970321E62}" presName="ThreeNodes_3_text" presStyleLbl="node1" presStyleIdx="2" presStyleCnt="3">
         <dgm:presLayoutVars>
           <dgm:bulletEnabled val="1"/>
@@ -2062,33 +2126,33 @@
     </dgm:pt>
   </dgm:ptLst>
   <dgm:cxnLst>
-    <dgm:cxn modelId="{F3F16B06-CEE2-4E72-8BAC-F8BA2D01D157}" type="presOf" srcId="{CE981C99-C72B-4E7C-BEE8-A00D8C774DD6}" destId="{63679530-92FF-41F2-891C-843D03519E73}" srcOrd="1" destOrd="0" presId="urn:microsoft.com/office/officeart/2005/8/layout/vProcess5"/>
-    <dgm:cxn modelId="{B1127D3C-0FF9-4F52-BC99-10576CE4FB97}" type="presOf" srcId="{2CC91F0E-6B63-4918-82AC-C7A970321E62}" destId="{3A9454E1-39B6-4D3C-939E-DC9CB7EB2007}" srcOrd="0" destOrd="0" presId="urn:microsoft.com/office/officeart/2005/8/layout/vProcess5"/>
-    <dgm:cxn modelId="{ECCDBC5B-201E-4B22-9E3B-B10FBA3830BB}" type="presOf" srcId="{52025C29-D3BB-4DAE-BE68-65D7390B1F18}" destId="{4B74A72E-0B31-49B8-97F3-48723F69D51D}" srcOrd="0" destOrd="0" presId="urn:microsoft.com/office/officeart/2005/8/layout/vProcess5"/>
-    <dgm:cxn modelId="{B7A0B44A-BBBF-416A-8EAA-A67D60BDE715}" type="presOf" srcId="{08BB3EB9-04D8-4CC2-B45C-B2E6E8C12AED}" destId="{A5028F19-F018-4E1B-BDE3-DEBC4373FFFF}" srcOrd="1" destOrd="0" presId="urn:microsoft.com/office/officeart/2005/8/layout/vProcess5"/>
+    <dgm:cxn modelId="{D6E5120D-E519-4CFD-A856-C4A83746376C}" type="presOf" srcId="{08BB3EB9-04D8-4CC2-B45C-B2E6E8C12AED}" destId="{29DD6B0D-2C1C-4198-8E51-75571EABCB4A}" srcOrd="0" destOrd="0" presId="urn:microsoft.com/office/officeart/2005/8/layout/vProcess5"/>
+    <dgm:cxn modelId="{7140FC19-34A6-4857-A8A7-46C6FD67BC20}" type="presOf" srcId="{52025C29-D3BB-4DAE-BE68-65D7390B1F18}" destId="{B01E385D-7BD2-414A-B8DD-8BF9BF3ABB8E}" srcOrd="0" destOrd="0" presId="urn:microsoft.com/office/officeart/2005/8/layout/vProcess5"/>
+    <dgm:cxn modelId="{15D1F65D-1060-42C8-80E0-1F584DE3578C}" type="presOf" srcId="{10005970-D1B1-4447-9CF2-75FA203772D6}" destId="{9527C9F9-C0F1-4BA4-AEE0-DC832DC4404D}" srcOrd="0" destOrd="0" presId="urn:microsoft.com/office/officeart/2005/8/layout/vProcess5"/>
+    <dgm:cxn modelId="{BE50A966-7BC8-46D9-BCFA-64B79DD91A48}" type="presOf" srcId="{52025C29-D3BB-4DAE-BE68-65D7390B1F18}" destId="{7A36DF09-9675-42B6-A5B7-9C596CFB5055}" srcOrd="1" destOrd="0" presId="urn:microsoft.com/office/officeart/2005/8/layout/vProcess5"/>
+    <dgm:cxn modelId="{51F4CE52-877A-425E-BD1E-3B72232BC501}" type="presOf" srcId="{CE981C99-C72B-4E7C-BEE8-A00D8C774DD6}" destId="{A6DF1A5E-F3A1-4F49-8074-0BAA22B6C6B0}" srcOrd="1" destOrd="0" presId="urn:microsoft.com/office/officeart/2005/8/layout/vProcess5"/>
     <dgm:cxn modelId="{33F88886-7108-491A-ABC2-36BE1501D4BF}" srcId="{2CC91F0E-6B63-4918-82AC-C7A970321E62}" destId="{08BB3EB9-04D8-4CC2-B45C-B2E6E8C12AED}" srcOrd="0" destOrd="0" parTransId="{76ED5DC9-B906-4D13-8174-22590D265F6E}" sibTransId="{10005970-D1B1-4447-9CF2-75FA203772D6}"/>
-    <dgm:cxn modelId="{E4499990-F85B-47B5-84F8-BD73727441BD}" type="presOf" srcId="{CE981C99-C72B-4E7C-BEE8-A00D8C774DD6}" destId="{390ACB07-C2CF-4751-B8F4-5F682994CFA6}" srcOrd="0" destOrd="0" presId="urn:microsoft.com/office/officeart/2005/8/layout/vProcess5"/>
-    <dgm:cxn modelId="{DBDDD793-58CE-472C-8901-2DFD0AE2D912}" type="presOf" srcId="{08BB3EB9-04D8-4CC2-B45C-B2E6E8C12AED}" destId="{6CAACCA3-C7A3-42CD-98FC-26A5E49FFD03}" srcOrd="0" destOrd="0" presId="urn:microsoft.com/office/officeart/2005/8/layout/vProcess5"/>
-    <dgm:cxn modelId="{12AA3DB3-052F-46FD-8CBE-BFC3A75EFFE0}" type="presOf" srcId="{6E1A5258-2C6A-432D-9CE6-73047569FF7C}" destId="{ADD65A77-C42C-49FE-8602-C03A3BF1469F}" srcOrd="0" destOrd="0" presId="urn:microsoft.com/office/officeart/2005/8/layout/vProcess5"/>
-    <dgm:cxn modelId="{D0EB9BC0-DC1C-46C1-8E36-7F0B893842D6}" type="presOf" srcId="{10005970-D1B1-4447-9CF2-75FA203772D6}" destId="{13A3F50D-9D5F-4C2C-B7B5-14061D9131D5}" srcOrd="0" destOrd="0" presId="urn:microsoft.com/office/officeart/2005/8/layout/vProcess5"/>
+    <dgm:cxn modelId="{23D833B8-41A7-4544-972A-A70485F379C2}" type="presOf" srcId="{6E1A5258-2C6A-432D-9CE6-73047569FF7C}" destId="{14BE8037-CDD7-419A-989E-768376D52AD5}" srcOrd="0" destOrd="0" presId="urn:microsoft.com/office/officeart/2005/8/layout/vProcess5"/>
     <dgm:cxn modelId="{0CD31EC1-3909-44FA-8F73-322769CF3958}" srcId="{2CC91F0E-6B63-4918-82AC-C7A970321E62}" destId="{CE981C99-C72B-4E7C-BEE8-A00D8C774DD6}" srcOrd="1" destOrd="0" parTransId="{955FC430-039A-4277-AD4A-463581B619D0}" sibTransId="{6E1A5258-2C6A-432D-9CE6-73047569FF7C}"/>
+    <dgm:cxn modelId="{3F560ACD-4049-47B2-BBA9-4695D29BE6FD}" type="presOf" srcId="{CE981C99-C72B-4E7C-BEE8-A00D8C774DD6}" destId="{CEFF7E38-9966-4323-8491-BC71EE3A0716}" srcOrd="0" destOrd="0" presId="urn:microsoft.com/office/officeart/2005/8/layout/vProcess5"/>
+    <dgm:cxn modelId="{F854C4DB-ADCC-4FE3-A30E-1F2B4AC929DB}" type="presOf" srcId="{08BB3EB9-04D8-4CC2-B45C-B2E6E8C12AED}" destId="{9E72E343-BCE5-48D1-81CC-ABD4357192A3}" srcOrd="1" destOrd="0" presId="urn:microsoft.com/office/officeart/2005/8/layout/vProcess5"/>
+    <dgm:cxn modelId="{E8F6CDDD-6809-42D7-814D-A83AA44BDBC2}" type="presOf" srcId="{2CC91F0E-6B63-4918-82AC-C7A970321E62}" destId="{3737070A-9330-44B6-A3FA-85FAD6542772}" srcOrd="0" destOrd="0" presId="urn:microsoft.com/office/officeart/2005/8/layout/vProcess5"/>
     <dgm:cxn modelId="{DD7CE0EB-001E-45CD-BFC2-9B2A15477A5C}" srcId="{2CC91F0E-6B63-4918-82AC-C7A970321E62}" destId="{52025C29-D3BB-4DAE-BE68-65D7390B1F18}" srcOrd="2" destOrd="0" parTransId="{6DAA56BD-6CD6-4E12-AB0C-1DC334E8BE0C}" sibTransId="{59D94860-99CB-4524-BF4E-FB1A84A76B37}"/>
-    <dgm:cxn modelId="{C64D6AFE-56E8-4A3A-B106-091CE7174BE6}" type="presOf" srcId="{52025C29-D3BB-4DAE-BE68-65D7390B1F18}" destId="{E52BADBA-4548-44A9-9B3C-BF4BEF584620}" srcOrd="1" destOrd="0" presId="urn:microsoft.com/office/officeart/2005/8/layout/vProcess5"/>
-    <dgm:cxn modelId="{421AA17E-C8A1-4CF9-B2BC-99745A040F62}" type="presParOf" srcId="{3A9454E1-39B6-4D3C-939E-DC9CB7EB2007}" destId="{7BDF4D93-7DA6-4A8A-8C2D-F20A2D88D7DC}" srcOrd="0" destOrd="0" presId="urn:microsoft.com/office/officeart/2005/8/layout/vProcess5"/>
-    <dgm:cxn modelId="{6D3921AF-7763-4F2F-9AF3-171ECBBE3D3B}" type="presParOf" srcId="{3A9454E1-39B6-4D3C-939E-DC9CB7EB2007}" destId="{6CAACCA3-C7A3-42CD-98FC-26A5E49FFD03}" srcOrd="1" destOrd="0" presId="urn:microsoft.com/office/officeart/2005/8/layout/vProcess5"/>
-    <dgm:cxn modelId="{94A5C5E0-16E6-42A8-A867-3167383E205A}" type="presParOf" srcId="{3A9454E1-39B6-4D3C-939E-DC9CB7EB2007}" destId="{390ACB07-C2CF-4751-B8F4-5F682994CFA6}" srcOrd="2" destOrd="0" presId="urn:microsoft.com/office/officeart/2005/8/layout/vProcess5"/>
-    <dgm:cxn modelId="{015F16C9-AB96-4E73-A32B-6621337658CB}" type="presParOf" srcId="{3A9454E1-39B6-4D3C-939E-DC9CB7EB2007}" destId="{4B74A72E-0B31-49B8-97F3-48723F69D51D}" srcOrd="3" destOrd="0" presId="urn:microsoft.com/office/officeart/2005/8/layout/vProcess5"/>
-    <dgm:cxn modelId="{C320B27B-BAD4-43CA-A56E-C409EF3DB410}" type="presParOf" srcId="{3A9454E1-39B6-4D3C-939E-DC9CB7EB2007}" destId="{13A3F50D-9D5F-4C2C-B7B5-14061D9131D5}" srcOrd="4" destOrd="0" presId="urn:microsoft.com/office/officeart/2005/8/layout/vProcess5"/>
-    <dgm:cxn modelId="{B87B91CB-7330-4AF8-9B00-5743B927F24E}" type="presParOf" srcId="{3A9454E1-39B6-4D3C-939E-DC9CB7EB2007}" destId="{ADD65A77-C42C-49FE-8602-C03A3BF1469F}" srcOrd="5" destOrd="0" presId="urn:microsoft.com/office/officeart/2005/8/layout/vProcess5"/>
-    <dgm:cxn modelId="{3D88D0FB-C852-4AF9-8425-8326BE146CEB}" type="presParOf" srcId="{3A9454E1-39B6-4D3C-939E-DC9CB7EB2007}" destId="{A5028F19-F018-4E1B-BDE3-DEBC4373FFFF}" srcOrd="6" destOrd="0" presId="urn:microsoft.com/office/officeart/2005/8/layout/vProcess5"/>
-    <dgm:cxn modelId="{615496AC-4D8E-4D34-A0F5-7FCADB1E32E5}" type="presParOf" srcId="{3A9454E1-39B6-4D3C-939E-DC9CB7EB2007}" destId="{63679530-92FF-41F2-891C-843D03519E73}" srcOrd="7" destOrd="0" presId="urn:microsoft.com/office/officeart/2005/8/layout/vProcess5"/>
-    <dgm:cxn modelId="{C07A9E99-F384-45F9-BC8B-5FEF89DF2C09}" type="presParOf" srcId="{3A9454E1-39B6-4D3C-939E-DC9CB7EB2007}" destId="{E52BADBA-4548-44A9-9B3C-BF4BEF584620}" srcOrd="8" destOrd="0" presId="urn:microsoft.com/office/officeart/2005/8/layout/vProcess5"/>
+    <dgm:cxn modelId="{0EEB342E-3901-4148-B390-265ADB831F22}" type="presParOf" srcId="{3737070A-9330-44B6-A3FA-85FAD6542772}" destId="{3B2CCE25-3E7F-4EBD-840C-4F8F0D63E2B2}" srcOrd="0" destOrd="0" presId="urn:microsoft.com/office/officeart/2005/8/layout/vProcess5"/>
+    <dgm:cxn modelId="{4C029DFE-8F53-4063-81FA-E6A052156830}" type="presParOf" srcId="{3737070A-9330-44B6-A3FA-85FAD6542772}" destId="{29DD6B0D-2C1C-4198-8E51-75571EABCB4A}" srcOrd="1" destOrd="0" presId="urn:microsoft.com/office/officeart/2005/8/layout/vProcess5"/>
+    <dgm:cxn modelId="{88A7C73D-3143-45E5-8F48-26DCBCA52899}" type="presParOf" srcId="{3737070A-9330-44B6-A3FA-85FAD6542772}" destId="{CEFF7E38-9966-4323-8491-BC71EE3A0716}" srcOrd="2" destOrd="0" presId="urn:microsoft.com/office/officeart/2005/8/layout/vProcess5"/>
+    <dgm:cxn modelId="{4D170CCB-0646-48A8-831B-B9C201E03CCF}" type="presParOf" srcId="{3737070A-9330-44B6-A3FA-85FAD6542772}" destId="{B01E385D-7BD2-414A-B8DD-8BF9BF3ABB8E}" srcOrd="3" destOrd="0" presId="urn:microsoft.com/office/officeart/2005/8/layout/vProcess5"/>
+    <dgm:cxn modelId="{FF70CF32-4395-483A-954E-5E74398F2F6F}" type="presParOf" srcId="{3737070A-9330-44B6-A3FA-85FAD6542772}" destId="{9527C9F9-C0F1-4BA4-AEE0-DC832DC4404D}" srcOrd="4" destOrd="0" presId="urn:microsoft.com/office/officeart/2005/8/layout/vProcess5"/>
+    <dgm:cxn modelId="{C85B552E-DF9B-45DF-BBCE-1EC28FF5E4B0}" type="presParOf" srcId="{3737070A-9330-44B6-A3FA-85FAD6542772}" destId="{14BE8037-CDD7-419A-989E-768376D52AD5}" srcOrd="5" destOrd="0" presId="urn:microsoft.com/office/officeart/2005/8/layout/vProcess5"/>
+    <dgm:cxn modelId="{52179A33-554D-40F1-BBBC-E314B817A256}" type="presParOf" srcId="{3737070A-9330-44B6-A3FA-85FAD6542772}" destId="{9E72E343-BCE5-48D1-81CC-ABD4357192A3}" srcOrd="6" destOrd="0" presId="urn:microsoft.com/office/officeart/2005/8/layout/vProcess5"/>
+    <dgm:cxn modelId="{BA1F47E5-5C6C-4860-8C1B-5AFC6E2610B6}" type="presParOf" srcId="{3737070A-9330-44B6-A3FA-85FAD6542772}" destId="{A6DF1A5E-F3A1-4F49-8074-0BAA22B6C6B0}" srcOrd="7" destOrd="0" presId="urn:microsoft.com/office/officeart/2005/8/layout/vProcess5"/>
+    <dgm:cxn modelId="{B6AD7B65-0065-4D5C-91D5-37877EC77F00}" type="presParOf" srcId="{3737070A-9330-44B6-A3FA-85FAD6542772}" destId="{7A36DF09-9675-42B6-A5B7-9C596CFB5055}" srcOrd="8" destOrd="0" presId="urn:microsoft.com/office/officeart/2005/8/layout/vProcess5"/>
   </dgm:cxnLst>
   <dgm:bg/>
   <dgm:whole/>
   <dgm:extLst>
     <a:ext uri="http://schemas.microsoft.com/office/drawing/2008/diagram">
-      <dsp:dataModelExt xmlns:dsp="http://schemas.microsoft.com/office/drawing/2008/diagram" relId="rId6" minVer="http://schemas.openxmlformats.org/drawingml/2006/diagram"/>
+      <dsp:dataModelExt xmlns:dsp="http://schemas.microsoft.com/office/drawing/2008/diagram" relId="rId7" minVer="http://schemas.openxmlformats.org/drawingml/2006/diagram"/>
     </a:ext>
   </dgm:extLst>
 </dgm:dataModel>
@@ -2102,21 +2166,703 @@
       <dsp:cNvGrpSpPr/>
     </dsp:nvGrpSpPr>
     <dsp:grpSpPr/>
-    <dsp:sp modelId="{ACB494E2-297D-4C31-88DE-F9E7FADD24BB}">
+    <dsp:sp modelId="{04E051A7-AF17-49BE-9635-1D63FC8762C5}">
       <dsp:nvSpPr>
         <dsp:cNvPr id="0" name=""/>
         <dsp:cNvSpPr/>
       </dsp:nvSpPr>
       <dsp:spPr>
         <a:xfrm>
-          <a:off x="0" y="752883"/>
-          <a:ext cx="4862446" cy="958229"/>
+          <a:off x="0" y="0"/>
+          <a:ext cx="3695696" cy="845606"/>
         </a:xfrm>
         <a:prstGeom prst="roundRect">
-          <a:avLst/>
+          <a:avLst>
+            <a:gd name="adj" fmla="val 10000"/>
+          </a:avLst>
+        </a:prstGeom>
+        <a:gradFill rotWithShape="0">
+          <a:gsLst>
+            <a:gs pos="0">
+              <a:schemeClr val="dk2">
+                <a:hueOff val="0"/>
+                <a:satOff val="0"/>
+                <a:lumOff val="0"/>
+                <a:alphaOff val="0"/>
+                <a:satMod val="103000"/>
+                <a:lumMod val="102000"/>
+                <a:tint val="94000"/>
+              </a:schemeClr>
+            </a:gs>
+            <a:gs pos="50000">
+              <a:schemeClr val="dk2">
+                <a:hueOff val="0"/>
+                <a:satOff val="0"/>
+                <a:lumOff val="0"/>
+                <a:alphaOff val="0"/>
+                <a:satMod val="110000"/>
+                <a:lumMod val="100000"/>
+                <a:shade val="100000"/>
+              </a:schemeClr>
+            </a:gs>
+            <a:gs pos="100000">
+              <a:schemeClr val="dk2">
+                <a:hueOff val="0"/>
+                <a:satOff val="0"/>
+                <a:lumOff val="0"/>
+                <a:alphaOff val="0"/>
+                <a:lumMod val="99000"/>
+                <a:satMod val="120000"/>
+                <a:shade val="78000"/>
+              </a:schemeClr>
+            </a:gs>
+          </a:gsLst>
+          <a:lin ang="5400000" scaled="0"/>
+        </a:gradFill>
+        <a:ln>
+          <a:noFill/>
+        </a:ln>
+        <a:effectLst>
+          <a:outerShdw blurRad="57150" dist="19050" dir="5400000" algn="ctr" rotWithShape="0">
+            <a:srgbClr val="000000">
+              <a:alpha val="63000"/>
+            </a:srgbClr>
+          </a:outerShdw>
+        </a:effectLst>
+      </dsp:spPr>
+      <dsp:style>
+        <a:lnRef idx="0">
+          <a:scrgbClr r="0" g="0" b="0"/>
+        </a:lnRef>
+        <a:fillRef idx="3">
+          <a:scrgbClr r="0" g="0" b="0"/>
+        </a:fillRef>
+        <a:effectRef idx="3">
+          <a:scrgbClr r="0" g="0" b="0"/>
+        </a:effectRef>
+        <a:fontRef idx="minor">
+          <a:schemeClr val="lt1"/>
+        </a:fontRef>
+      </dsp:style>
+      <dsp:txBody>
+        <a:bodyPr spcFirstLastPara="0" vert="horz" wrap="square" lIns="60960" tIns="60960" rIns="60960" bIns="60960" numCol="1" spcCol="1270" anchor="ctr" anchorCtr="0">
+          <a:noAutofit/>
+        </a:bodyPr>
+        <a:lstStyle/>
+        <a:p>
+          <a:pPr marL="0" lvl="0" indent="0" algn="l" defTabSz="711200">
+            <a:lnSpc>
+              <a:spcPct val="90000"/>
+            </a:lnSpc>
+            <a:spcBef>
+              <a:spcPct val="0"/>
+            </a:spcBef>
+            <a:spcAft>
+              <a:spcPct val="35000"/>
+            </a:spcAft>
+            <a:buNone/>
+          </a:pPr>
+          <a:r>
+            <a:rPr lang="en-US" sz="1600" kern="1200"/>
+            <a:t>What’s AoE4?</a:t>
+          </a:r>
+        </a:p>
+      </dsp:txBody>
+      <dsp:txXfrm>
+        <a:off x="24767" y="24767"/>
+        <a:ext cx="2711767" cy="796072"/>
+      </dsp:txXfrm>
+    </dsp:sp>
+    <dsp:sp modelId="{D704FB58-9B9C-430B-B781-43CF403AFC54}">
+      <dsp:nvSpPr>
+        <dsp:cNvPr id="0" name=""/>
+        <dsp:cNvSpPr/>
+      </dsp:nvSpPr>
+      <dsp:spPr>
+        <a:xfrm>
+          <a:off x="309514" y="999353"/>
+          <a:ext cx="3695696" cy="845606"/>
+        </a:xfrm>
+        <a:prstGeom prst="roundRect">
+          <a:avLst>
+            <a:gd name="adj" fmla="val 10000"/>
+          </a:avLst>
+        </a:prstGeom>
+        <a:gradFill rotWithShape="0">
+          <a:gsLst>
+            <a:gs pos="0">
+              <a:schemeClr val="dk2">
+                <a:hueOff val="0"/>
+                <a:satOff val="0"/>
+                <a:lumOff val="0"/>
+                <a:alphaOff val="0"/>
+                <a:satMod val="103000"/>
+                <a:lumMod val="102000"/>
+                <a:tint val="94000"/>
+              </a:schemeClr>
+            </a:gs>
+            <a:gs pos="50000">
+              <a:schemeClr val="dk2">
+                <a:hueOff val="0"/>
+                <a:satOff val="0"/>
+                <a:lumOff val="0"/>
+                <a:alphaOff val="0"/>
+                <a:satMod val="110000"/>
+                <a:lumMod val="100000"/>
+                <a:shade val="100000"/>
+              </a:schemeClr>
+            </a:gs>
+            <a:gs pos="100000">
+              <a:schemeClr val="dk2">
+                <a:hueOff val="0"/>
+                <a:satOff val="0"/>
+                <a:lumOff val="0"/>
+                <a:alphaOff val="0"/>
+                <a:lumMod val="99000"/>
+                <a:satMod val="120000"/>
+                <a:shade val="78000"/>
+              </a:schemeClr>
+            </a:gs>
+          </a:gsLst>
+          <a:lin ang="5400000" scaled="0"/>
+        </a:gradFill>
+        <a:ln>
+          <a:noFill/>
+        </a:ln>
+        <a:effectLst>
+          <a:outerShdw blurRad="57150" dist="19050" dir="5400000" algn="ctr" rotWithShape="0">
+            <a:srgbClr val="000000">
+              <a:alpha val="63000"/>
+            </a:srgbClr>
+          </a:outerShdw>
+        </a:effectLst>
+      </dsp:spPr>
+      <dsp:style>
+        <a:lnRef idx="0">
+          <a:scrgbClr r="0" g="0" b="0"/>
+        </a:lnRef>
+        <a:fillRef idx="3">
+          <a:scrgbClr r="0" g="0" b="0"/>
+        </a:fillRef>
+        <a:effectRef idx="3">
+          <a:scrgbClr r="0" g="0" b="0"/>
+        </a:effectRef>
+        <a:fontRef idx="minor">
+          <a:schemeClr val="lt1"/>
+        </a:fontRef>
+      </dsp:style>
+      <dsp:txBody>
+        <a:bodyPr spcFirstLastPara="0" vert="horz" wrap="square" lIns="60960" tIns="60960" rIns="60960" bIns="60960" numCol="1" spcCol="1270" anchor="ctr" anchorCtr="0">
+          <a:noAutofit/>
+        </a:bodyPr>
+        <a:lstStyle/>
+        <a:p>
+          <a:pPr marL="0" lvl="0" indent="0" algn="l" defTabSz="711200">
+            <a:lnSpc>
+              <a:spcPct val="90000"/>
+            </a:lnSpc>
+            <a:spcBef>
+              <a:spcPct val="0"/>
+            </a:spcBef>
+            <a:spcAft>
+              <a:spcPct val="35000"/>
+            </a:spcAft>
+            <a:buNone/>
+          </a:pPr>
+          <a:r>
+            <a:rPr lang="en-US" sz="1600" kern="1200" dirty="0"/>
+            <a:t>Brief introduction to AoE4 matchmaking challenges.</a:t>
+          </a:r>
+        </a:p>
+      </dsp:txBody>
+      <dsp:txXfrm>
+        <a:off x="334281" y="1024120"/>
+        <a:ext cx="2787003" cy="796072"/>
+      </dsp:txXfrm>
+    </dsp:sp>
+    <dsp:sp modelId="{F70D9A8D-57AD-4C89-B8D5-C3CEDD286807}">
+      <dsp:nvSpPr>
+        <dsp:cNvPr id="0" name=""/>
+        <dsp:cNvSpPr/>
+      </dsp:nvSpPr>
+      <dsp:spPr>
+        <a:xfrm>
+          <a:off x="614409" y="1998706"/>
+          <a:ext cx="3695696" cy="845606"/>
+        </a:xfrm>
+        <a:prstGeom prst="roundRect">
+          <a:avLst>
+            <a:gd name="adj" fmla="val 10000"/>
+          </a:avLst>
+        </a:prstGeom>
+        <a:gradFill rotWithShape="0">
+          <a:gsLst>
+            <a:gs pos="0">
+              <a:schemeClr val="dk2">
+                <a:hueOff val="0"/>
+                <a:satOff val="0"/>
+                <a:lumOff val="0"/>
+                <a:alphaOff val="0"/>
+                <a:satMod val="103000"/>
+                <a:lumMod val="102000"/>
+                <a:tint val="94000"/>
+              </a:schemeClr>
+            </a:gs>
+            <a:gs pos="50000">
+              <a:schemeClr val="dk2">
+                <a:hueOff val="0"/>
+                <a:satOff val="0"/>
+                <a:lumOff val="0"/>
+                <a:alphaOff val="0"/>
+                <a:satMod val="110000"/>
+                <a:lumMod val="100000"/>
+                <a:shade val="100000"/>
+              </a:schemeClr>
+            </a:gs>
+            <a:gs pos="100000">
+              <a:schemeClr val="dk2">
+                <a:hueOff val="0"/>
+                <a:satOff val="0"/>
+                <a:lumOff val="0"/>
+                <a:alphaOff val="0"/>
+                <a:lumMod val="99000"/>
+                <a:satMod val="120000"/>
+                <a:shade val="78000"/>
+              </a:schemeClr>
+            </a:gs>
+          </a:gsLst>
+          <a:lin ang="5400000" scaled="0"/>
+        </a:gradFill>
+        <a:ln>
+          <a:noFill/>
+        </a:ln>
+        <a:effectLst>
+          <a:outerShdw blurRad="57150" dist="19050" dir="5400000" algn="ctr" rotWithShape="0">
+            <a:srgbClr val="000000">
+              <a:alpha val="63000"/>
+            </a:srgbClr>
+          </a:outerShdw>
+        </a:effectLst>
+      </dsp:spPr>
+      <dsp:style>
+        <a:lnRef idx="0">
+          <a:scrgbClr r="0" g="0" b="0"/>
+        </a:lnRef>
+        <a:fillRef idx="3">
+          <a:scrgbClr r="0" g="0" b="0"/>
+        </a:fillRef>
+        <a:effectRef idx="3">
+          <a:scrgbClr r="0" g="0" b="0"/>
+        </a:effectRef>
+        <a:fontRef idx="minor">
+          <a:schemeClr val="lt1"/>
+        </a:fontRef>
+      </dsp:style>
+      <dsp:txBody>
+        <a:bodyPr spcFirstLastPara="0" vert="horz" wrap="square" lIns="60960" tIns="60960" rIns="60960" bIns="60960" numCol="1" spcCol="1270" anchor="ctr" anchorCtr="0">
+          <a:noAutofit/>
+        </a:bodyPr>
+        <a:lstStyle/>
+        <a:p>
+          <a:pPr marL="0" lvl="0" indent="0" algn="l" defTabSz="711200">
+            <a:lnSpc>
+              <a:spcPct val="90000"/>
+            </a:lnSpc>
+            <a:spcBef>
+              <a:spcPct val="0"/>
+            </a:spcBef>
+            <a:spcAft>
+              <a:spcPct val="35000"/>
+            </a:spcAft>
+            <a:buNone/>
+          </a:pPr>
+          <a:r>
+            <a:rPr lang="en-US" sz="1600" kern="1200" dirty="0"/>
+            <a:t>Objective: Fair, balanced matches using ML &amp; Clustering.</a:t>
+          </a:r>
+        </a:p>
+      </dsp:txBody>
+      <dsp:txXfrm>
+        <a:off x="639176" y="2023473"/>
+        <a:ext cx="2791623" cy="796072"/>
+      </dsp:txXfrm>
+    </dsp:sp>
+    <dsp:sp modelId="{E94B2BEE-550E-44DA-B97B-671821312375}">
+      <dsp:nvSpPr>
+        <dsp:cNvPr id="0" name=""/>
+        <dsp:cNvSpPr/>
+      </dsp:nvSpPr>
+      <dsp:spPr>
+        <a:xfrm>
+          <a:off x="923924" y="2998059"/>
+          <a:ext cx="3695696" cy="845606"/>
+        </a:xfrm>
+        <a:prstGeom prst="roundRect">
+          <a:avLst>
+            <a:gd name="adj" fmla="val 10000"/>
+          </a:avLst>
+        </a:prstGeom>
+        <a:gradFill rotWithShape="0">
+          <a:gsLst>
+            <a:gs pos="0">
+              <a:schemeClr val="dk2">
+                <a:hueOff val="0"/>
+                <a:satOff val="0"/>
+                <a:lumOff val="0"/>
+                <a:alphaOff val="0"/>
+                <a:satMod val="103000"/>
+                <a:lumMod val="102000"/>
+                <a:tint val="94000"/>
+              </a:schemeClr>
+            </a:gs>
+            <a:gs pos="50000">
+              <a:schemeClr val="dk2">
+                <a:hueOff val="0"/>
+                <a:satOff val="0"/>
+                <a:lumOff val="0"/>
+                <a:alphaOff val="0"/>
+                <a:satMod val="110000"/>
+                <a:lumMod val="100000"/>
+                <a:shade val="100000"/>
+              </a:schemeClr>
+            </a:gs>
+            <a:gs pos="100000">
+              <a:schemeClr val="dk2">
+                <a:hueOff val="0"/>
+                <a:satOff val="0"/>
+                <a:lumOff val="0"/>
+                <a:alphaOff val="0"/>
+                <a:lumMod val="99000"/>
+                <a:satMod val="120000"/>
+                <a:shade val="78000"/>
+              </a:schemeClr>
+            </a:gs>
+          </a:gsLst>
+          <a:lin ang="5400000" scaled="0"/>
+        </a:gradFill>
+        <a:ln>
+          <a:noFill/>
+        </a:ln>
+        <a:effectLst>
+          <a:outerShdw blurRad="57150" dist="19050" dir="5400000" algn="ctr" rotWithShape="0">
+            <a:srgbClr val="000000">
+              <a:alpha val="63000"/>
+            </a:srgbClr>
+          </a:outerShdw>
+        </a:effectLst>
+      </dsp:spPr>
+      <dsp:style>
+        <a:lnRef idx="0">
+          <a:scrgbClr r="0" g="0" b="0"/>
+        </a:lnRef>
+        <a:fillRef idx="3">
+          <a:scrgbClr r="0" g="0" b="0"/>
+        </a:fillRef>
+        <a:effectRef idx="3">
+          <a:scrgbClr r="0" g="0" b="0"/>
+        </a:effectRef>
+        <a:fontRef idx="minor">
+          <a:schemeClr val="lt1"/>
+        </a:fontRef>
+      </dsp:style>
+      <dsp:txBody>
+        <a:bodyPr spcFirstLastPara="0" vert="horz" wrap="square" lIns="60960" tIns="60960" rIns="60960" bIns="60960" numCol="1" spcCol="1270" anchor="ctr" anchorCtr="0">
+          <a:noAutofit/>
+        </a:bodyPr>
+        <a:lstStyle/>
+        <a:p>
+          <a:pPr marL="0" lvl="0" indent="0" algn="l" defTabSz="711200">
+            <a:lnSpc>
+              <a:spcPct val="90000"/>
+            </a:lnSpc>
+            <a:spcBef>
+              <a:spcPct val="0"/>
+            </a:spcBef>
+            <a:spcAft>
+              <a:spcPct val="35000"/>
+            </a:spcAft>
+            <a:buNone/>
+          </a:pPr>
+          <a:r>
+            <a:rPr lang="en-US" sz="1600" kern="1200" dirty="0"/>
+            <a:t>Traditional matchmaking system vs ML based matchmaking system</a:t>
+          </a:r>
+        </a:p>
+      </dsp:txBody>
+      <dsp:txXfrm>
+        <a:off x="948691" y="3022826"/>
+        <a:ext cx="2787003" cy="796072"/>
+      </dsp:txXfrm>
+    </dsp:sp>
+    <dsp:sp modelId="{BCAB322E-A459-4CFD-BE2D-0FA172441910}">
+      <dsp:nvSpPr>
+        <dsp:cNvPr id="0" name=""/>
+        <dsp:cNvSpPr/>
+      </dsp:nvSpPr>
+      <dsp:spPr>
+        <a:xfrm>
+          <a:off x="3146052" y="647657"/>
+          <a:ext cx="549644" cy="549644"/>
+        </a:xfrm>
+        <a:prstGeom prst="downArrow">
+          <a:avLst>
+            <a:gd name="adj1" fmla="val 55000"/>
+            <a:gd name="adj2" fmla="val 45000"/>
+          </a:avLst>
         </a:prstGeom>
         <a:solidFill>
-          <a:schemeClr val="accent1">
+          <a:schemeClr val="dk2">
+            <a:alpha val="90000"/>
+            <a:tint val="40000"/>
+            <a:hueOff val="0"/>
+            <a:satOff val="0"/>
+            <a:lumOff val="0"/>
+            <a:alphaOff val="0"/>
+          </a:schemeClr>
+        </a:solidFill>
+        <a:ln w="12700" cap="flat" cmpd="sng" algn="ctr">
+          <a:solidFill>
+            <a:schemeClr val="dk2">
+              <a:alpha val="90000"/>
+              <a:tint val="40000"/>
+              <a:hueOff val="0"/>
+              <a:satOff val="0"/>
+              <a:lumOff val="0"/>
+              <a:alphaOff val="0"/>
+            </a:schemeClr>
+          </a:solidFill>
+          <a:prstDash val="solid"/>
+          <a:miter lim="800000"/>
+        </a:ln>
+        <a:effectLst/>
+      </dsp:spPr>
+      <dsp:style>
+        <a:lnRef idx="1">
+          <a:scrgbClr r="0" g="0" b="0"/>
+        </a:lnRef>
+        <a:fillRef idx="1">
+          <a:scrgbClr r="0" g="0" b="0"/>
+        </a:fillRef>
+        <a:effectRef idx="2">
+          <a:scrgbClr r="0" g="0" b="0"/>
+        </a:effectRef>
+        <a:fontRef idx="minor"/>
+      </dsp:style>
+      <dsp:txBody>
+        <a:bodyPr spcFirstLastPara="0" vert="horz" wrap="square" lIns="30480" tIns="30480" rIns="30480" bIns="30480" numCol="1" spcCol="1270" anchor="ctr" anchorCtr="0">
+          <a:noAutofit/>
+        </a:bodyPr>
+        <a:lstStyle/>
+        <a:p>
+          <a:pPr marL="0" lvl="0" indent="0" algn="ctr" defTabSz="1066800">
+            <a:lnSpc>
+              <a:spcPct val="90000"/>
+            </a:lnSpc>
+            <a:spcBef>
+              <a:spcPct val="0"/>
+            </a:spcBef>
+            <a:spcAft>
+              <a:spcPct val="35000"/>
+            </a:spcAft>
+            <a:buNone/>
+          </a:pPr>
+          <a:endParaRPr lang="en-US" sz="2400" kern="1200"/>
+        </a:p>
+      </dsp:txBody>
+      <dsp:txXfrm>
+        <a:off x="3269722" y="647657"/>
+        <a:ext cx="302304" cy="413607"/>
+      </dsp:txXfrm>
+    </dsp:sp>
+    <dsp:sp modelId="{4655B8B5-6370-4BB9-940F-1C1C0A68FDCF}">
+      <dsp:nvSpPr>
+        <dsp:cNvPr id="0" name=""/>
+        <dsp:cNvSpPr/>
+      </dsp:nvSpPr>
+      <dsp:spPr>
+        <a:xfrm>
+          <a:off x="3455567" y="1647010"/>
+          <a:ext cx="549644" cy="549644"/>
+        </a:xfrm>
+        <a:prstGeom prst="downArrow">
+          <a:avLst>
+            <a:gd name="adj1" fmla="val 55000"/>
+            <a:gd name="adj2" fmla="val 45000"/>
+          </a:avLst>
+        </a:prstGeom>
+        <a:solidFill>
+          <a:schemeClr val="dk2">
+            <a:alpha val="90000"/>
+            <a:tint val="40000"/>
+            <a:hueOff val="0"/>
+            <a:satOff val="0"/>
+            <a:lumOff val="0"/>
+            <a:alphaOff val="0"/>
+          </a:schemeClr>
+        </a:solidFill>
+        <a:ln w="12700" cap="flat" cmpd="sng" algn="ctr">
+          <a:solidFill>
+            <a:schemeClr val="dk2">
+              <a:alpha val="90000"/>
+              <a:tint val="40000"/>
+              <a:hueOff val="0"/>
+              <a:satOff val="0"/>
+              <a:lumOff val="0"/>
+              <a:alphaOff val="0"/>
+            </a:schemeClr>
+          </a:solidFill>
+          <a:prstDash val="solid"/>
+          <a:miter lim="800000"/>
+        </a:ln>
+        <a:effectLst/>
+      </dsp:spPr>
+      <dsp:style>
+        <a:lnRef idx="1">
+          <a:scrgbClr r="0" g="0" b="0"/>
+        </a:lnRef>
+        <a:fillRef idx="1">
+          <a:scrgbClr r="0" g="0" b="0"/>
+        </a:fillRef>
+        <a:effectRef idx="2">
+          <a:scrgbClr r="0" g="0" b="0"/>
+        </a:effectRef>
+        <a:fontRef idx="minor"/>
+      </dsp:style>
+      <dsp:txBody>
+        <a:bodyPr spcFirstLastPara="0" vert="horz" wrap="square" lIns="30480" tIns="30480" rIns="30480" bIns="30480" numCol="1" spcCol="1270" anchor="ctr" anchorCtr="0">
+          <a:noAutofit/>
+        </a:bodyPr>
+        <a:lstStyle/>
+        <a:p>
+          <a:pPr marL="0" lvl="0" indent="0" algn="ctr" defTabSz="1066800">
+            <a:lnSpc>
+              <a:spcPct val="90000"/>
+            </a:lnSpc>
+            <a:spcBef>
+              <a:spcPct val="0"/>
+            </a:spcBef>
+            <a:spcAft>
+              <a:spcPct val="35000"/>
+            </a:spcAft>
+            <a:buNone/>
+          </a:pPr>
+          <a:endParaRPr lang="en-US" sz="2400" kern="1200"/>
+        </a:p>
+      </dsp:txBody>
+      <dsp:txXfrm>
+        <a:off x="3579237" y="1647010"/>
+        <a:ext cx="302304" cy="413607"/>
+      </dsp:txXfrm>
+    </dsp:sp>
+    <dsp:sp modelId="{E41D9BE8-E5D7-47A5-92ED-CD8A62AAB42E}">
+      <dsp:nvSpPr>
+        <dsp:cNvPr id="0" name=""/>
+        <dsp:cNvSpPr/>
+      </dsp:nvSpPr>
+      <dsp:spPr>
+        <a:xfrm>
+          <a:off x="3760462" y="2646364"/>
+          <a:ext cx="549644" cy="549644"/>
+        </a:xfrm>
+        <a:prstGeom prst="downArrow">
+          <a:avLst>
+            <a:gd name="adj1" fmla="val 55000"/>
+            <a:gd name="adj2" fmla="val 45000"/>
+          </a:avLst>
+        </a:prstGeom>
+        <a:solidFill>
+          <a:schemeClr val="dk2">
+            <a:alpha val="90000"/>
+            <a:tint val="40000"/>
+            <a:hueOff val="0"/>
+            <a:satOff val="0"/>
+            <a:lumOff val="0"/>
+            <a:alphaOff val="0"/>
+          </a:schemeClr>
+        </a:solidFill>
+        <a:ln w="12700" cap="flat" cmpd="sng" algn="ctr">
+          <a:solidFill>
+            <a:schemeClr val="dk2">
+              <a:alpha val="90000"/>
+              <a:tint val="40000"/>
+              <a:hueOff val="0"/>
+              <a:satOff val="0"/>
+              <a:lumOff val="0"/>
+              <a:alphaOff val="0"/>
+            </a:schemeClr>
+          </a:solidFill>
+          <a:prstDash val="solid"/>
+          <a:miter lim="800000"/>
+        </a:ln>
+        <a:effectLst/>
+      </dsp:spPr>
+      <dsp:style>
+        <a:lnRef idx="1">
+          <a:scrgbClr r="0" g="0" b="0"/>
+        </a:lnRef>
+        <a:fillRef idx="1">
+          <a:scrgbClr r="0" g="0" b="0"/>
+        </a:fillRef>
+        <a:effectRef idx="2">
+          <a:scrgbClr r="0" g="0" b="0"/>
+        </a:effectRef>
+        <a:fontRef idx="minor"/>
+      </dsp:style>
+      <dsp:txBody>
+        <a:bodyPr spcFirstLastPara="0" vert="horz" wrap="square" lIns="30480" tIns="30480" rIns="30480" bIns="30480" numCol="1" spcCol="1270" anchor="ctr" anchorCtr="0">
+          <a:noAutofit/>
+        </a:bodyPr>
+        <a:lstStyle/>
+        <a:p>
+          <a:pPr marL="0" lvl="0" indent="0" algn="ctr" defTabSz="1066800">
+            <a:lnSpc>
+              <a:spcPct val="90000"/>
+            </a:lnSpc>
+            <a:spcBef>
+              <a:spcPct val="0"/>
+            </a:spcBef>
+            <a:spcAft>
+              <a:spcPct val="35000"/>
+            </a:spcAft>
+            <a:buNone/>
+          </a:pPr>
+          <a:endParaRPr lang="en-US" sz="2400" kern="1200"/>
+        </a:p>
+      </dsp:txBody>
+      <dsp:txXfrm>
+        <a:off x="3884132" y="2646364"/>
+        <a:ext cx="302304" cy="413607"/>
+      </dsp:txXfrm>
+    </dsp:sp>
+  </dsp:spTree>
+</dsp:drawing>
+</file>
+
+<file path=ppt/diagrams/drawing2.xml><?xml version="1.0" encoding="utf-8"?>
+<dsp:drawing xmlns:dgm="http://schemas.openxmlformats.org/drawingml/2006/diagram" xmlns:dsp="http://schemas.microsoft.com/office/drawing/2008/diagram" xmlns:a="http://schemas.openxmlformats.org/drawingml/2006/main">
+  <dsp:spTree>
+    <dsp:nvGrpSpPr>
+      <dsp:cNvPr id="0" name=""/>
+      <dsp:cNvGrpSpPr/>
+    </dsp:nvGrpSpPr>
+    <dsp:grpSpPr/>
+    <dsp:sp modelId="{29DD6B0D-2C1C-4198-8E51-75571EABCB4A}">
+      <dsp:nvSpPr>
+        <dsp:cNvPr id="0" name=""/>
+        <dsp:cNvSpPr/>
+      </dsp:nvSpPr>
+      <dsp:spPr>
+        <a:xfrm>
+          <a:off x="0" y="0"/>
+          <a:ext cx="8938260" cy="1305401"/>
+        </a:xfrm>
+        <a:prstGeom prst="roundRect">
+          <a:avLst>
+            <a:gd name="adj" fmla="val 10000"/>
+          </a:avLst>
+        </a:prstGeom>
+        <a:solidFill>
+          <a:schemeClr val="accent6">
             <a:hueOff val="0"/>
             <a:satOff val="0"/>
             <a:lumOff val="0"/>
@@ -2152,12 +2898,12 @@
         </a:fontRef>
       </dsp:style>
       <dsp:txBody>
-        <a:bodyPr spcFirstLastPara="0" vert="horz" wrap="square" lIns="91440" tIns="91440" rIns="91440" bIns="91440" numCol="1" spcCol="1270" anchor="ctr" anchorCtr="0">
+        <a:bodyPr spcFirstLastPara="0" vert="horz" wrap="square" lIns="121920" tIns="121920" rIns="121920" bIns="121920" numCol="1" spcCol="1270" anchor="ctr" anchorCtr="0">
           <a:noAutofit/>
         </a:bodyPr>
         <a:lstStyle/>
         <a:p>
-          <a:pPr marL="0" lvl="0" indent="0" algn="l" defTabSz="1066800">
+          <a:pPr marL="0" lvl="0" indent="0" algn="l" defTabSz="1422400">
             <a:lnSpc>
               <a:spcPct val="90000"/>
             </a:lnSpc>
@@ -2170,31 +2916,33 @@
             <a:buNone/>
           </a:pPr>
           <a:r>
-            <a:rPr lang="en-US" sz="2400" kern="1200"/>
-            <a:t>What’s AoE4?</a:t>
+            <a:rPr lang="en-US" sz="3200" kern="1200"/>
+            <a:t>Classification model (XGBoostClassifier) to predict match outcome probabilities.</a:t>
           </a:r>
         </a:p>
       </dsp:txBody>
       <dsp:txXfrm>
-        <a:off x="46777" y="799660"/>
-        <a:ext cx="4768892" cy="864675"/>
+        <a:off x="38234" y="38234"/>
+        <a:ext cx="7529629" cy="1228933"/>
       </dsp:txXfrm>
     </dsp:sp>
-    <dsp:sp modelId="{E0356770-02CE-43F5-B2D3-47B55F9C52E2}">
+    <dsp:sp modelId="{CEFF7E38-9966-4323-8491-BC71EE3A0716}">
       <dsp:nvSpPr>
         <dsp:cNvPr id="0" name=""/>
         <dsp:cNvSpPr/>
       </dsp:nvSpPr>
       <dsp:spPr>
         <a:xfrm>
-          <a:off x="0" y="1780233"/>
-          <a:ext cx="4862446" cy="958229"/>
+          <a:off x="788669" y="1522968"/>
+          <a:ext cx="8938260" cy="1305401"/>
         </a:xfrm>
         <a:prstGeom prst="roundRect">
-          <a:avLst/>
+          <a:avLst>
+            <a:gd name="adj" fmla="val 10000"/>
+          </a:avLst>
         </a:prstGeom>
         <a:solidFill>
-          <a:schemeClr val="accent1">
+          <a:schemeClr val="accent6">
             <a:hueOff val="0"/>
             <a:satOff val="0"/>
             <a:lumOff val="0"/>
@@ -2230,12 +2978,12 @@
         </a:fontRef>
       </dsp:style>
       <dsp:txBody>
-        <a:bodyPr spcFirstLastPara="0" vert="horz" wrap="square" lIns="91440" tIns="91440" rIns="91440" bIns="91440" numCol="1" spcCol="1270" anchor="ctr" anchorCtr="0">
+        <a:bodyPr spcFirstLastPara="0" vert="horz" wrap="square" lIns="121920" tIns="121920" rIns="121920" bIns="121920" numCol="1" spcCol="1270" anchor="ctr" anchorCtr="0">
           <a:noAutofit/>
         </a:bodyPr>
         <a:lstStyle/>
         <a:p>
-          <a:pPr marL="0" lvl="0" indent="0" algn="l" defTabSz="1066800">
+          <a:pPr marL="0" lvl="0" indent="0" algn="l" defTabSz="1422400">
             <a:lnSpc>
               <a:spcPct val="90000"/>
             </a:lnSpc>
@@ -2248,31 +2996,33 @@
             <a:buNone/>
           </a:pPr>
           <a:r>
-            <a:rPr lang="en-US" sz="2400" kern="1200"/>
-            <a:t>Brief introduction to AoE4 matchmaking challenges.</a:t>
+            <a:rPr lang="en-US" sz="3200" kern="1200"/>
+            <a:t>Clustering (KMeans) for grouping similar players.</a:t>
           </a:r>
         </a:p>
       </dsp:txBody>
       <dsp:txXfrm>
-        <a:off x="46777" y="1827010"/>
-        <a:ext cx="4768892" cy="864675"/>
+        <a:off x="826903" y="1561202"/>
+        <a:ext cx="7224611" cy="1228933"/>
       </dsp:txXfrm>
     </dsp:sp>
-    <dsp:sp modelId="{5F72B45C-22CC-4010-A7A3-7654350A9309}">
+    <dsp:sp modelId="{B01E385D-7BD2-414A-B8DD-8BF9BF3ABB8E}">
       <dsp:nvSpPr>
         <dsp:cNvPr id="0" name=""/>
         <dsp:cNvSpPr/>
       </dsp:nvSpPr>
       <dsp:spPr>
         <a:xfrm>
-          <a:off x="0" y="2807583"/>
-          <a:ext cx="4862446" cy="958229"/>
+          <a:off x="1577339" y="3045936"/>
+          <a:ext cx="8938260" cy="1305401"/>
         </a:xfrm>
         <a:prstGeom prst="roundRect">
-          <a:avLst/>
+          <a:avLst>
+            <a:gd name="adj" fmla="val 10000"/>
+          </a:avLst>
         </a:prstGeom>
         <a:solidFill>
-          <a:schemeClr val="accent1">
+          <a:schemeClr val="accent6">
             <a:hueOff val="0"/>
             <a:satOff val="0"/>
             <a:lumOff val="0"/>
@@ -2308,12 +3058,12 @@
         </a:fontRef>
       </dsp:style>
       <dsp:txBody>
-        <a:bodyPr spcFirstLastPara="0" vert="horz" wrap="square" lIns="91440" tIns="91440" rIns="91440" bIns="91440" numCol="1" spcCol="1270" anchor="ctr" anchorCtr="0">
+        <a:bodyPr spcFirstLastPara="0" vert="horz" wrap="square" lIns="121920" tIns="121920" rIns="121920" bIns="121920" numCol="1" spcCol="1270" anchor="ctr" anchorCtr="0">
           <a:noAutofit/>
         </a:bodyPr>
         <a:lstStyle/>
         <a:p>
-          <a:pPr marL="0" lvl="0" indent="0" algn="l" defTabSz="1066800">
+          <a:pPr marL="0" lvl="0" indent="0" algn="l" defTabSz="1422400">
             <a:lnSpc>
               <a:spcPct val="90000"/>
             </a:lnSpc>
@@ -2326,355 +3076,25 @@
             <a:buNone/>
           </a:pPr>
           <a:r>
-            <a:rPr lang="en-US" sz="2400" kern="1200"/>
-            <a:t>Objective: Fair, balanced matches using ML &amp; Clustering.</a:t>
+            <a:rPr lang="en-US" sz="3200" kern="1200"/>
+            <a:t>Fallback ELO logic for unmatched scenarios.</a:t>
           </a:r>
         </a:p>
       </dsp:txBody>
       <dsp:txXfrm>
-        <a:off x="46777" y="2854360"/>
-        <a:ext cx="4768892" cy="864675"/>
+        <a:off x="1615573" y="3084170"/>
+        <a:ext cx="7224611" cy="1228933"/>
       </dsp:txXfrm>
     </dsp:sp>
-    <dsp:sp modelId="{DC2E4880-E226-4DD1-BA6F-008A1CD4A936}">
+    <dsp:sp modelId="{9527C9F9-C0F1-4BA4-AEE0-DC832DC4404D}">
       <dsp:nvSpPr>
         <dsp:cNvPr id="0" name=""/>
         <dsp:cNvSpPr/>
       </dsp:nvSpPr>
       <dsp:spPr>
         <a:xfrm>
-          <a:off x="0" y="3834933"/>
-          <a:ext cx="4862446" cy="958229"/>
-        </a:xfrm>
-        <a:prstGeom prst="roundRect">
-          <a:avLst/>
-        </a:prstGeom>
-        <a:solidFill>
-          <a:schemeClr val="accent1">
-            <a:hueOff val="0"/>
-            <a:satOff val="0"/>
-            <a:lumOff val="0"/>
-            <a:alphaOff val="0"/>
-          </a:schemeClr>
-        </a:solidFill>
-        <a:ln w="19050" cap="flat" cmpd="sng" algn="ctr">
-          <a:solidFill>
-            <a:schemeClr val="lt1">
-              <a:hueOff val="0"/>
-              <a:satOff val="0"/>
-              <a:lumOff val="0"/>
-              <a:alphaOff val="0"/>
-            </a:schemeClr>
-          </a:solidFill>
-          <a:prstDash val="solid"/>
-          <a:miter lim="800000"/>
-        </a:ln>
-        <a:effectLst/>
-      </dsp:spPr>
-      <dsp:style>
-        <a:lnRef idx="2">
-          <a:scrgbClr r="0" g="0" b="0"/>
-        </a:lnRef>
-        <a:fillRef idx="1">
-          <a:scrgbClr r="0" g="0" b="0"/>
-        </a:fillRef>
-        <a:effectRef idx="0">
-          <a:scrgbClr r="0" g="0" b="0"/>
-        </a:effectRef>
-        <a:fontRef idx="minor">
-          <a:schemeClr val="lt1"/>
-        </a:fontRef>
-      </dsp:style>
-      <dsp:txBody>
-        <a:bodyPr spcFirstLastPara="0" vert="horz" wrap="square" lIns="91440" tIns="91440" rIns="91440" bIns="91440" numCol="1" spcCol="1270" anchor="ctr" anchorCtr="0">
-          <a:noAutofit/>
-        </a:bodyPr>
-        <a:lstStyle/>
-        <a:p>
-          <a:pPr marL="0" lvl="0" indent="0" algn="l" defTabSz="1066800">
-            <a:lnSpc>
-              <a:spcPct val="90000"/>
-            </a:lnSpc>
-            <a:spcBef>
-              <a:spcPct val="0"/>
-            </a:spcBef>
-            <a:spcAft>
-              <a:spcPct val="35000"/>
-            </a:spcAft>
-            <a:buNone/>
-          </a:pPr>
-          <a:r>
-            <a:rPr lang="en-US" sz="2400" kern="1200"/>
-            <a:t>Traditional matchmaking system vs ML based matchmaking system</a:t>
-          </a:r>
-        </a:p>
-      </dsp:txBody>
-      <dsp:txXfrm>
-        <a:off x="46777" y="3881710"/>
-        <a:ext cx="4768892" cy="864675"/>
-      </dsp:txXfrm>
-    </dsp:sp>
-  </dsp:spTree>
-</dsp:drawing>
-</file>
-
-<file path=ppt/diagrams/drawing2.xml><?xml version="1.0" encoding="utf-8"?>
-<dsp:drawing xmlns:dgm="http://schemas.openxmlformats.org/drawingml/2006/diagram" xmlns:dsp="http://schemas.microsoft.com/office/drawing/2008/diagram" xmlns:a="http://schemas.openxmlformats.org/drawingml/2006/main">
-  <dsp:spTree>
-    <dsp:nvGrpSpPr>
-      <dsp:cNvPr id="0" name=""/>
-      <dsp:cNvGrpSpPr/>
-    </dsp:nvGrpSpPr>
-    <dsp:grpSpPr/>
-    <dsp:sp modelId="{6CAACCA3-C7A3-42CD-98FC-26A5E49FFD03}">
-      <dsp:nvSpPr>
-        <dsp:cNvPr id="0" name=""/>
-        <dsp:cNvSpPr/>
-      </dsp:nvSpPr>
-      <dsp:spPr>
-        <a:xfrm>
-          <a:off x="0" y="0"/>
-          <a:ext cx="8821674" cy="962970"/>
-        </a:xfrm>
-        <a:prstGeom prst="roundRect">
-          <a:avLst>
-            <a:gd name="adj" fmla="val 10000"/>
-          </a:avLst>
-        </a:prstGeom>
-        <a:solidFill>
-          <a:schemeClr val="dk2">
-            <a:hueOff val="0"/>
-            <a:satOff val="0"/>
-            <a:lumOff val="0"/>
-            <a:alphaOff val="0"/>
-          </a:schemeClr>
-        </a:solidFill>
-        <a:ln w="19050" cap="flat" cmpd="sng" algn="ctr">
-          <a:solidFill>
-            <a:schemeClr val="lt2">
-              <a:hueOff val="0"/>
-              <a:satOff val="0"/>
-              <a:lumOff val="0"/>
-              <a:alphaOff val="0"/>
-            </a:schemeClr>
-          </a:solidFill>
-          <a:prstDash val="solid"/>
-          <a:miter lim="800000"/>
-        </a:ln>
-        <a:effectLst/>
-      </dsp:spPr>
-      <dsp:style>
-        <a:lnRef idx="2">
-          <a:scrgbClr r="0" g="0" b="0"/>
-        </a:lnRef>
-        <a:fillRef idx="1">
-          <a:scrgbClr r="0" g="0" b="0"/>
-        </a:fillRef>
-        <a:effectRef idx="0">
-          <a:scrgbClr r="0" g="0" b="0"/>
-        </a:effectRef>
-        <a:fontRef idx="minor">
-          <a:schemeClr val="lt1"/>
-        </a:fontRef>
-      </dsp:style>
-      <dsp:txBody>
-        <a:bodyPr spcFirstLastPara="0" vert="horz" wrap="square" lIns="95250" tIns="95250" rIns="95250" bIns="95250" numCol="1" spcCol="1270" anchor="ctr" anchorCtr="0">
-          <a:noAutofit/>
-        </a:bodyPr>
-        <a:lstStyle/>
-        <a:p>
-          <a:pPr marL="0" lvl="0" indent="0" algn="l" defTabSz="1111250">
-            <a:lnSpc>
-              <a:spcPct val="90000"/>
-            </a:lnSpc>
-            <a:spcBef>
-              <a:spcPct val="0"/>
-            </a:spcBef>
-            <a:spcAft>
-              <a:spcPct val="35000"/>
-            </a:spcAft>
-            <a:buNone/>
-          </a:pPr>
-          <a:r>
-            <a:rPr lang="en-US" sz="2500" kern="1200"/>
-            <a:t>Classification model (XGBoostClassifier) to predict match outcome probabilities.</a:t>
-          </a:r>
-        </a:p>
-      </dsp:txBody>
-      <dsp:txXfrm>
-        <a:off x="28204" y="28204"/>
-        <a:ext cx="7782554" cy="906562"/>
-      </dsp:txXfrm>
-    </dsp:sp>
-    <dsp:sp modelId="{390ACB07-C2CF-4751-B8F4-5F682994CFA6}">
-      <dsp:nvSpPr>
-        <dsp:cNvPr id="0" name=""/>
-        <dsp:cNvSpPr/>
-      </dsp:nvSpPr>
-      <dsp:spPr>
-        <a:xfrm>
-          <a:off x="778382" y="1123465"/>
-          <a:ext cx="8821674" cy="962970"/>
-        </a:xfrm>
-        <a:prstGeom prst="roundRect">
-          <a:avLst>
-            <a:gd name="adj" fmla="val 10000"/>
-          </a:avLst>
-        </a:prstGeom>
-        <a:solidFill>
-          <a:schemeClr val="dk2">
-            <a:hueOff val="0"/>
-            <a:satOff val="0"/>
-            <a:lumOff val="0"/>
-            <a:alphaOff val="0"/>
-          </a:schemeClr>
-        </a:solidFill>
-        <a:ln w="19050" cap="flat" cmpd="sng" algn="ctr">
-          <a:solidFill>
-            <a:schemeClr val="lt2">
-              <a:hueOff val="0"/>
-              <a:satOff val="0"/>
-              <a:lumOff val="0"/>
-              <a:alphaOff val="0"/>
-            </a:schemeClr>
-          </a:solidFill>
-          <a:prstDash val="solid"/>
-          <a:miter lim="800000"/>
-        </a:ln>
-        <a:effectLst/>
-      </dsp:spPr>
-      <dsp:style>
-        <a:lnRef idx="2">
-          <a:scrgbClr r="0" g="0" b="0"/>
-        </a:lnRef>
-        <a:fillRef idx="1">
-          <a:scrgbClr r="0" g="0" b="0"/>
-        </a:fillRef>
-        <a:effectRef idx="0">
-          <a:scrgbClr r="0" g="0" b="0"/>
-        </a:effectRef>
-        <a:fontRef idx="minor">
-          <a:schemeClr val="lt1"/>
-        </a:fontRef>
-      </dsp:style>
-      <dsp:txBody>
-        <a:bodyPr spcFirstLastPara="0" vert="horz" wrap="square" lIns="95250" tIns="95250" rIns="95250" bIns="95250" numCol="1" spcCol="1270" anchor="ctr" anchorCtr="0">
-          <a:noAutofit/>
-        </a:bodyPr>
-        <a:lstStyle/>
-        <a:p>
-          <a:pPr marL="0" lvl="0" indent="0" algn="l" defTabSz="1111250">
-            <a:lnSpc>
-              <a:spcPct val="90000"/>
-            </a:lnSpc>
-            <a:spcBef>
-              <a:spcPct val="0"/>
-            </a:spcBef>
-            <a:spcAft>
-              <a:spcPct val="35000"/>
-            </a:spcAft>
-            <a:buNone/>
-          </a:pPr>
-          <a:r>
-            <a:rPr lang="en-US" sz="2500" kern="1200"/>
-            <a:t>Clustering (KMeans) for grouping similar players.</a:t>
-          </a:r>
-        </a:p>
-      </dsp:txBody>
-      <dsp:txXfrm>
-        <a:off x="806586" y="1151669"/>
-        <a:ext cx="7360952" cy="906562"/>
-      </dsp:txXfrm>
-    </dsp:sp>
-    <dsp:sp modelId="{4B74A72E-0B31-49B8-97F3-48723F69D51D}">
-      <dsp:nvSpPr>
-        <dsp:cNvPr id="0" name=""/>
-        <dsp:cNvSpPr/>
-      </dsp:nvSpPr>
-      <dsp:spPr>
-        <a:xfrm>
-          <a:off x="1556765" y="2246931"/>
-          <a:ext cx="8821674" cy="962970"/>
-        </a:xfrm>
-        <a:prstGeom prst="roundRect">
-          <a:avLst>
-            <a:gd name="adj" fmla="val 10000"/>
-          </a:avLst>
-        </a:prstGeom>
-        <a:solidFill>
-          <a:schemeClr val="dk2">
-            <a:hueOff val="0"/>
-            <a:satOff val="0"/>
-            <a:lumOff val="0"/>
-            <a:alphaOff val="0"/>
-          </a:schemeClr>
-        </a:solidFill>
-        <a:ln w="19050" cap="flat" cmpd="sng" algn="ctr">
-          <a:solidFill>
-            <a:schemeClr val="lt2">
-              <a:hueOff val="0"/>
-              <a:satOff val="0"/>
-              <a:lumOff val="0"/>
-              <a:alphaOff val="0"/>
-            </a:schemeClr>
-          </a:solidFill>
-          <a:prstDash val="solid"/>
-          <a:miter lim="800000"/>
-        </a:ln>
-        <a:effectLst/>
-      </dsp:spPr>
-      <dsp:style>
-        <a:lnRef idx="2">
-          <a:scrgbClr r="0" g="0" b="0"/>
-        </a:lnRef>
-        <a:fillRef idx="1">
-          <a:scrgbClr r="0" g="0" b="0"/>
-        </a:fillRef>
-        <a:effectRef idx="0">
-          <a:scrgbClr r="0" g="0" b="0"/>
-        </a:effectRef>
-        <a:fontRef idx="minor">
-          <a:schemeClr val="lt1"/>
-        </a:fontRef>
-      </dsp:style>
-      <dsp:txBody>
-        <a:bodyPr spcFirstLastPara="0" vert="horz" wrap="square" lIns="95250" tIns="95250" rIns="95250" bIns="95250" numCol="1" spcCol="1270" anchor="ctr" anchorCtr="0">
-          <a:noAutofit/>
-        </a:bodyPr>
-        <a:lstStyle/>
-        <a:p>
-          <a:pPr marL="0" lvl="0" indent="0" algn="l" defTabSz="1111250">
-            <a:lnSpc>
-              <a:spcPct val="90000"/>
-            </a:lnSpc>
-            <a:spcBef>
-              <a:spcPct val="0"/>
-            </a:spcBef>
-            <a:spcAft>
-              <a:spcPct val="35000"/>
-            </a:spcAft>
-            <a:buNone/>
-          </a:pPr>
-          <a:r>
-            <a:rPr lang="en-US" sz="2500" kern="1200"/>
-            <a:t>Fallback ELO logic for unmatched scenarios.</a:t>
-          </a:r>
-        </a:p>
-      </dsp:txBody>
-      <dsp:txXfrm>
-        <a:off x="1584969" y="2275135"/>
-        <a:ext cx="7360952" cy="906562"/>
-      </dsp:txXfrm>
-    </dsp:sp>
-    <dsp:sp modelId="{13A3F50D-9D5F-4C2C-B7B5-14061D9131D5}">
-      <dsp:nvSpPr>
-        <dsp:cNvPr id="0" name=""/>
-        <dsp:cNvSpPr/>
-      </dsp:nvSpPr>
-      <dsp:spPr>
-        <a:xfrm>
-          <a:off x="8195743" y="730252"/>
-          <a:ext cx="625930" cy="625930"/>
+          <a:off x="8089749" y="989929"/>
+          <a:ext cx="848510" cy="848510"/>
         </a:xfrm>
         <a:prstGeom prst="downArrow">
           <a:avLst>
@@ -2683,7 +3103,7 @@
           </a:avLst>
         </a:prstGeom>
         <a:solidFill>
-          <a:schemeClr val="dk2">
+          <a:schemeClr val="accent6">
             <a:alpha val="90000"/>
             <a:tint val="40000"/>
             <a:hueOff val="0"/>
@@ -2694,7 +3114,7 @@
         </a:solidFill>
         <a:ln w="19050" cap="flat" cmpd="sng" algn="ctr">
           <a:solidFill>
-            <a:schemeClr val="dk2">
+            <a:schemeClr val="accent6">
               <a:alpha val="90000"/>
               <a:tint val="40000"/>
               <a:hueOff val="0"/>
@@ -2721,12 +3141,12 @@
         <a:fontRef idx="minor"/>
       </dsp:style>
       <dsp:txBody>
-        <a:bodyPr spcFirstLastPara="0" vert="horz" wrap="square" lIns="35560" tIns="35560" rIns="35560" bIns="35560" numCol="1" spcCol="1270" anchor="ctr" anchorCtr="0">
+        <a:bodyPr spcFirstLastPara="0" vert="horz" wrap="square" lIns="45720" tIns="45720" rIns="45720" bIns="45720" numCol="1" spcCol="1270" anchor="ctr" anchorCtr="0">
           <a:noAutofit/>
         </a:bodyPr>
         <a:lstStyle/>
         <a:p>
-          <a:pPr marL="0" lvl="0" indent="0" algn="ctr" defTabSz="1244600">
+          <a:pPr marL="0" lvl="0" indent="0" algn="ctr" defTabSz="1600200">
             <a:lnSpc>
               <a:spcPct val="90000"/>
             </a:lnSpc>
@@ -2738,23 +3158,23 @@
             </a:spcAft>
             <a:buNone/>
           </a:pPr>
-          <a:endParaRPr lang="en-US" sz="2800" kern="1200"/>
+          <a:endParaRPr lang="en-US" sz="3600" kern="1200"/>
         </a:p>
       </dsp:txBody>
       <dsp:txXfrm>
-        <a:off x="8336577" y="730252"/>
-        <a:ext cx="344262" cy="471012"/>
+        <a:off x="8280664" y="989929"/>
+        <a:ext cx="466680" cy="638504"/>
       </dsp:txXfrm>
     </dsp:sp>
-    <dsp:sp modelId="{ADD65A77-C42C-49FE-8602-C03A3BF1469F}">
+    <dsp:sp modelId="{14BE8037-CDD7-419A-989E-768376D52AD5}">
       <dsp:nvSpPr>
         <dsp:cNvPr id="0" name=""/>
         <dsp:cNvSpPr/>
       </dsp:nvSpPr>
       <dsp:spPr>
         <a:xfrm>
-          <a:off x="8974126" y="1847298"/>
-          <a:ext cx="625930" cy="625930"/>
+          <a:off x="8878419" y="2504195"/>
+          <a:ext cx="848510" cy="848510"/>
         </a:xfrm>
         <a:prstGeom prst="downArrow">
           <a:avLst>
@@ -2763,7 +3183,7 @@
           </a:avLst>
         </a:prstGeom>
         <a:solidFill>
-          <a:schemeClr val="dk2">
+          <a:schemeClr val="accent6">
             <a:alpha val="90000"/>
             <a:tint val="40000"/>
             <a:hueOff val="0"/>
@@ -2774,7 +3194,7 @@
         </a:solidFill>
         <a:ln w="19050" cap="flat" cmpd="sng" algn="ctr">
           <a:solidFill>
-            <a:schemeClr val="dk2">
+            <a:schemeClr val="accent6">
               <a:alpha val="90000"/>
               <a:tint val="40000"/>
               <a:hueOff val="0"/>
@@ -2801,12 +3221,12 @@
         <a:fontRef idx="minor"/>
       </dsp:style>
       <dsp:txBody>
-        <a:bodyPr spcFirstLastPara="0" vert="horz" wrap="square" lIns="35560" tIns="35560" rIns="35560" bIns="35560" numCol="1" spcCol="1270" anchor="ctr" anchorCtr="0">
+        <a:bodyPr spcFirstLastPara="0" vert="horz" wrap="square" lIns="45720" tIns="45720" rIns="45720" bIns="45720" numCol="1" spcCol="1270" anchor="ctr" anchorCtr="0">
           <a:noAutofit/>
         </a:bodyPr>
         <a:lstStyle/>
         <a:p>
-          <a:pPr marL="0" lvl="0" indent="0" algn="ctr" defTabSz="1244600">
+          <a:pPr marL="0" lvl="0" indent="0" algn="ctr" defTabSz="1600200">
             <a:lnSpc>
               <a:spcPct val="90000"/>
             </a:lnSpc>
@@ -2818,12 +3238,12 @@
             </a:spcAft>
             <a:buNone/>
           </a:pPr>
-          <a:endParaRPr lang="en-US" sz="2800" kern="1200"/>
+          <a:endParaRPr lang="en-US" sz="3600" kern="1200"/>
         </a:p>
       </dsp:txBody>
       <dsp:txXfrm>
-        <a:off x="9114960" y="1847298"/>
-        <a:ext cx="344262" cy="471012"/>
+        <a:off x="9069334" y="2504195"/>
+        <a:ext cx="466680" cy="638504"/>
       </dsp:txXfrm>
     </dsp:sp>
   </dsp:spTree>
@@ -2831,12 +3251,11 @@
 </file>
 
 <file path=ppt/diagrams/layout1.xml><?xml version="1.0" encoding="utf-8"?>
-<dgm:layoutDef xmlns:dgm="http://schemas.openxmlformats.org/drawingml/2006/diagram" xmlns:a="http://schemas.openxmlformats.org/drawingml/2006/main" uniqueId="urn:microsoft.com/office/officeart/2005/8/layout/vList2">
+<dgm:layoutDef xmlns:dgm="http://schemas.openxmlformats.org/drawingml/2006/diagram" xmlns:a="http://schemas.openxmlformats.org/drawingml/2006/main" uniqueId="urn:microsoft.com/office/officeart/2005/8/layout/vProcess5">
   <dgm:title val=""/>
   <dgm:desc val=""/>
   <dgm:catLst>
-    <dgm:cat type="list" pri="3000"/>
-    <dgm:cat type="convert" pri="1000"/>
+    <dgm:cat type="process" pri="14000"/>
   </dgm:catLst>
   <dgm:sampData>
     <dgm:dataModel>
@@ -2845,21 +3264,17 @@
         <dgm:pt modelId="1">
           <dgm:prSet phldr="1"/>
         </dgm:pt>
-        <dgm:pt modelId="11">
-          <dgm:prSet phldr="1"/>
-        </dgm:pt>
         <dgm:pt modelId="2">
           <dgm:prSet phldr="1"/>
         </dgm:pt>
-        <dgm:pt modelId="21">
+        <dgm:pt modelId="3">
           <dgm:prSet phldr="1"/>
         </dgm:pt>
       </dgm:ptLst>
       <dgm:cxnLst>
-        <dgm:cxn modelId="4" srcId="0" destId="1" srcOrd="0" destOrd="0"/>
-        <dgm:cxn modelId="5" srcId="0" destId="2" srcOrd="1" destOrd="0"/>
-        <dgm:cxn modelId="12" srcId="1" destId="11" srcOrd="0" destOrd="0"/>
-        <dgm:cxn modelId="23" srcId="2" destId="21" srcOrd="0" destOrd="0"/>
+        <dgm:cxn modelId="5" srcId="0" destId="1" srcOrd="0" destOrd="0"/>
+        <dgm:cxn modelId="6" srcId="0" destId="2" srcOrd="1" destOrd="0"/>
+        <dgm:cxn modelId="7" srcId="0" destId="3" srcOrd="2" destOrd="0"/>
       </dgm:cxnLst>
       <dgm:bg/>
       <dgm:whole/>
@@ -2890,109 +3305,1173 @@
         <dgm:pt modelId="4"/>
       </dgm:ptLst>
       <dgm:cxnLst>
-        <dgm:cxn modelId="5" srcId="0" destId="1" srcOrd="0" destOrd="0"/>
-        <dgm:cxn modelId="6" srcId="0" destId="2" srcOrd="1" destOrd="0"/>
-        <dgm:cxn modelId="7" srcId="0" destId="3" srcOrd="2" destOrd="0"/>
-        <dgm:cxn modelId="8" srcId="0" destId="4" srcOrd="3" destOrd="0"/>
+        <dgm:cxn modelId="6" srcId="0" destId="1" srcOrd="0" destOrd="0"/>
+        <dgm:cxn modelId="7" srcId="0" destId="2" srcOrd="1" destOrd="0"/>
+        <dgm:cxn modelId="8" srcId="0" destId="3" srcOrd="2" destOrd="0"/>
+        <dgm:cxn modelId="9" srcId="0" destId="4" srcOrd="3" destOrd="0"/>
       </dgm:cxnLst>
       <dgm:bg/>
       <dgm:whole/>
     </dgm:dataModel>
   </dgm:clrData>
-  <dgm:layoutNode name="linear">
+  <dgm:layoutNode name="outerComposite">
     <dgm:varLst>
-      <dgm:animLvl val="lvl"/>
+      <dgm:chMax val="5"/>
+      <dgm:dir/>
       <dgm:resizeHandles val="exact"/>
     </dgm:varLst>
-    <dgm:alg type="lin">
-      <dgm:param type="linDir" val="fromT"/>
-      <dgm:param type="vertAlign" val="mid"/>
-    </dgm:alg>
+    <dgm:alg type="composite"/>
     <dgm:shape xmlns:r="http://schemas.openxmlformats.org/officeDocument/2006/relationships" r:blip="">
       <dgm:adjLst/>
     </dgm:shape>
     <dgm:presOf/>
-    <dgm:constrLst>
-      <dgm:constr type="w" for="ch" forName="parentText" refType="w"/>
-      <dgm:constr type="h" for="ch" forName="parentText" refType="primFontSz" refFor="ch" refForName="parentText" fact="0.52"/>
-      <dgm:constr type="w" for="ch" forName="childText" refType="w"/>
-      <dgm:constr type="h" for="ch" forName="childText" refType="primFontSz" refFor="ch" refForName="parentText" fact="0.46"/>
-      <dgm:constr type="h" for="ch" forName="parentText" op="equ"/>
-      <dgm:constr type="primFontSz" for="ch" forName="parentText" op="equ" val="65"/>
-      <dgm:constr type="primFontSz" for="ch" forName="childText" refType="primFontSz" refFor="ch" refForName="parentText" op="equ"/>
-      <dgm:constr type="h" for="ch" forName="spacer" refType="primFontSz" refFor="ch" refForName="parentText" fact="0.08"/>
-    </dgm:constrLst>
-    <dgm:ruleLst>
-      <dgm:rule type="primFontSz" for="ch" forName="parentText" val="5" fact="NaN" max="NaN"/>
-    </dgm:ruleLst>
-    <dgm:forEach name="Name0" axis="ch" ptType="node">
-      <dgm:layoutNode name="parentText" styleLbl="node1">
-        <dgm:varLst>
-          <dgm:chMax val="0"/>
-          <dgm:bulletEnabled val="1"/>
-        </dgm:varLst>
-        <dgm:alg type="tx">
-          <dgm:param type="parTxLTRAlign" val="l"/>
-          <dgm:param type="parTxRTLAlign" val="r"/>
-        </dgm:alg>
-        <dgm:shape xmlns:r="http://schemas.openxmlformats.org/officeDocument/2006/relationships" type="roundRect" r:blip="">
-          <dgm:adjLst/>
-        </dgm:shape>
-        <dgm:presOf axis="self"/>
+    <dgm:choose name="Name0">
+      <dgm:if name="Name1" func="var" arg="dir" op="equ" val="norm">
         <dgm:constrLst>
-          <dgm:constr type="tMarg" refType="primFontSz" fact="0.3"/>
-          <dgm:constr type="bMarg" refType="primFontSz" fact="0.3"/>
-          <dgm:constr type="lMarg" refType="primFontSz" fact="0.3"/>
-          <dgm:constr type="rMarg" refType="primFontSz" fact="0.3"/>
+          <dgm:constr type="primFontSz" for="ch" ptType="node" op="equ" val="65"/>
+          <dgm:constr type="w" for="ch" forName="dummyMaxCanvas" refType="w"/>
+          <dgm:constr type="h" for="ch" forName="dummyMaxCanvas" refType="h"/>
+          <dgm:constr type="w" for="ch" forName="OneNode_1" refType="w"/>
+          <dgm:constr type="h" for="ch" forName="OneNode_1" refType="h" fact="0.5"/>
+          <dgm:constr type="ctrY" for="ch" forName="OneNode_1" refType="h" fact="0.5"/>
+          <dgm:constr type="w" for="ch" forName="TwoNodes_1" refType="w" fact="0.85"/>
+          <dgm:constr type="h" for="ch" forName="TwoNodes_1" refType="h" fact="0.45"/>
+          <dgm:constr type="t" for="ch" forName="TwoNodes_1"/>
+          <dgm:constr type="l" for="ch" forName="TwoNodes_1"/>
+          <dgm:constr type="w" for="ch" forName="TwoNodes_2" refType="w" fact="0.85"/>
+          <dgm:constr type="h" for="ch" forName="TwoNodes_2" refType="h" fact="0.45"/>
+          <dgm:constr type="b" for="ch" forName="TwoNodes_2" refType="h"/>
+          <dgm:constr type="r" for="ch" forName="TwoNodes_2" refType="w"/>
+          <dgm:constr type="w" for="ch" forName="TwoConn_1-2" refType="h" refFor="ch" refForName="TwoNodes_1" fact="0.65"/>
+          <dgm:constr type="h" for="ch" forName="TwoConn_1-2" refType="h" refFor="ch" refForName="TwoNodes_1" fact="0.65"/>
+          <dgm:constr type="ctrY" for="ch" forName="TwoConn_1-2" refType="h" fact="0.5"/>
+          <dgm:constr type="r" for="ch" forName="TwoConn_1-2" refType="r" refFor="ch" refForName="TwoNodes_1"/>
+          <dgm:constr type="r" for="ch" forName="TwoNodes_1_text" refType="l" refFor="ch" refForName="TwoConn_1-2"/>
+          <dgm:constr type="rOff" for="ch" forName="TwoNodes_1_text" refType="w" refFor="ch" refForName="TwoConn_1-2" fact="-0.5"/>
+          <dgm:constr type="t" for="ch" forName="TwoNodes_1_text" refType="t" refFor="ch" refForName="TwoNodes_1"/>
+          <dgm:constr type="b" for="ch" forName="TwoNodes_1_text" refType="b" refFor="ch" refForName="TwoNodes_1"/>
+          <dgm:constr type="l" for="ch" forName="TwoNodes_1_text" refType="l" refFor="ch" refForName="TwoNodes_1"/>
+          <dgm:constr type="r" for="ch" forName="TwoNodes_2_text" refType="l" refFor="ch" refForName="TwoConn_1-2"/>
+          <dgm:constr type="t" for="ch" forName="TwoNodes_2_text" refType="t" refFor="ch" refForName="TwoNodes_2"/>
+          <dgm:constr type="b" for="ch" forName="TwoNodes_2_text" refType="b" refFor="ch" refForName="TwoNodes_2"/>
+          <dgm:constr type="l" for="ch" forName="TwoNodes_2_text" refType="l" refFor="ch" refForName="TwoNodes_2"/>
+          <dgm:constr type="w" for="ch" forName="ThreeNodes_1" refType="w" fact="0.85"/>
+          <dgm:constr type="h" for="ch" forName="ThreeNodes_1" refType="h" fact="0.3"/>
+          <dgm:constr type="t" for="ch" forName="ThreeNodes_1"/>
+          <dgm:constr type="l" for="ch" forName="ThreeNodes_1"/>
+          <dgm:constr type="w" for="ch" forName="ThreeNodes_2" refType="w" fact="0.85"/>
+          <dgm:constr type="h" for="ch" forName="ThreeNodes_2" refType="h" fact="0.3"/>
+          <dgm:constr type="ctrY" for="ch" forName="ThreeNodes_2" refType="h" fact="0.5"/>
+          <dgm:constr type="ctrX" for="ch" forName="ThreeNodes_2" refType="w" fact="0.5"/>
+          <dgm:constr type="w" for="ch" forName="ThreeNodes_3" refType="w" fact="0.85"/>
+          <dgm:constr type="h" for="ch" forName="ThreeNodes_3" refType="h" fact="0.3"/>
+          <dgm:constr type="b" for="ch" forName="ThreeNodes_3" refType="h"/>
+          <dgm:constr type="r" for="ch" forName="ThreeNodes_3" refType="w"/>
+          <dgm:constr type="w" for="ch" forName="ThreeConn_1-2" refType="h" refFor="ch" refForName="ThreeNodes_1" fact="0.65"/>
+          <dgm:constr type="h" for="ch" forName="ThreeConn_1-2" refType="h" refFor="ch" refForName="ThreeNodes_1" fact="0.65"/>
+          <dgm:constr type="ctrY" for="ch" forName="ThreeConn_1-2" refType="h" fact="0.325"/>
+          <dgm:constr type="r" for="ch" forName="ThreeConn_1-2" refType="r" refFor="ch" refForName="ThreeNodes_1"/>
+          <dgm:constr type="w" for="ch" forName="ThreeConn_2-3" refType="h" refFor="ch" refForName="ThreeNodes_2" fact="0.65"/>
+          <dgm:constr type="h" for="ch" forName="ThreeConn_2-3" refType="h" refFor="ch" refForName="ThreeNodes_2" fact="0.65"/>
+          <dgm:constr type="ctrY" for="ch" forName="ThreeConn_2-3" refType="h" fact="0.673"/>
+          <dgm:constr type="r" for="ch" forName="ThreeConn_2-3" refType="r" refFor="ch" refForName="ThreeNodes_2"/>
+          <dgm:constr type="r" for="ch" forName="ThreeNodes_1_text" refType="l" refFor="ch" refForName="ThreeConn_1-2"/>
+          <dgm:constr type="rOff" for="ch" forName="ThreeNodes_1_text" refType="w" refFor="ch" refForName="ThreeConn_1-2" fact="-0.57"/>
+          <dgm:constr type="t" for="ch" forName="ThreeNodes_1_text" refType="t" refFor="ch" refForName="ThreeNodes_1"/>
+          <dgm:constr type="b" for="ch" forName="ThreeNodes_1_text" refType="b" refFor="ch" refForName="ThreeNodes_1"/>
+          <dgm:constr type="l" for="ch" forName="ThreeNodes_1_text" refType="l" refFor="ch" refForName="ThreeNodes_1"/>
+          <dgm:constr type="r" for="ch" forName="ThreeNodes_2_text" refType="l" refFor="ch" refForName="ThreeConn_1-2"/>
+          <dgm:constr type="t" for="ch" forName="ThreeNodes_2_text" refType="t" refFor="ch" refForName="ThreeNodes_2"/>
+          <dgm:constr type="b" for="ch" forName="ThreeNodes_2_text" refType="b" refFor="ch" refForName="ThreeNodes_2"/>
+          <dgm:constr type="l" for="ch" forName="ThreeNodes_2_text" refType="l" refFor="ch" refForName="ThreeNodes_2"/>
+          <dgm:constr type="r" for="ch" forName="ThreeNodes_3_text" refType="l" refFor="ch" refForName="ThreeConn_2-3"/>
+          <dgm:constr type="t" for="ch" forName="ThreeNodes_3_text" refType="t" refFor="ch" refForName="ThreeNodes_3"/>
+          <dgm:constr type="b" for="ch" forName="ThreeNodes_3_text" refType="b" refFor="ch" refForName="ThreeNodes_3"/>
+          <dgm:constr type="l" for="ch" forName="ThreeNodes_3_text" refType="l" refFor="ch" refForName="ThreeNodes_3"/>
+          <dgm:constr type="w" for="ch" forName="FourNodes_1" refType="w" fact="0.8"/>
+          <dgm:constr type="h" for="ch" forName="FourNodes_1" refType="h" fact="0.22"/>
+          <dgm:constr type="t" for="ch" forName="FourNodes_1"/>
+          <dgm:constr type="l" for="ch" forName="FourNodes_1"/>
+          <dgm:constr type="w" for="ch" forName="FourNodes_2" refType="w" fact="0.8"/>
+          <dgm:constr type="h" for="ch" forName="FourNodes_2" refType="h" fact="0.22"/>
+          <dgm:constr type="ctrY" for="ch" forName="FourNodes_2" refType="h" fact="0.37"/>
+          <dgm:constr type="ctrX" for="ch" forName="FourNodes_2" refType="w" fact="0.467"/>
+          <dgm:constr type="w" for="ch" forName="FourNodes_3" refType="w" fact="0.8"/>
+          <dgm:constr type="h" for="ch" forName="FourNodes_3" refType="h" fact="0.22"/>
+          <dgm:constr type="ctrY" for="ch" forName="FourNodes_3" refType="h" fact="0.63"/>
+          <dgm:constr type="ctrX" for="ch" forName="FourNodes_3" refType="w" fact="0.533"/>
+          <dgm:constr type="w" for="ch" forName="FourNodes_4" refType="w" fact="0.8"/>
+          <dgm:constr type="h" for="ch" forName="FourNodes_4" refType="h" fact="0.22"/>
+          <dgm:constr type="b" for="ch" forName="FourNodes_4" refType="h"/>
+          <dgm:constr type="r" for="ch" forName="FourNodes_4" refType="w"/>
+          <dgm:constr type="w" for="ch" forName="FourConn_1-2" refType="h" refFor="ch" refForName="FourNodes_1" fact="0.65"/>
+          <dgm:constr type="h" for="ch" forName="FourConn_1-2" refType="h" refFor="ch" refForName="FourNodes_1" fact="0.65"/>
+          <dgm:constr type="ctrY" for="ch" forName="FourConn_1-2" refType="h" fact="0.24"/>
+          <dgm:constr type="r" for="ch" forName="FourConn_1-2" refType="r" refFor="ch" refForName="FourNodes_1"/>
+          <dgm:constr type="w" for="ch" forName="FourConn_2-3" refType="h" refFor="ch" refForName="FourNodes_2" fact="0.65"/>
+          <dgm:constr type="h" for="ch" forName="FourConn_2-3" refType="h" refFor="ch" refForName="FourNodes_2" fact="0.65"/>
+          <dgm:constr type="ctrY" for="ch" forName="FourConn_2-3" refType="h" fact="0.5"/>
+          <dgm:constr type="r" for="ch" forName="FourConn_2-3" refType="r" refFor="ch" refForName="FourNodes_2"/>
+          <dgm:constr type="w" for="ch" forName="FourConn_3-4" refType="h" refFor="ch" refForName="FourNodes_3" fact="0.65"/>
+          <dgm:constr type="h" for="ch" forName="FourConn_3-4" refType="h" refFor="ch" refForName="FourNodes_3" fact="0.65"/>
+          <dgm:constr type="ctrY" for="ch" forName="FourConn_3-4" refType="h" fact="0.76"/>
+          <dgm:constr type="r" for="ch" forName="FourConn_3-4" refType="r" refFor="ch" refForName="FourNodes_3"/>
+          <dgm:constr type="r" for="ch" forName="FourNodes_1_text" refType="l" refFor="ch" refForName="FourConn_1-2"/>
+          <dgm:constr type="rOff" for="ch" forName="FourNodes_1_text" refType="w" refFor="ch" refForName="FourConn_1-2" fact="-0.7"/>
+          <dgm:constr type="t" for="ch" forName="FourNodes_1_text" refType="t" refFor="ch" refForName="FourNodes_1"/>
+          <dgm:constr type="b" for="ch" forName="FourNodes_1_text" refType="b" refFor="ch" refForName="FourNodes_1"/>
+          <dgm:constr type="l" for="ch" forName="FourNodes_1_text" refType="l" refFor="ch" refForName="FourNodes_1"/>
+          <dgm:constr type="r" for="ch" forName="FourNodes_2_text" refType="l" refFor="ch" refForName="FourConn_1-2"/>
+          <dgm:constr type="t" for="ch" forName="FourNodes_2_text" refType="t" refFor="ch" refForName="FourNodes_2"/>
+          <dgm:constr type="b" for="ch" forName="FourNodes_2_text" refType="b" refFor="ch" refForName="FourNodes_2"/>
+          <dgm:constr type="l" for="ch" forName="FourNodes_2_text" refType="l" refFor="ch" refForName="FourNodes_2"/>
+          <dgm:constr type="r" for="ch" forName="FourNodes_3_text" refType="l" refFor="ch" refForName="FourConn_2-3"/>
+          <dgm:constr type="t" for="ch" forName="FourNodes_3_text" refType="t" refFor="ch" refForName="FourNodes_3"/>
+          <dgm:constr type="b" for="ch" forName="FourNodes_3_text" refType="b" refFor="ch" refForName="FourNodes_3"/>
+          <dgm:constr type="l" for="ch" forName="FourNodes_3_text" refType="l" refFor="ch" refForName="FourNodes_3"/>
+          <dgm:constr type="r" for="ch" forName="FourNodes_4_text" refType="l" refFor="ch" refForName="FourConn_3-4"/>
+          <dgm:constr type="t" for="ch" forName="FourNodes_4_text" refType="t" refFor="ch" refForName="FourNodes_4"/>
+          <dgm:constr type="b" for="ch" forName="FourNodes_4_text" refType="b" refFor="ch" refForName="FourNodes_4"/>
+          <dgm:constr type="l" for="ch" forName="FourNodes_4_text" refType="l" refFor="ch" refForName="FourNodes_4"/>
+          <dgm:constr type="w" for="ch" forName="FiveNodes_1" refType="w" fact="0.77"/>
+          <dgm:constr type="h" for="ch" forName="FiveNodes_1" refType="h" fact="0.18"/>
+          <dgm:constr type="t" for="ch" forName="FiveNodes_1"/>
+          <dgm:constr type="l" for="ch" forName="FiveNodes_1"/>
+          <dgm:constr type="w" for="ch" forName="FiveNodes_2" refType="w" fact="0.77"/>
+          <dgm:constr type="h" for="ch" forName="FiveNodes_2" refType="h" fact="0.18"/>
+          <dgm:constr type="ctrY" for="ch" forName="FiveNodes_2" refType="h" fact="0.295"/>
+          <dgm:constr type="ctrX" for="ch" forName="FiveNodes_2" refType="w" fact="0.4425"/>
+          <dgm:constr type="w" for="ch" forName="FiveNodes_3" refType="w" fact="0.77"/>
+          <dgm:constr type="h" for="ch" forName="FiveNodes_3" refType="h" fact="0.18"/>
+          <dgm:constr type="ctrY" for="ch" forName="FiveNodes_3" refType="h" fact="0.5"/>
+          <dgm:constr type="ctrX" for="ch" forName="FiveNodes_3" refType="w" fact="0.5"/>
+          <dgm:constr type="w" for="ch" forName="FiveNodes_4" refType="w" fact="0.77"/>
+          <dgm:constr type="h" for="ch" forName="FiveNodes_4" refType="h" fact="0.18"/>
+          <dgm:constr type="ctrY" for="ch" forName="FiveNodes_4" refType="h" fact="0.705"/>
+          <dgm:constr type="ctrX" for="ch" forName="FiveNodes_4" refType="w" fact="0.5575"/>
+          <dgm:constr type="w" for="ch" forName="FiveNodes_5" refType="w" fact="0.77"/>
+          <dgm:constr type="h" for="ch" forName="FiveNodes_5" refType="h" fact="0.18"/>
+          <dgm:constr type="b" for="ch" forName="FiveNodes_5" refType="h"/>
+          <dgm:constr type="r" for="ch" forName="FiveNodes_5" refType="w"/>
+          <dgm:constr type="w" for="ch" forName="FiveConn_1-2" refType="h" refFor="ch" refForName="FiveNodes_1" fact="0.65"/>
+          <dgm:constr type="h" for="ch" forName="FiveConn_1-2" refType="h" refFor="ch" refForName="FiveNodes_1" fact="0.65"/>
+          <dgm:constr type="ctrY" for="ch" forName="FiveConn_1-2" refType="h" fact="0.19"/>
+          <dgm:constr type="r" for="ch" forName="FiveConn_1-2" refType="r" refFor="ch" refForName="FiveNodes_1"/>
+          <dgm:constr type="w" for="ch" forName="FiveConn_2-3" refType="h" refFor="ch" refForName="FiveNodes_2" fact="0.65"/>
+          <dgm:constr type="h" for="ch" forName="FiveConn_2-3" refType="h" refFor="ch" refForName="FiveNodes_2" fact="0.65"/>
+          <dgm:constr type="ctrY" for="ch" forName="FiveConn_2-3" refType="h" fact="0.395"/>
+          <dgm:constr type="r" for="ch" forName="FiveConn_2-3" refType="r" refFor="ch" refForName="FiveNodes_2"/>
+          <dgm:constr type="w" for="ch" forName="FiveConn_3-4" refType="h" refFor="ch" refForName="FiveNodes_3" fact="0.65"/>
+          <dgm:constr type="h" for="ch" forName="FiveConn_3-4" refType="h" refFor="ch" refForName="FiveNodes_3" fact="0.65"/>
+          <dgm:constr type="ctrY" for="ch" forName="FiveConn_3-4" refType="h" fact="0.597"/>
+          <dgm:constr type="r" for="ch" forName="FiveConn_3-4" refType="r" refFor="ch" refForName="FiveNodes_3"/>
+          <dgm:constr type="w" for="ch" forName="FiveConn_4-5" refType="h" refFor="ch" refForName="FiveNodes_4" fact="0.65"/>
+          <dgm:constr type="h" for="ch" forName="FiveConn_4-5" refType="h" refFor="ch" refForName="FiveNodes_4" fact="0.65"/>
+          <dgm:constr type="ctrY" for="ch" forName="FiveConn_4-5" refType="h" fact="0.804"/>
+          <dgm:constr type="r" for="ch" forName="FiveConn_4-5" refType="r" refFor="ch" refForName="FiveNodes_4"/>
+          <dgm:constr type="r" for="ch" forName="FiveNodes_1_text" refType="l" refFor="ch" refForName="FiveConn_1-2"/>
+          <dgm:constr type="rOff" for="ch" forName="FiveNodes_1_text" refType="w" refFor="ch" refForName="FiveConn_1-2" fact="-0.75"/>
+          <dgm:constr type="t" for="ch" forName="FiveNodes_1_text" refType="t" refFor="ch" refForName="FiveNodes_1"/>
+          <dgm:constr type="b" for="ch" forName="FiveNodes_1_text" refType="b" refFor="ch" refForName="FiveNodes_1"/>
+          <dgm:constr type="l" for="ch" forName="FiveNodes_1_text" refType="l" refFor="ch" refForName="FiveNodes_1"/>
+          <dgm:constr type="r" for="ch" forName="FiveNodes_2_text" refType="l" refFor="ch" refForName="FiveConn_1-2"/>
+          <dgm:constr type="t" for="ch" forName="FiveNodes_2_text" refType="t" refFor="ch" refForName="FiveNodes_2"/>
+          <dgm:constr type="b" for="ch" forName="FiveNodes_2_text" refType="b" refFor="ch" refForName="FiveNodes_2"/>
+          <dgm:constr type="l" for="ch" forName="FiveNodes_2_text" refType="l" refFor="ch" refForName="FiveNodes_2"/>
+          <dgm:constr type="r" for="ch" forName="FiveNodes_3_text" refType="l" refFor="ch" refForName="FiveConn_2-3"/>
+          <dgm:constr type="t" for="ch" forName="FiveNodes_3_text" refType="t" refFor="ch" refForName="FiveNodes_3"/>
+          <dgm:constr type="b" for="ch" forName="FiveNodes_3_text" refType="b" refFor="ch" refForName="FiveNodes_3"/>
+          <dgm:constr type="l" for="ch" forName="FiveNodes_3_text" refType="l" refFor="ch" refForName="FiveNodes_3"/>
+          <dgm:constr type="r" for="ch" forName="FiveNodes_4_text" refType="l" refFor="ch" refForName="FiveConn_3-4"/>
+          <dgm:constr type="t" for="ch" forName="FiveNodes_4_text" refType="t" refFor="ch" refForName="FiveNodes_4"/>
+          <dgm:constr type="b" for="ch" forName="FiveNodes_4_text" refType="b" refFor="ch" refForName="FiveNodes_4"/>
+          <dgm:constr type="l" for="ch" forName="FiveNodes_4_text" refType="l" refFor="ch" refForName="FiveNodes_4"/>
+          <dgm:constr type="r" for="ch" forName="FiveNodes_5_text" refType="l" refFor="ch" refForName="FiveConn_4-5"/>
+          <dgm:constr type="t" for="ch" forName="FiveNodes_5_text" refType="t" refFor="ch" refForName="FiveNodes_5"/>
+          <dgm:constr type="b" for="ch" forName="FiveNodes_5_text" refType="b" refFor="ch" refForName="FiveNodes_5"/>
+          <dgm:constr type="l" for="ch" forName="FiveNodes_5_text" refType="l" refFor="ch" refForName="FiveNodes_5"/>
         </dgm:constrLst>
-        <dgm:ruleLst>
-          <dgm:rule type="h" val="INF" fact="NaN" max="NaN"/>
-        </dgm:ruleLst>
-      </dgm:layoutNode>
-      <dgm:choose name="Name1">
-        <dgm:if name="Name2" axis="ch" ptType="node" func="cnt" op="gte" val="1">
-          <dgm:layoutNode name="childText" styleLbl="revTx">
-            <dgm:varLst>
-              <dgm:bulletEnabled val="1"/>
-            </dgm:varLst>
-            <dgm:alg type="tx">
-              <dgm:param type="stBulletLvl" val="1"/>
-              <dgm:param type="lnSpAfChP" val="20"/>
-            </dgm:alg>
-            <dgm:shape xmlns:r="http://schemas.openxmlformats.org/officeDocument/2006/relationships" type="rect" r:blip="">
-              <dgm:adjLst/>
-            </dgm:shape>
-            <dgm:presOf axis="des" ptType="node"/>
-            <dgm:constrLst>
-              <dgm:constr type="tMarg" refType="primFontSz" fact="0.1"/>
-              <dgm:constr type="bMarg" refType="primFontSz" fact="0.1"/>
-              <dgm:constr type="lMarg" refType="w" fact="0.09"/>
-            </dgm:constrLst>
-            <dgm:ruleLst>
-              <dgm:rule type="h" val="INF" fact="NaN" max="NaN"/>
-            </dgm:ruleLst>
-          </dgm:layoutNode>
-        </dgm:if>
-        <dgm:else name="Name3">
-          <dgm:choose name="Name4">
-            <dgm:if name="Name5" axis="par ch" ptType="doc node" func="cnt" op="gte" val="2">
-              <dgm:forEach name="Name6" axis="followSib" ptType="sibTrans" cnt="1">
-                <dgm:layoutNode name="spacer">
+      </dgm:if>
+      <dgm:else name="Name2">
+        <dgm:constrLst>
+          <dgm:constr type="primFontSz" for="ch" ptType="node" op="equ" val="65"/>
+          <dgm:constr type="w" for="ch" forName="dummyMaxCanvas" refType="w"/>
+          <dgm:constr type="h" for="ch" forName="dummyMaxCanvas" refType="h"/>
+          <dgm:constr type="w" for="ch" forName="OneNode_1" refType="w"/>
+          <dgm:constr type="h" for="ch" forName="OneNode_1" refType="h" fact="0.5"/>
+          <dgm:constr type="ctrY" for="ch" forName="OneNode_1" refType="h" fact="0.5"/>
+          <dgm:constr type="w" for="ch" forName="TwoNodes_1" refType="w" fact="0.85"/>
+          <dgm:constr type="h" for="ch" forName="TwoNodes_1" refType="h" fact="0.45"/>
+          <dgm:constr type="t" for="ch" forName="TwoNodes_1"/>
+          <dgm:constr type="r" for="ch" forName="TwoNodes_1" refType="w"/>
+          <dgm:constr type="w" for="ch" forName="TwoNodes_2" refType="w" fact="0.85"/>
+          <dgm:constr type="h" for="ch" forName="TwoNodes_2" refType="h" fact="0.45"/>
+          <dgm:constr type="b" for="ch" forName="TwoNodes_2" refType="h"/>
+          <dgm:constr type="l" for="ch" forName="TwoNodes_2"/>
+          <dgm:constr type="w" for="ch" forName="TwoConn_1-2" refType="h" refFor="ch" refForName="TwoNodes_1" fact="0.65"/>
+          <dgm:constr type="h" for="ch" forName="TwoConn_1-2" refType="h" refFor="ch" refForName="TwoNodes_1" fact="0.65"/>
+          <dgm:constr type="ctrY" for="ch" forName="TwoConn_1-2" refType="h" fact="0.5"/>
+          <dgm:constr type="l" for="ch" forName="TwoConn_1-2" refType="l" refFor="ch" refForName="TwoNodes_1"/>
+          <dgm:constr type="l" for="ch" forName="TwoNodes_1_text" refType="r" refFor="ch" refForName="TwoConn_1-2"/>
+          <dgm:constr type="lOff" for="ch" forName="TwoNodes_1_text" refType="w" refFor="ch" refForName="TwoConn_1-2" fact="0.5"/>
+          <dgm:constr type="t" for="ch" forName="TwoNodes_1_text" refType="t" refFor="ch" refForName="TwoNodes_1"/>
+          <dgm:constr type="b" for="ch" forName="TwoNodes_1_text" refType="b" refFor="ch" refForName="TwoNodes_1"/>
+          <dgm:constr type="r" for="ch" forName="TwoNodes_1_text" refType="r" refFor="ch" refForName="TwoNodes_1"/>
+          <dgm:constr type="l" for="ch" forName="TwoNodes_2_text" refType="r" refFor="ch" refForName="TwoConn_1-2"/>
+          <dgm:constr type="t" for="ch" forName="TwoNodes_2_text" refType="t" refFor="ch" refForName="TwoNodes_2"/>
+          <dgm:constr type="b" for="ch" forName="TwoNodes_2_text" refType="b" refFor="ch" refForName="TwoNodes_2"/>
+          <dgm:constr type="r" for="ch" forName="TwoNodes_2_text" refType="r" refFor="ch" refForName="TwoNodes_2"/>
+          <dgm:constr type="w" for="ch" forName="ThreeNodes_1" refType="w" fact="0.85"/>
+          <dgm:constr type="h" for="ch" forName="ThreeNodes_1" refType="h" fact="0.3"/>
+          <dgm:constr type="t" for="ch" forName="ThreeNodes_1"/>
+          <dgm:constr type="r" for="ch" forName="ThreeNodes_1" refType="w"/>
+          <dgm:constr type="w" for="ch" forName="ThreeNodes_2" refType="w" fact="0.85"/>
+          <dgm:constr type="h" for="ch" forName="ThreeNodes_2" refType="h" fact="0.3"/>
+          <dgm:constr type="ctrY" for="ch" forName="ThreeNodes_2" refType="h" fact="0.5"/>
+          <dgm:constr type="ctrX" for="ch" forName="ThreeNodes_2" refType="w" fact="0.5"/>
+          <dgm:constr type="w" for="ch" forName="ThreeNodes_3" refType="w" fact="0.85"/>
+          <dgm:constr type="h" for="ch" forName="ThreeNodes_3" refType="h" fact="0.3"/>
+          <dgm:constr type="b" for="ch" forName="ThreeNodes_3" refType="h"/>
+          <dgm:constr type="l" for="ch" forName="ThreeNodes_3"/>
+          <dgm:constr type="w" for="ch" forName="ThreeConn_1-2" refType="h" refFor="ch" refForName="ThreeNodes_1" fact="0.65"/>
+          <dgm:constr type="h" for="ch" forName="ThreeConn_1-2" refType="h" refFor="ch" refForName="ThreeNodes_1" fact="0.65"/>
+          <dgm:constr type="ctrY" for="ch" forName="ThreeConn_1-2" refType="h" fact="0.325"/>
+          <dgm:constr type="l" for="ch" forName="ThreeConn_1-2" refType="l" refFor="ch" refForName="ThreeNodes_1"/>
+          <dgm:constr type="w" for="ch" forName="ThreeConn_2-3" refType="h" refFor="ch" refForName="ThreeNodes_2" fact="0.65"/>
+          <dgm:constr type="h" for="ch" forName="ThreeConn_2-3" refType="h" refFor="ch" refForName="ThreeNodes_2" fact="0.65"/>
+          <dgm:constr type="ctrY" for="ch" forName="ThreeConn_2-3" refType="h" fact="0.673"/>
+          <dgm:constr type="l" for="ch" forName="ThreeConn_2-3" refType="l" refFor="ch" refForName="ThreeNodes_2"/>
+          <dgm:constr type="l" for="ch" forName="ThreeNodes_1_text" refType="r" refFor="ch" refForName="ThreeConn_1-2"/>
+          <dgm:constr type="lOff" for="ch" forName="ThreeNodes_1_text" refType="w" refFor="ch" refForName="ThreeConn_1-2" fact="0.55"/>
+          <dgm:constr type="t" for="ch" forName="ThreeNodes_1_text" refType="t" refFor="ch" refForName="ThreeNodes_1"/>
+          <dgm:constr type="b" for="ch" forName="ThreeNodes_1_text" refType="b" refFor="ch" refForName="ThreeNodes_1"/>
+          <dgm:constr type="r" for="ch" forName="ThreeNodes_1_text" refType="r" refFor="ch" refForName="ThreeNodes_1"/>
+          <dgm:constr type="l" for="ch" forName="ThreeNodes_2_text" refType="r" refFor="ch" refForName="ThreeConn_1-2"/>
+          <dgm:constr type="t" for="ch" forName="ThreeNodes_2_text" refType="t" refFor="ch" refForName="ThreeNodes_2"/>
+          <dgm:constr type="b" for="ch" forName="ThreeNodes_2_text" refType="b" refFor="ch" refForName="ThreeNodes_2"/>
+          <dgm:constr type="r" for="ch" forName="ThreeNodes_2_text" refType="r" refFor="ch" refForName="ThreeNodes_2"/>
+          <dgm:constr type="l" for="ch" forName="ThreeNodes_3_text" refType="r" refFor="ch" refForName="ThreeConn_2-3"/>
+          <dgm:constr type="t" for="ch" forName="ThreeNodes_3_text" refType="t" refFor="ch" refForName="ThreeNodes_3"/>
+          <dgm:constr type="b" for="ch" forName="ThreeNodes_3_text" refType="b" refFor="ch" refForName="ThreeNodes_3"/>
+          <dgm:constr type="r" for="ch" forName="ThreeNodes_3_text" refType="r" refFor="ch" refForName="ThreeNodes_3"/>
+          <dgm:constr type="w" for="ch" forName="FourNodes_1" refType="w" fact="0.8"/>
+          <dgm:constr type="h" for="ch" forName="FourNodes_1" refType="h" fact="0.22"/>
+          <dgm:constr type="t" for="ch" forName="FourNodes_1"/>
+          <dgm:constr type="r" for="ch" forName="FourNodes_1" refType="w"/>
+          <dgm:constr type="w" for="ch" forName="FourNodes_2" refType="w" fact="0.8"/>
+          <dgm:constr type="h" for="ch" forName="FourNodes_2" refType="h" fact="0.22"/>
+          <dgm:constr type="ctrY" for="ch" forName="FourNodes_2" refType="h" fact="0.37"/>
+          <dgm:constr type="ctrX" for="ch" forName="FourNodes_2" refType="w" fact="0.533"/>
+          <dgm:constr type="w" for="ch" forName="FourNodes_3" refType="w" fact="0.8"/>
+          <dgm:constr type="h" for="ch" forName="FourNodes_3" refType="h" fact="0.22"/>
+          <dgm:constr type="ctrY" for="ch" forName="FourNodes_3" refType="h" fact="0.63"/>
+          <dgm:constr type="ctrX" for="ch" forName="FourNodes_3" refType="w" fact="0.467"/>
+          <dgm:constr type="w" for="ch" forName="FourNodes_4" refType="w" fact="0.8"/>
+          <dgm:constr type="h" for="ch" forName="FourNodes_4" refType="h" fact="0.22"/>
+          <dgm:constr type="b" for="ch" forName="FourNodes_4" refType="h"/>
+          <dgm:constr type="l" for="ch" forName="FourNodes_4"/>
+          <dgm:constr type="w" for="ch" forName="FourConn_1-2" refType="h" refFor="ch" refForName="FourNodes_1" fact="0.65"/>
+          <dgm:constr type="h" for="ch" forName="FourConn_1-2" refType="h" refFor="ch" refForName="FourNodes_1" fact="0.65"/>
+          <dgm:constr type="ctrY" for="ch" forName="FourConn_1-2" refType="h" fact="0.24"/>
+          <dgm:constr type="l" for="ch" forName="FourConn_1-2" refType="l" refFor="ch" refForName="FourNodes_1"/>
+          <dgm:constr type="w" for="ch" forName="FourConn_2-3" refType="h" refFor="ch" refForName="FourNodes_2" fact="0.65"/>
+          <dgm:constr type="h" for="ch" forName="FourConn_2-3" refType="h" refFor="ch" refForName="FourNodes_2" fact="0.65"/>
+          <dgm:constr type="ctrY" for="ch" forName="FourConn_2-3" refType="h" fact="0.5"/>
+          <dgm:constr type="l" for="ch" forName="FourConn_2-3" refType="l" refFor="ch" refForName="FourNodes_2"/>
+          <dgm:constr type="w" for="ch" forName="FourConn_3-4" refType="h" refFor="ch" refForName="FourNodes_3" fact="0.65"/>
+          <dgm:constr type="h" for="ch" forName="FourConn_3-4" refType="h" refFor="ch" refForName="FourNodes_3" fact="0.65"/>
+          <dgm:constr type="ctrY" for="ch" forName="FourConn_3-4" refType="h" fact="0.76"/>
+          <dgm:constr type="l" for="ch" forName="FourConn_3-4" refType="l" refFor="ch" refForName="FourNodes_3"/>
+          <dgm:constr type="l" for="ch" forName="FourNodes_1_text" refType="r" refFor="ch" refForName="FourConn_1-2"/>
+          <dgm:constr type="lOff" for="ch" forName="FourNodes_1_text" refType="w" refFor="ch" refForName="FourConn_1-2" fact="0.69"/>
+          <dgm:constr type="t" for="ch" forName="FourNodes_1_text" refType="t" refFor="ch" refForName="FourNodes_1"/>
+          <dgm:constr type="b" for="ch" forName="FourNodes_1_text" refType="b" refFor="ch" refForName="FourNodes_1"/>
+          <dgm:constr type="r" for="ch" forName="FourNodes_1_text" refType="r" refFor="ch" refForName="FourNodes_1"/>
+          <dgm:constr type="l" for="ch" forName="FourNodes_2_text" refType="r" refFor="ch" refForName="FourConn_1-2"/>
+          <dgm:constr type="t" for="ch" forName="FourNodes_2_text" refType="t" refFor="ch" refForName="FourNodes_2"/>
+          <dgm:constr type="b" for="ch" forName="FourNodes_2_text" refType="b" refFor="ch" refForName="FourNodes_2"/>
+          <dgm:constr type="r" for="ch" forName="FourNodes_2_text" refType="r" refFor="ch" refForName="FourNodes_2"/>
+          <dgm:constr type="l" for="ch" forName="FourNodes_3_text" refType="r" refFor="ch" refForName="FourConn_2-3"/>
+          <dgm:constr type="t" for="ch" forName="FourNodes_3_text" refType="t" refFor="ch" refForName="FourNodes_3"/>
+          <dgm:constr type="b" for="ch" forName="FourNodes_3_text" refType="b" refFor="ch" refForName="FourNodes_3"/>
+          <dgm:constr type="r" for="ch" forName="FourNodes_3_text" refType="r" refFor="ch" refForName="FourNodes_3"/>
+          <dgm:constr type="l" for="ch" forName="FourNodes_4_text" refType="r" refFor="ch" refForName="FourConn_3-4"/>
+          <dgm:constr type="t" for="ch" forName="FourNodes_4_text" refType="t" refFor="ch" refForName="FourNodes_4"/>
+          <dgm:constr type="b" for="ch" forName="FourNodes_4_text" refType="b" refFor="ch" refForName="FourNodes_4"/>
+          <dgm:constr type="r" for="ch" forName="FourNodes_4_text" refType="r" refFor="ch" refForName="FourNodes_4"/>
+          <dgm:constr type="w" for="ch" forName="FiveNodes_1" refType="w" fact="0.77"/>
+          <dgm:constr type="h" for="ch" forName="FiveNodes_1" refType="h" fact="0.18"/>
+          <dgm:constr type="t" for="ch" forName="FiveNodes_1"/>
+          <dgm:constr type="r" for="ch" forName="FiveNodes_1" refType="w"/>
+          <dgm:constr type="w" for="ch" forName="FiveNodes_2" refType="w" fact="0.77"/>
+          <dgm:constr type="h" for="ch" forName="FiveNodes_2" refType="h" fact="0.18"/>
+          <dgm:constr type="ctrY" for="ch" forName="FiveNodes_2" refType="h" fact="0.295"/>
+          <dgm:constr type="ctrX" for="ch" forName="FiveNodes_2" refType="w" fact="0.5575"/>
+          <dgm:constr type="w" for="ch" forName="FiveNodes_3" refType="w" fact="0.77"/>
+          <dgm:constr type="h" for="ch" forName="FiveNodes_3" refType="h" fact="0.18"/>
+          <dgm:constr type="ctrY" for="ch" forName="FiveNodes_3" refType="h" fact="0.5"/>
+          <dgm:constr type="ctrX" for="ch" forName="FiveNodes_3" refType="w" fact="0.5"/>
+          <dgm:constr type="w" for="ch" forName="FiveNodes_4" refType="w" fact="0.77"/>
+          <dgm:constr type="h" for="ch" forName="FiveNodes_4" refType="h" fact="0.18"/>
+          <dgm:constr type="ctrY" for="ch" forName="FiveNodes_4" refType="h" fact="0.705"/>
+          <dgm:constr type="ctrX" for="ch" forName="FiveNodes_4" refType="w" fact="0.4425"/>
+          <dgm:constr type="w" for="ch" forName="FiveNodes_5" refType="w" fact="0.77"/>
+          <dgm:constr type="h" for="ch" forName="FiveNodes_5" refType="h" fact="0.18"/>
+          <dgm:constr type="b" for="ch" forName="FiveNodes_5" refType="h"/>
+          <dgm:constr type="l" for="ch" forName="FiveNodes_5"/>
+          <dgm:constr type="w" for="ch" forName="FiveConn_1-2" refType="h" refFor="ch" refForName="FiveNodes_1" fact="0.65"/>
+          <dgm:constr type="h" for="ch" forName="FiveConn_1-2" refType="h" refFor="ch" refForName="FiveNodes_1" fact="0.65"/>
+          <dgm:constr type="ctrY" for="ch" forName="FiveConn_1-2" refType="h" fact="0.19"/>
+          <dgm:constr type="l" for="ch" forName="FiveConn_1-2" refType="l" refFor="ch" refForName="FiveNodes_1"/>
+          <dgm:constr type="w" for="ch" forName="FiveConn_2-3" refType="h" refFor="ch" refForName="FiveNodes_2" fact="0.65"/>
+          <dgm:constr type="h" for="ch" forName="FiveConn_2-3" refType="h" refFor="ch" refForName="FiveNodes_2" fact="0.65"/>
+          <dgm:constr type="ctrY" for="ch" forName="FiveConn_2-3" refType="h" fact="0.395"/>
+          <dgm:constr type="l" for="ch" forName="FiveConn_2-3" refType="l" refFor="ch" refForName="FiveNodes_2"/>
+          <dgm:constr type="w" for="ch" forName="FiveConn_3-4" refType="h" refFor="ch" refForName="FiveNodes_3" fact="0.65"/>
+          <dgm:constr type="h" for="ch" forName="FiveConn_3-4" refType="h" refFor="ch" refForName="FiveNodes_3" fact="0.65"/>
+          <dgm:constr type="ctrY" for="ch" forName="FiveConn_3-4" refType="h" fact="0.597"/>
+          <dgm:constr type="l" for="ch" forName="FiveConn_3-4" refType="l" refFor="ch" refForName="FiveNodes_3"/>
+          <dgm:constr type="w" for="ch" forName="FiveConn_4-5" refType="h" refFor="ch" refForName="FiveNodes_4" fact="0.65"/>
+          <dgm:constr type="h" for="ch" forName="FiveConn_4-5" refType="h" refFor="ch" refForName="FiveNodes_4" fact="0.65"/>
+          <dgm:constr type="ctrY" for="ch" forName="FiveConn_4-5" refType="h" fact="0.804"/>
+          <dgm:constr type="l" for="ch" forName="FiveConn_4-5" refType="l" refFor="ch" refForName="FiveNodes_4"/>
+          <dgm:constr type="l" for="ch" forName="FiveNodes_1_text" refType="r" refFor="ch" refForName="FiveConn_1-2"/>
+          <dgm:constr type="lOff" for="ch" forName="FiveNodes_1_text" refType="w" refFor="ch" refForName="FiveConn_1-2" fact="0.73"/>
+          <dgm:constr type="t" for="ch" forName="FiveNodes_1_text" refType="t" refFor="ch" refForName="FiveNodes_1"/>
+          <dgm:constr type="b" for="ch" forName="FiveNodes_1_text" refType="b" refFor="ch" refForName="FiveNodes_1"/>
+          <dgm:constr type="r" for="ch" forName="FiveNodes_1_text" refType="r" refFor="ch" refForName="FiveNodes_1"/>
+          <dgm:constr type="l" for="ch" forName="FiveNodes_2_text" refType="r" refFor="ch" refForName="FiveConn_1-2"/>
+          <dgm:constr type="t" for="ch" forName="FiveNodes_2_text" refType="t" refFor="ch" refForName="FiveNodes_2"/>
+          <dgm:constr type="b" for="ch" forName="FiveNodes_2_text" refType="b" refFor="ch" refForName="FiveNodes_2"/>
+          <dgm:constr type="r" for="ch" forName="FiveNodes_2_text" refType="r" refFor="ch" refForName="FiveNodes_2"/>
+          <dgm:constr type="l" for="ch" forName="FiveNodes_3_text" refType="r" refFor="ch" refForName="FiveConn_2-3"/>
+          <dgm:constr type="t" for="ch" forName="FiveNodes_3_text" refType="t" refFor="ch" refForName="FiveNodes_3"/>
+          <dgm:constr type="b" for="ch" forName="FiveNodes_3_text" refType="b" refFor="ch" refForName="FiveNodes_3"/>
+          <dgm:constr type="r" for="ch" forName="FiveNodes_3_text" refType="r" refFor="ch" refForName="FiveNodes_3"/>
+          <dgm:constr type="l" for="ch" forName="FiveNodes_4_text" refType="r" refFor="ch" refForName="FiveConn_3-4"/>
+          <dgm:constr type="t" for="ch" forName="FiveNodes_4_text" refType="t" refFor="ch" refForName="FiveNodes_4"/>
+          <dgm:constr type="b" for="ch" forName="FiveNodes_4_text" refType="b" refFor="ch" refForName="FiveNodes_4"/>
+          <dgm:constr type="r" for="ch" forName="FiveNodes_4_text" refType="r" refFor="ch" refForName="FiveNodes_4"/>
+          <dgm:constr type="l" for="ch" forName="FiveNodes_5_text" refType="r" refFor="ch" refForName="FiveConn_4-5"/>
+          <dgm:constr type="t" for="ch" forName="FiveNodes_5_text" refType="t" refFor="ch" refForName="FiveNodes_5"/>
+          <dgm:constr type="b" for="ch" forName="FiveNodes_5_text" refType="b" refFor="ch" refForName="FiveNodes_5"/>
+          <dgm:constr type="r" for="ch" forName="FiveNodes_5_text" refType="r" refFor="ch" refForName="FiveNodes_5"/>
+        </dgm:constrLst>
+      </dgm:else>
+    </dgm:choose>
+    <dgm:ruleLst/>
+    <dgm:layoutNode name="dummyMaxCanvas">
+      <dgm:varLst/>
+      <dgm:alg type="sp"/>
+      <dgm:shape xmlns:r="http://schemas.openxmlformats.org/officeDocument/2006/relationships" r:blip="">
+        <dgm:adjLst/>
+      </dgm:shape>
+      <dgm:presOf/>
+      <dgm:constrLst/>
+      <dgm:ruleLst/>
+    </dgm:layoutNode>
+    <dgm:choose name="Name3">
+      <dgm:if name="Name4" axis="ch" ptType="node" func="cnt" op="equ" val="1">
+        <dgm:layoutNode name="OneNode_1">
+          <dgm:varLst>
+            <dgm:bulletEnabled val="1"/>
+          </dgm:varLst>
+          <dgm:alg type="tx"/>
+          <dgm:shape xmlns:r="http://schemas.openxmlformats.org/officeDocument/2006/relationships" type="roundRect" r:blip="">
+            <dgm:adjLst>
+              <dgm:adj idx="1" val="0.1"/>
+            </dgm:adjLst>
+          </dgm:shape>
+          <dgm:presOf axis="ch desOrSelf" ptType="node node" st="1 1" cnt="1 0"/>
+          <dgm:constrLst>
+            <dgm:constr type="lMarg" refType="primFontSz" fact="0.3"/>
+            <dgm:constr type="rMarg" refType="primFontSz" fact="0.3"/>
+            <dgm:constr type="tMarg" refType="primFontSz" fact="0.3"/>
+            <dgm:constr type="bMarg" refType="primFontSz" fact="0.3"/>
+          </dgm:constrLst>
+          <dgm:ruleLst>
+            <dgm:rule type="primFontSz" val="5" fact="NaN" max="NaN"/>
+          </dgm:ruleLst>
+        </dgm:layoutNode>
+      </dgm:if>
+      <dgm:else name="Name5">
+        <dgm:choose name="Name6">
+          <dgm:if name="Name7" axis="ch" ptType="node" func="cnt" op="equ" val="2">
+            <dgm:layoutNode name="TwoNodes_1">
+              <dgm:varLst>
+                <dgm:bulletEnabled val="1"/>
+              </dgm:varLst>
+              <dgm:alg type="sp"/>
+              <dgm:shape xmlns:r="http://schemas.openxmlformats.org/officeDocument/2006/relationships" type="roundRect" r:blip="">
+                <dgm:adjLst>
+                  <dgm:adj idx="1" val="0.1"/>
+                </dgm:adjLst>
+              </dgm:shape>
+              <dgm:presOf axis="ch desOrSelf" ptType="node node" st="1 1" cnt="1 0"/>
+              <dgm:constrLst/>
+              <dgm:ruleLst/>
+            </dgm:layoutNode>
+            <dgm:layoutNode name="TwoNodes_2">
+              <dgm:varLst>
+                <dgm:bulletEnabled val="1"/>
+              </dgm:varLst>
+              <dgm:alg type="sp"/>
+              <dgm:shape xmlns:r="http://schemas.openxmlformats.org/officeDocument/2006/relationships" type="roundRect" r:blip="">
+                <dgm:adjLst>
+                  <dgm:adj idx="1" val="0.1"/>
+                </dgm:adjLst>
+              </dgm:shape>
+              <dgm:presOf axis="ch desOrSelf" ptType="node node" st="2 1" cnt="1 0"/>
+              <dgm:constrLst/>
+              <dgm:ruleLst/>
+            </dgm:layoutNode>
+            <dgm:layoutNode name="TwoConn_1-2" styleLbl="fgAccFollowNode1">
+              <dgm:varLst>
+                <dgm:bulletEnabled val="1"/>
+              </dgm:varLst>
+              <dgm:alg type="tx"/>
+              <dgm:shape xmlns:r="http://schemas.openxmlformats.org/officeDocument/2006/relationships" type="downArrow" r:blip="">
+                <dgm:adjLst>
+                  <dgm:adj idx="1" val="0.55"/>
+                  <dgm:adj idx="2" val="0.45"/>
+                </dgm:adjLst>
+              </dgm:shape>
+              <dgm:presOf axis="ch" ptType="sibTrans" cnt="1"/>
+              <dgm:constrLst>
+                <dgm:constr type="lMarg" refType="primFontSz" fact="0.1"/>
+                <dgm:constr type="rMarg" refType="primFontSz" fact="0.1"/>
+                <dgm:constr type="tMarg" refType="primFontSz" fact="0.1"/>
+                <dgm:constr type="bMarg" refType="primFontSz" fact="0.1"/>
+              </dgm:constrLst>
+              <dgm:ruleLst>
+                <dgm:rule type="primFontSz" val="5" fact="NaN" max="NaN"/>
+              </dgm:ruleLst>
+            </dgm:layoutNode>
+            <dgm:layoutNode name="TwoNodes_1_text">
+              <dgm:varLst>
+                <dgm:bulletEnabled val="1"/>
+              </dgm:varLst>
+              <dgm:alg type="tx">
+                <dgm:param type="parTxLTRAlign" val="l"/>
+                <dgm:param type="txAnchorVertCh" val="mid"/>
+              </dgm:alg>
+              <dgm:shape xmlns:r="http://schemas.openxmlformats.org/officeDocument/2006/relationships" type="roundRect" r:blip="" hideGeom="1">
+                <dgm:adjLst>
+                  <dgm:adj idx="1" val="0.1"/>
+                </dgm:adjLst>
+              </dgm:shape>
+              <dgm:presOf axis="ch desOrSelf" ptType="node node" st="1 1" cnt="1 0"/>
+              <dgm:constrLst>
+                <dgm:constr type="lMarg" refType="primFontSz" fact="0.3"/>
+                <dgm:constr type="rMarg" refType="primFontSz" fact="0.3"/>
+                <dgm:constr type="tMarg" refType="primFontSz" fact="0.3"/>
+                <dgm:constr type="bMarg" refType="primFontSz" fact="0.3"/>
+              </dgm:constrLst>
+              <dgm:ruleLst>
+                <dgm:rule type="primFontSz" val="5" fact="NaN" max="NaN"/>
+              </dgm:ruleLst>
+            </dgm:layoutNode>
+            <dgm:layoutNode name="TwoNodes_2_text">
+              <dgm:varLst>
+                <dgm:bulletEnabled val="1"/>
+              </dgm:varLst>
+              <dgm:alg type="tx">
+                <dgm:param type="parTxLTRAlign" val="l"/>
+                <dgm:param type="txAnchorVertCh" val="mid"/>
+              </dgm:alg>
+              <dgm:shape xmlns:r="http://schemas.openxmlformats.org/officeDocument/2006/relationships" type="roundRect" r:blip="" hideGeom="1">
+                <dgm:adjLst>
+                  <dgm:adj idx="1" val="0.1"/>
+                </dgm:adjLst>
+              </dgm:shape>
+              <dgm:presOf axis="ch desOrSelf" ptType="node node" st="2 1" cnt="1 0"/>
+              <dgm:constrLst>
+                <dgm:constr type="lMarg" refType="primFontSz" fact="0.3"/>
+                <dgm:constr type="rMarg" refType="primFontSz" fact="0.3"/>
+                <dgm:constr type="tMarg" refType="primFontSz" fact="0.3"/>
+                <dgm:constr type="bMarg" refType="primFontSz" fact="0.3"/>
+              </dgm:constrLst>
+              <dgm:ruleLst>
+                <dgm:rule type="primFontSz" val="5" fact="NaN" max="NaN"/>
+              </dgm:ruleLst>
+            </dgm:layoutNode>
+          </dgm:if>
+          <dgm:else name="Name8">
+            <dgm:choose name="Name9">
+              <dgm:if name="Name10" axis="ch" ptType="node" func="cnt" op="equ" val="3">
+                <dgm:layoutNode name="ThreeNodes_1">
+                  <dgm:varLst>
+                    <dgm:bulletEnabled val="1"/>
+                  </dgm:varLst>
                   <dgm:alg type="sp"/>
-                  <dgm:shape xmlns:r="http://schemas.openxmlformats.org/officeDocument/2006/relationships" r:blip="">
-                    <dgm:adjLst/>
+                  <dgm:shape xmlns:r="http://schemas.openxmlformats.org/officeDocument/2006/relationships" type="roundRect" r:blip="">
+                    <dgm:adjLst>
+                      <dgm:adj idx="1" val="0.1"/>
+                    </dgm:adjLst>
                   </dgm:shape>
-                  <dgm:presOf/>
+                  <dgm:presOf axis="ch desOrSelf" ptType="node node" st="1 1" cnt="1 0"/>
                   <dgm:constrLst/>
                   <dgm:ruleLst/>
                 </dgm:layoutNode>
-              </dgm:forEach>
-            </dgm:if>
-            <dgm:else name="Name7"/>
-          </dgm:choose>
-        </dgm:else>
-      </dgm:choose>
-    </dgm:forEach>
+                <dgm:layoutNode name="ThreeNodes_2">
+                  <dgm:varLst>
+                    <dgm:bulletEnabled val="1"/>
+                  </dgm:varLst>
+                  <dgm:alg type="sp"/>
+                  <dgm:shape xmlns:r="http://schemas.openxmlformats.org/officeDocument/2006/relationships" type="roundRect" r:blip="">
+                    <dgm:adjLst>
+                      <dgm:adj idx="1" val="0.1"/>
+                    </dgm:adjLst>
+                  </dgm:shape>
+                  <dgm:presOf axis="ch desOrSelf" ptType="node node" st="2 1" cnt="1 0"/>
+                  <dgm:constrLst/>
+                  <dgm:ruleLst/>
+                </dgm:layoutNode>
+                <dgm:layoutNode name="ThreeNodes_3">
+                  <dgm:varLst>
+                    <dgm:bulletEnabled val="1"/>
+                  </dgm:varLst>
+                  <dgm:alg type="sp"/>
+                  <dgm:shape xmlns:r="http://schemas.openxmlformats.org/officeDocument/2006/relationships" type="roundRect" r:blip="">
+                    <dgm:adjLst>
+                      <dgm:adj idx="1" val="0.1"/>
+                    </dgm:adjLst>
+                  </dgm:shape>
+                  <dgm:presOf axis="ch desOrSelf" ptType="node node" st="3 1" cnt="1 0"/>
+                  <dgm:constrLst/>
+                  <dgm:ruleLst/>
+                </dgm:layoutNode>
+                <dgm:layoutNode name="ThreeConn_1-2" styleLbl="fgAccFollowNode1">
+                  <dgm:varLst>
+                    <dgm:bulletEnabled val="1"/>
+                  </dgm:varLst>
+                  <dgm:alg type="tx"/>
+                  <dgm:shape xmlns:r="http://schemas.openxmlformats.org/officeDocument/2006/relationships" type="downArrow" r:blip="">
+                    <dgm:adjLst>
+                      <dgm:adj idx="1" val="0.55"/>
+                      <dgm:adj idx="2" val="0.45"/>
+                    </dgm:adjLst>
+                  </dgm:shape>
+                  <dgm:presOf axis="ch" ptType="sibTrans" cnt="1"/>
+                  <dgm:constrLst>
+                    <dgm:constr type="lMarg" refType="primFontSz" fact="0.1"/>
+                    <dgm:constr type="rMarg" refType="primFontSz" fact="0.1"/>
+                    <dgm:constr type="tMarg" refType="primFontSz" fact="0.1"/>
+                    <dgm:constr type="bMarg" refType="primFontSz" fact="0.1"/>
+                  </dgm:constrLst>
+                  <dgm:ruleLst>
+                    <dgm:rule type="primFontSz" val="5" fact="NaN" max="NaN"/>
+                  </dgm:ruleLst>
+                </dgm:layoutNode>
+                <dgm:layoutNode name="ThreeConn_2-3" styleLbl="fgAccFollowNode1">
+                  <dgm:varLst>
+                    <dgm:bulletEnabled val="1"/>
+                  </dgm:varLst>
+                  <dgm:alg type="tx"/>
+                  <dgm:shape xmlns:r="http://schemas.openxmlformats.org/officeDocument/2006/relationships" type="downArrow" r:blip="">
+                    <dgm:adjLst>
+                      <dgm:adj idx="1" val="0.55"/>
+                      <dgm:adj idx="2" val="0.45"/>
+                    </dgm:adjLst>
+                  </dgm:shape>
+                  <dgm:presOf axis="ch" ptType="sibTrans" st="2" cnt="1"/>
+                  <dgm:constrLst>
+                    <dgm:constr type="lMarg" refType="primFontSz" fact="0.1"/>
+                    <dgm:constr type="rMarg" refType="primFontSz" fact="0.1"/>
+                    <dgm:constr type="tMarg" refType="primFontSz" fact="0.1"/>
+                    <dgm:constr type="bMarg" refType="primFontSz" fact="0.1"/>
+                  </dgm:constrLst>
+                  <dgm:ruleLst>
+                    <dgm:rule type="primFontSz" val="5" fact="NaN" max="NaN"/>
+                  </dgm:ruleLst>
+                </dgm:layoutNode>
+                <dgm:layoutNode name="ThreeNodes_1_text">
+                  <dgm:varLst>
+                    <dgm:bulletEnabled val="1"/>
+                  </dgm:varLst>
+                  <dgm:alg type="tx">
+                    <dgm:param type="parTxLTRAlign" val="l"/>
+                    <dgm:param type="txAnchorVertCh" val="mid"/>
+                  </dgm:alg>
+                  <dgm:shape xmlns:r="http://schemas.openxmlformats.org/officeDocument/2006/relationships" type="roundRect" r:blip="" hideGeom="1">
+                    <dgm:adjLst>
+                      <dgm:adj idx="1" val="0.1"/>
+                    </dgm:adjLst>
+                  </dgm:shape>
+                  <dgm:presOf axis="ch desOrSelf" ptType="node node" st="1 1" cnt="1 0"/>
+                  <dgm:constrLst>
+                    <dgm:constr type="lMarg" refType="primFontSz" fact="0.3"/>
+                    <dgm:constr type="rMarg" refType="primFontSz" fact="0.3"/>
+                    <dgm:constr type="tMarg" refType="primFontSz" fact="0.3"/>
+                    <dgm:constr type="bMarg" refType="primFontSz" fact="0.3"/>
+                  </dgm:constrLst>
+                  <dgm:ruleLst>
+                    <dgm:rule type="primFontSz" val="5" fact="NaN" max="NaN"/>
+                  </dgm:ruleLst>
+                </dgm:layoutNode>
+                <dgm:layoutNode name="ThreeNodes_2_text">
+                  <dgm:varLst>
+                    <dgm:bulletEnabled val="1"/>
+                  </dgm:varLst>
+                  <dgm:alg type="tx">
+                    <dgm:param type="parTxLTRAlign" val="l"/>
+                    <dgm:param type="txAnchorVertCh" val="mid"/>
+                  </dgm:alg>
+                  <dgm:shape xmlns:r="http://schemas.openxmlformats.org/officeDocument/2006/relationships" type="roundRect" r:blip="" hideGeom="1">
+                    <dgm:adjLst>
+                      <dgm:adj idx="1" val="0.1"/>
+                    </dgm:adjLst>
+                  </dgm:shape>
+                  <dgm:presOf axis="ch desOrSelf" ptType="node node" st="2 1" cnt="1 0"/>
+                  <dgm:constrLst>
+                    <dgm:constr type="lMarg" refType="primFontSz" fact="0.3"/>
+                    <dgm:constr type="rMarg" refType="primFontSz" fact="0.3"/>
+                    <dgm:constr type="tMarg" refType="primFontSz" fact="0.3"/>
+                    <dgm:constr type="bMarg" refType="primFontSz" fact="0.3"/>
+                  </dgm:constrLst>
+                  <dgm:ruleLst>
+                    <dgm:rule type="primFontSz" val="5" fact="NaN" max="NaN"/>
+                  </dgm:ruleLst>
+                </dgm:layoutNode>
+                <dgm:layoutNode name="ThreeNodes_3_text">
+                  <dgm:varLst>
+                    <dgm:bulletEnabled val="1"/>
+                  </dgm:varLst>
+                  <dgm:alg type="tx">
+                    <dgm:param type="parTxLTRAlign" val="l"/>
+                    <dgm:param type="txAnchorVertCh" val="mid"/>
+                  </dgm:alg>
+                  <dgm:shape xmlns:r="http://schemas.openxmlformats.org/officeDocument/2006/relationships" type="roundRect" r:blip="" hideGeom="1">
+                    <dgm:adjLst>
+                      <dgm:adj idx="1" val="0.1"/>
+                    </dgm:adjLst>
+                  </dgm:shape>
+                  <dgm:presOf axis="ch desOrSelf" ptType="node node" st="3 1" cnt="1 0"/>
+                  <dgm:constrLst>
+                    <dgm:constr type="lMarg" refType="primFontSz" fact="0.3"/>
+                    <dgm:constr type="rMarg" refType="primFontSz" fact="0.3"/>
+                    <dgm:constr type="tMarg" refType="primFontSz" fact="0.3"/>
+                    <dgm:constr type="bMarg" refType="primFontSz" fact="0.3"/>
+                  </dgm:constrLst>
+                  <dgm:ruleLst>
+                    <dgm:rule type="primFontSz" val="5" fact="NaN" max="NaN"/>
+                  </dgm:ruleLst>
+                </dgm:layoutNode>
+              </dgm:if>
+              <dgm:else name="Name11">
+                <dgm:choose name="Name12">
+                  <dgm:if name="Name13" axis="ch" ptType="node" func="cnt" op="equ" val="4">
+                    <dgm:layoutNode name="FourNodes_1">
+                      <dgm:varLst>
+                        <dgm:bulletEnabled val="1"/>
+                      </dgm:varLst>
+                      <dgm:alg type="sp"/>
+                      <dgm:shape xmlns:r="http://schemas.openxmlformats.org/officeDocument/2006/relationships" type="roundRect" r:blip="">
+                        <dgm:adjLst>
+                          <dgm:adj idx="1" val="0.1"/>
+                        </dgm:adjLst>
+                      </dgm:shape>
+                      <dgm:presOf axis="ch desOrSelf" ptType="node node" st="1 1" cnt="1 0"/>
+                      <dgm:constrLst/>
+                      <dgm:ruleLst/>
+                    </dgm:layoutNode>
+                    <dgm:layoutNode name="FourNodes_2">
+                      <dgm:varLst>
+                        <dgm:bulletEnabled val="1"/>
+                      </dgm:varLst>
+                      <dgm:alg type="sp"/>
+                      <dgm:shape xmlns:r="http://schemas.openxmlformats.org/officeDocument/2006/relationships" type="roundRect" r:blip="">
+                        <dgm:adjLst>
+                          <dgm:adj idx="1" val="0.1"/>
+                        </dgm:adjLst>
+                      </dgm:shape>
+                      <dgm:presOf axis="ch desOrSelf" ptType="node node" st="2 1" cnt="1 0"/>
+                      <dgm:constrLst/>
+                      <dgm:ruleLst/>
+                    </dgm:layoutNode>
+                    <dgm:layoutNode name="FourNodes_3">
+                      <dgm:varLst>
+                        <dgm:bulletEnabled val="1"/>
+                      </dgm:varLst>
+                      <dgm:alg type="sp"/>
+                      <dgm:shape xmlns:r="http://schemas.openxmlformats.org/officeDocument/2006/relationships" type="roundRect" r:blip="">
+                        <dgm:adjLst>
+                          <dgm:adj idx="1" val="0.1"/>
+                        </dgm:adjLst>
+                      </dgm:shape>
+                      <dgm:presOf axis="ch desOrSelf" ptType="node node" st="3 1" cnt="1 0"/>
+                      <dgm:constrLst/>
+                      <dgm:ruleLst/>
+                    </dgm:layoutNode>
+                    <dgm:layoutNode name="FourNodes_4">
+                      <dgm:varLst>
+                        <dgm:bulletEnabled val="1"/>
+                      </dgm:varLst>
+                      <dgm:alg type="sp"/>
+                      <dgm:shape xmlns:r="http://schemas.openxmlformats.org/officeDocument/2006/relationships" type="roundRect" r:blip="">
+                        <dgm:adjLst>
+                          <dgm:adj idx="1" val="0.1"/>
+                        </dgm:adjLst>
+                      </dgm:shape>
+                      <dgm:presOf axis="ch desOrSelf" ptType="node node" st="4 1" cnt="1 0"/>
+                      <dgm:constrLst/>
+                      <dgm:ruleLst/>
+                    </dgm:layoutNode>
+                    <dgm:layoutNode name="FourConn_1-2" styleLbl="fgAccFollowNode1">
+                      <dgm:varLst>
+                        <dgm:bulletEnabled val="1"/>
+                      </dgm:varLst>
+                      <dgm:alg type="tx"/>
+                      <dgm:shape xmlns:r="http://schemas.openxmlformats.org/officeDocument/2006/relationships" type="downArrow" r:blip="">
+                        <dgm:adjLst>
+                          <dgm:adj idx="1" val="0.55"/>
+                          <dgm:adj idx="2" val="0.45"/>
+                        </dgm:adjLst>
+                      </dgm:shape>
+                      <dgm:presOf axis="ch" ptType="sibTrans" cnt="1"/>
+                      <dgm:constrLst>
+                        <dgm:constr type="lMarg" refType="primFontSz" fact="0.1"/>
+                        <dgm:constr type="rMarg" refType="primFontSz" fact="0.1"/>
+                        <dgm:constr type="tMarg" refType="primFontSz" fact="0.1"/>
+                        <dgm:constr type="bMarg" refType="primFontSz" fact="0.1"/>
+                      </dgm:constrLst>
+                      <dgm:ruleLst>
+                        <dgm:rule type="primFontSz" val="5" fact="NaN" max="NaN"/>
+                      </dgm:ruleLst>
+                    </dgm:layoutNode>
+                    <dgm:layoutNode name="FourConn_2-3" styleLbl="fgAccFollowNode1">
+                      <dgm:varLst>
+                        <dgm:bulletEnabled val="1"/>
+                      </dgm:varLst>
+                      <dgm:alg type="tx"/>
+                      <dgm:shape xmlns:r="http://schemas.openxmlformats.org/officeDocument/2006/relationships" type="downArrow" r:blip="">
+                        <dgm:adjLst>
+                          <dgm:adj idx="1" val="0.55"/>
+                          <dgm:adj idx="2" val="0.45"/>
+                        </dgm:adjLst>
+                      </dgm:shape>
+                      <dgm:presOf axis="ch" ptType="sibTrans" st="2" cnt="1"/>
+                      <dgm:constrLst>
+                        <dgm:constr type="lMarg" refType="primFontSz" fact="0.1"/>
+                        <dgm:constr type="rMarg" refType="primFontSz" fact="0.1"/>
+                        <dgm:constr type="tMarg" refType="primFontSz" fact="0.1"/>
+                        <dgm:constr type="bMarg" refType="primFontSz" fact="0.1"/>
+                      </dgm:constrLst>
+                      <dgm:ruleLst>
+                        <dgm:rule type="primFontSz" val="5" fact="NaN" max="NaN"/>
+                      </dgm:ruleLst>
+                    </dgm:layoutNode>
+                    <dgm:layoutNode name="FourConn_3-4" styleLbl="fgAccFollowNode1">
+                      <dgm:varLst>
+                        <dgm:bulletEnabled val="1"/>
+                      </dgm:varLst>
+                      <dgm:alg type="tx"/>
+                      <dgm:shape xmlns:r="http://schemas.openxmlformats.org/officeDocument/2006/relationships" type="downArrow" r:blip="">
+                        <dgm:adjLst>
+                          <dgm:adj idx="1" val="0.55"/>
+                          <dgm:adj idx="2" val="0.45"/>
+                        </dgm:adjLst>
+                      </dgm:shape>
+                      <dgm:presOf axis="ch" ptType="sibTrans" st="3" cnt="1"/>
+                      <dgm:constrLst>
+                        <dgm:constr type="lMarg" refType="primFontSz" fact="0.1"/>
+                        <dgm:constr type="rMarg" refType="primFontSz" fact="0.1"/>
+                        <dgm:constr type="tMarg" refType="primFontSz" fact="0.1"/>
+                        <dgm:constr type="bMarg" refType="primFontSz" fact="0.1"/>
+                      </dgm:constrLst>
+                      <dgm:ruleLst>
+                        <dgm:rule type="primFontSz" val="5" fact="NaN" max="NaN"/>
+                      </dgm:ruleLst>
+                    </dgm:layoutNode>
+                    <dgm:layoutNode name="FourNodes_1_text">
+                      <dgm:varLst>
+                        <dgm:bulletEnabled val="1"/>
+                      </dgm:varLst>
+                      <dgm:alg type="tx">
+                        <dgm:param type="parTxLTRAlign" val="l"/>
+                        <dgm:param type="txAnchorVertCh" val="mid"/>
+                      </dgm:alg>
+                      <dgm:shape xmlns:r="http://schemas.openxmlformats.org/officeDocument/2006/relationships" type="roundRect" r:blip="" hideGeom="1">
+                        <dgm:adjLst>
+                          <dgm:adj idx="1" val="0.1"/>
+                        </dgm:adjLst>
+                      </dgm:shape>
+                      <dgm:presOf axis="ch desOrSelf" ptType="node node" st="1 1" cnt="1 0"/>
+                      <dgm:constrLst>
+                        <dgm:constr type="lMarg" refType="primFontSz" fact="0.3"/>
+                        <dgm:constr type="rMarg" refType="primFontSz" fact="0.3"/>
+                        <dgm:constr type="tMarg" refType="primFontSz" fact="0.3"/>
+                        <dgm:constr type="bMarg" refType="primFontSz" fact="0.3"/>
+                      </dgm:constrLst>
+                      <dgm:ruleLst>
+                        <dgm:rule type="primFontSz" val="5" fact="NaN" max="NaN"/>
+                      </dgm:ruleLst>
+                    </dgm:layoutNode>
+                    <dgm:layoutNode name="FourNodes_2_text">
+                      <dgm:varLst>
+                        <dgm:bulletEnabled val="1"/>
+                      </dgm:varLst>
+                      <dgm:alg type="tx">
+                        <dgm:param type="parTxLTRAlign" val="l"/>
+                        <dgm:param type="txAnchorVertCh" val="mid"/>
+                      </dgm:alg>
+                      <dgm:shape xmlns:r="http://schemas.openxmlformats.org/officeDocument/2006/relationships" type="roundRect" r:blip="" hideGeom="1">
+                        <dgm:adjLst>
+                          <dgm:adj idx="1" val="0.1"/>
+                        </dgm:adjLst>
+                      </dgm:shape>
+                      <dgm:presOf axis="ch desOrSelf" ptType="node node" st="2 1" cnt="1 0"/>
+                      <dgm:constrLst>
+                        <dgm:constr type="lMarg" refType="primFontSz" fact="0.3"/>
+                        <dgm:constr type="rMarg" refType="primFontSz" fact="0.3"/>
+                        <dgm:constr type="tMarg" refType="primFontSz" fact="0.3"/>
+                        <dgm:constr type="bMarg" refType="primFontSz" fact="0.3"/>
+                      </dgm:constrLst>
+                      <dgm:ruleLst>
+                        <dgm:rule type="primFontSz" val="5" fact="NaN" max="NaN"/>
+                      </dgm:ruleLst>
+                    </dgm:layoutNode>
+                    <dgm:layoutNode name="FourNodes_3_text">
+                      <dgm:varLst>
+                        <dgm:bulletEnabled val="1"/>
+                      </dgm:varLst>
+                      <dgm:alg type="tx">
+                        <dgm:param type="parTxLTRAlign" val="l"/>
+                        <dgm:param type="txAnchorVertCh" val="mid"/>
+                      </dgm:alg>
+                      <dgm:shape xmlns:r="http://schemas.openxmlformats.org/officeDocument/2006/relationships" type="roundRect" r:blip="" hideGeom="1">
+                        <dgm:adjLst>
+                          <dgm:adj idx="1" val="0.1"/>
+                        </dgm:adjLst>
+                      </dgm:shape>
+                      <dgm:presOf axis="ch desOrSelf" ptType="node node" st="3 1" cnt="1 0"/>
+                      <dgm:constrLst>
+                        <dgm:constr type="lMarg" refType="primFontSz" fact="0.3"/>
+                        <dgm:constr type="rMarg" refType="primFontSz" fact="0.3"/>
+                        <dgm:constr type="tMarg" refType="primFontSz" fact="0.3"/>
+                        <dgm:constr type="bMarg" refType="primFontSz" fact="0.3"/>
+                      </dgm:constrLst>
+                      <dgm:ruleLst>
+                        <dgm:rule type="primFontSz" val="5" fact="NaN" max="NaN"/>
+                      </dgm:ruleLst>
+                    </dgm:layoutNode>
+                    <dgm:layoutNode name="FourNodes_4_text">
+                      <dgm:varLst>
+                        <dgm:bulletEnabled val="1"/>
+                      </dgm:varLst>
+                      <dgm:alg type="tx">
+                        <dgm:param type="parTxLTRAlign" val="l"/>
+                        <dgm:param type="txAnchorVertCh" val="mid"/>
+                      </dgm:alg>
+                      <dgm:shape xmlns:r="http://schemas.openxmlformats.org/officeDocument/2006/relationships" type="roundRect" r:blip="" hideGeom="1">
+                        <dgm:adjLst>
+                          <dgm:adj idx="1" val="0.1"/>
+                        </dgm:adjLst>
+                      </dgm:shape>
+                      <dgm:presOf axis="ch desOrSelf" ptType="node node" st="4 1" cnt="1 0"/>
+                      <dgm:constrLst>
+                        <dgm:constr type="lMarg" refType="primFontSz" fact="0.3"/>
+                        <dgm:constr type="rMarg" refType="primFontSz" fact="0.3"/>
+                        <dgm:constr type="tMarg" refType="primFontSz" fact="0.3"/>
+                        <dgm:constr type="bMarg" refType="primFontSz" fact="0.3"/>
+                      </dgm:constrLst>
+                      <dgm:ruleLst>
+                        <dgm:rule type="primFontSz" val="5" fact="NaN" max="NaN"/>
+                      </dgm:ruleLst>
+                    </dgm:layoutNode>
+                  </dgm:if>
+                  <dgm:else name="Name14">
+                    <dgm:choose name="Name15">
+                      <dgm:if name="Name16" axis="ch" ptType="node" func="cnt" op="gte" val="5">
+                        <dgm:layoutNode name="FiveNodes_1">
+                          <dgm:varLst>
+                            <dgm:bulletEnabled val="1"/>
+                          </dgm:varLst>
+                          <dgm:alg type="sp"/>
+                          <dgm:shape xmlns:r="http://schemas.openxmlformats.org/officeDocument/2006/relationships" type="roundRect" r:blip="">
+                            <dgm:adjLst>
+                              <dgm:adj idx="1" val="0.1"/>
+                            </dgm:adjLst>
+                          </dgm:shape>
+                          <dgm:presOf axis="ch desOrSelf" ptType="node node" st="1 1" cnt="1 0"/>
+                          <dgm:constrLst/>
+                          <dgm:ruleLst/>
+                        </dgm:layoutNode>
+                        <dgm:layoutNode name="FiveNodes_2">
+                          <dgm:varLst>
+                            <dgm:bulletEnabled val="1"/>
+                          </dgm:varLst>
+                          <dgm:alg type="sp"/>
+                          <dgm:shape xmlns:r="http://schemas.openxmlformats.org/officeDocument/2006/relationships" type="roundRect" r:blip="">
+                            <dgm:adjLst>
+                              <dgm:adj idx="1" val="0.1"/>
+                            </dgm:adjLst>
+                          </dgm:shape>
+                          <dgm:presOf axis="ch desOrSelf" ptType="node node" st="2 1" cnt="1 0"/>
+                          <dgm:constrLst/>
+                          <dgm:ruleLst/>
+                        </dgm:layoutNode>
+                        <dgm:layoutNode name="FiveNodes_3">
+                          <dgm:varLst>
+                            <dgm:bulletEnabled val="1"/>
+                          </dgm:varLst>
+                          <dgm:alg type="sp"/>
+                          <dgm:shape xmlns:r="http://schemas.openxmlformats.org/officeDocument/2006/relationships" type="roundRect" r:blip="">
+                            <dgm:adjLst>
+                              <dgm:adj idx="1" val="0.1"/>
+                            </dgm:adjLst>
+                          </dgm:shape>
+                          <dgm:presOf axis="ch desOrSelf" ptType="node node" st="3 1" cnt="1 0"/>
+                          <dgm:constrLst/>
+                          <dgm:ruleLst/>
+                        </dgm:layoutNode>
+                        <dgm:layoutNode name="FiveNodes_4">
+                          <dgm:varLst>
+                            <dgm:bulletEnabled val="1"/>
+                          </dgm:varLst>
+                          <dgm:alg type="sp"/>
+                          <dgm:shape xmlns:r="http://schemas.openxmlformats.org/officeDocument/2006/relationships" type="roundRect" r:blip="">
+                            <dgm:adjLst>
+                              <dgm:adj idx="1" val="0.1"/>
+                            </dgm:adjLst>
+                          </dgm:shape>
+                          <dgm:presOf axis="ch desOrSelf" ptType="node node" st="4 1" cnt="1 0"/>
+                          <dgm:constrLst/>
+                          <dgm:ruleLst/>
+                        </dgm:layoutNode>
+                        <dgm:layoutNode name="FiveNodes_5">
+                          <dgm:varLst>
+                            <dgm:bulletEnabled val="1"/>
+                          </dgm:varLst>
+                          <dgm:alg type="sp"/>
+                          <dgm:shape xmlns:r="http://schemas.openxmlformats.org/officeDocument/2006/relationships" type="roundRect" r:blip="">
+                            <dgm:adjLst>
+                              <dgm:adj idx="1" val="0.1"/>
+                            </dgm:adjLst>
+                          </dgm:shape>
+                          <dgm:presOf axis="ch desOrSelf" ptType="node node" st="5 1" cnt="1 0"/>
+                          <dgm:constrLst/>
+                          <dgm:ruleLst/>
+                        </dgm:layoutNode>
+                        <dgm:layoutNode name="FiveConn_1-2" styleLbl="fgAccFollowNode1">
+                          <dgm:varLst>
+                            <dgm:bulletEnabled val="1"/>
+                          </dgm:varLst>
+                          <dgm:alg type="tx"/>
+                          <dgm:shape xmlns:r="http://schemas.openxmlformats.org/officeDocument/2006/relationships" type="downArrow" r:blip="">
+                            <dgm:adjLst>
+                              <dgm:adj idx="1" val="0.55"/>
+                              <dgm:adj idx="2" val="0.45"/>
+                            </dgm:adjLst>
+                          </dgm:shape>
+                          <dgm:presOf axis="ch" ptType="sibTrans" cnt="1"/>
+                          <dgm:constrLst>
+                            <dgm:constr type="lMarg" refType="primFontSz" fact="0.1"/>
+                            <dgm:constr type="rMarg" refType="primFontSz" fact="0.1"/>
+                            <dgm:constr type="tMarg" refType="primFontSz" fact="0.1"/>
+                            <dgm:constr type="bMarg" refType="primFontSz" fact="0.1"/>
+                          </dgm:constrLst>
+                          <dgm:ruleLst>
+                            <dgm:rule type="primFontSz" val="5" fact="NaN" max="NaN"/>
+                          </dgm:ruleLst>
+                        </dgm:layoutNode>
+                        <dgm:layoutNode name="FiveConn_2-3" styleLbl="fgAccFollowNode1">
+                          <dgm:varLst>
+                            <dgm:bulletEnabled val="1"/>
+                          </dgm:varLst>
+                          <dgm:alg type="tx"/>
+                          <dgm:shape xmlns:r="http://schemas.openxmlformats.org/officeDocument/2006/relationships" type="downArrow" r:blip="">
+                            <dgm:adjLst>
+                              <dgm:adj idx="1" val="0.55"/>
+                              <dgm:adj idx="2" val="0.45"/>
+                            </dgm:adjLst>
+                          </dgm:shape>
+                          <dgm:presOf axis="ch" ptType="sibTrans" st="2" cnt="1"/>
+                          <dgm:constrLst>
+                            <dgm:constr type="lMarg" refType="primFontSz" fact="0.1"/>
+                            <dgm:constr type="rMarg" refType="primFontSz" fact="0.1"/>
+                            <dgm:constr type="tMarg" refType="primFontSz" fact="0.1"/>
+                            <dgm:constr type="bMarg" refType="primFontSz" fact="0.1"/>
+                          </dgm:constrLst>
+                          <dgm:ruleLst>
+                            <dgm:rule type="primFontSz" val="5" fact="NaN" max="NaN"/>
+                          </dgm:ruleLst>
+                        </dgm:layoutNode>
+                        <dgm:layoutNode name="FiveConn_3-4" styleLbl="fgAccFollowNode1">
+                          <dgm:varLst>
+                            <dgm:bulletEnabled val="1"/>
+                          </dgm:varLst>
+                          <dgm:alg type="tx"/>
+                          <dgm:shape xmlns:r="http://schemas.openxmlformats.org/officeDocument/2006/relationships" type="downArrow" r:blip="">
+                            <dgm:adjLst>
+                              <dgm:adj idx="1" val="0.55"/>
+                              <dgm:adj idx="2" val="0.45"/>
+                            </dgm:adjLst>
+                          </dgm:shape>
+                          <dgm:presOf axis="ch" ptType="sibTrans" st="3" cnt="1"/>
+                          <dgm:constrLst>
+                            <dgm:constr type="lMarg" refType="primFontSz" fact="0.1"/>
+                            <dgm:constr type="rMarg" refType="primFontSz" fact="0.1"/>
+                            <dgm:constr type="tMarg" refType="primFontSz" fact="0.1"/>
+                            <dgm:constr type="bMarg" refType="primFontSz" fact="0.1"/>
+                          </dgm:constrLst>
+                          <dgm:ruleLst>
+                            <dgm:rule type="primFontSz" val="5" fact="NaN" max="NaN"/>
+                          </dgm:ruleLst>
+                        </dgm:layoutNode>
+                        <dgm:layoutNode name="FiveConn_4-5" styleLbl="fgAccFollowNode1">
+                          <dgm:varLst>
+                            <dgm:bulletEnabled val="1"/>
+                          </dgm:varLst>
+                          <dgm:alg type="tx"/>
+                          <dgm:shape xmlns:r="http://schemas.openxmlformats.org/officeDocument/2006/relationships" type="downArrow" r:blip="">
+                            <dgm:adjLst>
+                              <dgm:adj idx="1" val="0.55"/>
+                              <dgm:adj idx="2" val="0.45"/>
+                            </dgm:adjLst>
+                          </dgm:shape>
+                          <dgm:presOf axis="ch" ptType="sibTrans" st="4" cnt="1"/>
+                          <dgm:constrLst>
+                            <dgm:constr type="lMarg" refType="primFontSz" fact="0.1"/>
+                            <dgm:constr type="rMarg" refType="primFontSz" fact="0.1"/>
+                            <dgm:constr type="tMarg" refType="primFontSz" fact="0.1"/>
+                            <dgm:constr type="bMarg" refType="primFontSz" fact="0.1"/>
+                          </dgm:constrLst>
+                          <dgm:ruleLst>
+                            <dgm:rule type="primFontSz" val="5" fact="NaN" max="NaN"/>
+                          </dgm:ruleLst>
+                        </dgm:layoutNode>
+                        <dgm:layoutNode name="FiveNodes_1_text">
+                          <dgm:varLst>
+                            <dgm:bulletEnabled val="1"/>
+                          </dgm:varLst>
+                          <dgm:alg type="tx">
+                            <dgm:param type="parTxLTRAlign" val="l"/>
+                            <dgm:param type="txAnchorVertCh" val="mid"/>
+                          </dgm:alg>
+                          <dgm:shape xmlns:r="http://schemas.openxmlformats.org/officeDocument/2006/relationships" type="roundRect" r:blip="" hideGeom="1">
+                            <dgm:adjLst>
+                              <dgm:adj idx="1" val="0.1"/>
+                            </dgm:adjLst>
+                          </dgm:shape>
+                          <dgm:presOf axis="ch desOrSelf" ptType="node node" st="1 1" cnt="1 0"/>
+                          <dgm:constrLst>
+                            <dgm:constr type="lMarg" refType="primFontSz" fact="0.3"/>
+                            <dgm:constr type="rMarg" refType="primFontSz" fact="0.3"/>
+                            <dgm:constr type="tMarg" refType="primFontSz" fact="0.3"/>
+                            <dgm:constr type="bMarg" refType="primFontSz" fact="0.3"/>
+                          </dgm:constrLst>
+                          <dgm:ruleLst>
+                            <dgm:rule type="primFontSz" val="5" fact="NaN" max="NaN"/>
+                          </dgm:ruleLst>
+                        </dgm:layoutNode>
+                        <dgm:layoutNode name="FiveNodes_2_text">
+                          <dgm:varLst>
+                            <dgm:bulletEnabled val="1"/>
+                          </dgm:varLst>
+                          <dgm:alg type="tx">
+                            <dgm:param type="parTxLTRAlign" val="l"/>
+                            <dgm:param type="txAnchorVertCh" val="mid"/>
+                          </dgm:alg>
+                          <dgm:shape xmlns:r="http://schemas.openxmlformats.org/officeDocument/2006/relationships" type="roundRect" r:blip="" hideGeom="1">
+                            <dgm:adjLst>
+                              <dgm:adj idx="1" val="0.1"/>
+                            </dgm:adjLst>
+                          </dgm:shape>
+                          <dgm:presOf axis="ch desOrSelf" ptType="node node" st="2 1" cnt="1 0"/>
+                          <dgm:constrLst>
+                            <dgm:constr type="lMarg" refType="primFontSz" fact="0.3"/>
+                            <dgm:constr type="rMarg" refType="primFontSz" fact="0.3"/>
+                            <dgm:constr type="tMarg" refType="primFontSz" fact="0.3"/>
+                            <dgm:constr type="bMarg" refType="primFontSz" fact="0.3"/>
+                          </dgm:constrLst>
+                          <dgm:ruleLst>
+                            <dgm:rule type="primFontSz" val="5" fact="NaN" max="NaN"/>
+                          </dgm:ruleLst>
+                        </dgm:layoutNode>
+                        <dgm:layoutNode name="FiveNodes_3_text">
+                          <dgm:varLst>
+                            <dgm:bulletEnabled val="1"/>
+                          </dgm:varLst>
+                          <dgm:alg type="tx">
+                            <dgm:param type="parTxLTRAlign" val="l"/>
+                            <dgm:param type="txAnchorVertCh" val="mid"/>
+                          </dgm:alg>
+                          <dgm:shape xmlns:r="http://schemas.openxmlformats.org/officeDocument/2006/relationships" type="roundRect" r:blip="" hideGeom="1">
+                            <dgm:adjLst>
+                              <dgm:adj idx="1" val="0.1"/>
+                            </dgm:adjLst>
+                          </dgm:shape>
+                          <dgm:presOf axis="ch desOrSelf" ptType="node node" st="3 1" cnt="1 0"/>
+                          <dgm:constrLst>
+                            <dgm:constr type="lMarg" refType="primFontSz" fact="0.3"/>
+                            <dgm:constr type="rMarg" refType="primFontSz" fact="0.3"/>
+                            <dgm:constr type="tMarg" refType="primFontSz" fact="0.3"/>
+                            <dgm:constr type="bMarg" refType="primFontSz" fact="0.3"/>
+                          </dgm:constrLst>
+                          <dgm:ruleLst>
+                            <dgm:rule type="primFontSz" val="5" fact="NaN" max="NaN"/>
+                          </dgm:ruleLst>
+                        </dgm:layoutNode>
+                        <dgm:layoutNode name="FiveNodes_4_text">
+                          <dgm:varLst>
+                            <dgm:bulletEnabled val="1"/>
+                          </dgm:varLst>
+                          <dgm:alg type="tx">
+                            <dgm:param type="parTxLTRAlign" val="l"/>
+                            <dgm:param type="txAnchorVertCh" val="mid"/>
+                          </dgm:alg>
+                          <dgm:shape xmlns:r="http://schemas.openxmlformats.org/officeDocument/2006/relationships" type="roundRect" r:blip="" hideGeom="1">
+                            <dgm:adjLst>
+                              <dgm:adj idx="1" val="0.1"/>
+                            </dgm:adjLst>
+                          </dgm:shape>
+                          <dgm:presOf axis="ch desOrSelf" ptType="node node" st="4 1" cnt="1 0"/>
+                          <dgm:constrLst>
+                            <dgm:constr type="lMarg" refType="primFontSz" fact="0.3"/>
+                            <dgm:constr type="rMarg" refType="primFontSz" fact="0.3"/>
+                            <dgm:constr type="tMarg" refType="primFontSz" fact="0.3"/>
+                            <dgm:constr type="bMarg" refType="primFontSz" fact="0.3"/>
+                          </dgm:constrLst>
+                          <dgm:ruleLst>
+                            <dgm:rule type="primFontSz" val="5" fact="NaN" max="NaN"/>
+                          </dgm:ruleLst>
+                        </dgm:layoutNode>
+                        <dgm:layoutNode name="FiveNodes_5_text">
+                          <dgm:varLst>
+                            <dgm:bulletEnabled val="1"/>
+                          </dgm:varLst>
+                          <dgm:alg type="tx">
+                            <dgm:param type="parTxLTRAlign" val="l"/>
+                            <dgm:param type="txAnchorVertCh" val="mid"/>
+                          </dgm:alg>
+                          <dgm:shape xmlns:r="http://schemas.openxmlformats.org/officeDocument/2006/relationships" type="roundRect" r:blip="" hideGeom="1">
+                            <dgm:adjLst>
+                              <dgm:adj idx="1" val="0.1"/>
+                            </dgm:adjLst>
+                          </dgm:shape>
+                          <dgm:presOf axis="ch desOrSelf" ptType="node node" st="5 1" cnt="1 0"/>
+                          <dgm:constrLst>
+                            <dgm:constr type="lMarg" refType="primFontSz" fact="0.3"/>
+                            <dgm:constr type="rMarg" refType="primFontSz" fact="0.3"/>
+                            <dgm:constr type="tMarg" refType="primFontSz" fact="0.3"/>
+                            <dgm:constr type="bMarg" refType="primFontSz" fact="0.3"/>
+                          </dgm:constrLst>
+                          <dgm:ruleLst>
+                            <dgm:rule type="primFontSz" val="5" fact="NaN" max="NaN"/>
+                          </dgm:ruleLst>
+                        </dgm:layoutNode>
+                      </dgm:if>
+                      <dgm:else name="Name17"/>
+                    </dgm:choose>
+                  </dgm:else>
+                </dgm:choose>
+              </dgm:else>
+            </dgm:choose>
+          </dgm:else>
+        </dgm:choose>
+      </dgm:else>
+    </dgm:choose>
   </dgm:layoutNode>
 </dgm:layoutDef>
 </file>
@@ -4224,11 +5703,11 @@
 </file>
 
 <file path=ppt/diagrams/quickStyle1.xml><?xml version="1.0" encoding="utf-8"?>
-<dgm:styleDef xmlns:dgm="http://schemas.openxmlformats.org/drawingml/2006/diagram" xmlns:a="http://schemas.openxmlformats.org/drawingml/2006/main" uniqueId="urn:microsoft.com/office/officeart/2005/8/quickstyle/simple1">
+<dgm:styleDef xmlns:dgm="http://schemas.openxmlformats.org/drawingml/2006/diagram" xmlns:a="http://schemas.openxmlformats.org/drawingml/2006/main" uniqueId="urn:microsoft.com/office/officeart/2005/8/quickstyle/simple5">
   <dgm:title val=""/>
   <dgm:desc val=""/>
   <dgm:catLst>
-    <dgm:cat type="simple" pri="10100"/>
+    <dgm:cat type="simple" pri="10500"/>
   </dgm:catLst>
   <dgm:scene3d>
     <a:camera prst="orthographicFront"/>
@@ -4242,13 +5721,13 @@
     <dgm:sp3d/>
     <dgm:txPr/>
     <dgm:style>
-      <a:lnRef idx="2">
+      <a:lnRef idx="0">
         <a:scrgbClr r="0" g="0" b="0"/>
       </a:lnRef>
-      <a:fillRef idx="1">
+      <a:fillRef idx="3">
         <a:scrgbClr r="0" g="0" b="0"/>
       </a:fillRef>
-      <a:effectRef idx="0">
+      <a:effectRef idx="3">
         <a:scrgbClr r="0" g="0" b="0"/>
       </a:effectRef>
       <a:fontRef idx="minor">
@@ -4264,13 +5743,13 @@
     <dgm:sp3d/>
     <dgm:txPr/>
     <dgm:style>
-      <a:lnRef idx="2">
+      <a:lnRef idx="0">
         <a:scrgbClr r="0" g="0" b="0"/>
       </a:lnRef>
-      <a:fillRef idx="1">
+      <a:fillRef idx="3">
         <a:scrgbClr r="0" g="0" b="0"/>
       </a:fillRef>
-      <a:effectRef idx="0">
+      <a:effectRef idx="3">
         <a:scrgbClr r="0" g="0" b="0"/>
       </a:effectRef>
       <a:fontRef idx="minor">
@@ -4286,13 +5765,13 @@
     <dgm:sp3d/>
     <dgm:txPr/>
     <dgm:style>
-      <a:lnRef idx="2">
+      <a:lnRef idx="0">
         <a:scrgbClr r="0" g="0" b="0"/>
       </a:lnRef>
-      <a:fillRef idx="1">
+      <a:fillRef idx="3">
         <a:scrgbClr r="0" g="0" b="0"/>
       </a:fillRef>
-      <a:effectRef idx="0">
+      <a:effectRef idx="3">
         <a:scrgbClr r="0" g="0" b="0"/>
       </a:effectRef>
       <a:fontRef idx="minor">
@@ -4308,13 +5787,13 @@
     <dgm:sp3d/>
     <dgm:txPr/>
     <dgm:style>
-      <a:lnRef idx="2">
+      <a:lnRef idx="1">
         <a:scrgbClr r="0" g="0" b="0"/>
       </a:lnRef>
-      <a:fillRef idx="1">
+      <a:fillRef idx="3">
         <a:scrgbClr r="0" g="0" b="0"/>
       </a:fillRef>
-      <a:effectRef idx="0">
+      <a:effectRef idx="3">
         <a:scrgbClr r="0" g="0" b="0"/>
       </a:effectRef>
       <a:fontRef idx="minor">
@@ -4330,13 +5809,13 @@
     <dgm:sp3d/>
     <dgm:txPr/>
     <dgm:style>
-      <a:lnRef idx="2">
+      <a:lnRef idx="0">
         <a:scrgbClr r="0" g="0" b="0"/>
       </a:lnRef>
-      <a:fillRef idx="1">
+      <a:fillRef idx="3">
         <a:scrgbClr r="0" g="0" b="0"/>
       </a:fillRef>
-      <a:effectRef idx="0">
+      <a:effectRef idx="3">
         <a:scrgbClr r="0" g="0" b="0"/>
       </a:effectRef>
       <a:fontRef idx="minor">
@@ -4352,13 +5831,13 @@
     <dgm:sp3d/>
     <dgm:txPr/>
     <dgm:style>
-      <a:lnRef idx="2">
+      <a:lnRef idx="0">
         <a:scrgbClr r="0" g="0" b="0"/>
       </a:lnRef>
-      <a:fillRef idx="1">
+      <a:fillRef idx="3">
         <a:scrgbClr r="0" g="0" b="0"/>
       </a:fillRef>
-      <a:effectRef idx="0">
+      <a:effectRef idx="3">
         <a:scrgbClr r="0" g="0" b="0"/>
       </a:effectRef>
       <a:fontRef idx="minor">
@@ -4374,13 +5853,13 @@
     <dgm:sp3d/>
     <dgm:txPr/>
     <dgm:style>
-      <a:lnRef idx="2">
+      <a:lnRef idx="0">
         <a:scrgbClr r="0" g="0" b="0"/>
       </a:lnRef>
-      <a:fillRef idx="1">
+      <a:fillRef idx="3">
         <a:scrgbClr r="0" g="0" b="0"/>
       </a:fillRef>
-      <a:effectRef idx="0">
+      <a:effectRef idx="3">
         <a:scrgbClr r="0" g="0" b="0"/>
       </a:effectRef>
       <a:fontRef idx="minor">
@@ -4396,13 +5875,13 @@
     <dgm:sp3d/>
     <dgm:txPr/>
     <dgm:style>
-      <a:lnRef idx="2">
+      <a:lnRef idx="0">
         <a:scrgbClr r="0" g="0" b="0"/>
       </a:lnRef>
-      <a:fillRef idx="1">
+      <a:fillRef idx="3">
         <a:scrgbClr r="0" g="0" b="0"/>
       </a:fillRef>
-      <a:effectRef idx="0">
+      <a:effectRef idx="3">
         <a:scrgbClr r="0" g="0" b="0"/>
       </a:effectRef>
       <a:fontRef idx="minor">
@@ -4418,13 +5897,13 @@
     <dgm:sp3d/>
     <dgm:txPr/>
     <dgm:style>
-      <a:lnRef idx="2">
+      <a:lnRef idx="0">
         <a:scrgbClr r="0" g="0" b="0"/>
       </a:lnRef>
       <a:fillRef idx="1">
         <a:scrgbClr r="0" g="0" b="0"/>
       </a:fillRef>
-      <a:effectRef idx="0">
+      <a:effectRef idx="3">
         <a:scrgbClr r="0" g="0" b="0"/>
       </a:effectRef>
       <a:fontRef idx="minor"/>
@@ -4438,13 +5917,13 @@
     <dgm:sp3d/>
     <dgm:txPr/>
     <dgm:style>
-      <a:lnRef idx="2">
+      <a:lnRef idx="0">
         <a:scrgbClr r="0" g="0" b="0"/>
       </a:lnRef>
       <a:fillRef idx="1">
         <a:scrgbClr r="0" g="0" b="0"/>
       </a:fillRef>
-      <a:effectRef idx="0">
+      <a:effectRef idx="3">
         <a:scrgbClr r="0" g="0" b="0"/>
       </a:effectRef>
       <a:fontRef idx="minor"/>
@@ -4458,13 +5937,13 @@
     <dgm:sp3d/>
     <dgm:txPr/>
     <dgm:style>
-      <a:lnRef idx="2">
+      <a:lnRef idx="0">
         <a:scrgbClr r="0" g="0" b="0"/>
       </a:lnRef>
       <a:fillRef idx="1">
         <a:scrgbClr r="0" g="0" b="0"/>
       </a:fillRef>
-      <a:effectRef idx="0">
+      <a:effectRef idx="3">
         <a:scrgbClr r="0" g="0" b="0"/>
       </a:effectRef>
       <a:fontRef idx="minor"/>
@@ -4481,10 +5960,10 @@
       <a:lnRef idx="0">
         <a:scrgbClr r="0" g="0" b="0"/>
       </a:lnRef>
-      <a:fillRef idx="1">
+      <a:fillRef idx="3">
         <a:scrgbClr r="0" g="0" b="0"/>
       </a:fillRef>
-      <a:effectRef idx="0">
+      <a:effectRef idx="3">
         <a:scrgbClr r="0" g="0" b="0"/>
       </a:effectRef>
       <a:fontRef idx="minor">
@@ -4503,10 +5982,10 @@
       <a:lnRef idx="0">
         <a:scrgbClr r="0" g="0" b="0"/>
       </a:lnRef>
-      <a:fillRef idx="1">
+      <a:fillRef idx="3">
         <a:scrgbClr r="0" g="0" b="0"/>
       </a:fillRef>
-      <a:effectRef idx="0">
+      <a:effectRef idx="3">
         <a:scrgbClr r="0" g="0" b="0"/>
       </a:effectRef>
       <a:fontRef idx="minor">
@@ -4525,10 +6004,10 @@
       <a:lnRef idx="0">
         <a:scrgbClr r="0" g="0" b="0"/>
       </a:lnRef>
-      <a:fillRef idx="1">
+      <a:fillRef idx="3">
         <a:scrgbClr r="0" g="0" b="0"/>
       </a:fillRef>
-      <a:effectRef idx="0">
+      <a:effectRef idx="3">
         <a:scrgbClr r="0" g="0" b="0"/>
       </a:effectRef>
       <a:fontRef idx="minor">
@@ -4564,13 +6043,13 @@
     <dgm:sp3d/>
     <dgm:txPr/>
     <dgm:style>
-      <a:lnRef idx="2">
+      <a:lnRef idx="1">
         <a:scrgbClr r="0" g="0" b="0"/>
       </a:lnRef>
-      <a:fillRef idx="1">
+      <a:fillRef idx="0">
         <a:scrgbClr r="0" g="0" b="0"/>
       </a:fillRef>
-      <a:effectRef idx="0">
+      <a:effectRef idx="1">
         <a:scrgbClr r="0" g="0" b="0"/>
       </a:effectRef>
       <a:fontRef idx="minor"/>
@@ -4584,13 +6063,13 @@
     <dgm:sp3d/>
     <dgm:txPr/>
     <dgm:style>
-      <a:lnRef idx="2">
+      <a:lnRef idx="0">
         <a:scrgbClr r="0" g="0" b="0"/>
       </a:lnRef>
-      <a:fillRef idx="1">
+      <a:fillRef idx="3">
         <a:scrgbClr r="0" g="0" b="0"/>
       </a:fillRef>
-      <a:effectRef idx="0">
+      <a:effectRef idx="3">
         <a:scrgbClr r="0" g="0" b="0"/>
       </a:effectRef>
       <a:fontRef idx="minor">
@@ -4606,13 +6085,13 @@
     <dgm:sp3d/>
     <dgm:txPr/>
     <dgm:style>
-      <a:lnRef idx="2">
+      <a:lnRef idx="0">
         <a:scrgbClr r="0" g="0" b="0"/>
       </a:lnRef>
-      <a:fillRef idx="1">
+      <a:fillRef idx="3">
         <a:scrgbClr r="0" g="0" b="0"/>
       </a:fillRef>
-      <a:effectRef idx="0">
+      <a:effectRef idx="3">
         <a:scrgbClr r="0" g="0" b="0"/>
       </a:effectRef>
       <a:fontRef idx="minor">
@@ -4628,13 +6107,13 @@
     <dgm:sp3d/>
     <dgm:txPr/>
     <dgm:style>
-      <a:lnRef idx="2">
+      <a:lnRef idx="0">
         <a:scrgbClr r="0" g="0" b="0"/>
       </a:lnRef>
-      <a:fillRef idx="1">
+      <a:fillRef idx="3">
         <a:scrgbClr r="0" g="0" b="0"/>
       </a:fillRef>
-      <a:effectRef idx="0">
+      <a:effectRef idx="3">
         <a:scrgbClr r="0" g="0" b="0"/>
       </a:effectRef>
       <a:fontRef idx="minor">
@@ -4650,13 +6129,13 @@
     <dgm:sp3d/>
     <dgm:txPr/>
     <dgm:style>
-      <a:lnRef idx="2">
+      <a:lnRef idx="0">
         <a:scrgbClr r="0" g="0" b="0"/>
       </a:lnRef>
-      <a:fillRef idx="1">
+      <a:fillRef idx="3">
         <a:scrgbClr r="0" g="0" b="0"/>
       </a:fillRef>
-      <a:effectRef idx="0">
+      <a:effectRef idx="3">
         <a:scrgbClr r="0" g="0" b="0"/>
       </a:effectRef>
       <a:fontRef idx="minor">
@@ -4672,13 +6151,13 @@
     <dgm:sp3d/>
     <dgm:txPr/>
     <dgm:style>
-      <a:lnRef idx="2">
+      <a:lnRef idx="0">
         <a:scrgbClr r="0" g="0" b="0"/>
       </a:lnRef>
-      <a:fillRef idx="1">
+      <a:fillRef idx="3">
         <a:scrgbClr r="0" g="0" b="0"/>
       </a:fillRef>
-      <a:effectRef idx="0">
+      <a:effectRef idx="3">
         <a:scrgbClr r="0" g="0" b="0"/>
       </a:effectRef>
       <a:fontRef idx="minor">
@@ -4694,13 +6173,13 @@
     <dgm:sp3d/>
     <dgm:txPr/>
     <dgm:style>
-      <a:lnRef idx="2">
+      <a:lnRef idx="0">
         <a:scrgbClr r="0" g="0" b="0"/>
       </a:lnRef>
-      <a:fillRef idx="1">
+      <a:fillRef idx="3">
         <a:scrgbClr r="0" g="0" b="0"/>
       </a:fillRef>
-      <a:effectRef idx="0">
+      <a:effectRef idx="3">
         <a:scrgbClr r="0" g="0" b="0"/>
       </a:effectRef>
       <a:fontRef idx="minor">
@@ -4716,13 +6195,13 @@
     <dgm:sp3d/>
     <dgm:txPr/>
     <dgm:style>
-      <a:lnRef idx="2">
+      <a:lnRef idx="0">
         <a:scrgbClr r="0" g="0" b="0"/>
       </a:lnRef>
-      <a:fillRef idx="1">
+      <a:fillRef idx="3">
         <a:scrgbClr r="0" g="0" b="0"/>
       </a:fillRef>
-      <a:effectRef idx="0">
+      <a:effectRef idx="3">
         <a:scrgbClr r="0" g="0" b="0"/>
       </a:effectRef>
       <a:fontRef idx="minor">
@@ -4738,13 +6217,13 @@
     <dgm:sp3d/>
     <dgm:txPr/>
     <dgm:style>
-      <a:lnRef idx="2">
+      <a:lnRef idx="0">
         <a:scrgbClr r="0" g="0" b="0"/>
       </a:lnRef>
-      <a:fillRef idx="1">
+      <a:fillRef idx="3">
         <a:scrgbClr r="0" g="0" b="0"/>
       </a:fillRef>
-      <a:effectRef idx="0">
+      <a:effectRef idx="3">
         <a:scrgbClr r="0" g="0" b="0"/>
       </a:effectRef>
       <a:fontRef idx="minor">
@@ -4760,13 +6239,13 @@
     <dgm:sp3d/>
     <dgm:txPr/>
     <dgm:style>
-      <a:lnRef idx="2">
+      <a:lnRef idx="0">
         <a:scrgbClr r="0" g="0" b="0"/>
       </a:lnRef>
-      <a:fillRef idx="1">
+      <a:fillRef idx="3">
         <a:scrgbClr r="0" g="0" b="0"/>
       </a:fillRef>
-      <a:effectRef idx="0">
+      <a:effectRef idx="3">
         <a:scrgbClr r="0" g="0" b="0"/>
       </a:effectRef>
       <a:fontRef idx="minor">
@@ -4862,13 +6341,13 @@
     <dgm:sp3d/>
     <dgm:txPr/>
     <dgm:style>
-      <a:lnRef idx="2">
+      <a:lnRef idx="1">
         <a:scrgbClr r="0" g="0" b="0"/>
       </a:lnRef>
       <a:fillRef idx="1">
         <a:scrgbClr r="0" g="0" b="0"/>
       </a:fillRef>
-      <a:effectRef idx="0">
+      <a:effectRef idx="2">
         <a:scrgbClr r="0" g="0" b="0"/>
       </a:effectRef>
       <a:fontRef idx="minor"/>
@@ -4882,13 +6361,13 @@
     <dgm:sp3d/>
     <dgm:txPr/>
     <dgm:style>
-      <a:lnRef idx="2">
+      <a:lnRef idx="1">
         <a:scrgbClr r="0" g="0" b="0"/>
       </a:lnRef>
       <a:fillRef idx="1">
         <a:scrgbClr r="0" g="0" b="0"/>
       </a:fillRef>
-      <a:effectRef idx="0">
+      <a:effectRef idx="2">
         <a:scrgbClr r="0" g="0" b="0"/>
       </a:effectRef>
       <a:fontRef idx="minor"/>
@@ -4902,13 +6381,13 @@
     <dgm:sp3d/>
     <dgm:txPr/>
     <dgm:style>
-      <a:lnRef idx="2">
+      <a:lnRef idx="1">
         <a:scrgbClr r="0" g="0" b="0"/>
       </a:lnRef>
       <a:fillRef idx="1">
         <a:scrgbClr r="0" g="0" b="0"/>
       </a:fillRef>
-      <a:effectRef idx="0">
+      <a:effectRef idx="2">
         <a:scrgbClr r="0" g="0" b="0"/>
       </a:effectRef>
       <a:fontRef idx="minor"/>
@@ -4942,13 +6421,13 @@
     <dgm:sp3d/>
     <dgm:txPr/>
     <dgm:style>
-      <a:lnRef idx="2">
+      <a:lnRef idx="1">
         <a:scrgbClr r="0" g="0" b="0"/>
       </a:lnRef>
       <a:fillRef idx="1">
         <a:scrgbClr r="0" g="0" b="0"/>
       </a:fillRef>
-      <a:effectRef idx="0">
+      <a:effectRef idx="2">
         <a:scrgbClr r="0" g="0" b="0"/>
       </a:effectRef>
       <a:fontRef idx="minor"/>
@@ -4962,13 +6441,13 @@
     <dgm:sp3d/>
     <dgm:txPr/>
     <dgm:style>
-      <a:lnRef idx="2">
+      <a:lnRef idx="1">
         <a:scrgbClr r="0" g="0" b="0"/>
       </a:lnRef>
       <a:fillRef idx="1">
         <a:scrgbClr r="0" g="0" b="0"/>
       </a:fillRef>
-      <a:effectRef idx="0">
+      <a:effectRef idx="2">
         <a:scrgbClr r="0" g="0" b="0"/>
       </a:effectRef>
       <a:fontRef idx="minor"/>
@@ -4982,13 +6461,13 @@
     <dgm:sp3d/>
     <dgm:txPr/>
     <dgm:style>
-      <a:lnRef idx="2">
+      <a:lnRef idx="1">
         <a:scrgbClr r="0" g="0" b="0"/>
       </a:lnRef>
       <a:fillRef idx="1">
         <a:scrgbClr r="0" g="0" b="0"/>
       </a:fillRef>
-      <a:effectRef idx="0">
+      <a:effectRef idx="3">
         <a:scrgbClr r="0" g="0" b="0"/>
       </a:effectRef>
       <a:fontRef idx="minor"/>
@@ -5002,13 +6481,13 @@
     <dgm:sp3d/>
     <dgm:txPr/>
     <dgm:style>
-      <a:lnRef idx="2">
+      <a:lnRef idx="1">
         <a:scrgbClr r="0" g="0" b="0"/>
       </a:lnRef>
       <a:fillRef idx="1">
         <a:scrgbClr r="0" g="0" b="0"/>
       </a:fillRef>
-      <a:effectRef idx="0">
+      <a:effectRef idx="3">
         <a:scrgbClr r="0" g="0" b="0"/>
       </a:effectRef>
       <a:fontRef idx="minor"/>
@@ -5022,13 +6501,13 @@
     <dgm:sp3d/>
     <dgm:txPr/>
     <dgm:style>
-      <a:lnRef idx="2">
+      <a:lnRef idx="1">
         <a:scrgbClr r="0" g="0" b="0"/>
       </a:lnRef>
       <a:fillRef idx="1">
         <a:scrgbClr r="0" g="0" b="0"/>
       </a:fillRef>
-      <a:effectRef idx="0">
+      <a:effectRef idx="2">
         <a:scrgbClr r="0" g="0" b="0"/>
       </a:effectRef>
       <a:fontRef idx="minor"/>
@@ -5042,13 +6521,13 @@
     <dgm:sp3d/>
     <dgm:txPr/>
     <dgm:style>
-      <a:lnRef idx="2">
+      <a:lnRef idx="1">
         <a:scrgbClr r="0" g="0" b="0"/>
       </a:lnRef>
       <a:fillRef idx="1">
         <a:scrgbClr r="0" g="0" b="0"/>
       </a:fillRef>
-      <a:effectRef idx="0">
+      <a:effectRef idx="2">
         <a:scrgbClr r="0" g="0" b="0"/>
       </a:effectRef>
       <a:fontRef idx="minor"/>
@@ -5062,13 +6541,13 @@
     <dgm:sp3d/>
     <dgm:txPr/>
     <dgm:style>
-      <a:lnRef idx="2">
+      <a:lnRef idx="1">
         <a:scrgbClr r="0" g="0" b="0"/>
       </a:lnRef>
       <a:fillRef idx="1">
         <a:scrgbClr r="0" g="0" b="0"/>
       </a:fillRef>
-      <a:effectRef idx="0">
+      <a:effectRef idx="2">
         <a:scrgbClr r="0" g="0" b="0"/>
       </a:effectRef>
       <a:fontRef idx="minor"/>
@@ -5082,13 +6561,13 @@
     <dgm:sp3d/>
     <dgm:txPr/>
     <dgm:style>
-      <a:lnRef idx="2">
+      <a:lnRef idx="1">
         <a:scrgbClr r="0" g="0" b="0"/>
       </a:lnRef>
       <a:fillRef idx="1">
         <a:scrgbClr r="0" g="0" b="0"/>
       </a:fillRef>
-      <a:effectRef idx="0">
+      <a:effectRef idx="2">
         <a:scrgbClr r="0" g="0" b="0"/>
       </a:effectRef>
       <a:fontRef idx="minor"/>
@@ -5102,13 +6581,13 @@
     <dgm:sp3d/>
     <dgm:txPr/>
     <dgm:style>
-      <a:lnRef idx="2">
+      <a:lnRef idx="1">
         <a:scrgbClr r="0" g="0" b="0"/>
       </a:lnRef>
       <a:fillRef idx="1">
         <a:scrgbClr r="0" g="0" b="0"/>
       </a:fillRef>
-      <a:effectRef idx="0">
+      <a:effectRef idx="2">
         <a:scrgbClr r="0" g="0" b="0"/>
       </a:effectRef>
       <a:fontRef idx="minor"/>
@@ -5122,13 +6601,13 @@
     <dgm:sp3d/>
     <dgm:txPr/>
     <dgm:style>
-      <a:lnRef idx="2">
+      <a:lnRef idx="1">
         <a:scrgbClr r="0" g="0" b="0"/>
       </a:lnRef>
       <a:fillRef idx="1">
         <a:scrgbClr r="0" g="0" b="0"/>
       </a:fillRef>
-      <a:effectRef idx="0">
+      <a:effectRef idx="2">
         <a:scrgbClr r="0" g="0" b="0"/>
       </a:effectRef>
       <a:fontRef idx="minor"/>
@@ -5142,13 +6621,13 @@
     <dgm:sp3d/>
     <dgm:txPr/>
     <dgm:style>
-      <a:lnRef idx="2">
+      <a:lnRef idx="1">
         <a:scrgbClr r="0" g="0" b="0"/>
       </a:lnRef>
       <a:fillRef idx="1">
         <a:scrgbClr r="0" g="0" b="0"/>
       </a:fillRef>
-      <a:effectRef idx="0">
+      <a:effectRef idx="2">
         <a:scrgbClr r="0" g="0" b="0"/>
       </a:effectRef>
       <a:fontRef idx="minor"/>
@@ -5168,7 +6647,7 @@
       <a:fillRef idx="1">
         <a:scrgbClr r="0" g="0" b="0"/>
       </a:fillRef>
-      <a:effectRef idx="0">
+      <a:effectRef idx="2">
         <a:scrgbClr r="0" g="0" b="0"/>
       </a:effectRef>
       <a:fontRef idx="minor"/>
@@ -5188,7 +6667,7 @@
       <a:fillRef idx="1">
         <a:scrgbClr r="0" g="0" b="0"/>
       </a:fillRef>
-      <a:effectRef idx="0">
+      <a:effectRef idx="3">
         <a:scrgbClr r="0" g="0" b="0"/>
       </a:effectRef>
       <a:fontRef idx="minor"/>
@@ -5222,13 +6701,13 @@
     <dgm:sp3d/>
     <dgm:txPr/>
     <dgm:style>
-      <a:lnRef idx="2">
+      <a:lnRef idx="0">
         <a:scrgbClr r="0" g="0" b="0"/>
       </a:lnRef>
-      <a:fillRef idx="1">
+      <a:fillRef idx="3">
         <a:scrgbClr r="0" g="0" b="0"/>
       </a:fillRef>
-      <a:effectRef idx="0">
+      <a:effectRef idx="3">
         <a:scrgbClr r="0" g="0" b="0"/>
       </a:effectRef>
       <a:fontRef idx="minor"/>
@@ -9515,10 +10994,10 @@
       </p:grpSpPr>
       <p:sp useBgFill="1">
         <p:nvSpPr>
-          <p:cNvPr id="8" name="Rectangle 7">
+          <p:cNvPr id="7209" name="Rectangle 7208">
             <a:extLst>
               <a:ext uri="{FF2B5EF4-FFF2-40B4-BE49-F238E27FC236}">
-                <a16:creationId xmlns:a16="http://schemas.microsoft.com/office/drawing/2014/main" id="{6F5A5072-7B47-4D32-B52A-4EBBF590B8A5}"/>
+                <a16:creationId xmlns:a16="http://schemas.microsoft.com/office/drawing/2014/main" id="{ECC07320-C2CA-4E29-8481-9D9E143C7788}"/>
               </a:ext>
               <a:ext uri="{C183D7F6-B498-43B3-948B-1728B52AA6E4}">
                 <adec:decorative xmlns:adec="http://schemas.microsoft.com/office/drawing/2017/decorative" val="1"/>
@@ -9538,31 +11017,15 @@
         </p:nvSpPr>
         <p:spPr>
           <a:xfrm>
-            <a:off x="0" y="0"/>
-            <a:ext cx="12192000" cy="6858000"/>
+            <a:off x="-1" y="0"/>
+            <a:ext cx="12188952" cy="6858000"/>
           </a:xfrm>
           <a:prstGeom prst="rect">
             <a:avLst/>
           </a:prstGeom>
-          <a:ln w="12700" cap="flat" cmpd="sng" algn="ctr">
+          <a:ln>
             <a:noFill/>
-            <a:prstDash val="solid"/>
-            <a:miter lim="800000"/>
           </a:ln>
-          <a:effectLst/>
-          <a:extLst>
-            <a:ext uri="{91240B29-F687-4F45-9708-019B960494DF}">
-              <a14:hiddenLine xmlns:a14="http://schemas.microsoft.com/office/drawing/2010/main" w="12700" cap="flat" cmpd="sng" algn="ctr">
-                <a:solidFill>
-                  <a:schemeClr val="accent1">
-                    <a:shade val="50000"/>
-                  </a:schemeClr>
-                </a:solidFill>
-                <a:prstDash val="solid"/>
-                <a:miter lim="800000"/>
-              </a14:hiddenLine>
-            </a:ext>
-          </a:extLst>
         </p:spPr>
         <p:style>
           <a:lnRef idx="2">
@@ -9589,12 +11052,57 @@
           </a:p>
         </p:txBody>
       </p:sp>
+      <p:pic>
+        <p:nvPicPr>
+          <p:cNvPr id="7172" name="Picture 4" descr="Age of Empires 4 review | PC Gamer">
+            <a:extLst>
+              <a:ext uri="{FF2B5EF4-FFF2-40B4-BE49-F238E27FC236}">
+                <a16:creationId xmlns:a16="http://schemas.microsoft.com/office/drawing/2014/main" id="{3C2688D0-A811-AAFC-A81E-06D3F2D085C7}"/>
+              </a:ext>
+            </a:extLst>
+          </p:cNvPr>
+          <p:cNvPicPr>
+            <a:picLocks noChangeAspect="1" noChangeArrowheads="1"/>
+          </p:cNvPicPr>
+          <p:nvPr/>
+        </p:nvPicPr>
+        <p:blipFill>
+          <a:blip r:embed="rId2">
+            <a:extLst>
+              <a:ext uri="{28A0092B-C50C-407E-A947-70E740481C1C}">
+                <a14:useLocalDpi xmlns:a14="http://schemas.microsoft.com/office/drawing/2010/main" val="0"/>
+              </a:ext>
+            </a:extLst>
+          </a:blip>
+          <a:srcRect r="20689"/>
+          <a:stretch/>
+        </p:blipFill>
+        <p:spPr bwMode="auto">
+          <a:xfrm>
+            <a:off x="2522358" y="10"/>
+            <a:ext cx="9669642" cy="6857990"/>
+          </a:xfrm>
+          <a:prstGeom prst="rect">
+            <a:avLst/>
+          </a:prstGeom>
+          <a:noFill/>
+          <a:extLst>
+            <a:ext uri="{909E8E84-426E-40DD-AFC4-6F175D3DCCD1}">
+              <a14:hiddenFill xmlns:a14="http://schemas.microsoft.com/office/drawing/2010/main">
+                <a:solidFill>
+                  <a:srgbClr val="FFFFFF"/>
+                </a:solidFill>
+              </a14:hiddenFill>
+            </a:ext>
+          </a:extLst>
+        </p:spPr>
+      </p:pic>
       <p:sp>
         <p:nvSpPr>
-          <p:cNvPr id="10" name="Rectangle 9">
+          <p:cNvPr id="7211" name="Rectangle 7210">
             <a:extLst>
               <a:ext uri="{FF2B5EF4-FFF2-40B4-BE49-F238E27FC236}">
-                <a16:creationId xmlns:a16="http://schemas.microsoft.com/office/drawing/2014/main" id="{9715DAF0-AE1B-46C9-8A6B-DB2AA05AB91D}"/>
+                <a16:creationId xmlns:a16="http://schemas.microsoft.com/office/drawing/2014/main" id="{178FB36B-5BFE-42CA-BC60-1115E0D95EEC}"/>
               </a:ext>
               <a:ext uri="{C183D7F6-B498-43B3-948B-1728B52AA6E4}">
                 <adec:decorative xmlns:adec="http://schemas.microsoft.com/office/drawing/2017/decorative" val="1"/>
@@ -9613,25 +11121,38 @@
           </p:nvPr>
         </p:nvSpPr>
         <p:spPr>
-          <a:xfrm rot="10800000">
-            <a:off x="-2" y="-22693"/>
-            <a:ext cx="12191999" cy="4374129"/>
+          <a:xfrm>
+            <a:off x="0" y="0"/>
+            <a:ext cx="7066978" cy="6858000"/>
           </a:xfrm>
           <a:prstGeom prst="rect">
             <a:avLst/>
           </a:prstGeom>
           <a:gradFill>
             <a:gsLst>
+              <a:gs pos="48000">
+                <a:schemeClr val="bg1"/>
+              </a:gs>
+              <a:gs pos="35000">
+                <a:schemeClr val="bg1">
+                  <a:alpha val="77000"/>
+                </a:schemeClr>
+              </a:gs>
+              <a:gs pos="19000">
+                <a:schemeClr val="bg1">
+                  <a:alpha val="38000"/>
+                </a:schemeClr>
+              </a:gs>
               <a:gs pos="0">
-                <a:schemeClr val="accent1">
-                  <a:lumMod val="75000"/>
+                <a:schemeClr val="bg1">
+                  <a:alpha val="0"/>
                 </a:schemeClr>
               </a:gs>
               <a:gs pos="100000">
-                <a:srgbClr val="000000"/>
+                <a:schemeClr val="bg1"/>
               </a:gs>
             </a:gsLst>
-            <a:lin ang="15000000" scaled="0"/>
+            <a:lin ang="10800000" scaled="0"/>
           </a:gradFill>
           <a:ln>
             <a:noFill/>
@@ -9658,377 +11179,6 @@
           <a:lstStyle/>
           <a:p>
             <a:pPr algn="ctr"/>
-            <a:endParaRPr lang="en-US"/>
-          </a:p>
-        </p:txBody>
-      </p:sp>
-      <p:sp>
-        <p:nvSpPr>
-          <p:cNvPr id="12" name="Rectangle 11">
-            <a:extLst>
-              <a:ext uri="{FF2B5EF4-FFF2-40B4-BE49-F238E27FC236}">
-                <a16:creationId xmlns:a16="http://schemas.microsoft.com/office/drawing/2014/main" id="{6016219D-510E-4184-9090-6D5578A87BD1}"/>
-              </a:ext>
-              <a:ext uri="{C183D7F6-B498-43B3-948B-1728B52AA6E4}">
-                <adec:decorative xmlns:adec="http://schemas.microsoft.com/office/drawing/2017/decorative" val="1"/>
-              </a:ext>
-            </a:extLst>
-          </p:cNvPr>
-          <p:cNvSpPr>
-            <a:spLocks noGrp="1" noRot="1" noChangeAspect="1" noMove="1" noResize="1" noEditPoints="1" noAdjustHandles="1" noChangeArrowheads="1" noChangeShapeType="1" noTextEdit="1"/>
-          </p:cNvSpPr>
-          <p:nvPr>
-            <p:extLst>
-              <p:ext uri="{386F3935-93C4-4BCD-93E2-E3B085C9AB24}">
-                <p16:designElem xmlns:p16="http://schemas.microsoft.com/office/powerpoint/2015/main" val="1"/>
-              </p:ext>
-            </p:extLst>
-          </p:nvPr>
-        </p:nvSpPr>
-        <p:spPr>
-          <a:xfrm rot="5400000">
-            <a:off x="3908719" y="-3931841"/>
-            <a:ext cx="4374557" cy="12192000"/>
-          </a:xfrm>
-          <a:prstGeom prst="rect">
-            <a:avLst/>
-          </a:prstGeom>
-          <a:gradFill>
-            <a:gsLst>
-              <a:gs pos="40000">
-                <a:schemeClr val="accent1">
-                  <a:alpha val="0"/>
-                </a:schemeClr>
-              </a:gs>
-              <a:gs pos="100000">
-                <a:schemeClr val="accent1">
-                  <a:lumMod val="75000"/>
-                  <a:alpha val="52000"/>
-                </a:schemeClr>
-              </a:gs>
-            </a:gsLst>
-            <a:lin ang="2400000" scaled="0"/>
-          </a:gradFill>
-          <a:ln>
-            <a:noFill/>
-          </a:ln>
-        </p:spPr>
-        <p:style>
-          <a:lnRef idx="2">
-            <a:schemeClr val="accent1">
-              <a:shade val="50000"/>
-            </a:schemeClr>
-          </a:lnRef>
-          <a:fillRef idx="1">
-            <a:schemeClr val="accent1"/>
-          </a:fillRef>
-          <a:effectRef idx="0">
-            <a:schemeClr val="accent1"/>
-          </a:effectRef>
-          <a:fontRef idx="minor">
-            <a:schemeClr val="lt1"/>
-          </a:fontRef>
-        </p:style>
-        <p:txBody>
-          <a:bodyPr rtlCol="0" anchor="ctr"/>
-          <a:lstStyle/>
-          <a:p>
-            <a:pPr algn="ctr"/>
-            <a:endParaRPr lang="en-US"/>
-          </a:p>
-        </p:txBody>
-      </p:sp>
-      <p:sp>
-        <p:nvSpPr>
-          <p:cNvPr id="14" name="Rectangle 13">
-            <a:extLst>
-              <a:ext uri="{FF2B5EF4-FFF2-40B4-BE49-F238E27FC236}">
-                <a16:creationId xmlns:a16="http://schemas.microsoft.com/office/drawing/2014/main" id="{AFF4A713-7B75-4B21-90D7-5AB19547C728}"/>
-              </a:ext>
-              <a:ext uri="{C183D7F6-B498-43B3-948B-1728B52AA6E4}">
-                <adec:decorative xmlns:adec="http://schemas.microsoft.com/office/drawing/2017/decorative" val="1"/>
-              </a:ext>
-            </a:extLst>
-          </p:cNvPr>
-          <p:cNvSpPr>
-            <a:spLocks noGrp="1" noRot="1" noChangeAspect="1" noMove="1" noResize="1" noEditPoints="1" noAdjustHandles="1" noChangeArrowheads="1" noChangeShapeType="1" noTextEdit="1"/>
-          </p:cNvSpPr>
-          <p:nvPr>
-            <p:extLst>
-              <p:ext uri="{386F3935-93C4-4BCD-93E2-E3B085C9AB24}">
-                <p16:designElem xmlns:p16="http://schemas.microsoft.com/office/powerpoint/2015/main" val="1"/>
-              </p:ext>
-            </p:extLst>
-          </p:nvPr>
-        </p:nvSpPr>
-        <p:spPr>
-          <a:xfrm rot="5400000">
-            <a:off x="4136696" y="-3703868"/>
-            <a:ext cx="4374128" cy="11736479"/>
-          </a:xfrm>
-          <a:prstGeom prst="rect">
-            <a:avLst/>
-          </a:prstGeom>
-          <a:gradFill>
-            <a:gsLst>
-              <a:gs pos="17000">
-                <a:schemeClr val="accent1">
-                  <a:alpha val="0"/>
-                </a:schemeClr>
-              </a:gs>
-              <a:gs pos="100000">
-                <a:srgbClr val="000000">
-                  <a:alpha val="37000"/>
-                </a:srgbClr>
-              </a:gs>
-            </a:gsLst>
-            <a:lin ang="7800000" scaled="0"/>
-          </a:gradFill>
-          <a:ln>
-            <a:noFill/>
-          </a:ln>
-        </p:spPr>
-        <p:style>
-          <a:lnRef idx="2">
-            <a:schemeClr val="accent1">
-              <a:shade val="50000"/>
-            </a:schemeClr>
-          </a:lnRef>
-          <a:fillRef idx="1">
-            <a:schemeClr val="accent1"/>
-          </a:fillRef>
-          <a:effectRef idx="0">
-            <a:schemeClr val="accent1"/>
-          </a:effectRef>
-          <a:fontRef idx="minor">
-            <a:schemeClr val="lt1"/>
-          </a:fontRef>
-        </p:style>
-        <p:txBody>
-          <a:bodyPr rtlCol="0" anchor="ctr"/>
-          <a:lstStyle/>
-          <a:p>
-            <a:pPr algn="ctr"/>
-            <a:endParaRPr lang="en-US"/>
-          </a:p>
-        </p:txBody>
-      </p:sp>
-      <p:sp>
-        <p:nvSpPr>
-          <p:cNvPr id="16" name="Rectangle 15">
-            <a:extLst>
-              <a:ext uri="{FF2B5EF4-FFF2-40B4-BE49-F238E27FC236}">
-                <a16:creationId xmlns:a16="http://schemas.microsoft.com/office/drawing/2014/main" id="{DC631C0B-6DA6-4E57-8231-CE32B3434A7E}"/>
-              </a:ext>
-              <a:ext uri="{C183D7F6-B498-43B3-948B-1728B52AA6E4}">
-                <adec:decorative xmlns:adec="http://schemas.microsoft.com/office/drawing/2017/decorative" val="1"/>
-              </a:ext>
-            </a:extLst>
-          </p:cNvPr>
-          <p:cNvSpPr>
-            <a:spLocks noGrp="1" noRot="1" noChangeAspect="1" noMove="1" noResize="1" noEditPoints="1" noAdjustHandles="1" noChangeArrowheads="1" noChangeShapeType="1" noTextEdit="1"/>
-          </p:cNvSpPr>
-          <p:nvPr>
-            <p:extLst>
-              <p:ext uri="{386F3935-93C4-4BCD-93E2-E3B085C9AB24}">
-                <p16:designElem xmlns:p16="http://schemas.microsoft.com/office/powerpoint/2015/main" val="1"/>
-              </p:ext>
-            </p:extLst>
-          </p:nvPr>
-        </p:nvSpPr>
-        <p:spPr>
-          <a:xfrm>
-            <a:off x="-5" y="-22690"/>
-            <a:ext cx="8542485" cy="4374126"/>
-          </a:xfrm>
-          <a:prstGeom prst="rect">
-            <a:avLst/>
-          </a:prstGeom>
-          <a:gradFill>
-            <a:gsLst>
-              <a:gs pos="0">
-                <a:schemeClr val="accent1">
-                  <a:lumMod val="50000"/>
-                  <a:alpha val="0"/>
-                </a:schemeClr>
-              </a:gs>
-              <a:gs pos="100000">
-                <a:srgbClr val="000000">
-                  <a:alpha val="25000"/>
-                </a:srgbClr>
-              </a:gs>
-            </a:gsLst>
-            <a:lin ang="18600000" scaled="0"/>
-          </a:gradFill>
-          <a:ln>
-            <a:noFill/>
-          </a:ln>
-        </p:spPr>
-        <p:style>
-          <a:lnRef idx="2">
-            <a:schemeClr val="accent1">
-              <a:shade val="50000"/>
-            </a:schemeClr>
-          </a:lnRef>
-          <a:fillRef idx="1">
-            <a:schemeClr val="accent1"/>
-          </a:fillRef>
-          <a:effectRef idx="0">
-            <a:schemeClr val="accent1"/>
-          </a:effectRef>
-          <a:fontRef idx="minor">
-            <a:schemeClr val="lt1"/>
-          </a:fontRef>
-        </p:style>
-        <p:txBody>
-          <a:bodyPr rtlCol="0" anchor="ctr"/>
-          <a:lstStyle/>
-          <a:p>
-            <a:pPr algn="ctr"/>
-            <a:endParaRPr lang="en-US"/>
-          </a:p>
-        </p:txBody>
-      </p:sp>
-      <p:sp>
-        <p:nvSpPr>
-          <p:cNvPr id="18" name="Freeform: Shape 17">
-            <a:extLst>
-              <a:ext uri="{FF2B5EF4-FFF2-40B4-BE49-F238E27FC236}">
-                <a16:creationId xmlns:a16="http://schemas.microsoft.com/office/drawing/2014/main" id="{C29501E6-A978-4A61-9689-9085AF97A53A}"/>
-              </a:ext>
-              <a:ext uri="{C183D7F6-B498-43B3-948B-1728B52AA6E4}">
-                <adec:decorative xmlns:adec="http://schemas.microsoft.com/office/drawing/2017/decorative" val="1"/>
-              </a:ext>
-            </a:extLst>
-          </p:cNvPr>
-          <p:cNvSpPr>
-            <a:spLocks noGrp="1" noRot="1" noChangeAspect="1" noMove="1" noResize="1" noEditPoints="1" noAdjustHandles="1" noChangeArrowheads="1" noChangeShapeType="1" noTextEdit="1"/>
-          </p:cNvSpPr>
-          <p:nvPr>
-            <p:extLst>
-              <p:ext uri="{386F3935-93C4-4BCD-93E2-E3B085C9AB24}">
-                <p16:designElem xmlns:p16="http://schemas.microsoft.com/office/powerpoint/2015/main" val="1"/>
-              </p:ext>
-            </p:extLst>
-          </p:nvPr>
-        </p:nvSpPr>
-        <p:spPr>
-          <a:xfrm rot="12508972">
-            <a:off x="5945431" y="-1032053"/>
-            <a:ext cx="4990147" cy="4439131"/>
-          </a:xfrm>
-          <a:custGeom>
-            <a:avLst/>
-            <a:gdLst>
-              <a:gd name="connsiteX0" fmla="*/ 4990147 w 4990147"/>
-              <a:gd name="connsiteY0" fmla="*/ 2229378 h 4439131"/>
-              <a:gd name="connsiteX1" fmla="*/ 917384 w 4990147"/>
-              <a:gd name="connsiteY1" fmla="*/ 4439131 h 4439131"/>
-              <a:gd name="connsiteX2" fmla="*/ 910814 w 4990147"/>
-              <a:gd name="connsiteY2" fmla="*/ 4434219 h 4439131"/>
-              <a:gd name="connsiteX3" fmla="*/ 0 w 4990147"/>
-              <a:gd name="connsiteY3" fmla="*/ 2502877 h 4439131"/>
-              <a:gd name="connsiteX4" fmla="*/ 2502877 w 4990147"/>
-              <a:gd name="connsiteY4" fmla="*/ 0 h 4439131"/>
-              <a:gd name="connsiteX5" fmla="*/ 4954904 w 4990147"/>
-              <a:gd name="connsiteY5" fmla="*/ 1998460 h 4439131"/>
-            </a:gdLst>
-            <a:ahLst/>
-            <a:cxnLst>
-              <a:cxn ang="0">
-                <a:pos x="connsiteX0" y="connsiteY0"/>
-              </a:cxn>
-              <a:cxn ang="0">
-                <a:pos x="connsiteX1" y="connsiteY1"/>
-              </a:cxn>
-              <a:cxn ang="0">
-                <a:pos x="connsiteX2" y="connsiteY2"/>
-              </a:cxn>
-              <a:cxn ang="0">
-                <a:pos x="connsiteX3" y="connsiteY3"/>
-              </a:cxn>
-              <a:cxn ang="0">
-                <a:pos x="connsiteX4" y="connsiteY4"/>
-              </a:cxn>
-              <a:cxn ang="0">
-                <a:pos x="connsiteX5" y="connsiteY5"/>
-              </a:cxn>
-            </a:cxnLst>
-            <a:rect l="l" t="t" r="r" b="b"/>
-            <a:pathLst>
-              <a:path w="4990147" h="4439131">
-                <a:moveTo>
-                  <a:pt x="4990147" y="2229378"/>
-                </a:moveTo>
-                <a:lnTo>
-                  <a:pt x="917384" y="4439131"/>
-                </a:lnTo>
-                <a:lnTo>
-                  <a:pt x="910814" y="4434219"/>
-                </a:lnTo>
-                <a:cubicBezTo>
-                  <a:pt x="354557" y="3975154"/>
-                  <a:pt x="0" y="3280421"/>
-                  <a:pt x="0" y="2502877"/>
-                </a:cubicBezTo>
-                <a:cubicBezTo>
-                  <a:pt x="0" y="1120576"/>
-                  <a:pt x="1120576" y="0"/>
-                  <a:pt x="2502877" y="0"/>
-                </a:cubicBezTo>
-                <a:cubicBezTo>
-                  <a:pt x="3712390" y="0"/>
-                  <a:pt x="4721520" y="857941"/>
-                  <a:pt x="4954904" y="1998460"/>
-                </a:cubicBezTo>
-                <a:close/>
-              </a:path>
-            </a:pathLst>
-          </a:custGeom>
-          <a:gradFill>
-            <a:gsLst>
-              <a:gs pos="0">
-                <a:schemeClr val="accent1">
-                  <a:alpha val="22000"/>
-                </a:schemeClr>
-              </a:gs>
-              <a:gs pos="87000">
-                <a:schemeClr val="accent1">
-                  <a:lumMod val="60000"/>
-                  <a:lumOff val="40000"/>
-                  <a:alpha val="2000"/>
-                </a:schemeClr>
-              </a:gs>
-            </a:gsLst>
-            <a:lin ang="8400000" scaled="0"/>
-          </a:gradFill>
-          <a:ln>
-            <a:noFill/>
-          </a:ln>
-        </p:spPr>
-        <p:style>
-          <a:lnRef idx="2">
-            <a:schemeClr val="accent1">
-              <a:shade val="50000"/>
-            </a:schemeClr>
-          </a:lnRef>
-          <a:fillRef idx="1">
-            <a:schemeClr val="accent1"/>
-          </a:fillRef>
-          <a:effectRef idx="0">
-            <a:schemeClr val="accent1"/>
-          </a:effectRef>
-          <a:fontRef idx="minor">
-            <a:schemeClr val="lt1"/>
-          </a:fontRef>
-        </p:style>
-        <p:txBody>
-          <a:bodyPr wrap="square" rtlCol="0" anchor="ctr">
-            <a:noAutofit/>
-          </a:bodyPr>
-          <a:lstStyle/>
-          <a:p>
-            <a:pPr algn="ctr"/>
             <a:endParaRPr lang="en-US" dirty="0"/>
           </a:p>
         </p:txBody>
@@ -10051,23 +11201,20 @@
         </p:nvSpPr>
         <p:spPr>
           <a:xfrm>
-            <a:off x="1314824" y="735106"/>
-            <a:ext cx="10053763" cy="2928470"/>
+            <a:off x="952228" y="743447"/>
+            <a:ext cx="5143772" cy="3692028"/>
           </a:xfrm>
+          <a:noFill/>
         </p:spPr>
         <p:txBody>
-          <a:bodyPr anchor="b">
+          <a:bodyPr>
             <a:normAutofit/>
           </a:bodyPr>
           <a:lstStyle/>
           <a:p>
             <a:pPr algn="l"/>
             <a:r>
-              <a:rPr lang="en-US" sz="4800">
-                <a:solidFill>
-                  <a:srgbClr val="FFFFFF"/>
-                </a:solidFill>
-              </a:rPr>
+              <a:rPr lang="en-US" sz="5200"/>
               <a:t>AOE4 Matchmaking System</a:t>
             </a:r>
           </a:p>
@@ -10091,26 +11238,27 @@
         </p:nvSpPr>
         <p:spPr>
           <a:xfrm>
-            <a:off x="1350682" y="4870824"/>
-            <a:ext cx="10005951" cy="1458258"/>
+            <a:off x="952229" y="4629234"/>
+            <a:ext cx="3973386" cy="1485319"/>
           </a:xfrm>
+          <a:noFill/>
         </p:spPr>
         <p:txBody>
-          <a:bodyPr anchor="ctr">
+          <a:bodyPr>
             <a:normAutofit/>
           </a:bodyPr>
           <a:lstStyle/>
           <a:p>
             <a:pPr algn="l"/>
             <a:r>
-              <a:rPr lang="en-US" dirty="0"/>
+              <a:rPr lang="en-US" sz="1600" dirty="0"/>
               <a:t>A comprehensive matchmaking system for the RTS game Age of Empires IV using machine learning techniques</a:t>
             </a:r>
           </a:p>
           <a:p>
             <a:pPr algn="l"/>
             <a:r>
-              <a:rPr lang="en-US" dirty="0"/>
+              <a:rPr lang="en-US" sz="1700" i="1" dirty="0"/>
               <a:t>Presented by Sukhrob Ilyosbekov</a:t>
             </a:r>
           </a:p>
@@ -10357,12 +11505,12 @@
           <a:chExt cx="0" cy="0"/>
         </a:xfrm>
       </p:grpSpPr>
-      <p:sp useBgFill="1">
+      <p:sp>
         <p:nvSpPr>
-          <p:cNvPr id="8" name="Rectangle 7">
+          <p:cNvPr id="6151" name="Rectangle 6150">
             <a:extLst>
               <a:ext uri="{FF2B5EF4-FFF2-40B4-BE49-F238E27FC236}">
-                <a16:creationId xmlns:a16="http://schemas.microsoft.com/office/drawing/2014/main" id="{6F5A5072-7B47-4D32-B52A-4EBBF590B8A5}"/>
+                <a16:creationId xmlns:a16="http://schemas.microsoft.com/office/drawing/2014/main" id="{B250C39F-3F6C-4D53-86D2-7BC6B2FF609C}"/>
               </a:ext>
               <a:ext uri="{C183D7F6-B498-43B3-948B-1728B52AA6E4}">
                 <adec:decorative xmlns:adec="http://schemas.microsoft.com/office/drawing/2017/decorative" val="1"/>
@@ -10388,25 +11536,15 @@
           <a:prstGeom prst="rect">
             <a:avLst/>
           </a:prstGeom>
-          <a:ln w="12700" cap="flat" cmpd="sng" algn="ctr">
+          <a:solidFill>
+            <a:schemeClr val="tx1">
+              <a:lumMod val="95000"/>
+              <a:lumOff val="5000"/>
+            </a:schemeClr>
+          </a:solidFill>
+          <a:ln>
             <a:noFill/>
-            <a:prstDash val="solid"/>
-            <a:miter lim="800000"/>
           </a:ln>
-          <a:effectLst/>
-          <a:extLst>
-            <a:ext uri="{91240B29-F687-4F45-9708-019B960494DF}">
-              <a14:hiddenLine xmlns:a14="http://schemas.microsoft.com/office/drawing/2010/main" w="12700" cap="flat" cmpd="sng" algn="ctr">
-                <a:solidFill>
-                  <a:schemeClr val="accent1">
-                    <a:shade val="50000"/>
-                  </a:schemeClr>
-                </a:solidFill>
-                <a:prstDash val="solid"/>
-                <a:miter lim="800000"/>
-              </a14:hiddenLine>
-            </a:ext>
-          </a:extLst>
         </p:spPr>
         <p:style>
           <a:lnRef idx="2">
@@ -10429,16 +11567,61 @@
           <a:lstStyle/>
           <a:p>
             <a:pPr algn="ctr"/>
-            <a:endParaRPr lang="en-US"/>
+            <a:endParaRPr lang="en-US" dirty="0"/>
           </a:p>
         </p:txBody>
       </p:sp>
+      <p:pic>
+        <p:nvPicPr>
+          <p:cNvPr id="6146" name="Picture 2" descr="Age of Empires IV review: The return of the king - Neowin">
+            <a:extLst>
+              <a:ext uri="{FF2B5EF4-FFF2-40B4-BE49-F238E27FC236}">
+                <a16:creationId xmlns:a16="http://schemas.microsoft.com/office/drawing/2014/main" id="{24A58ADD-C9B9-5BB2-3A1B-2FDCC07C3F6D}"/>
+              </a:ext>
+            </a:extLst>
+          </p:cNvPr>
+          <p:cNvPicPr>
+            <a:picLocks noChangeAspect="1" noChangeArrowheads="1"/>
+          </p:cNvPicPr>
+          <p:nvPr/>
+        </p:nvPicPr>
+        <p:blipFill>
+          <a:blip r:embed="rId2">
+            <a:extLst>
+              <a:ext uri="{28A0092B-C50C-407E-A947-70E740481C1C}">
+                <a14:useLocalDpi xmlns:a14="http://schemas.microsoft.com/office/drawing/2010/main" val="0"/>
+              </a:ext>
+            </a:extLst>
+          </a:blip>
+          <a:srcRect/>
+          <a:stretch/>
+        </p:blipFill>
+        <p:spPr bwMode="auto">
+          <a:xfrm>
+            <a:off x="20" y="10"/>
+            <a:ext cx="12191980" cy="6857990"/>
+          </a:xfrm>
+          <a:prstGeom prst="rect">
+            <a:avLst/>
+          </a:prstGeom>
+          <a:noFill/>
+          <a:extLst>
+            <a:ext uri="{909E8E84-426E-40DD-AFC4-6F175D3DCCD1}">
+              <a14:hiddenFill xmlns:a14="http://schemas.microsoft.com/office/drawing/2010/main">
+                <a:solidFill>
+                  <a:srgbClr val="FFFFFF"/>
+                </a:solidFill>
+              </a14:hiddenFill>
+            </a:ext>
+          </a:extLst>
+        </p:spPr>
+      </p:pic>
       <p:sp>
         <p:nvSpPr>
-          <p:cNvPr id="10" name="Rectangle 9">
+          <p:cNvPr id="6153" name="Rectangle 6152">
             <a:extLst>
               <a:ext uri="{FF2B5EF4-FFF2-40B4-BE49-F238E27FC236}">
-                <a16:creationId xmlns:a16="http://schemas.microsoft.com/office/drawing/2014/main" id="{9715DAF0-AE1B-46C9-8A6B-DB2AA05AB91D}"/>
+                <a16:creationId xmlns:a16="http://schemas.microsoft.com/office/drawing/2014/main" id="{70A48D59-8581-41F7-B529-F4617FE07A9A}"/>
               </a:ext>
               <a:ext uri="{C183D7F6-B498-43B3-948B-1728B52AA6E4}">
                 <adec:decorative xmlns:adec="http://schemas.microsoft.com/office/drawing/2017/decorative" val="1"/>
@@ -10457,25 +11640,30 @@
           </p:nvPr>
         </p:nvSpPr>
         <p:spPr>
-          <a:xfrm rot="10800000">
-            <a:off x="-2" y="-22693"/>
-            <a:ext cx="12191999" cy="4374129"/>
+          <a:xfrm>
+            <a:off x="0" y="0"/>
+            <a:ext cx="12192000" cy="6858000"/>
           </a:xfrm>
           <a:prstGeom prst="rect">
             <a:avLst/>
           </a:prstGeom>
           <a:gradFill>
             <a:gsLst>
-              <a:gs pos="0">
-                <a:schemeClr val="accent1">
-                  <a:lumMod val="75000"/>
+              <a:gs pos="46000">
+                <a:schemeClr val="tx1">
+                  <a:lumMod val="95000"/>
+                  <a:lumOff val="5000"/>
                 </a:schemeClr>
               </a:gs>
-              <a:gs pos="100000">
-                <a:srgbClr val="000000"/>
+              <a:gs pos="90000">
+                <a:schemeClr val="tx1">
+                  <a:lumMod val="95000"/>
+                  <a:lumOff val="5000"/>
+                  <a:alpha val="0"/>
+                </a:schemeClr>
               </a:gs>
             </a:gsLst>
-            <a:lin ang="15000000" scaled="0"/>
+            <a:lin ang="0" scaled="0"/>
           </a:gradFill>
           <a:ln>
             <a:noFill/>
@@ -10508,10 +11696,142 @@
       </p:sp>
       <p:sp>
         <p:nvSpPr>
-          <p:cNvPr id="12" name="Rectangle 11">
+          <p:cNvPr id="2" name="Title 1">
             <a:extLst>
               <a:ext uri="{FF2B5EF4-FFF2-40B4-BE49-F238E27FC236}">
-                <a16:creationId xmlns:a16="http://schemas.microsoft.com/office/drawing/2014/main" id="{6016219D-510E-4184-9090-6D5578A87BD1}"/>
+                <a16:creationId xmlns:a16="http://schemas.microsoft.com/office/drawing/2014/main" id="{7651C23C-2E5B-76AC-EA2B-B87B8DD4EEA1}"/>
+              </a:ext>
+            </a:extLst>
+          </p:cNvPr>
+          <p:cNvSpPr>
+            <a:spLocks noGrp="1"/>
+          </p:cNvSpPr>
+          <p:nvPr>
+            <p:ph type="title"/>
+          </p:nvPr>
+        </p:nvSpPr>
+        <p:spPr>
+          <a:xfrm>
+            <a:off x="1104900" y="910431"/>
+            <a:ext cx="4724400" cy="1466455"/>
+          </a:xfrm>
+        </p:spPr>
+        <p:txBody>
+          <a:bodyPr vert="horz" lIns="91440" tIns="45720" rIns="91440" bIns="45720" rtlCol="0" anchor="b">
+            <a:normAutofit/>
+          </a:bodyPr>
+          <a:lstStyle/>
+          <a:p>
+            <a:r>
+              <a:rPr lang="en-US" kern="1200">
+                <a:solidFill>
+                  <a:schemeClr val="bg1"/>
+                </a:solidFill>
+                <a:latin typeface="+mj-lt"/>
+                <a:ea typeface="+mj-ea"/>
+                <a:cs typeface="+mj-cs"/>
+              </a:rPr>
+              <a:t>Thank You</a:t>
+            </a:r>
+          </a:p>
+        </p:txBody>
+      </p:sp>
+      <p:sp>
+        <p:nvSpPr>
+          <p:cNvPr id="3" name="Content Placeholder 2">
+            <a:extLst>
+              <a:ext uri="{FF2B5EF4-FFF2-40B4-BE49-F238E27FC236}">
+                <a16:creationId xmlns:a16="http://schemas.microsoft.com/office/drawing/2014/main" id="{A2A2AD1B-7C3A-9D59-56A7-48FCC10F7EBA}"/>
+              </a:ext>
+            </a:extLst>
+          </p:cNvPr>
+          <p:cNvSpPr>
+            <a:spLocks noGrp="1"/>
+          </p:cNvSpPr>
+          <p:nvPr>
+            <p:ph idx="1"/>
+          </p:nvPr>
+        </p:nvSpPr>
+        <p:spPr>
+          <a:xfrm>
+            <a:off x="413518" y="2492080"/>
+            <a:ext cx="5682482" cy="3015849"/>
+          </a:xfrm>
+        </p:spPr>
+        <p:txBody>
+          <a:bodyPr vert="horz" lIns="91440" tIns="45720" rIns="91440" bIns="45720" rtlCol="0">
+            <a:normAutofit/>
+          </a:bodyPr>
+          <a:lstStyle/>
+          <a:p>
+            <a:pPr marL="0" indent="0">
+              <a:buNone/>
+            </a:pPr>
+            <a:r>
+              <a:rPr lang="en-US" sz="2000" kern="1200" dirty="0">
+                <a:solidFill>
+                  <a:schemeClr val="bg1"/>
+                </a:solidFill>
+                <a:latin typeface="+mn-lt"/>
+                <a:ea typeface="+mn-ea"/>
+                <a:cs typeface="+mn-cs"/>
+              </a:rPr>
+              <a:t>The project is available in the GitHub repository:</a:t>
+            </a:r>
+            <a:endParaRPr lang="en-US" sz="2000" dirty="0">
+              <a:solidFill>
+                <a:schemeClr val="bg1"/>
+              </a:solidFill>
+            </a:endParaRPr>
+          </a:p>
+          <a:p>
+            <a:pPr marL="0" indent="0">
+              <a:buNone/>
+            </a:pPr>
+            <a:r>
+              <a:rPr lang="en-US" sz="2000" kern="1200" dirty="0">
+                <a:solidFill>
+                  <a:schemeClr val="accent1">
+                    <a:lumMod val="40000"/>
+                    <a:lumOff val="60000"/>
+                  </a:schemeClr>
+                </a:solidFill>
+                <a:latin typeface="+mn-lt"/>
+                <a:ea typeface="+mn-ea"/>
+                <a:cs typeface="+mn-cs"/>
+                <a:hlinkClick r:id="rId3">
+                  <a:extLst>
+                    <a:ext uri="{A12FA001-AC4F-418D-AE19-62706E023703}">
+                      <ahyp:hlinkClr xmlns:ahyp="http://schemas.microsoft.com/office/drawing/2018/hyperlinkcolor" val="tx"/>
+                    </a:ext>
+                  </a:extLst>
+                </a:hlinkClick>
+              </a:rPr>
+              <a:t>https://github.com/suxrobGM/aoe4-matchmaking</a:t>
+            </a:r>
+            <a:r>
+              <a:rPr lang="en-US" sz="2000" kern="1200" dirty="0">
+                <a:solidFill>
+                  <a:schemeClr val="accent1">
+                    <a:lumMod val="40000"/>
+                    <a:lumOff val="60000"/>
+                  </a:schemeClr>
+                </a:solidFill>
+                <a:latin typeface="+mn-lt"/>
+                <a:ea typeface="+mn-ea"/>
+                <a:cs typeface="+mn-cs"/>
+              </a:rPr>
+              <a:t> </a:t>
+            </a:r>
+          </a:p>
+        </p:txBody>
+      </p:sp>
+      <p:sp>
+        <p:nvSpPr>
+          <p:cNvPr id="6155" name="Rectangle 6154">
+            <a:extLst>
+              <a:ext uri="{FF2B5EF4-FFF2-40B4-BE49-F238E27FC236}">
+                <a16:creationId xmlns:a16="http://schemas.microsoft.com/office/drawing/2014/main" id="{9DD005C1-8C51-42D6-9BEE-B9B83849743D}"/>
               </a:ext>
               <a:ext uri="{C183D7F6-B498-43B3-948B-1728B52AA6E4}">
                 <adec:decorative xmlns:adec="http://schemas.microsoft.com/office/drawing/2017/decorative" val="1"/>
@@ -10530,31 +11850,18 @@
           </p:nvPr>
         </p:nvSpPr>
         <p:spPr>
-          <a:xfrm rot="5400000">
-            <a:off x="3908719" y="-3931841"/>
-            <a:ext cx="4374557" cy="12192000"/>
+          <a:xfrm>
+            <a:off x="126206" y="115193"/>
+            <a:ext cx="11939588" cy="6627614"/>
           </a:xfrm>
           <a:prstGeom prst="rect">
             <a:avLst/>
           </a:prstGeom>
-          <a:gradFill>
-            <a:gsLst>
-              <a:gs pos="40000">
-                <a:schemeClr val="accent1">
-                  <a:alpha val="0"/>
-                </a:schemeClr>
-              </a:gs>
-              <a:gs pos="100000">
-                <a:schemeClr val="accent1">
-                  <a:lumMod val="75000"/>
-                  <a:alpha val="52000"/>
-                </a:schemeClr>
-              </a:gs>
-            </a:gsLst>
-            <a:lin ang="2400000" scaled="0"/>
-          </a:gradFill>
-          <a:ln>
-            <a:noFill/>
+          <a:noFill/>
+          <a:ln w="12700">
+            <a:solidFill>
+              <a:schemeClr val="accent2"/>
+            </a:solidFill>
           </a:ln>
         </p:spPr>
         <p:style>
@@ -10579,411 +11886,6 @@
           <a:p>
             <a:pPr algn="ctr"/>
             <a:endParaRPr lang="en-US"/>
-          </a:p>
-        </p:txBody>
-      </p:sp>
-      <p:sp>
-        <p:nvSpPr>
-          <p:cNvPr id="14" name="Rectangle 13">
-            <a:extLst>
-              <a:ext uri="{FF2B5EF4-FFF2-40B4-BE49-F238E27FC236}">
-                <a16:creationId xmlns:a16="http://schemas.microsoft.com/office/drawing/2014/main" id="{AFF4A713-7B75-4B21-90D7-5AB19547C728}"/>
-              </a:ext>
-              <a:ext uri="{C183D7F6-B498-43B3-948B-1728B52AA6E4}">
-                <adec:decorative xmlns:adec="http://schemas.microsoft.com/office/drawing/2017/decorative" val="1"/>
-              </a:ext>
-            </a:extLst>
-          </p:cNvPr>
-          <p:cNvSpPr>
-            <a:spLocks noGrp="1" noRot="1" noChangeAspect="1" noMove="1" noResize="1" noEditPoints="1" noAdjustHandles="1" noChangeArrowheads="1" noChangeShapeType="1" noTextEdit="1"/>
-          </p:cNvSpPr>
-          <p:nvPr>
-            <p:extLst>
-              <p:ext uri="{386F3935-93C4-4BCD-93E2-E3B085C9AB24}">
-                <p16:designElem xmlns:p16="http://schemas.microsoft.com/office/powerpoint/2015/main" val="1"/>
-              </p:ext>
-            </p:extLst>
-          </p:nvPr>
-        </p:nvSpPr>
-        <p:spPr>
-          <a:xfrm rot="5400000">
-            <a:off x="4136696" y="-3703868"/>
-            <a:ext cx="4374128" cy="11736479"/>
-          </a:xfrm>
-          <a:prstGeom prst="rect">
-            <a:avLst/>
-          </a:prstGeom>
-          <a:gradFill>
-            <a:gsLst>
-              <a:gs pos="17000">
-                <a:schemeClr val="accent1">
-                  <a:alpha val="0"/>
-                </a:schemeClr>
-              </a:gs>
-              <a:gs pos="100000">
-                <a:srgbClr val="000000">
-                  <a:alpha val="37000"/>
-                </a:srgbClr>
-              </a:gs>
-            </a:gsLst>
-            <a:lin ang="7800000" scaled="0"/>
-          </a:gradFill>
-          <a:ln>
-            <a:noFill/>
-          </a:ln>
-        </p:spPr>
-        <p:style>
-          <a:lnRef idx="2">
-            <a:schemeClr val="accent1">
-              <a:shade val="50000"/>
-            </a:schemeClr>
-          </a:lnRef>
-          <a:fillRef idx="1">
-            <a:schemeClr val="accent1"/>
-          </a:fillRef>
-          <a:effectRef idx="0">
-            <a:schemeClr val="accent1"/>
-          </a:effectRef>
-          <a:fontRef idx="minor">
-            <a:schemeClr val="lt1"/>
-          </a:fontRef>
-        </p:style>
-        <p:txBody>
-          <a:bodyPr rtlCol="0" anchor="ctr"/>
-          <a:lstStyle/>
-          <a:p>
-            <a:pPr algn="ctr"/>
-            <a:endParaRPr lang="en-US"/>
-          </a:p>
-        </p:txBody>
-      </p:sp>
-      <p:sp>
-        <p:nvSpPr>
-          <p:cNvPr id="16" name="Rectangle 15">
-            <a:extLst>
-              <a:ext uri="{FF2B5EF4-FFF2-40B4-BE49-F238E27FC236}">
-                <a16:creationId xmlns:a16="http://schemas.microsoft.com/office/drawing/2014/main" id="{DC631C0B-6DA6-4E57-8231-CE32B3434A7E}"/>
-              </a:ext>
-              <a:ext uri="{C183D7F6-B498-43B3-948B-1728B52AA6E4}">
-                <adec:decorative xmlns:adec="http://schemas.microsoft.com/office/drawing/2017/decorative" val="1"/>
-              </a:ext>
-            </a:extLst>
-          </p:cNvPr>
-          <p:cNvSpPr>
-            <a:spLocks noGrp="1" noRot="1" noChangeAspect="1" noMove="1" noResize="1" noEditPoints="1" noAdjustHandles="1" noChangeArrowheads="1" noChangeShapeType="1" noTextEdit="1"/>
-          </p:cNvSpPr>
-          <p:nvPr>
-            <p:extLst>
-              <p:ext uri="{386F3935-93C4-4BCD-93E2-E3B085C9AB24}">
-                <p16:designElem xmlns:p16="http://schemas.microsoft.com/office/powerpoint/2015/main" val="1"/>
-              </p:ext>
-            </p:extLst>
-          </p:nvPr>
-        </p:nvSpPr>
-        <p:spPr>
-          <a:xfrm>
-            <a:off x="-5" y="-22690"/>
-            <a:ext cx="8542485" cy="4374126"/>
-          </a:xfrm>
-          <a:prstGeom prst="rect">
-            <a:avLst/>
-          </a:prstGeom>
-          <a:gradFill>
-            <a:gsLst>
-              <a:gs pos="0">
-                <a:schemeClr val="accent1">
-                  <a:lumMod val="50000"/>
-                  <a:alpha val="0"/>
-                </a:schemeClr>
-              </a:gs>
-              <a:gs pos="100000">
-                <a:srgbClr val="000000">
-                  <a:alpha val="25000"/>
-                </a:srgbClr>
-              </a:gs>
-            </a:gsLst>
-            <a:lin ang="18600000" scaled="0"/>
-          </a:gradFill>
-          <a:ln>
-            <a:noFill/>
-          </a:ln>
-        </p:spPr>
-        <p:style>
-          <a:lnRef idx="2">
-            <a:schemeClr val="accent1">
-              <a:shade val="50000"/>
-            </a:schemeClr>
-          </a:lnRef>
-          <a:fillRef idx="1">
-            <a:schemeClr val="accent1"/>
-          </a:fillRef>
-          <a:effectRef idx="0">
-            <a:schemeClr val="accent1"/>
-          </a:effectRef>
-          <a:fontRef idx="minor">
-            <a:schemeClr val="lt1"/>
-          </a:fontRef>
-        </p:style>
-        <p:txBody>
-          <a:bodyPr rtlCol="0" anchor="ctr"/>
-          <a:lstStyle/>
-          <a:p>
-            <a:pPr algn="ctr"/>
-            <a:endParaRPr lang="en-US"/>
-          </a:p>
-        </p:txBody>
-      </p:sp>
-      <p:sp>
-        <p:nvSpPr>
-          <p:cNvPr id="18" name="Freeform: Shape 17">
-            <a:extLst>
-              <a:ext uri="{FF2B5EF4-FFF2-40B4-BE49-F238E27FC236}">
-                <a16:creationId xmlns:a16="http://schemas.microsoft.com/office/drawing/2014/main" id="{C29501E6-A978-4A61-9689-9085AF97A53A}"/>
-              </a:ext>
-              <a:ext uri="{C183D7F6-B498-43B3-948B-1728B52AA6E4}">
-                <adec:decorative xmlns:adec="http://schemas.microsoft.com/office/drawing/2017/decorative" val="1"/>
-              </a:ext>
-            </a:extLst>
-          </p:cNvPr>
-          <p:cNvSpPr>
-            <a:spLocks noGrp="1" noRot="1" noChangeAspect="1" noMove="1" noResize="1" noEditPoints="1" noAdjustHandles="1" noChangeArrowheads="1" noChangeShapeType="1" noTextEdit="1"/>
-          </p:cNvSpPr>
-          <p:nvPr>
-            <p:extLst>
-              <p:ext uri="{386F3935-93C4-4BCD-93E2-E3B085C9AB24}">
-                <p16:designElem xmlns:p16="http://schemas.microsoft.com/office/powerpoint/2015/main" val="1"/>
-              </p:ext>
-            </p:extLst>
-          </p:nvPr>
-        </p:nvSpPr>
-        <p:spPr>
-          <a:xfrm rot="12508972">
-            <a:off x="5945431" y="-1032053"/>
-            <a:ext cx="4990147" cy="4439131"/>
-          </a:xfrm>
-          <a:custGeom>
-            <a:avLst/>
-            <a:gdLst>
-              <a:gd name="connsiteX0" fmla="*/ 4990147 w 4990147"/>
-              <a:gd name="connsiteY0" fmla="*/ 2229378 h 4439131"/>
-              <a:gd name="connsiteX1" fmla="*/ 917384 w 4990147"/>
-              <a:gd name="connsiteY1" fmla="*/ 4439131 h 4439131"/>
-              <a:gd name="connsiteX2" fmla="*/ 910814 w 4990147"/>
-              <a:gd name="connsiteY2" fmla="*/ 4434219 h 4439131"/>
-              <a:gd name="connsiteX3" fmla="*/ 0 w 4990147"/>
-              <a:gd name="connsiteY3" fmla="*/ 2502877 h 4439131"/>
-              <a:gd name="connsiteX4" fmla="*/ 2502877 w 4990147"/>
-              <a:gd name="connsiteY4" fmla="*/ 0 h 4439131"/>
-              <a:gd name="connsiteX5" fmla="*/ 4954904 w 4990147"/>
-              <a:gd name="connsiteY5" fmla="*/ 1998460 h 4439131"/>
-            </a:gdLst>
-            <a:ahLst/>
-            <a:cxnLst>
-              <a:cxn ang="0">
-                <a:pos x="connsiteX0" y="connsiteY0"/>
-              </a:cxn>
-              <a:cxn ang="0">
-                <a:pos x="connsiteX1" y="connsiteY1"/>
-              </a:cxn>
-              <a:cxn ang="0">
-                <a:pos x="connsiteX2" y="connsiteY2"/>
-              </a:cxn>
-              <a:cxn ang="0">
-                <a:pos x="connsiteX3" y="connsiteY3"/>
-              </a:cxn>
-              <a:cxn ang="0">
-                <a:pos x="connsiteX4" y="connsiteY4"/>
-              </a:cxn>
-              <a:cxn ang="0">
-                <a:pos x="connsiteX5" y="connsiteY5"/>
-              </a:cxn>
-            </a:cxnLst>
-            <a:rect l="l" t="t" r="r" b="b"/>
-            <a:pathLst>
-              <a:path w="4990147" h="4439131">
-                <a:moveTo>
-                  <a:pt x="4990147" y="2229378"/>
-                </a:moveTo>
-                <a:lnTo>
-                  <a:pt x="917384" y="4439131"/>
-                </a:lnTo>
-                <a:lnTo>
-                  <a:pt x="910814" y="4434219"/>
-                </a:lnTo>
-                <a:cubicBezTo>
-                  <a:pt x="354557" y="3975154"/>
-                  <a:pt x="0" y="3280421"/>
-                  <a:pt x="0" y="2502877"/>
-                </a:cubicBezTo>
-                <a:cubicBezTo>
-                  <a:pt x="0" y="1120576"/>
-                  <a:pt x="1120576" y="0"/>
-                  <a:pt x="2502877" y="0"/>
-                </a:cubicBezTo>
-                <a:cubicBezTo>
-                  <a:pt x="3712390" y="0"/>
-                  <a:pt x="4721520" y="857941"/>
-                  <a:pt x="4954904" y="1998460"/>
-                </a:cubicBezTo>
-                <a:close/>
-              </a:path>
-            </a:pathLst>
-          </a:custGeom>
-          <a:gradFill>
-            <a:gsLst>
-              <a:gs pos="0">
-                <a:schemeClr val="accent1">
-                  <a:alpha val="22000"/>
-                </a:schemeClr>
-              </a:gs>
-              <a:gs pos="87000">
-                <a:schemeClr val="accent1">
-                  <a:lumMod val="60000"/>
-                  <a:lumOff val="40000"/>
-                  <a:alpha val="2000"/>
-                </a:schemeClr>
-              </a:gs>
-            </a:gsLst>
-            <a:lin ang="8400000" scaled="0"/>
-          </a:gradFill>
-          <a:ln>
-            <a:noFill/>
-          </a:ln>
-        </p:spPr>
-        <p:style>
-          <a:lnRef idx="2">
-            <a:schemeClr val="accent1">
-              <a:shade val="50000"/>
-            </a:schemeClr>
-          </a:lnRef>
-          <a:fillRef idx="1">
-            <a:schemeClr val="accent1"/>
-          </a:fillRef>
-          <a:effectRef idx="0">
-            <a:schemeClr val="accent1"/>
-          </a:effectRef>
-          <a:fontRef idx="minor">
-            <a:schemeClr val="lt1"/>
-          </a:fontRef>
-        </p:style>
-        <p:txBody>
-          <a:bodyPr wrap="square" rtlCol="0" anchor="ctr">
-            <a:noAutofit/>
-          </a:bodyPr>
-          <a:lstStyle/>
-          <a:p>
-            <a:pPr algn="ctr"/>
-            <a:endParaRPr lang="en-US" dirty="0"/>
-          </a:p>
-        </p:txBody>
-      </p:sp>
-      <p:sp>
-        <p:nvSpPr>
-          <p:cNvPr id="2" name="Title 1">
-            <a:extLst>
-              <a:ext uri="{FF2B5EF4-FFF2-40B4-BE49-F238E27FC236}">
-                <a16:creationId xmlns:a16="http://schemas.microsoft.com/office/drawing/2014/main" id="{7651C23C-2E5B-76AC-EA2B-B87B8DD4EEA1}"/>
-              </a:ext>
-            </a:extLst>
-          </p:cNvPr>
-          <p:cNvSpPr>
-            <a:spLocks noGrp="1"/>
-          </p:cNvSpPr>
-          <p:nvPr>
-            <p:ph type="title"/>
-          </p:nvPr>
-        </p:nvSpPr>
-        <p:spPr>
-          <a:xfrm>
-            <a:off x="1314824" y="735106"/>
-            <a:ext cx="10053763" cy="2928470"/>
-          </a:xfrm>
-        </p:spPr>
-        <p:txBody>
-          <a:bodyPr vert="horz" lIns="91440" tIns="45720" rIns="91440" bIns="45720" rtlCol="0" anchor="b">
-            <a:normAutofit/>
-          </a:bodyPr>
-          <a:lstStyle/>
-          <a:p>
-            <a:r>
-              <a:rPr lang="en-US" sz="4800" kern="1200">
-                <a:solidFill>
-                  <a:srgbClr val="FFFFFF"/>
-                </a:solidFill>
-                <a:latin typeface="+mj-lt"/>
-                <a:ea typeface="+mj-ea"/>
-                <a:cs typeface="+mj-cs"/>
-              </a:rPr>
-              <a:t>Thank You</a:t>
-            </a:r>
-          </a:p>
-        </p:txBody>
-      </p:sp>
-      <p:sp>
-        <p:nvSpPr>
-          <p:cNvPr id="3" name="Content Placeholder 2">
-            <a:extLst>
-              <a:ext uri="{FF2B5EF4-FFF2-40B4-BE49-F238E27FC236}">
-                <a16:creationId xmlns:a16="http://schemas.microsoft.com/office/drawing/2014/main" id="{A2A2AD1B-7C3A-9D59-56A7-48FCC10F7EBA}"/>
-              </a:ext>
-            </a:extLst>
-          </p:cNvPr>
-          <p:cNvSpPr>
-            <a:spLocks noGrp="1"/>
-          </p:cNvSpPr>
-          <p:nvPr>
-            <p:ph idx="1"/>
-          </p:nvPr>
-        </p:nvSpPr>
-        <p:spPr>
-          <a:xfrm>
-            <a:off x="1350682" y="4870824"/>
-            <a:ext cx="10005951" cy="1458258"/>
-          </a:xfrm>
-        </p:spPr>
-        <p:txBody>
-          <a:bodyPr vert="horz" lIns="91440" tIns="45720" rIns="91440" bIns="45720" rtlCol="0" anchor="ctr">
-            <a:normAutofit/>
-          </a:bodyPr>
-          <a:lstStyle/>
-          <a:p>
-            <a:pPr marL="0" indent="0">
-              <a:buNone/>
-            </a:pPr>
-            <a:r>
-              <a:rPr lang="en-US" sz="2400" kern="1200" dirty="0">
-                <a:solidFill>
-                  <a:schemeClr val="tx1"/>
-                </a:solidFill>
-                <a:latin typeface="+mn-lt"/>
-                <a:ea typeface="+mn-ea"/>
-                <a:cs typeface="+mn-cs"/>
-              </a:rPr>
-              <a:t>The project is available in the GitHub repositor: </a:t>
-            </a:r>
-            <a:r>
-              <a:rPr lang="en-US" sz="2400" kern="1200" dirty="0">
-                <a:solidFill>
-                  <a:schemeClr val="tx1"/>
-                </a:solidFill>
-                <a:latin typeface="+mn-lt"/>
-                <a:ea typeface="+mn-ea"/>
-                <a:cs typeface="+mn-cs"/>
-                <a:hlinkClick r:id="rId2"/>
-              </a:rPr>
-              <a:t>https://github.com/suxrobGM/aoe4-matchmaking</a:t>
-            </a:r>
-            <a:r>
-              <a:rPr lang="en-US" sz="2400" kern="1200" dirty="0">
-                <a:solidFill>
-                  <a:schemeClr val="tx1"/>
-                </a:solidFill>
-                <a:latin typeface="+mn-lt"/>
-                <a:ea typeface="+mn-ea"/>
-                <a:cs typeface="+mn-cs"/>
-              </a:rPr>
-              <a:t> </a:t>
-            </a:r>
           </a:p>
         </p:txBody>
       </p:sp>
@@ -11119,10 +12021,1270 @@
       </p:grpSpPr>
       <p:sp useBgFill="1">
         <p:nvSpPr>
-          <p:cNvPr id="41" name="Rectangle 40">
+          <p:cNvPr id="1036" name="Rectangle 1035">
             <a:extLst>
               <a:ext uri="{FF2B5EF4-FFF2-40B4-BE49-F238E27FC236}">
-                <a16:creationId xmlns:a16="http://schemas.microsoft.com/office/drawing/2014/main" id="{DEE2AD96-B495-4E06-9291-B71706F728CB}"/>
+                <a16:creationId xmlns:a16="http://schemas.microsoft.com/office/drawing/2014/main" id="{D009D6D5-DAC2-4A8B-A17A-E206B9012D09}"/>
+              </a:ext>
+              <a:ext uri="{C183D7F6-B498-43B3-948B-1728B52AA6E4}">
+                <adec:decorative xmlns:adec="http://schemas.microsoft.com/office/drawing/2017/decorative" val="1"/>
+              </a:ext>
+            </a:extLst>
+          </p:cNvPr>
+          <p:cNvSpPr>
+            <a:spLocks noGrp="1" noRot="1" noChangeAspect="1" noMove="1" noResize="1" noEditPoints="1" noAdjustHandles="1" noChangeArrowheads="1" noChangeShapeType="1" noTextEdit="1"/>
+          </p:cNvSpPr>
+          <p:nvPr>
+            <p:extLst>
+              <p:ext uri="{386F3935-93C4-4BCD-93E2-E3B085C9AB24}">
+                <p16:designElem xmlns:p16="http://schemas.microsoft.com/office/powerpoint/2015/main" val="1"/>
+              </p:ext>
+            </p:extLst>
+          </p:nvPr>
+        </p:nvSpPr>
+        <p:spPr>
+          <a:xfrm>
+            <a:off x="0" y="0"/>
+            <a:ext cx="12188952" cy="6858000"/>
+          </a:xfrm>
+          <a:prstGeom prst="rect">
+            <a:avLst/>
+          </a:prstGeom>
+          <a:ln>
+            <a:noFill/>
+          </a:ln>
+        </p:spPr>
+        <p:style>
+          <a:lnRef idx="2">
+            <a:schemeClr val="accent1">
+              <a:shade val="50000"/>
+            </a:schemeClr>
+          </a:lnRef>
+          <a:fillRef idx="1">
+            <a:schemeClr val="accent1"/>
+          </a:fillRef>
+          <a:effectRef idx="0">
+            <a:schemeClr val="accent1"/>
+          </a:effectRef>
+          <a:fontRef idx="minor">
+            <a:schemeClr val="lt1"/>
+          </a:fontRef>
+        </p:style>
+        <p:txBody>
+          <a:bodyPr rtlCol="0" anchor="ctr"/>
+          <a:lstStyle/>
+          <a:p>
+            <a:pPr algn="ctr"/>
+            <a:endParaRPr lang="en-US"/>
+          </a:p>
+        </p:txBody>
+      </p:sp>
+      <p:sp>
+        <p:nvSpPr>
+          <p:cNvPr id="2" name="Title 1">
+            <a:extLst>
+              <a:ext uri="{FF2B5EF4-FFF2-40B4-BE49-F238E27FC236}">
+                <a16:creationId xmlns:a16="http://schemas.microsoft.com/office/drawing/2014/main" id="{9C26B974-A385-9AD3-2360-CBBDA37D1967}"/>
+              </a:ext>
+            </a:extLst>
+          </p:cNvPr>
+          <p:cNvSpPr>
+            <a:spLocks noGrp="1"/>
+          </p:cNvSpPr>
+          <p:nvPr>
+            <p:ph type="title"/>
+          </p:nvPr>
+        </p:nvSpPr>
+        <p:spPr>
+          <a:xfrm>
+            <a:off x="838201" y="365125"/>
+            <a:ext cx="5251316" cy="1807305"/>
+          </a:xfrm>
+        </p:spPr>
+        <p:txBody>
+          <a:bodyPr>
+            <a:normAutofit/>
+          </a:bodyPr>
+          <a:lstStyle/>
+          <a:p>
+            <a:r>
+              <a:rPr lang="en-US"/>
+              <a:t>Project Overiew</a:t>
+            </a:r>
+          </a:p>
+        </p:txBody>
+      </p:sp>
+      <p:pic>
+        <p:nvPicPr>
+          <p:cNvPr id="1026" name="Picture 2" descr="Age of Empires 4 - MASSIVE HILL DEFENSE">
+            <a:extLst>
+              <a:ext uri="{FF2B5EF4-FFF2-40B4-BE49-F238E27FC236}">
+                <a16:creationId xmlns:a16="http://schemas.microsoft.com/office/drawing/2014/main" id="{05A443D9-7F47-ED53-0C68-79DF91A2BBCD}"/>
+              </a:ext>
+            </a:extLst>
+          </p:cNvPr>
+          <p:cNvPicPr>
+            <a:picLocks noChangeAspect="1" noChangeArrowheads="1"/>
+          </p:cNvPicPr>
+          <p:nvPr/>
+        </p:nvPicPr>
+        <p:blipFill>
+          <a:blip r:embed="rId2">
+            <a:extLst>
+              <a:ext uri="{28A0092B-C50C-407E-A947-70E740481C1C}">
+                <a14:useLocalDpi xmlns:a14="http://schemas.microsoft.com/office/drawing/2010/main" val="0"/>
+              </a:ext>
+            </a:extLst>
+          </a:blip>
+          <a:srcRect l="40480" r="10613"/>
+          <a:stretch/>
+        </p:blipFill>
+        <p:spPr bwMode="auto">
+          <a:xfrm>
+            <a:off x="6229215" y="10"/>
+            <a:ext cx="5962785" cy="6857990"/>
+          </a:xfrm>
+          <a:custGeom>
+            <a:avLst/>
+            <a:gdLst/>
+            <a:ahLst/>
+            <a:cxnLst/>
+            <a:rect l="l" t="t" r="r" b="b"/>
+            <a:pathLst>
+              <a:path w="5962785" h="6858000">
+                <a:moveTo>
+                  <a:pt x="1044839" y="0"/>
+                </a:moveTo>
+                <a:lnTo>
+                  <a:pt x="5962785" y="0"/>
+                </a:lnTo>
+                <a:lnTo>
+                  <a:pt x="5962785" y="6858000"/>
+                </a:lnTo>
+                <a:lnTo>
+                  <a:pt x="1469886" y="6858000"/>
+                </a:lnTo>
+                <a:lnTo>
+                  <a:pt x="1416006" y="6823984"/>
+                </a:lnTo>
+                <a:cubicBezTo>
+                  <a:pt x="1356767" y="6787940"/>
+                  <a:pt x="1296437" y="6755500"/>
+                  <a:pt x="1232473" y="6733873"/>
+                </a:cubicBezTo>
+                <a:cubicBezTo>
+                  <a:pt x="1145250" y="6705037"/>
+                  <a:pt x="1060933" y="6654575"/>
+                  <a:pt x="1075471" y="6503186"/>
+                </a:cubicBezTo>
+                <a:cubicBezTo>
+                  <a:pt x="1078378" y="6459932"/>
+                  <a:pt x="1055118" y="6427493"/>
+                  <a:pt x="1020229" y="6438306"/>
+                </a:cubicBezTo>
+                <a:cubicBezTo>
+                  <a:pt x="953358" y="6459932"/>
+                  <a:pt x="921375" y="6398656"/>
+                  <a:pt x="883579" y="6351798"/>
+                </a:cubicBezTo>
+                <a:cubicBezTo>
+                  <a:pt x="816707" y="6268895"/>
+                  <a:pt x="752743" y="6182387"/>
+                  <a:pt x="645167" y="6167969"/>
+                </a:cubicBezTo>
+                <a:cubicBezTo>
+                  <a:pt x="665519" y="6103088"/>
+                  <a:pt x="700408" y="6110298"/>
+                  <a:pt x="732391" y="6124716"/>
+                </a:cubicBezTo>
+                <a:cubicBezTo>
+                  <a:pt x="816707" y="6160761"/>
+                  <a:pt x="901023" y="6200410"/>
+                  <a:pt x="985339" y="6236455"/>
+                </a:cubicBezTo>
+                <a:cubicBezTo>
+                  <a:pt x="1040581" y="6258081"/>
+                  <a:pt x="1095822" y="6290522"/>
+                  <a:pt x="1168509" y="6265291"/>
+                </a:cubicBezTo>
+                <a:cubicBezTo>
+                  <a:pt x="1104545" y="6135530"/>
+                  <a:pt x="996969" y="6110298"/>
+                  <a:pt x="909746" y="6070649"/>
+                </a:cubicBezTo>
+                <a:cubicBezTo>
+                  <a:pt x="802169" y="6020185"/>
+                  <a:pt x="738206" y="5926470"/>
+                  <a:pt x="659704" y="5818335"/>
+                </a:cubicBezTo>
+                <a:cubicBezTo>
+                  <a:pt x="738206" y="5789500"/>
+                  <a:pt x="787632" y="5868798"/>
+                  <a:pt x="851597" y="5865193"/>
+                </a:cubicBezTo>
+                <a:cubicBezTo>
+                  <a:pt x="854504" y="5854380"/>
+                  <a:pt x="860319" y="5832753"/>
+                  <a:pt x="860319" y="5832753"/>
+                </a:cubicBezTo>
+                <a:cubicBezTo>
+                  <a:pt x="755650" y="5775081"/>
+                  <a:pt x="709132" y="5666947"/>
+                  <a:pt x="691686" y="5533581"/>
+                </a:cubicBezTo>
+                <a:cubicBezTo>
+                  <a:pt x="685872" y="5465095"/>
+                  <a:pt x="648075" y="5443468"/>
+                  <a:pt x="610278" y="5411029"/>
+                </a:cubicBezTo>
+                <a:cubicBezTo>
+                  <a:pt x="482350" y="5299289"/>
+                  <a:pt x="345700" y="5198364"/>
+                  <a:pt x="238123" y="5046976"/>
+                </a:cubicBezTo>
+                <a:cubicBezTo>
+                  <a:pt x="363144" y="5064998"/>
+                  <a:pt x="461997" y="5165924"/>
+                  <a:pt x="592833" y="5209177"/>
+                </a:cubicBezTo>
+                <a:cubicBezTo>
+                  <a:pt x="488165" y="5043371"/>
+                  <a:pt x="351514" y="4956864"/>
+                  <a:pt x="226494" y="4855939"/>
+                </a:cubicBezTo>
+                <a:cubicBezTo>
+                  <a:pt x="168344" y="4809081"/>
+                  <a:pt x="116011" y="4751408"/>
+                  <a:pt x="49139" y="4726177"/>
+                </a:cubicBezTo>
+                <a:cubicBezTo>
+                  <a:pt x="25879" y="4718968"/>
+                  <a:pt x="-14825" y="4700947"/>
+                  <a:pt x="5527" y="4650483"/>
+                </a:cubicBezTo>
+                <a:cubicBezTo>
+                  <a:pt x="22972" y="4607230"/>
+                  <a:pt x="54954" y="4621648"/>
+                  <a:pt x="84029" y="4632460"/>
+                </a:cubicBezTo>
+                <a:cubicBezTo>
+                  <a:pt x="153807" y="4661296"/>
+                  <a:pt x="229401" y="4661296"/>
+                  <a:pt x="325347" y="4661296"/>
+                </a:cubicBezTo>
+                <a:cubicBezTo>
+                  <a:pt x="243939" y="4524326"/>
+                  <a:pt x="95658" y="4567580"/>
+                  <a:pt x="25879" y="4423401"/>
+                </a:cubicBezTo>
+                <a:cubicBezTo>
+                  <a:pt x="113103" y="4398170"/>
+                  <a:pt x="179975" y="4448632"/>
+                  <a:pt x="249753" y="4459446"/>
+                </a:cubicBezTo>
+                <a:cubicBezTo>
+                  <a:pt x="313718" y="4470259"/>
+                  <a:pt x="328254" y="4445028"/>
+                  <a:pt x="313718" y="4365729"/>
+                </a:cubicBezTo>
+                <a:cubicBezTo>
+                  <a:pt x="290458" y="4243177"/>
+                  <a:pt x="325347" y="4181900"/>
+                  <a:pt x="418386" y="4214341"/>
+                </a:cubicBezTo>
+                <a:cubicBezTo>
+                  <a:pt x="505609" y="4246781"/>
+                  <a:pt x="514332" y="4199922"/>
+                  <a:pt x="491072" y="4131438"/>
+                </a:cubicBezTo>
+                <a:cubicBezTo>
+                  <a:pt x="456183" y="4030512"/>
+                  <a:pt x="493979" y="3951214"/>
+                  <a:pt x="520147" y="3864706"/>
+                </a:cubicBezTo>
+                <a:cubicBezTo>
+                  <a:pt x="560851" y="3734945"/>
+                  <a:pt x="543407" y="3670064"/>
+                  <a:pt x="459090" y="3572743"/>
+                </a:cubicBezTo>
+                <a:cubicBezTo>
+                  <a:pt x="409664" y="3518676"/>
+                  <a:pt x="360236" y="3471818"/>
+                  <a:pt x="290458" y="3424959"/>
+                </a:cubicBezTo>
+                <a:cubicBezTo>
+                  <a:pt x="450368" y="3399728"/>
+                  <a:pt x="284643" y="3313221"/>
+                  <a:pt x="339884" y="3259153"/>
+                </a:cubicBezTo>
+                <a:cubicBezTo>
+                  <a:pt x="453275" y="3237527"/>
+                  <a:pt x="543407" y="3410542"/>
+                  <a:pt x="697501" y="3360078"/>
+                </a:cubicBezTo>
+                <a:cubicBezTo>
+                  <a:pt x="511425" y="3212294"/>
+                  <a:pt x="302087" y="3165436"/>
+                  <a:pt x="165437" y="2967190"/>
+                </a:cubicBezTo>
+                <a:cubicBezTo>
+                  <a:pt x="197419" y="2923937"/>
+                  <a:pt x="229401" y="2967190"/>
+                  <a:pt x="255568" y="2949167"/>
+                </a:cubicBezTo>
+                <a:cubicBezTo>
+                  <a:pt x="255568" y="2938354"/>
+                  <a:pt x="560851" y="3006840"/>
+                  <a:pt x="578296" y="2725691"/>
+                </a:cubicBezTo>
+                <a:cubicBezTo>
+                  <a:pt x="584111" y="2725691"/>
+                  <a:pt x="589926" y="2725691"/>
+                  <a:pt x="595740" y="2714876"/>
+                </a:cubicBezTo>
+                <a:cubicBezTo>
+                  <a:pt x="627722" y="2675228"/>
+                  <a:pt x="598648" y="2581510"/>
+                  <a:pt x="650982" y="2574301"/>
+                </a:cubicBezTo>
+                <a:cubicBezTo>
+                  <a:pt x="709132" y="2567092"/>
+                  <a:pt x="764373" y="2534653"/>
+                  <a:pt x="825429" y="2552674"/>
+                </a:cubicBezTo>
+                <a:cubicBezTo>
+                  <a:pt x="871949" y="2567092"/>
+                  <a:pt x="921375" y="2585115"/>
+                  <a:pt x="970802" y="2585115"/>
+                </a:cubicBezTo>
+                <a:cubicBezTo>
+                  <a:pt x="1023136" y="2585115"/>
+                  <a:pt x="1095822" y="2707668"/>
+                  <a:pt x="1127805" y="2545465"/>
+                </a:cubicBezTo>
+                <a:cubicBezTo>
+                  <a:pt x="1127805" y="2538257"/>
+                  <a:pt x="1217936" y="2556280"/>
+                  <a:pt x="1267362" y="2563488"/>
+                </a:cubicBezTo>
+                <a:cubicBezTo>
+                  <a:pt x="1308067" y="2570698"/>
+                  <a:pt x="1357494" y="2603137"/>
+                  <a:pt x="1386568" y="2538257"/>
+                </a:cubicBezTo>
+                <a:cubicBezTo>
+                  <a:pt x="1401105" y="2498607"/>
+                  <a:pt x="1331326" y="2426518"/>
+                  <a:pt x="1270270" y="2419309"/>
+                </a:cubicBezTo>
+                <a:cubicBezTo>
+                  <a:pt x="1215029" y="2412101"/>
+                  <a:pt x="1159787" y="2404892"/>
+                  <a:pt x="1107453" y="2419309"/>
+                </a:cubicBezTo>
+                <a:cubicBezTo>
+                  <a:pt x="1043489" y="2437331"/>
+                  <a:pt x="1008599" y="2408495"/>
+                  <a:pt x="991154" y="2343615"/>
+                </a:cubicBezTo>
+                <a:cubicBezTo>
+                  <a:pt x="970802" y="2275131"/>
+                  <a:pt x="933005" y="2239085"/>
+                  <a:pt x="880671" y="2206645"/>
+                </a:cubicBezTo>
+                <a:cubicBezTo>
+                  <a:pt x="752743" y="2127346"/>
+                  <a:pt x="630630" y="2033629"/>
+                  <a:pt x="491072" y="1986771"/>
+                </a:cubicBezTo>
+                <a:cubicBezTo>
+                  <a:pt x="464905" y="1979562"/>
+                  <a:pt x="432923" y="1965145"/>
+                  <a:pt x="421293" y="1903868"/>
+                </a:cubicBezTo>
+                <a:cubicBezTo>
+                  <a:pt x="799262" y="1997584"/>
+                  <a:pt x="1142342" y="2239085"/>
+                  <a:pt x="1531941" y="2224667"/>
+                </a:cubicBezTo>
+                <a:cubicBezTo>
+                  <a:pt x="1427272" y="2148974"/>
+                  <a:pt x="1302252" y="2145369"/>
+                  <a:pt x="1188861" y="2091301"/>
+                </a:cubicBezTo>
+                <a:cubicBezTo>
+                  <a:pt x="1270270" y="2051652"/>
+                  <a:pt x="1345864" y="2094906"/>
+                  <a:pt x="1421458" y="2116532"/>
+                </a:cubicBezTo>
+                <a:cubicBezTo>
+                  <a:pt x="1485422" y="2134554"/>
+                  <a:pt x="1543571" y="2138160"/>
+                  <a:pt x="1549386" y="2026420"/>
+                </a:cubicBezTo>
+                <a:cubicBezTo>
+                  <a:pt x="1549386" y="2015607"/>
+                  <a:pt x="1549386" y="2008398"/>
+                  <a:pt x="1549386" y="1997584"/>
+                </a:cubicBezTo>
+                <a:cubicBezTo>
+                  <a:pt x="1526126" y="1950727"/>
+                  <a:pt x="1494144" y="1929099"/>
+                  <a:pt x="1453440" y="1914682"/>
+                </a:cubicBezTo>
+                <a:cubicBezTo>
+                  <a:pt x="1430180" y="1907473"/>
+                  <a:pt x="1398198" y="1893056"/>
+                  <a:pt x="1398198" y="1860614"/>
+                </a:cubicBezTo>
+                <a:cubicBezTo>
+                  <a:pt x="1401105" y="1738063"/>
+                  <a:pt x="1322604" y="1702018"/>
+                  <a:pt x="1247011" y="1665972"/>
+                </a:cubicBezTo>
+                <a:cubicBezTo>
+                  <a:pt x="1287715" y="1604696"/>
+                  <a:pt x="1322604" y="1647950"/>
+                  <a:pt x="1354586" y="1644345"/>
+                </a:cubicBezTo>
+                <a:cubicBezTo>
+                  <a:pt x="1374939" y="1640741"/>
+                  <a:pt x="1395290" y="1637138"/>
+                  <a:pt x="1395290" y="1604696"/>
+                </a:cubicBezTo>
+                <a:cubicBezTo>
+                  <a:pt x="1395290" y="1579465"/>
+                  <a:pt x="1386568" y="1547025"/>
+                  <a:pt x="1366216" y="1547025"/>
+                </a:cubicBezTo>
+                <a:cubicBezTo>
+                  <a:pt x="1238288" y="1543420"/>
+                  <a:pt x="1165601" y="1370405"/>
+                  <a:pt x="1031858" y="1370405"/>
+                </a:cubicBezTo>
+                <a:cubicBezTo>
+                  <a:pt x="950450" y="1370405"/>
+                  <a:pt x="1072563" y="1273083"/>
+                  <a:pt x="1005692" y="1233435"/>
+                </a:cubicBezTo>
+                <a:cubicBezTo>
+                  <a:pt x="991154" y="1222621"/>
+                  <a:pt x="1046396" y="1208203"/>
+                  <a:pt x="1069655" y="1211808"/>
+                </a:cubicBezTo>
+                <a:cubicBezTo>
+                  <a:pt x="1092915" y="1215412"/>
+                  <a:pt x="1113268" y="1240644"/>
+                  <a:pt x="1142342" y="1222621"/>
+                </a:cubicBezTo>
+                <a:cubicBezTo>
+                  <a:pt x="1156879" y="1157741"/>
+                  <a:pt x="1119082" y="1132510"/>
+                  <a:pt x="1084193" y="1114487"/>
+                </a:cubicBezTo>
+                <a:cubicBezTo>
+                  <a:pt x="1008599" y="1071234"/>
+                  <a:pt x="933005" y="1020771"/>
+                  <a:pt x="848689" y="1006353"/>
+                </a:cubicBezTo>
+                <a:cubicBezTo>
+                  <a:pt x="819615" y="1002748"/>
+                  <a:pt x="802169" y="984726"/>
+                  <a:pt x="805077" y="948681"/>
+                </a:cubicBezTo>
+                <a:cubicBezTo>
+                  <a:pt x="810892" y="901822"/>
+                  <a:pt x="839967" y="916240"/>
+                  <a:pt x="863226" y="919844"/>
+                </a:cubicBezTo>
+                <a:cubicBezTo>
+                  <a:pt x="877764" y="923450"/>
+                  <a:pt x="892301" y="934263"/>
+                  <a:pt x="906838" y="909031"/>
+                </a:cubicBezTo>
+                <a:cubicBezTo>
+                  <a:pt x="566666" y="653113"/>
+                  <a:pt x="386404" y="667532"/>
+                  <a:pt x="5527" y="458471"/>
+                </a:cubicBezTo>
+                <a:cubicBezTo>
+                  <a:pt x="89843" y="418822"/>
+                  <a:pt x="150900" y="447658"/>
+                  <a:pt x="209049" y="454867"/>
+                </a:cubicBezTo>
+                <a:cubicBezTo>
+                  <a:pt x="354422" y="472890"/>
+                  <a:pt x="264290" y="505329"/>
+                  <a:pt x="409664" y="526956"/>
+                </a:cubicBezTo>
+                <a:cubicBezTo>
+                  <a:pt x="479443" y="537770"/>
+                  <a:pt x="543407" y="573815"/>
+                  <a:pt x="621908" y="516143"/>
+                </a:cubicBezTo>
+                <a:cubicBezTo>
+                  <a:pt x="674242" y="476494"/>
+                  <a:pt x="758558" y="519747"/>
+                  <a:pt x="822522" y="552188"/>
+                </a:cubicBezTo>
+                <a:cubicBezTo>
+                  <a:pt x="874856" y="581024"/>
+                  <a:pt x="927190" y="588232"/>
+                  <a:pt x="996969" y="552188"/>
+                </a:cubicBezTo>
+                <a:cubicBezTo>
+                  <a:pt x="933005" y="530562"/>
+                  <a:pt x="883579" y="512539"/>
+                  <a:pt x="834151" y="498120"/>
+                </a:cubicBezTo>
+                <a:cubicBezTo>
+                  <a:pt x="793447" y="487307"/>
+                  <a:pt x="770187" y="462076"/>
+                  <a:pt x="773095" y="408008"/>
+                </a:cubicBezTo>
+                <a:cubicBezTo>
+                  <a:pt x="773095" y="379172"/>
+                  <a:pt x="764373" y="339523"/>
+                  <a:pt x="793447" y="325106"/>
+                </a:cubicBezTo>
+                <a:cubicBezTo>
+                  <a:pt x="816707" y="310688"/>
+                  <a:pt x="848689" y="325106"/>
+                  <a:pt x="860319" y="350336"/>
+                </a:cubicBezTo>
+                <a:cubicBezTo>
+                  <a:pt x="874856" y="397195"/>
+                  <a:pt x="889393" y="440449"/>
+                  <a:pt x="938820" y="444054"/>
+                </a:cubicBezTo>
+                <a:cubicBezTo>
+                  <a:pt x="1005692" y="451262"/>
+                  <a:pt x="967894" y="422426"/>
+                  <a:pt x="956265" y="386381"/>
+                </a:cubicBezTo>
+                <a:cubicBezTo>
+                  <a:pt x="944635" y="346733"/>
+                  <a:pt x="979525" y="335919"/>
+                  <a:pt x="1002784" y="343127"/>
+                </a:cubicBezTo>
+                <a:cubicBezTo>
+                  <a:pt x="1090008" y="375569"/>
+                  <a:pt x="1180139" y="317897"/>
+                  <a:pt x="1270270" y="364755"/>
+                </a:cubicBezTo>
+                <a:cubicBezTo>
+                  <a:pt x="1247011" y="249411"/>
+                  <a:pt x="1197583" y="198949"/>
+                  <a:pt x="1092915" y="180926"/>
+                </a:cubicBezTo>
+                <a:cubicBezTo>
+                  <a:pt x="1055118" y="177322"/>
+                  <a:pt x="1014414" y="184530"/>
+                  <a:pt x="979525" y="152090"/>
+                </a:cubicBezTo>
+                <a:cubicBezTo>
+                  <a:pt x="959172" y="134068"/>
+                  <a:pt x="938820" y="112441"/>
+                  <a:pt x="953358" y="76396"/>
+                </a:cubicBezTo>
+                <a:cubicBezTo>
+                  <a:pt x="962080" y="51165"/>
+                  <a:pt x="985339" y="51165"/>
+                  <a:pt x="1005692" y="58373"/>
+                </a:cubicBezTo>
+                <a:cubicBezTo>
+                  <a:pt x="1090008" y="98023"/>
+                  <a:pt x="1180139" y="108837"/>
+                  <a:pt x="1267362" y="123254"/>
+                </a:cubicBezTo>
+                <a:cubicBezTo>
+                  <a:pt x="1281900" y="126859"/>
+                  <a:pt x="1296437" y="134068"/>
+                  <a:pt x="1310975" y="98023"/>
+                </a:cubicBezTo>
+                <a:cubicBezTo>
+                  <a:pt x="1260095" y="81803"/>
+                  <a:pt x="1209941" y="62879"/>
+                  <a:pt x="1159787" y="43505"/>
+                </a:cubicBezTo>
+                <a:close/>
+              </a:path>
+            </a:pathLst>
+          </a:custGeom>
+          <a:noFill/>
+          <a:extLst>
+            <a:ext uri="{909E8E84-426E-40DD-AFC4-6F175D3DCCD1}">
+              <a14:hiddenFill xmlns:a14="http://schemas.microsoft.com/office/drawing/2010/main">
+                <a:solidFill>
+                  <a:srgbClr val="FFFFFF"/>
+                </a:solidFill>
+              </a14:hiddenFill>
+            </a:ext>
+          </a:extLst>
+        </p:spPr>
+      </p:pic>
+      <p:graphicFrame>
+        <p:nvGraphicFramePr>
+          <p:cNvPr id="28" name="Content Placeholder 2">
+            <a:extLst>
+              <a:ext uri="{FF2B5EF4-FFF2-40B4-BE49-F238E27FC236}">
+                <a16:creationId xmlns:a16="http://schemas.microsoft.com/office/drawing/2014/main" id="{E0F2A4E3-7066-BD1A-E94C-142CEB62F3D1}"/>
+              </a:ext>
+            </a:extLst>
+          </p:cNvPr>
+          <p:cNvGraphicFramePr>
+            <a:graphicFrameLocks noGrp="1"/>
+          </p:cNvGraphicFramePr>
+          <p:nvPr>
+            <p:ph idx="1"/>
+            <p:extLst>
+              <p:ext uri="{D42A27DB-BD31-4B8C-83A1-F6EECF244321}">
+                <p14:modId xmlns:p14="http://schemas.microsoft.com/office/powerpoint/2010/main" val="801511312"/>
+              </p:ext>
+            </p:extLst>
+          </p:nvPr>
+        </p:nvGraphicFramePr>
+        <p:xfrm>
+          <a:off x="838200" y="2333297"/>
+          <a:ext cx="4619621" cy="3843666"/>
+        </p:xfrm>
+        <a:graphic>
+          <a:graphicData uri="http://schemas.openxmlformats.org/drawingml/2006/diagram">
+            <dgm:relIds xmlns:dgm="http://schemas.openxmlformats.org/drawingml/2006/diagram" xmlns:r="http://schemas.openxmlformats.org/officeDocument/2006/relationships" r:dm="rId3" r:lo="rId4" r:qs="rId5" r:cs="rId6"/>
+          </a:graphicData>
+        </a:graphic>
+      </p:graphicFrame>
+    </p:spTree>
+    <p:extLst>
+      <p:ext uri="{BB962C8B-B14F-4D97-AF65-F5344CB8AC3E}">
+        <p14:creationId xmlns:p14="http://schemas.microsoft.com/office/powerpoint/2010/main" val="1963394682"/>
+      </p:ext>
+    </p:extLst>
+  </p:cSld>
+  <p:clrMapOvr>
+    <a:masterClrMapping/>
+  </p:clrMapOvr>
+</p:sld>
+</file>
+
+<file path=ppt/slides/slide3.xml><?xml version="1.0" encoding="utf-8"?>
+<p:sld xmlns:a="http://schemas.openxmlformats.org/drawingml/2006/main" xmlns:r="http://schemas.openxmlformats.org/officeDocument/2006/relationships" xmlns:p="http://schemas.openxmlformats.org/presentationml/2006/main">
+  <p:cSld>
+    <p:bg>
+      <p:bgPr>
+        <a:solidFill>
+          <a:schemeClr val="bg1"/>
+        </a:solidFill>
+        <a:effectLst/>
+      </p:bgPr>
+    </p:bg>
+    <p:spTree>
+      <p:nvGrpSpPr>
+        <p:cNvPr id="1" name=""/>
+        <p:cNvGrpSpPr/>
+        <p:nvPr/>
+      </p:nvGrpSpPr>
+      <p:grpSpPr>
+        <a:xfrm>
+          <a:off x="0" y="0"/>
+          <a:ext cx="0" cy="0"/>
+          <a:chOff x="0" y="0"/>
+          <a:chExt cx="0" cy="0"/>
+        </a:xfrm>
+      </p:grpSpPr>
+      <p:sp useBgFill="1">
+        <p:nvSpPr>
+          <p:cNvPr id="2072" name="Rectangle 2071">
+            <a:extLst>
+              <a:ext uri="{FF2B5EF4-FFF2-40B4-BE49-F238E27FC236}">
+                <a16:creationId xmlns:a16="http://schemas.microsoft.com/office/drawing/2014/main" id="{04812C46-200A-4DEB-A05E-3ED6C68C2387}"/>
+              </a:ext>
+              <a:ext uri="{C183D7F6-B498-43B3-948B-1728B52AA6E4}">
+                <adec:decorative xmlns:adec="http://schemas.microsoft.com/office/drawing/2017/decorative" val="1"/>
+              </a:ext>
+            </a:extLst>
+          </p:cNvPr>
+          <p:cNvSpPr>
+            <a:spLocks noGrp="1" noRot="1" noChangeAspect="1" noMove="1" noResize="1" noEditPoints="1" noAdjustHandles="1" noChangeArrowheads="1" noChangeShapeType="1" noTextEdit="1"/>
+          </p:cNvSpPr>
+          <p:nvPr>
+            <p:extLst>
+              <p:ext uri="{386F3935-93C4-4BCD-93E2-E3B085C9AB24}">
+                <p16:designElem xmlns:p16="http://schemas.microsoft.com/office/powerpoint/2015/main" val="1"/>
+              </p:ext>
+            </p:extLst>
+          </p:nvPr>
+        </p:nvSpPr>
+        <p:spPr>
+          <a:xfrm>
+            <a:off x="-1" y="0"/>
+            <a:ext cx="12188952" cy="6858000"/>
+          </a:xfrm>
+          <a:prstGeom prst="rect">
+            <a:avLst/>
+          </a:prstGeom>
+          <a:ln>
+            <a:noFill/>
+          </a:ln>
+        </p:spPr>
+        <p:style>
+          <a:lnRef idx="2">
+            <a:schemeClr val="accent1">
+              <a:shade val="50000"/>
+            </a:schemeClr>
+          </a:lnRef>
+          <a:fillRef idx="1">
+            <a:schemeClr val="accent1"/>
+          </a:fillRef>
+          <a:effectRef idx="0">
+            <a:schemeClr val="accent1"/>
+          </a:effectRef>
+          <a:fontRef idx="minor">
+            <a:schemeClr val="lt1"/>
+          </a:fontRef>
+        </p:style>
+        <p:txBody>
+          <a:bodyPr rtlCol="0" anchor="ctr"/>
+          <a:lstStyle/>
+          <a:p>
+            <a:pPr algn="ctr"/>
+            <a:endParaRPr lang="en-US"/>
+          </a:p>
+        </p:txBody>
+      </p:sp>
+      <p:pic>
+        <p:nvPicPr>
+          <p:cNvPr id="2050" name="Picture 2" descr="Age of Empires IV Hotkeys Revealed - Xbox Wire">
+            <a:extLst>
+              <a:ext uri="{FF2B5EF4-FFF2-40B4-BE49-F238E27FC236}">
+                <a16:creationId xmlns:a16="http://schemas.microsoft.com/office/drawing/2014/main" id="{1716DF85-BE3B-61F2-0B57-0ECB097B8E4B}"/>
+              </a:ext>
+            </a:extLst>
+          </p:cNvPr>
+          <p:cNvPicPr>
+            <a:picLocks noChangeAspect="1" noChangeArrowheads="1"/>
+          </p:cNvPicPr>
+          <p:nvPr/>
+        </p:nvPicPr>
+        <p:blipFill>
+          <a:blip r:embed="rId2">
+            <a:extLst>
+              <a:ext uri="{28A0092B-C50C-407E-A947-70E740481C1C}">
+                <a14:useLocalDpi xmlns:a14="http://schemas.microsoft.com/office/drawing/2010/main" val="0"/>
+              </a:ext>
+            </a:extLst>
+          </a:blip>
+          <a:srcRect l="5989" r="14700"/>
+          <a:stretch/>
+        </p:blipFill>
+        <p:spPr bwMode="auto">
+          <a:xfrm>
+            <a:off x="1" y="10"/>
+            <a:ext cx="9669642" cy="6857990"/>
+          </a:xfrm>
+          <a:prstGeom prst="rect">
+            <a:avLst/>
+          </a:prstGeom>
+          <a:noFill/>
+          <a:extLst>
+            <a:ext uri="{909E8E84-426E-40DD-AFC4-6F175D3DCCD1}">
+              <a14:hiddenFill xmlns:a14="http://schemas.microsoft.com/office/drawing/2010/main">
+                <a:solidFill>
+                  <a:srgbClr val="FFFFFF"/>
+                </a:solidFill>
+              </a14:hiddenFill>
+            </a:ext>
+          </a:extLst>
+        </p:spPr>
+      </p:pic>
+      <p:sp>
+        <p:nvSpPr>
+          <p:cNvPr id="2074" name="Rectangle 2073">
+            <a:extLst>
+              <a:ext uri="{FF2B5EF4-FFF2-40B4-BE49-F238E27FC236}">
+                <a16:creationId xmlns:a16="http://schemas.microsoft.com/office/drawing/2014/main" id="{D1EA859B-E555-4109-94F3-6700E046E008}"/>
+              </a:ext>
+              <a:ext uri="{C183D7F6-B498-43B3-948B-1728B52AA6E4}">
+                <adec:decorative xmlns:adec="http://schemas.microsoft.com/office/drawing/2017/decorative" val="1"/>
+              </a:ext>
+            </a:extLst>
+          </p:cNvPr>
+          <p:cNvSpPr>
+            <a:spLocks noGrp="1" noRot="1" noChangeAspect="1" noMove="1" noResize="1" noEditPoints="1" noAdjustHandles="1" noChangeArrowheads="1" noChangeShapeType="1" noTextEdit="1"/>
+          </p:cNvSpPr>
+          <p:nvPr>
+            <p:extLst>
+              <p:ext uri="{386F3935-93C4-4BCD-93E2-E3B085C9AB24}">
+                <p16:designElem xmlns:p16="http://schemas.microsoft.com/office/powerpoint/2015/main" val="1"/>
+              </p:ext>
+            </p:extLst>
+          </p:nvPr>
+        </p:nvSpPr>
+        <p:spPr>
+          <a:xfrm flipH="1">
+            <a:off x="5125019" y="0"/>
+            <a:ext cx="7066978" cy="6858000"/>
+          </a:xfrm>
+          <a:prstGeom prst="rect">
+            <a:avLst/>
+          </a:prstGeom>
+          <a:gradFill>
+            <a:gsLst>
+              <a:gs pos="48000">
+                <a:schemeClr val="bg1"/>
+              </a:gs>
+              <a:gs pos="35000">
+                <a:schemeClr val="bg1">
+                  <a:alpha val="77000"/>
+                </a:schemeClr>
+              </a:gs>
+              <a:gs pos="19000">
+                <a:schemeClr val="bg1">
+                  <a:alpha val="38000"/>
+                </a:schemeClr>
+              </a:gs>
+              <a:gs pos="0">
+                <a:schemeClr val="bg1">
+                  <a:alpha val="0"/>
+                </a:schemeClr>
+              </a:gs>
+              <a:gs pos="100000">
+                <a:schemeClr val="bg1"/>
+              </a:gs>
+            </a:gsLst>
+            <a:lin ang="10800000" scaled="0"/>
+          </a:gradFill>
+          <a:ln>
+            <a:noFill/>
+          </a:ln>
+        </p:spPr>
+        <p:style>
+          <a:lnRef idx="2">
+            <a:schemeClr val="accent1">
+              <a:shade val="50000"/>
+            </a:schemeClr>
+          </a:lnRef>
+          <a:fillRef idx="1">
+            <a:schemeClr val="accent1"/>
+          </a:fillRef>
+          <a:effectRef idx="0">
+            <a:schemeClr val="accent1"/>
+          </a:effectRef>
+          <a:fontRef idx="minor">
+            <a:schemeClr val="lt1"/>
+          </a:fontRef>
+        </p:style>
+        <p:txBody>
+          <a:bodyPr rtlCol="0" anchor="ctr"/>
+          <a:lstStyle/>
+          <a:p>
+            <a:pPr algn="ctr"/>
+            <a:endParaRPr lang="en-US" dirty="0"/>
+          </a:p>
+        </p:txBody>
+      </p:sp>
+      <p:sp>
+        <p:nvSpPr>
+          <p:cNvPr id="2" name="Title 1">
+            <a:extLst>
+              <a:ext uri="{FF2B5EF4-FFF2-40B4-BE49-F238E27FC236}">
+                <a16:creationId xmlns:a16="http://schemas.microsoft.com/office/drawing/2014/main" id="{DD99ACAC-F1E8-D372-A46B-22CD3624DA43}"/>
+              </a:ext>
+            </a:extLst>
+          </p:cNvPr>
+          <p:cNvSpPr>
+            <a:spLocks noGrp="1"/>
+          </p:cNvSpPr>
+          <p:nvPr>
+            <p:ph type="title"/>
+          </p:nvPr>
+        </p:nvSpPr>
+        <p:spPr>
+          <a:xfrm>
+            <a:off x="8210810" y="365125"/>
+            <a:ext cx="3676389" cy="1899912"/>
+          </a:xfrm>
+        </p:spPr>
+        <p:txBody>
+          <a:bodyPr>
+            <a:normAutofit/>
+          </a:bodyPr>
+          <a:lstStyle/>
+          <a:p>
+            <a:r>
+              <a:rPr lang="en-US" sz="4000" dirty="0"/>
+              <a:t>Data &amp; Features</a:t>
+            </a:r>
+          </a:p>
+        </p:txBody>
+      </p:sp>
+      <p:sp>
+        <p:nvSpPr>
+          <p:cNvPr id="3" name="Content Placeholder 2">
+            <a:extLst>
+              <a:ext uri="{FF2B5EF4-FFF2-40B4-BE49-F238E27FC236}">
+                <a16:creationId xmlns:a16="http://schemas.microsoft.com/office/drawing/2014/main" id="{4254E9E1-F1F8-8E63-4C4A-94F1761F12D7}"/>
+              </a:ext>
+            </a:extLst>
+          </p:cNvPr>
+          <p:cNvSpPr>
+            <a:spLocks noGrp="1"/>
+          </p:cNvSpPr>
+          <p:nvPr>
+            <p:ph idx="1"/>
+          </p:nvPr>
+        </p:nvSpPr>
+        <p:spPr>
+          <a:xfrm>
+            <a:off x="8035447" y="2104373"/>
+            <a:ext cx="3983276" cy="4072590"/>
+          </a:xfrm>
+        </p:spPr>
+        <p:txBody>
+          <a:bodyPr>
+            <a:normAutofit/>
+          </a:bodyPr>
+          <a:lstStyle/>
+          <a:p>
+            <a:r>
+              <a:rPr lang="en-US" sz="1600" dirty="0"/>
+              <a:t>Data sources: Player leaderboard &amp; historical games from the </a:t>
+            </a:r>
+            <a:r>
+              <a:rPr lang="en-US" sz="1600" dirty="0">
+                <a:hlinkClick r:id="rId3"/>
+              </a:rPr>
+              <a:t>https://aoe4world.com</a:t>
+            </a:r>
+            <a:endParaRPr lang="en-US" sz="1600" dirty="0"/>
+          </a:p>
+          <a:p>
+            <a:r>
+              <a:rPr lang="en-US" sz="1600" dirty="0"/>
+              <a:t>The size of historical games is over 1 million games</a:t>
+            </a:r>
+          </a:p>
+          <a:p>
+            <a:r>
+              <a:rPr lang="en-US" sz="1600" dirty="0"/>
+              <a:t>Over 100k players data in the leaderboard dataset</a:t>
+            </a:r>
+          </a:p>
+          <a:p>
+            <a:r>
+              <a:rPr lang="en-US" sz="1600" dirty="0"/>
+              <a:t>Key features: rating, win rate, average MMR, last n games MMR difference, opponent’s average MMR</a:t>
+            </a:r>
+          </a:p>
+          <a:p>
+            <a:r>
+              <a:rPr lang="en-US" sz="1600" dirty="0"/>
+              <a:t>Clustering players into skill groups and rank levels: Conqueror, Diamond, Platinum, Gold, Silver and Bronze</a:t>
+            </a:r>
+          </a:p>
+          <a:p>
+            <a:endParaRPr lang="en-US" sz="1600" dirty="0"/>
+          </a:p>
+        </p:txBody>
+      </p:sp>
+    </p:spTree>
+    <p:extLst>
+      <p:ext uri="{BB962C8B-B14F-4D97-AF65-F5344CB8AC3E}">
+        <p14:creationId xmlns:p14="http://schemas.microsoft.com/office/powerpoint/2010/main" val="1491904530"/>
+      </p:ext>
+    </p:extLst>
+  </p:cSld>
+  <p:clrMapOvr>
+    <a:masterClrMapping/>
+  </p:clrMapOvr>
+</p:sld>
+</file>
+
+<file path=ppt/slides/slide4.xml><?xml version="1.0" encoding="utf-8"?>
+<p:sld xmlns:a="http://schemas.openxmlformats.org/drawingml/2006/main" xmlns:r="http://schemas.openxmlformats.org/officeDocument/2006/relationships" xmlns:p="http://schemas.openxmlformats.org/presentationml/2006/main">
+  <p:cSld>
+    <p:bg>
+      <p:bgPr>
+        <a:solidFill>
+          <a:schemeClr val="bg1"/>
+        </a:solidFill>
+        <a:effectLst/>
+      </p:bgPr>
+    </p:bg>
+    <p:spTree>
+      <p:nvGrpSpPr>
+        <p:cNvPr id="1" name=""/>
+        <p:cNvGrpSpPr/>
+        <p:nvPr/>
+      </p:nvGrpSpPr>
+      <p:grpSpPr>
+        <a:xfrm>
+          <a:off x="0" y="0"/>
+          <a:ext cx="0" cy="0"/>
+          <a:chOff x="0" y="0"/>
+          <a:chExt cx="0" cy="0"/>
+        </a:xfrm>
+      </p:grpSpPr>
+      <p:pic>
+        <p:nvPicPr>
+          <p:cNvPr id="3074" name="Picture 2" descr="Age of Empires IV' Wants to Teach You a Lesson | WIRED">
+            <a:extLst>
+              <a:ext uri="{FF2B5EF4-FFF2-40B4-BE49-F238E27FC236}">
+                <a16:creationId xmlns:a16="http://schemas.microsoft.com/office/drawing/2014/main" id="{8E483A2C-61DF-6219-2F40-E399ABE028D4}"/>
+              </a:ext>
+            </a:extLst>
+          </p:cNvPr>
+          <p:cNvPicPr>
+            <a:picLocks noChangeAspect="1" noChangeArrowheads="1"/>
+          </p:cNvPicPr>
+          <p:nvPr/>
+        </p:nvPicPr>
+        <p:blipFill>
+          <a:blip r:embed="rId2">
+            <a:extLst>
+              <a:ext uri="{28A0092B-C50C-407E-A947-70E740481C1C}">
+                <a14:useLocalDpi xmlns:a14="http://schemas.microsoft.com/office/drawing/2010/main" val="0"/>
+              </a:ext>
+            </a:extLst>
+          </a:blip>
+          <a:srcRect r="15556" b="9092"/>
+          <a:stretch/>
+        </p:blipFill>
+        <p:spPr bwMode="auto">
+          <a:xfrm>
+            <a:off x="20" y="10"/>
+            <a:ext cx="12191980" cy="6857990"/>
+          </a:xfrm>
+          <a:prstGeom prst="rect">
+            <a:avLst/>
+          </a:prstGeom>
+          <a:noFill/>
+          <a:extLst>
+            <a:ext uri="{909E8E84-426E-40DD-AFC4-6F175D3DCCD1}">
+              <a14:hiddenFill xmlns:a14="http://schemas.microsoft.com/office/drawing/2010/main">
+                <a:solidFill>
+                  <a:srgbClr val="FFFFFF"/>
+                </a:solidFill>
+              </a14:hiddenFill>
+            </a:ext>
+          </a:extLst>
+        </p:spPr>
+      </p:pic>
+      <p:sp>
+        <p:nvSpPr>
+          <p:cNvPr id="3079" name="Rectangle 3078">
+            <a:extLst>
+              <a:ext uri="{FF2B5EF4-FFF2-40B4-BE49-F238E27FC236}">
+                <a16:creationId xmlns:a16="http://schemas.microsoft.com/office/drawing/2014/main" id="{257363FD-7E77-4145-9483-331A807ADF0E}"/>
+              </a:ext>
+              <a:ext uri="{C183D7F6-B498-43B3-948B-1728B52AA6E4}">
+                <adec:decorative xmlns:adec="http://schemas.microsoft.com/office/drawing/2017/decorative" val="1"/>
+              </a:ext>
+            </a:extLst>
+          </p:cNvPr>
+          <p:cNvSpPr>
+            <a:spLocks noGrp="1" noRot="1" noChangeAspect="1" noMove="1" noResize="1" noEditPoints="1" noAdjustHandles="1" noChangeArrowheads="1" noChangeShapeType="1" noTextEdit="1"/>
+          </p:cNvSpPr>
+          <p:nvPr>
+            <p:extLst>
+              <p:ext uri="{386F3935-93C4-4BCD-93E2-E3B085C9AB24}">
+                <p16:designElem xmlns:p16="http://schemas.microsoft.com/office/powerpoint/2015/main" val="1"/>
+              </p:ext>
+            </p:extLst>
+          </p:nvPr>
+        </p:nvSpPr>
+        <p:spPr>
+          <a:xfrm>
+            <a:off x="0" y="0"/>
+            <a:ext cx="12196802" cy="6858000"/>
+          </a:xfrm>
+          <a:prstGeom prst="rect">
+            <a:avLst/>
+          </a:prstGeom>
+          <a:gradFill flip="none" rotWithShape="1">
+            <a:gsLst>
+              <a:gs pos="28000">
+                <a:schemeClr val="bg2">
+                  <a:alpha val="84000"/>
+                </a:schemeClr>
+              </a:gs>
+              <a:gs pos="74000">
+                <a:schemeClr val="bg1"/>
+              </a:gs>
+            </a:gsLst>
+            <a:path path="circle">
+              <a:fillToRect l="100000" t="100000"/>
+            </a:path>
+            <a:tileRect r="-100000" b="-100000"/>
+          </a:gradFill>
+          <a:ln>
+            <a:noFill/>
+          </a:ln>
+        </p:spPr>
+        <p:style>
+          <a:lnRef idx="2">
+            <a:schemeClr val="accent1">
+              <a:shade val="50000"/>
+            </a:schemeClr>
+          </a:lnRef>
+          <a:fillRef idx="1">
+            <a:schemeClr val="accent1"/>
+          </a:fillRef>
+          <a:effectRef idx="0">
+            <a:schemeClr val="accent1"/>
+          </a:effectRef>
+          <a:fontRef idx="minor">
+            <a:schemeClr val="lt1"/>
+          </a:fontRef>
+        </p:style>
+        <p:txBody>
+          <a:bodyPr rtlCol="0" anchor="ctr"/>
+          <a:lstStyle/>
+          <a:p>
+            <a:pPr marL="0" marR="0" lvl="0" indent="0" algn="ctr" defTabSz="914400" rtl="0" eaLnBrk="1" fontAlgn="auto" latinLnBrk="0" hangingPunct="1">
+              <a:lnSpc>
+                <a:spcPct val="100000"/>
+              </a:lnSpc>
+              <a:spcBef>
+                <a:spcPts val="0"/>
+              </a:spcBef>
+              <a:spcAft>
+                <a:spcPts val="0"/>
+              </a:spcAft>
+              <a:buClrTx/>
+              <a:buSzTx/>
+              <a:buFontTx/>
+              <a:buNone/>
+              <a:tabLst/>
+              <a:defRPr/>
+            </a:pPr>
+            <a:endParaRPr kumimoji="0" lang="en-US" sz="1800" b="0" i="0" u="none" strike="noStrike" kern="1200" cap="none" spc="0" normalizeH="0" baseline="0" noProof="0">
+              <a:ln>
+                <a:noFill/>
+              </a:ln>
+              <a:solidFill>
+                <a:prstClr val="white"/>
+              </a:solidFill>
+              <a:effectLst/>
+              <a:uLnTx/>
+              <a:uFillTx/>
+              <a:latin typeface="Calibri" panose="020F0502020204030204"/>
+              <a:ea typeface="+mn-ea"/>
+              <a:cs typeface="+mn-cs"/>
+            </a:endParaRPr>
+          </a:p>
+        </p:txBody>
+      </p:sp>
+      <p:sp>
+        <p:nvSpPr>
+          <p:cNvPr id="2" name="Title 1">
+            <a:extLst>
+              <a:ext uri="{FF2B5EF4-FFF2-40B4-BE49-F238E27FC236}">
+                <a16:creationId xmlns:a16="http://schemas.microsoft.com/office/drawing/2014/main" id="{FFE3FC33-3472-5AC6-82FC-F8B2429732F5}"/>
+              </a:ext>
+            </a:extLst>
+          </p:cNvPr>
+          <p:cNvSpPr>
+            <a:spLocks noGrp="1"/>
+          </p:cNvSpPr>
+          <p:nvPr>
+            <p:ph type="title"/>
+          </p:nvPr>
+        </p:nvSpPr>
+        <p:spPr>
+          <a:xfrm>
+            <a:off x="838200" y="365125"/>
+            <a:ext cx="10515600" cy="1325563"/>
+          </a:xfrm>
+        </p:spPr>
+        <p:txBody>
+          <a:bodyPr>
+            <a:normAutofit/>
+          </a:bodyPr>
+          <a:lstStyle/>
+          <a:p>
+            <a:r>
+              <a:rPr lang="en-US"/>
+              <a:t>Modeling Approach</a:t>
+            </a:r>
+          </a:p>
+        </p:txBody>
+      </p:sp>
+      <p:graphicFrame>
+        <p:nvGraphicFramePr>
+          <p:cNvPr id="5" name="Content Placeholder 2">
+            <a:extLst>
+              <a:ext uri="{FF2B5EF4-FFF2-40B4-BE49-F238E27FC236}">
+                <a16:creationId xmlns:a16="http://schemas.microsoft.com/office/drawing/2014/main" id="{DB526102-6478-B75A-A9F8-AF96B419E13C}"/>
+              </a:ext>
+            </a:extLst>
+          </p:cNvPr>
+          <p:cNvGraphicFramePr>
+            <a:graphicFrameLocks noGrp="1"/>
+          </p:cNvGraphicFramePr>
+          <p:nvPr>
+            <p:ph idx="1"/>
+            <p:extLst>
+              <p:ext uri="{D42A27DB-BD31-4B8C-83A1-F6EECF244321}">
+                <p14:modId xmlns:p14="http://schemas.microsoft.com/office/powerpoint/2010/main" val="655942003"/>
+              </p:ext>
+            </p:extLst>
+          </p:nvPr>
+        </p:nvGraphicFramePr>
+        <p:xfrm>
+          <a:off x="838200" y="1825625"/>
+          <a:ext cx="10515600" cy="4351338"/>
+        </p:xfrm>
+        <a:graphic>
+          <a:graphicData uri="http://schemas.openxmlformats.org/drawingml/2006/diagram">
+            <dgm:relIds xmlns:dgm="http://schemas.openxmlformats.org/drawingml/2006/diagram" xmlns:r="http://schemas.openxmlformats.org/officeDocument/2006/relationships" r:dm="rId3" r:lo="rId4" r:qs="rId5" r:cs="rId6"/>
+          </a:graphicData>
+        </a:graphic>
+      </p:graphicFrame>
+    </p:spTree>
+    <p:extLst>
+      <p:ext uri="{BB962C8B-B14F-4D97-AF65-F5344CB8AC3E}">
+        <p14:creationId xmlns:p14="http://schemas.microsoft.com/office/powerpoint/2010/main" val="3879025173"/>
+      </p:ext>
+    </p:extLst>
+  </p:cSld>
+  <p:clrMapOvr>
+    <a:masterClrMapping/>
+  </p:clrMapOvr>
+</p:sld>
+</file>
+
+<file path=ppt/slides/slide5.xml><?xml version="1.0" encoding="utf-8"?>
+<p:sld xmlns:a="http://schemas.openxmlformats.org/drawingml/2006/main" xmlns:r="http://schemas.openxmlformats.org/officeDocument/2006/relationships" xmlns:p="http://schemas.openxmlformats.org/presentationml/2006/main">
+  <p:cSld>
+    <p:bg>
+      <p:bgPr>
+        <a:solidFill>
+          <a:schemeClr val="bg1"/>
+        </a:solidFill>
+        <a:effectLst/>
+      </p:bgPr>
+    </p:bg>
+    <p:spTree>
+      <p:nvGrpSpPr>
+        <p:cNvPr id="1" name=""/>
+        <p:cNvGrpSpPr/>
+        <p:nvPr/>
+      </p:nvGrpSpPr>
+      <p:grpSpPr>
+        <a:xfrm>
+          <a:off x="0" y="0"/>
+          <a:ext cx="0" cy="0"/>
+          <a:chOff x="0" y="0"/>
+          <a:chExt cx="0" cy="0"/>
+        </a:xfrm>
+      </p:grpSpPr>
+      <p:sp useBgFill="1">
+        <p:nvSpPr>
+          <p:cNvPr id="45" name="Rectangle 44">
+            <a:extLst>
+              <a:ext uri="{FF2B5EF4-FFF2-40B4-BE49-F238E27FC236}">
+                <a16:creationId xmlns:a16="http://schemas.microsoft.com/office/drawing/2014/main" id="{1B15ED52-F352-441B-82BF-E0EA34836D08}"/>
               </a:ext>
               <a:ext uri="{C183D7F6-B498-43B3-948B-1728B52AA6E4}">
                 <adec:decorative xmlns:adec="http://schemas.microsoft.com/office/drawing/2017/decorative" val="1"/>
@@ -11195,562 +13357,7 @@
       </p:sp>
       <p:sp>
         <p:nvSpPr>
-          <p:cNvPr id="42" name="Rectangle 41">
-            <a:extLst>
-              <a:ext uri="{FF2B5EF4-FFF2-40B4-BE49-F238E27FC236}">
-                <a16:creationId xmlns:a16="http://schemas.microsoft.com/office/drawing/2014/main" id="{53CF6D67-C5A8-4ADD-9E8E-1E38CA1D3166}"/>
-              </a:ext>
-              <a:ext uri="{C183D7F6-B498-43B3-948B-1728B52AA6E4}">
-                <adec:decorative xmlns:adec="http://schemas.microsoft.com/office/drawing/2017/decorative" val="1"/>
-              </a:ext>
-            </a:extLst>
-          </p:cNvPr>
-          <p:cNvSpPr>
-            <a:spLocks noGrp="1" noRot="1" noChangeAspect="1" noMove="1" noResize="1" noEditPoints="1" noAdjustHandles="1" noChangeArrowheads="1" noChangeShapeType="1" noTextEdit="1"/>
-          </p:cNvSpPr>
-          <p:nvPr>
-            <p:extLst>
-              <p:ext uri="{386F3935-93C4-4BCD-93E2-E3B085C9AB24}">
-                <p16:designElem xmlns:p16="http://schemas.microsoft.com/office/powerpoint/2015/main" val="1"/>
-              </p:ext>
-            </p:extLst>
-          </p:nvPr>
-        </p:nvSpPr>
-        <p:spPr>
-          <a:xfrm rot="5400000" flipH="1">
-            <a:off x="-638515" y="639280"/>
-            <a:ext cx="6858000" cy="5579440"/>
-          </a:xfrm>
-          <a:prstGeom prst="rect">
-            <a:avLst/>
-          </a:prstGeom>
-          <a:gradFill>
-            <a:gsLst>
-              <a:gs pos="8000">
-                <a:srgbClr val="000000"/>
-              </a:gs>
-              <a:gs pos="100000">
-                <a:schemeClr val="accent1">
-                  <a:lumMod val="75000"/>
-                </a:schemeClr>
-              </a:gs>
-            </a:gsLst>
-            <a:lin ang="3000000" scaled="0"/>
-          </a:gradFill>
-          <a:ln>
-            <a:noFill/>
-          </a:ln>
-        </p:spPr>
-        <p:style>
-          <a:lnRef idx="2">
-            <a:schemeClr val="accent1">
-              <a:shade val="50000"/>
-            </a:schemeClr>
-          </a:lnRef>
-          <a:fillRef idx="1">
-            <a:schemeClr val="accent1"/>
-          </a:fillRef>
-          <a:effectRef idx="0">
-            <a:schemeClr val="accent1"/>
-          </a:effectRef>
-          <a:fontRef idx="minor">
-            <a:schemeClr val="lt1"/>
-          </a:fontRef>
-        </p:style>
-        <p:txBody>
-          <a:bodyPr rtlCol="0" anchor="ctr"/>
-          <a:lstStyle/>
-          <a:p>
-            <a:pPr algn="ctr"/>
-            <a:endParaRPr lang="en-US"/>
-          </a:p>
-        </p:txBody>
-      </p:sp>
-      <p:sp>
-        <p:nvSpPr>
-          <p:cNvPr id="43" name="Rectangle 42">
-            <a:extLst>
-              <a:ext uri="{FF2B5EF4-FFF2-40B4-BE49-F238E27FC236}">
-                <a16:creationId xmlns:a16="http://schemas.microsoft.com/office/drawing/2014/main" id="{86909FA0-B515-4681-B7A8-FA281D133B94}"/>
-              </a:ext>
-              <a:ext uri="{C183D7F6-B498-43B3-948B-1728B52AA6E4}">
-                <adec:decorative xmlns:adec="http://schemas.microsoft.com/office/drawing/2017/decorative" val="1"/>
-              </a:ext>
-            </a:extLst>
-          </p:cNvPr>
-          <p:cNvSpPr>
-            <a:spLocks noGrp="1" noRot="1" noChangeAspect="1" noMove="1" noResize="1" noEditPoints="1" noAdjustHandles="1" noChangeArrowheads="1" noChangeShapeType="1" noTextEdit="1"/>
-          </p:cNvSpPr>
-          <p:nvPr>
-            <p:extLst>
-              <p:ext uri="{386F3935-93C4-4BCD-93E2-E3B085C9AB24}">
-                <p16:designElem xmlns:p16="http://schemas.microsoft.com/office/powerpoint/2015/main" val="1"/>
-              </p:ext>
-            </p:extLst>
-          </p:nvPr>
-        </p:nvSpPr>
-        <p:spPr>
-          <a:xfrm rot="5400000" flipH="1">
-            <a:off x="-393206" y="395206"/>
-            <a:ext cx="6346209" cy="5576080"/>
-          </a:xfrm>
-          <a:prstGeom prst="rect">
-            <a:avLst/>
-          </a:prstGeom>
-          <a:gradFill>
-            <a:gsLst>
-              <a:gs pos="0">
-                <a:srgbClr val="000000">
-                  <a:alpha val="0"/>
-                </a:srgbClr>
-              </a:gs>
-              <a:gs pos="99000">
-                <a:schemeClr val="accent1">
-                  <a:alpha val="0"/>
-                </a:schemeClr>
-              </a:gs>
-            </a:gsLst>
-            <a:lin ang="1800000" scaled="0"/>
-          </a:gradFill>
-          <a:ln>
-            <a:noFill/>
-          </a:ln>
-        </p:spPr>
-        <p:style>
-          <a:lnRef idx="2">
-            <a:schemeClr val="accent1">
-              <a:shade val="50000"/>
-            </a:schemeClr>
-          </a:lnRef>
-          <a:fillRef idx="1">
-            <a:schemeClr val="accent1"/>
-          </a:fillRef>
-          <a:effectRef idx="0">
-            <a:schemeClr val="accent1"/>
-          </a:effectRef>
-          <a:fontRef idx="minor">
-            <a:schemeClr val="lt1"/>
-          </a:fontRef>
-        </p:style>
-        <p:txBody>
-          <a:bodyPr rtlCol="0" anchor="ctr"/>
-          <a:lstStyle/>
-          <a:p>
-            <a:pPr algn="ctr"/>
-            <a:endParaRPr lang="en-US"/>
-          </a:p>
-        </p:txBody>
-      </p:sp>
-      <p:sp>
-        <p:nvSpPr>
-          <p:cNvPr id="44" name="Rectangle 43">
-            <a:extLst>
-              <a:ext uri="{FF2B5EF4-FFF2-40B4-BE49-F238E27FC236}">
-                <a16:creationId xmlns:a16="http://schemas.microsoft.com/office/drawing/2014/main" id="{21C9FE86-FCC3-4A31-AA1C-C882262B7FE7}"/>
-              </a:ext>
-              <a:ext uri="{C183D7F6-B498-43B3-948B-1728B52AA6E4}">
-                <adec:decorative xmlns:adec="http://schemas.microsoft.com/office/drawing/2017/decorative" val="1"/>
-              </a:ext>
-            </a:extLst>
-          </p:cNvPr>
-          <p:cNvSpPr>
-            <a:spLocks noGrp="1" noRot="1" noChangeAspect="1" noMove="1" noResize="1" noEditPoints="1" noAdjustHandles="1" noChangeArrowheads="1" noChangeShapeType="1" noTextEdit="1"/>
-          </p:cNvSpPr>
-          <p:nvPr>
-            <p:extLst>
-              <p:ext uri="{386F3935-93C4-4BCD-93E2-E3B085C9AB24}">
-                <p16:designElem xmlns:p16="http://schemas.microsoft.com/office/powerpoint/2015/main" val="1"/>
-              </p:ext>
-            </p:extLst>
-          </p:nvPr>
-        </p:nvSpPr>
-        <p:spPr>
-          <a:xfrm rot="5400000" flipH="1">
-            <a:off x="1528907" y="2818967"/>
-            <a:ext cx="2501979" cy="5576080"/>
-          </a:xfrm>
-          <a:prstGeom prst="rect">
-            <a:avLst/>
-          </a:prstGeom>
-          <a:gradFill>
-            <a:gsLst>
-              <a:gs pos="2000">
-                <a:schemeClr val="accent1">
-                  <a:alpha val="29000"/>
-                </a:schemeClr>
-              </a:gs>
-              <a:gs pos="100000">
-                <a:srgbClr val="000000">
-                  <a:alpha val="30000"/>
-                </a:srgbClr>
-              </a:gs>
-            </a:gsLst>
-            <a:lin ang="7800000" scaled="0"/>
-          </a:gradFill>
-          <a:ln>
-            <a:noFill/>
-          </a:ln>
-        </p:spPr>
-        <p:style>
-          <a:lnRef idx="2">
-            <a:schemeClr val="accent1">
-              <a:shade val="50000"/>
-            </a:schemeClr>
-          </a:lnRef>
-          <a:fillRef idx="1">
-            <a:schemeClr val="accent1"/>
-          </a:fillRef>
-          <a:effectRef idx="0">
-            <a:schemeClr val="accent1"/>
-          </a:effectRef>
-          <a:fontRef idx="minor">
-            <a:schemeClr val="lt1"/>
-          </a:fontRef>
-        </p:style>
-        <p:txBody>
-          <a:bodyPr rtlCol="0" anchor="ctr"/>
-          <a:lstStyle/>
-          <a:p>
-            <a:pPr algn="ctr"/>
-            <a:endParaRPr lang="en-US"/>
-          </a:p>
-        </p:txBody>
-      </p:sp>
-      <p:sp>
-        <p:nvSpPr>
-          <p:cNvPr id="45" name="Rectangle 44">
-            <a:extLst>
-              <a:ext uri="{FF2B5EF4-FFF2-40B4-BE49-F238E27FC236}">
-                <a16:creationId xmlns:a16="http://schemas.microsoft.com/office/drawing/2014/main" id="{7D96243B-ECED-4B71-8E06-AE9A285EAD20}"/>
-              </a:ext>
-              <a:ext uri="{C183D7F6-B498-43B3-948B-1728B52AA6E4}">
-                <adec:decorative xmlns:adec="http://schemas.microsoft.com/office/drawing/2017/decorative" val="1"/>
-              </a:ext>
-            </a:extLst>
-          </p:cNvPr>
-          <p:cNvSpPr>
-            <a:spLocks noGrp="1" noRot="1" noChangeAspect="1" noMove="1" noResize="1" noEditPoints="1" noAdjustHandles="1" noChangeArrowheads="1" noChangeShapeType="1" noTextEdit="1"/>
-          </p:cNvSpPr>
-          <p:nvPr>
-            <p:extLst>
-              <p:ext uri="{386F3935-93C4-4BCD-93E2-E3B085C9AB24}">
-                <p16:designElem xmlns:p16="http://schemas.microsoft.com/office/powerpoint/2015/main" val="1"/>
-              </p:ext>
-            </p:extLst>
-          </p:nvPr>
-        </p:nvSpPr>
-        <p:spPr>
-          <a:xfrm rot="5400000" flipH="1">
-            <a:off x="-425002" y="852793"/>
-            <a:ext cx="6858001" cy="5152412"/>
-          </a:xfrm>
-          <a:prstGeom prst="rect">
-            <a:avLst/>
-          </a:prstGeom>
-          <a:gradFill>
-            <a:gsLst>
-              <a:gs pos="0">
-                <a:srgbClr val="000000">
-                  <a:alpha val="0"/>
-                </a:srgbClr>
-              </a:gs>
-              <a:gs pos="99000">
-                <a:schemeClr val="accent1">
-                  <a:alpha val="11000"/>
-                </a:schemeClr>
-              </a:gs>
-            </a:gsLst>
-            <a:lin ang="7800000" scaled="0"/>
-          </a:gradFill>
-          <a:ln>
-            <a:noFill/>
-          </a:ln>
-        </p:spPr>
-        <p:style>
-          <a:lnRef idx="2">
-            <a:schemeClr val="accent1">
-              <a:shade val="50000"/>
-            </a:schemeClr>
-          </a:lnRef>
-          <a:fillRef idx="1">
-            <a:schemeClr val="accent1"/>
-          </a:fillRef>
-          <a:effectRef idx="0">
-            <a:schemeClr val="accent1"/>
-          </a:effectRef>
-          <a:fontRef idx="minor">
-            <a:schemeClr val="lt1"/>
-          </a:fontRef>
-        </p:style>
-        <p:txBody>
-          <a:bodyPr rtlCol="0" anchor="ctr"/>
-          <a:lstStyle/>
-          <a:p>
-            <a:pPr algn="ctr"/>
-            <a:endParaRPr lang="en-US"/>
-          </a:p>
-        </p:txBody>
-      </p:sp>
-      <p:sp>
-        <p:nvSpPr>
-          <p:cNvPr id="46" name="Oval 45">
-            <a:extLst>
-              <a:ext uri="{FF2B5EF4-FFF2-40B4-BE49-F238E27FC236}">
-                <a16:creationId xmlns:a16="http://schemas.microsoft.com/office/drawing/2014/main" id="{A09989E4-EFDC-4A90-A633-E0525FB4139E}"/>
-              </a:ext>
-              <a:ext uri="{C183D7F6-B498-43B3-948B-1728B52AA6E4}">
-                <adec:decorative xmlns:adec="http://schemas.microsoft.com/office/drawing/2017/decorative" val="1"/>
-              </a:ext>
-            </a:extLst>
-          </p:cNvPr>
-          <p:cNvSpPr>
-            <a:spLocks noGrp="1" noRot="1" noChangeAspect="1" noMove="1" noResize="1" noEditPoints="1" noAdjustHandles="1" noChangeArrowheads="1" noChangeShapeType="1" noTextEdit="1"/>
-          </p:cNvSpPr>
-          <p:nvPr>
-            <p:extLst>
-              <p:ext uri="{386F3935-93C4-4BCD-93E2-E3B085C9AB24}">
-                <p16:designElem xmlns:p16="http://schemas.microsoft.com/office/powerpoint/2015/main" val="1"/>
-              </p:ext>
-            </p:extLst>
-          </p:nvPr>
-        </p:nvSpPr>
-        <p:spPr>
-          <a:xfrm rot="6097846">
-            <a:off x="818753" y="1128497"/>
-            <a:ext cx="4318303" cy="4318303"/>
-          </a:xfrm>
-          <a:prstGeom prst="ellipse">
-            <a:avLst/>
-          </a:prstGeom>
-          <a:gradFill>
-            <a:gsLst>
-              <a:gs pos="39000">
-                <a:schemeClr val="accent1">
-                  <a:alpha val="0"/>
-                </a:schemeClr>
-              </a:gs>
-              <a:gs pos="100000">
-                <a:schemeClr val="accent1">
-                  <a:lumMod val="60000"/>
-                  <a:lumOff val="40000"/>
-                  <a:alpha val="15000"/>
-                </a:schemeClr>
-              </a:gs>
-            </a:gsLst>
-            <a:lin ang="17400000" scaled="0"/>
-          </a:gradFill>
-          <a:ln>
-            <a:noFill/>
-          </a:ln>
-        </p:spPr>
-        <p:style>
-          <a:lnRef idx="2">
-            <a:schemeClr val="accent1">
-              <a:shade val="50000"/>
-            </a:schemeClr>
-          </a:lnRef>
-          <a:fillRef idx="1">
-            <a:schemeClr val="accent1"/>
-          </a:fillRef>
-          <a:effectRef idx="0">
-            <a:schemeClr val="accent1"/>
-          </a:effectRef>
-          <a:fontRef idx="minor">
-            <a:schemeClr val="lt1"/>
-          </a:fontRef>
-        </p:style>
-        <p:txBody>
-          <a:bodyPr rtlCol="0" anchor="ctr"/>
-          <a:lstStyle/>
-          <a:p>
-            <a:pPr algn="ctr"/>
-            <a:endParaRPr lang="en-US"/>
-          </a:p>
-        </p:txBody>
-      </p:sp>
-      <p:sp>
-        <p:nvSpPr>
-          <p:cNvPr id="2" name="Title 1">
-            <a:extLst>
-              <a:ext uri="{FF2B5EF4-FFF2-40B4-BE49-F238E27FC236}">
-                <a16:creationId xmlns:a16="http://schemas.microsoft.com/office/drawing/2014/main" id="{9C26B974-A385-9AD3-2360-CBBDA37D1967}"/>
-              </a:ext>
-            </a:extLst>
-          </p:cNvPr>
-          <p:cNvSpPr>
-            <a:spLocks noGrp="1"/>
-          </p:cNvSpPr>
-          <p:nvPr>
-            <p:ph type="title"/>
-          </p:nvPr>
-        </p:nvSpPr>
-        <p:spPr>
-          <a:xfrm>
-            <a:off x="826396" y="586855"/>
-            <a:ext cx="4230100" cy="3387497"/>
-          </a:xfrm>
-        </p:spPr>
-        <p:txBody>
-          <a:bodyPr anchor="b">
-            <a:normAutofit/>
-          </a:bodyPr>
-          <a:lstStyle/>
-          <a:p>
-            <a:pPr algn="r"/>
-            <a:r>
-              <a:rPr lang="en-US" sz="4000">
-                <a:solidFill>
-                  <a:srgbClr val="FFFFFF"/>
-                </a:solidFill>
-              </a:rPr>
-              <a:t>Project Overiew</a:t>
-            </a:r>
-          </a:p>
-        </p:txBody>
-      </p:sp>
-      <p:graphicFrame>
-        <p:nvGraphicFramePr>
-          <p:cNvPr id="28" name="Content Placeholder 2">
-            <a:extLst>
-              <a:ext uri="{FF2B5EF4-FFF2-40B4-BE49-F238E27FC236}">
-                <a16:creationId xmlns:a16="http://schemas.microsoft.com/office/drawing/2014/main" id="{E0F2A4E3-7066-BD1A-E94C-142CEB62F3D1}"/>
-              </a:ext>
-            </a:extLst>
-          </p:cNvPr>
-          <p:cNvGraphicFramePr>
-            <a:graphicFrameLocks noGrp="1"/>
-          </p:cNvGraphicFramePr>
-          <p:nvPr>
-            <p:ph idx="1"/>
-          </p:nvPr>
-        </p:nvGraphicFramePr>
-        <p:xfrm>
-          <a:off x="6503158" y="649480"/>
-          <a:ext cx="4862447" cy="5546047"/>
-        </p:xfrm>
-        <a:graphic>
-          <a:graphicData uri="http://schemas.openxmlformats.org/drawingml/2006/diagram">
-            <dgm:relIds xmlns:dgm="http://schemas.openxmlformats.org/drawingml/2006/diagram" xmlns:r="http://schemas.openxmlformats.org/officeDocument/2006/relationships" r:dm="rId2" r:lo="rId3" r:qs="rId4" r:cs="rId5"/>
-          </a:graphicData>
-        </a:graphic>
-      </p:graphicFrame>
-    </p:spTree>
-    <p:extLst>
-      <p:ext uri="{BB962C8B-B14F-4D97-AF65-F5344CB8AC3E}">
-        <p14:creationId xmlns:p14="http://schemas.microsoft.com/office/powerpoint/2010/main" val="1963394682"/>
-      </p:ext>
-    </p:extLst>
-  </p:cSld>
-  <p:clrMapOvr>
-    <a:masterClrMapping/>
-  </p:clrMapOvr>
-</p:sld>
-</file>
-
-<file path=ppt/slides/slide3.xml><?xml version="1.0" encoding="utf-8"?>
-<p:sld xmlns:a="http://schemas.openxmlformats.org/drawingml/2006/main" xmlns:r="http://schemas.openxmlformats.org/officeDocument/2006/relationships" xmlns:p="http://schemas.openxmlformats.org/presentationml/2006/main">
-  <p:cSld>
-    <p:bg>
-      <p:bgPr>
-        <a:solidFill>
-          <a:schemeClr val="bg1"/>
-        </a:solidFill>
-        <a:effectLst/>
-      </p:bgPr>
-    </p:bg>
-    <p:spTree>
-      <p:nvGrpSpPr>
-        <p:cNvPr id="1" name=""/>
-        <p:cNvGrpSpPr/>
-        <p:nvPr/>
-      </p:nvGrpSpPr>
-      <p:grpSpPr>
-        <a:xfrm>
-          <a:off x="0" y="0"/>
-          <a:ext cx="0" cy="0"/>
-          <a:chOff x="0" y="0"/>
-          <a:chExt cx="0" cy="0"/>
-        </a:xfrm>
-      </p:grpSpPr>
-      <p:sp useBgFill="1">
-        <p:nvSpPr>
-          <p:cNvPr id="20" name="Rectangle 19">
-            <a:extLst>
-              <a:ext uri="{FF2B5EF4-FFF2-40B4-BE49-F238E27FC236}">
-                <a16:creationId xmlns:a16="http://schemas.microsoft.com/office/drawing/2014/main" id="{1B15ED52-F352-441B-82BF-E0EA34836D08}"/>
-              </a:ext>
-              <a:ext uri="{C183D7F6-B498-43B3-948B-1728B52AA6E4}">
-                <adec:decorative xmlns:adec="http://schemas.microsoft.com/office/drawing/2017/decorative" val="1"/>
-              </a:ext>
-            </a:extLst>
-          </p:cNvPr>
-          <p:cNvSpPr>
-            <a:spLocks noGrp="1" noRot="1" noChangeAspect="1" noMove="1" noResize="1" noEditPoints="1" noAdjustHandles="1" noChangeArrowheads="1" noChangeShapeType="1" noTextEdit="1"/>
-          </p:cNvSpPr>
-          <p:nvPr>
-            <p:extLst>
-              <p:ext uri="{386F3935-93C4-4BCD-93E2-E3B085C9AB24}">
-                <p16:designElem xmlns:p16="http://schemas.microsoft.com/office/powerpoint/2015/main" val="1"/>
-              </p:ext>
-            </p:extLst>
-          </p:nvPr>
-        </p:nvSpPr>
-        <p:spPr>
-          <a:xfrm>
-            <a:off x="0" y="0"/>
-            <a:ext cx="12192000" cy="6858000"/>
-          </a:xfrm>
-          <a:prstGeom prst="rect">
-            <a:avLst/>
-          </a:prstGeom>
-          <a:ln w="12700" cap="flat" cmpd="sng" algn="ctr">
-            <a:noFill/>
-            <a:prstDash val="solid"/>
-            <a:miter lim="800000"/>
-          </a:ln>
-          <a:effectLst/>
-          <a:extLst>
-            <a:ext uri="{91240B29-F687-4F45-9708-019B960494DF}">
-              <a14:hiddenLine xmlns:a14="http://schemas.microsoft.com/office/drawing/2010/main" w="12700" cap="flat" cmpd="sng" algn="ctr">
-                <a:solidFill>
-                  <a:schemeClr val="accent1">
-                    <a:shade val="50000"/>
-                  </a:schemeClr>
-                </a:solidFill>
-                <a:prstDash val="solid"/>
-                <a:miter lim="800000"/>
-              </a14:hiddenLine>
-            </a:ext>
-          </a:extLst>
-        </p:spPr>
-        <p:style>
-          <a:lnRef idx="2">
-            <a:schemeClr val="accent1">
-              <a:shade val="50000"/>
-            </a:schemeClr>
-          </a:lnRef>
-          <a:fillRef idx="1">
-            <a:schemeClr val="accent1"/>
-          </a:fillRef>
-          <a:effectRef idx="0">
-            <a:schemeClr val="accent1"/>
-          </a:effectRef>
-          <a:fontRef idx="minor">
-            <a:schemeClr val="lt1"/>
-          </a:fontRef>
-        </p:style>
-        <p:txBody>
-          <a:bodyPr rtlCol="0" anchor="ctr"/>
-          <a:lstStyle/>
-          <a:p>
-            <a:pPr algn="ctr"/>
-            <a:endParaRPr lang="en-US"/>
-          </a:p>
-        </p:txBody>
-      </p:sp>
-      <p:sp>
-        <p:nvSpPr>
-          <p:cNvPr id="21" name="Rectangle 20">
+          <p:cNvPr id="10" name="Rectangle 9">
             <a:extLst>
               <a:ext uri="{FF2B5EF4-FFF2-40B4-BE49-F238E27FC236}">
                 <a16:creationId xmlns:a16="http://schemas.microsoft.com/office/drawing/2014/main" id="{3B2E3793-BFE6-45A2-9B7B-E18844431C99}"/>
@@ -11823,7 +13430,7 @@
       </p:sp>
       <p:sp>
         <p:nvSpPr>
-          <p:cNvPr id="22" name="Rectangle 21">
+          <p:cNvPr id="46" name="Rectangle 45">
             <a:extLst>
               <a:ext uri="{FF2B5EF4-FFF2-40B4-BE49-F238E27FC236}">
                 <a16:creationId xmlns:a16="http://schemas.microsoft.com/office/drawing/2014/main" id="{BC4C4868-CB8F-4AF9-9CDB-8108F2C19B67}"/>
@@ -11899,7 +13506,7 @@
       </p:sp>
       <p:sp>
         <p:nvSpPr>
-          <p:cNvPr id="23" name="Rectangle 22">
+          <p:cNvPr id="47" name="Rectangle 46">
             <a:extLst>
               <a:ext uri="{FF2B5EF4-FFF2-40B4-BE49-F238E27FC236}">
                 <a16:creationId xmlns:a16="http://schemas.microsoft.com/office/drawing/2014/main" id="{375E0459-6403-40CD-989D-56A4407CA12E}"/>
@@ -11974,7 +13581,7 @@
       </p:sp>
       <p:sp>
         <p:nvSpPr>
-          <p:cNvPr id="24" name="Rectangle 23">
+          <p:cNvPr id="48" name="Rectangle 47">
             <a:extLst>
               <a:ext uri="{FF2B5EF4-FFF2-40B4-BE49-F238E27FC236}">
                 <a16:creationId xmlns:a16="http://schemas.microsoft.com/office/drawing/2014/main" id="{53E5B1A8-3AC9-4BD1-9BBC-78CA94F2D1BA}"/>
@@ -12053,7 +13660,7 @@
           <p:cNvPr id="2" name="Title 1">
             <a:extLst>
               <a:ext uri="{FF2B5EF4-FFF2-40B4-BE49-F238E27FC236}">
-                <a16:creationId xmlns:a16="http://schemas.microsoft.com/office/drawing/2014/main" id="{DD99ACAC-F1E8-D372-A46B-22CD3624DA43}"/>
+                <a16:creationId xmlns:a16="http://schemas.microsoft.com/office/drawing/2014/main" id="{284A04EC-F7AF-2EF9-6B8F-4C923D2E9796}"/>
               </a:ext>
             </a:extLst>
           </p:cNvPr>
@@ -12082,17 +13689,17 @@
                   <a:srgbClr val="FFFFFF"/>
                 </a:solidFill>
               </a:rPr>
-              <a:t>Data &amp; Features</a:t>
+              <a:t>Model Training &amp; Tuning</a:t>
             </a:r>
           </a:p>
         </p:txBody>
       </p:sp>
       <p:sp>
         <p:nvSpPr>
-          <p:cNvPr id="3" name="Content Placeholder 2">
+          <p:cNvPr id="49" name="Content Placeholder 2">
             <a:extLst>
               <a:ext uri="{FF2B5EF4-FFF2-40B4-BE49-F238E27FC236}">
-                <a16:creationId xmlns:a16="http://schemas.microsoft.com/office/drawing/2014/main" id="{4254E9E1-F1F8-8E63-4C4A-94F1761F12D7}"/>
+                <a16:creationId xmlns:a16="http://schemas.microsoft.com/office/drawing/2014/main" id="{6FB7DD14-30EC-7ADC-8F0E-C86E4E9B9E2D}"/>
               </a:ext>
             </a:extLst>
           </p:cNvPr>
@@ -12117,1047 +13724,54 @@
           <a:p>
             <a:r>
               <a:rPr lang="en-US" sz="2000" dirty="0"/>
-              <a:t>Data sources: Player leaderboard &amp; historical games from the </a:t>
+              <a:t>Data preprocessing &amp; feature engineering steps.</a:t>
+            </a:r>
+          </a:p>
+          <a:p>
+            <a:r>
+              <a:rPr lang="en-US" sz="2000" dirty="0"/>
+              <a:t>Hyperparameter tuning using </a:t>
             </a:r>
             <a:r>
-              <a:rPr lang="en-US" sz="2000" dirty="0">
-                <a:hlinkClick r:id="rId2"/>
-              </a:rPr>
-              <a:t>https://aoe4world.com</a:t>
+              <a:rPr lang="en-US" sz="2000" dirty="0" err="1"/>
+              <a:t>RandomizedSearchCV</a:t>
             </a:r>
-            <a:endParaRPr lang="en-US" sz="2000" dirty="0"/>
-          </a:p>
-          <a:p>
             <a:r>
               <a:rPr lang="en-US" sz="2000" dirty="0"/>
-              <a:t>The size of historical games is over 1 million games</a:t>
+              <a:t>.</a:t>
             </a:r>
           </a:p>
           <a:p>
             <a:r>
               <a:rPr lang="en-US" sz="2000" dirty="0"/>
-              <a:t>Over 100k players data in the leaderboard dataset</a:t>
+              <a:t>Performance metrics: Accuracy, AUC.</a:t>
             </a:r>
           </a:p>
           <a:p>
             <a:r>
               <a:rPr lang="en-US" sz="2000" dirty="0"/>
-              <a:t>Key features: rating, win rate, average MMR, last n games MMR difference, opponent’s average MMR</a:t>
+              <a:t>Try other models such as </a:t>
             </a:r>
-          </a:p>
-          <a:p>
+            <a:r>
+              <a:rPr lang="en-US" sz="2000" dirty="0" err="1"/>
+              <a:t>LogisticsRegression</a:t>
+            </a:r>
             <a:r>
               <a:rPr lang="en-US" sz="2000" dirty="0"/>
-              <a:t>Clustering players into skill groups and rank levels: Conqueror, Diamond, Platinum, Gold, Silver and Bronze</a:t>
+              <a:t>, </a:t>
             </a:r>
-          </a:p>
-        </p:txBody>
-      </p:sp>
-    </p:spTree>
-    <p:extLst>
-      <p:ext uri="{BB962C8B-B14F-4D97-AF65-F5344CB8AC3E}">
-        <p14:creationId xmlns:p14="http://schemas.microsoft.com/office/powerpoint/2010/main" val="1491904530"/>
-      </p:ext>
-    </p:extLst>
-  </p:cSld>
-  <p:clrMapOvr>
-    <a:masterClrMapping/>
-  </p:clrMapOvr>
-</p:sld>
-</file>
-
-<file path=ppt/slides/slide4.xml><?xml version="1.0" encoding="utf-8"?>
-<p:sld xmlns:a="http://schemas.openxmlformats.org/drawingml/2006/main" xmlns:r="http://schemas.openxmlformats.org/officeDocument/2006/relationships" xmlns:p="http://schemas.openxmlformats.org/presentationml/2006/main">
-  <p:cSld>
-    <p:bg>
-      <p:bgPr>
-        <a:solidFill>
-          <a:schemeClr val="bg1"/>
-        </a:solidFill>
-        <a:effectLst/>
-      </p:bgPr>
-    </p:bg>
-    <p:spTree>
-      <p:nvGrpSpPr>
-        <p:cNvPr id="1" name=""/>
-        <p:cNvGrpSpPr/>
-        <p:nvPr/>
-      </p:nvGrpSpPr>
-      <p:grpSpPr>
-        <a:xfrm>
-          <a:off x="0" y="0"/>
-          <a:ext cx="0" cy="0"/>
-          <a:chOff x="0" y="0"/>
-          <a:chExt cx="0" cy="0"/>
-        </a:xfrm>
-      </p:grpSpPr>
-      <p:sp useBgFill="1">
-        <p:nvSpPr>
-          <p:cNvPr id="31" name="Rectangle 30">
-            <a:extLst>
-              <a:ext uri="{FF2B5EF4-FFF2-40B4-BE49-F238E27FC236}">
-                <a16:creationId xmlns:a16="http://schemas.microsoft.com/office/drawing/2014/main" id="{56E9B3E6-E277-4D68-BA48-9CB43FFBD6E2}"/>
-              </a:ext>
-              <a:ext uri="{C183D7F6-B498-43B3-948B-1728B52AA6E4}">
-                <adec:decorative xmlns:adec="http://schemas.microsoft.com/office/drawing/2017/decorative" val="1"/>
-              </a:ext>
-            </a:extLst>
-          </p:cNvPr>
-          <p:cNvSpPr>
-            <a:spLocks noGrp="1" noRot="1" noChangeAspect="1" noMove="1" noResize="1" noEditPoints="1" noAdjustHandles="1" noChangeArrowheads="1" noChangeShapeType="1" noTextEdit="1"/>
-          </p:cNvSpPr>
-          <p:nvPr>
-            <p:extLst>
-              <p:ext uri="{386F3935-93C4-4BCD-93E2-E3B085C9AB24}">
-                <p16:designElem xmlns:p16="http://schemas.microsoft.com/office/powerpoint/2015/main" val="1"/>
-              </p:ext>
-            </p:extLst>
-          </p:nvPr>
-        </p:nvSpPr>
-        <p:spPr>
-          <a:xfrm>
-            <a:off x="0" y="0"/>
-            <a:ext cx="12191999" cy="6857365"/>
-          </a:xfrm>
-          <a:prstGeom prst="rect">
-            <a:avLst/>
-          </a:prstGeom>
-          <a:ln>
-            <a:noFill/>
-          </a:ln>
-        </p:spPr>
-        <p:style>
-          <a:lnRef idx="2">
-            <a:schemeClr val="accent1">
-              <a:shade val="50000"/>
-            </a:schemeClr>
-          </a:lnRef>
-          <a:fillRef idx="1">
-            <a:schemeClr val="accent1"/>
-          </a:fillRef>
-          <a:effectRef idx="0">
-            <a:schemeClr val="accent1"/>
-          </a:effectRef>
-          <a:fontRef idx="minor">
-            <a:schemeClr val="lt1"/>
-          </a:fontRef>
-        </p:style>
-        <p:txBody>
-          <a:bodyPr rtlCol="0" anchor="ctr"/>
-          <a:lstStyle/>
-          <a:p>
-            <a:pPr algn="ctr"/>
-            <a:endParaRPr lang="en-US"/>
-          </a:p>
-        </p:txBody>
-      </p:sp>
-      <p:grpSp>
-        <p:nvGrpSpPr>
-          <p:cNvPr id="32" name="Group 31">
-            <a:extLst>
-              <a:ext uri="{FF2B5EF4-FFF2-40B4-BE49-F238E27FC236}">
-                <a16:creationId xmlns:a16="http://schemas.microsoft.com/office/drawing/2014/main" id="{AE1C45F0-260A-458C-96ED-C1F6D2151219}"/>
-              </a:ext>
-              <a:ext uri="{C183D7F6-B498-43B3-948B-1728B52AA6E4}">
-                <adec:decorative xmlns:adec="http://schemas.microsoft.com/office/drawing/2017/decorative" val="1"/>
-              </a:ext>
-            </a:extLst>
-          </p:cNvPr>
-          <p:cNvGrpSpPr>
-            <a:grpSpLocks noGrp="1" noUngrp="1" noRot="1" noChangeAspect="1" noMove="1" noResize="1"/>
-          </p:cNvGrpSpPr>
-          <p:nvPr>
-            <p:extLst>
-              <p:ext uri="{386F3935-93C4-4BCD-93E2-E3B085C9AB24}">
-                <p16:designElem xmlns:p16="http://schemas.microsoft.com/office/powerpoint/2015/main" val="1"/>
-              </p:ext>
-            </p:extLst>
-          </p:nvPr>
-        </p:nvGrpSpPr>
-        <p:grpSpPr>
-          <a:xfrm>
-            <a:off x="4" y="1216597"/>
-            <a:ext cx="731521" cy="673460"/>
-            <a:chOff x="3940602" y="308034"/>
-            <a:chExt cx="2116791" cy="3428999"/>
-          </a:xfrm>
-          <a:solidFill>
-            <a:schemeClr val="accent4"/>
-          </a:solidFill>
-        </p:grpSpPr>
-        <p:sp>
-          <p:nvSpPr>
-            <p:cNvPr id="33" name="Rectangle 32">
-              <a:extLst>
-                <a:ext uri="{FF2B5EF4-FFF2-40B4-BE49-F238E27FC236}">
-                  <a16:creationId xmlns:a16="http://schemas.microsoft.com/office/drawing/2014/main" id="{A6604B49-AD5C-4590-B051-06C8222ECD99}"/>
-                </a:ext>
-                <a:ext uri="{C183D7F6-B498-43B3-948B-1728B52AA6E4}">
-                  <adec:decorative xmlns:adec="http://schemas.microsoft.com/office/drawing/2017/decorative" val="1"/>
-                </a:ext>
-              </a:extLst>
-            </p:cNvPr>
-            <p:cNvSpPr/>
-            <p:nvPr>
-              <p:extLst>
-                <p:ext uri="{386F3935-93C4-4BCD-93E2-E3B085C9AB24}">
-                  <p16:designElem xmlns:p16="http://schemas.microsoft.com/office/powerpoint/2015/main" val="1"/>
-                </p:ext>
-              </p:extLst>
-            </p:nvPr>
-          </p:nvSpPr>
-          <p:spPr>
-            <a:xfrm>
-              <a:off x="3940602" y="308034"/>
-              <a:ext cx="566743" cy="3428999"/>
-            </a:xfrm>
-            <a:prstGeom prst="rect">
-              <a:avLst/>
-            </a:prstGeom>
-            <a:grpFill/>
-            <a:ln>
-              <a:noFill/>
-            </a:ln>
-          </p:spPr>
-          <p:style>
-            <a:lnRef idx="2">
-              <a:schemeClr val="accent1">
-                <a:shade val="50000"/>
-              </a:schemeClr>
-            </a:lnRef>
-            <a:fillRef idx="1">
-              <a:schemeClr val="accent1"/>
-            </a:fillRef>
-            <a:effectRef idx="0">
-              <a:schemeClr val="accent1"/>
-            </a:effectRef>
-            <a:fontRef idx="minor">
-              <a:schemeClr val="lt1"/>
-            </a:fontRef>
-          </p:style>
-          <p:txBody>
-            <a:bodyPr rtlCol="0" anchor="ctr"/>
-            <a:lstStyle/>
-            <a:p>
-              <a:pPr algn="ctr"/>
-              <a:endParaRPr lang="en-US"/>
-            </a:p>
-          </p:txBody>
-        </p:sp>
-        <p:sp>
-          <p:nvSpPr>
-            <p:cNvPr id="34" name="Rectangle 33">
-              <a:extLst>
-                <a:ext uri="{FF2B5EF4-FFF2-40B4-BE49-F238E27FC236}">
-                  <a16:creationId xmlns:a16="http://schemas.microsoft.com/office/drawing/2014/main" id="{743ECCAF-29C5-4537-947C-7EA1292463DB}"/>
-                </a:ext>
-                <a:ext uri="{C183D7F6-B498-43B3-948B-1728B52AA6E4}">
-                  <adec:decorative xmlns:adec="http://schemas.microsoft.com/office/drawing/2017/decorative" val="1"/>
-                </a:ext>
-              </a:extLst>
-            </p:cNvPr>
-            <p:cNvSpPr/>
-            <p:nvPr>
-              <p:extLst>
-                <p:ext uri="{386F3935-93C4-4BCD-93E2-E3B085C9AB24}">
-                  <p16:designElem xmlns:p16="http://schemas.microsoft.com/office/powerpoint/2015/main" val="1"/>
-                </p:ext>
-              </p:extLst>
-            </p:nvPr>
-          </p:nvSpPr>
-          <p:spPr>
-            <a:xfrm>
-              <a:off x="4715626" y="308034"/>
-              <a:ext cx="566743" cy="3428999"/>
-            </a:xfrm>
-            <a:prstGeom prst="rect">
-              <a:avLst/>
-            </a:prstGeom>
-            <a:grpFill/>
-            <a:ln>
-              <a:noFill/>
-            </a:ln>
-          </p:spPr>
-          <p:style>
-            <a:lnRef idx="2">
-              <a:schemeClr val="accent1">
-                <a:shade val="50000"/>
-              </a:schemeClr>
-            </a:lnRef>
-            <a:fillRef idx="1">
-              <a:schemeClr val="accent1"/>
-            </a:fillRef>
-            <a:effectRef idx="0">
-              <a:schemeClr val="accent1"/>
-            </a:effectRef>
-            <a:fontRef idx="minor">
-              <a:schemeClr val="lt1"/>
-            </a:fontRef>
-          </p:style>
-          <p:txBody>
-            <a:bodyPr rtlCol="0" anchor="ctr"/>
-            <a:lstStyle/>
-            <a:p>
-              <a:pPr algn="ctr"/>
-              <a:endParaRPr lang="en-US"/>
-            </a:p>
-          </p:txBody>
-        </p:sp>
-        <p:sp>
-          <p:nvSpPr>
-            <p:cNvPr id="35" name="Rectangle 34">
-              <a:extLst>
-                <a:ext uri="{FF2B5EF4-FFF2-40B4-BE49-F238E27FC236}">
-                  <a16:creationId xmlns:a16="http://schemas.microsoft.com/office/drawing/2014/main" id="{ED49787B-8DE6-4467-AD0A-8DECC6E0C2D6}"/>
-                </a:ext>
-                <a:ext uri="{C183D7F6-B498-43B3-948B-1728B52AA6E4}">
-                  <adec:decorative xmlns:adec="http://schemas.microsoft.com/office/drawing/2017/decorative" val="1"/>
-                </a:ext>
-              </a:extLst>
-            </p:cNvPr>
-            <p:cNvSpPr/>
-            <p:nvPr>
-              <p:extLst>
-                <p:ext uri="{386F3935-93C4-4BCD-93E2-E3B085C9AB24}">
-                  <p16:designElem xmlns:p16="http://schemas.microsoft.com/office/powerpoint/2015/main" val="1"/>
-                </p:ext>
-              </p:extLst>
-            </p:nvPr>
-          </p:nvSpPr>
-          <p:spPr>
-            <a:xfrm>
-              <a:off x="5490650" y="308034"/>
-              <a:ext cx="566743" cy="3428999"/>
-            </a:xfrm>
-            <a:prstGeom prst="rect">
-              <a:avLst/>
-            </a:prstGeom>
-            <a:grpFill/>
-            <a:ln>
-              <a:noFill/>
-            </a:ln>
-          </p:spPr>
-          <p:style>
-            <a:lnRef idx="2">
-              <a:schemeClr val="accent1">
-                <a:shade val="50000"/>
-              </a:schemeClr>
-            </a:lnRef>
-            <a:fillRef idx="1">
-              <a:schemeClr val="accent1"/>
-            </a:fillRef>
-            <a:effectRef idx="0">
-              <a:schemeClr val="accent1"/>
-            </a:effectRef>
-            <a:fontRef idx="minor">
-              <a:schemeClr val="lt1"/>
-            </a:fontRef>
-          </p:style>
-          <p:txBody>
-            <a:bodyPr rtlCol="0" anchor="ctr"/>
-            <a:lstStyle/>
-            <a:p>
-              <a:pPr algn="ctr"/>
-              <a:endParaRPr lang="en-US"/>
-            </a:p>
-          </p:txBody>
-        </p:sp>
-      </p:grpSp>
-      <p:sp>
-        <p:nvSpPr>
-          <p:cNvPr id="36" name="Rectangle 35">
-            <a:extLst>
-              <a:ext uri="{FF2B5EF4-FFF2-40B4-BE49-F238E27FC236}">
-                <a16:creationId xmlns:a16="http://schemas.microsoft.com/office/drawing/2014/main" id="{D5B0017B-2ECA-49AF-B397-DC140825DF8D}"/>
-              </a:ext>
-              <a:ext uri="{C183D7F6-B498-43B3-948B-1728B52AA6E4}">
-                <adec:decorative xmlns:adec="http://schemas.microsoft.com/office/drawing/2017/decorative" val="1"/>
-              </a:ext>
-            </a:extLst>
-          </p:cNvPr>
-          <p:cNvSpPr>
-            <a:spLocks noGrp="1" noRot="1" noChangeAspect="1" noMove="1" noResize="1" noEditPoints="1" noAdjustHandles="1" noChangeArrowheads="1" noChangeShapeType="1" noTextEdit="1"/>
-          </p:cNvSpPr>
-          <p:nvPr>
-            <p:extLst>
-              <p:ext uri="{386F3935-93C4-4BCD-93E2-E3B085C9AB24}">
-                <p16:designElem xmlns:p16="http://schemas.microsoft.com/office/powerpoint/2015/main" val="1"/>
-              </p:ext>
-            </p:extLst>
-          </p:nvPr>
-        </p:nvSpPr>
-        <p:spPr>
-          <a:xfrm>
-            <a:off x="640079" y="613954"/>
-            <a:ext cx="10907487" cy="1894116"/>
-          </a:xfrm>
-          <a:prstGeom prst="rect">
-            <a:avLst/>
-          </a:prstGeom>
-          <a:solidFill>
-            <a:schemeClr val="bg1"/>
-          </a:solidFill>
-          <a:ln>
-            <a:noFill/>
-          </a:ln>
-          <a:effectLst>
-            <a:outerShdw blurRad="139700" dist="127000" dir="5400000" algn="t" rotWithShape="0">
-              <a:prstClr val="black">
-                <a:alpha val="15000"/>
-              </a:prstClr>
-            </a:outerShdw>
-          </a:effectLst>
-        </p:spPr>
-        <p:style>
-          <a:lnRef idx="2">
-            <a:schemeClr val="accent1">
-              <a:shade val="50000"/>
-            </a:schemeClr>
-          </a:lnRef>
-          <a:fillRef idx="1">
-            <a:schemeClr val="accent1"/>
-          </a:fillRef>
-          <a:effectRef idx="0">
-            <a:schemeClr val="accent1"/>
-          </a:effectRef>
-          <a:fontRef idx="minor">
-            <a:schemeClr val="lt1"/>
-          </a:fontRef>
-        </p:style>
-        <p:txBody>
-          <a:bodyPr rtlCol="0" anchor="ctr"/>
-          <a:lstStyle/>
-          <a:p>
-            <a:pPr algn="ctr"/>
-            <a:endParaRPr lang="en-US"/>
-          </a:p>
-        </p:txBody>
-      </p:sp>
-      <p:sp>
-        <p:nvSpPr>
-          <p:cNvPr id="2" name="Title 1">
-            <a:extLst>
-              <a:ext uri="{FF2B5EF4-FFF2-40B4-BE49-F238E27FC236}">
-                <a16:creationId xmlns:a16="http://schemas.microsoft.com/office/drawing/2014/main" id="{FFE3FC33-3472-5AC6-82FC-F8B2429732F5}"/>
-              </a:ext>
-            </a:extLst>
-          </p:cNvPr>
-          <p:cNvSpPr>
-            <a:spLocks noGrp="1"/>
-          </p:cNvSpPr>
-          <p:nvPr>
-            <p:ph type="title"/>
-          </p:nvPr>
-        </p:nvSpPr>
-        <p:spPr>
-          <a:xfrm>
-            <a:off x="1043631" y="809898"/>
-            <a:ext cx="10173010" cy="1554480"/>
-          </a:xfrm>
-        </p:spPr>
-        <p:txBody>
-          <a:bodyPr anchor="ctr">
-            <a:normAutofit/>
-          </a:bodyPr>
-          <a:lstStyle/>
-          <a:p>
             <a:r>
-              <a:rPr lang="en-US" sz="4800"/>
-              <a:t>Modeling Approach</a:t>
+              <a:rPr lang="en-US" sz="2000" dirty="0" err="1"/>
+              <a:t>RandomForestClassifier</a:t>
             </a:r>
-          </a:p>
-        </p:txBody>
-      </p:sp>
-      <p:cxnSp>
-        <p:nvCxnSpPr>
-          <p:cNvPr id="37" name="Straight Connector 36">
-            <a:extLst>
-              <a:ext uri="{FF2B5EF4-FFF2-40B4-BE49-F238E27FC236}">
-                <a16:creationId xmlns:a16="http://schemas.microsoft.com/office/drawing/2014/main" id="{6CF1BAF6-AD41-4082-B212-8A1F9A2E8779}"/>
-              </a:ext>
-              <a:ext uri="{C183D7F6-B498-43B3-948B-1728B52AA6E4}">
-                <adec:decorative xmlns:adec="http://schemas.microsoft.com/office/drawing/2017/decorative" val="1"/>
-              </a:ext>
-            </a:extLst>
-          </p:cNvPr>
-          <p:cNvCxnSpPr>
-            <a:cxnSpLocks noGrp="1" noRot="1" noChangeAspect="1" noMove="1" noResize="1" noEditPoints="1" noAdjustHandles="1" noChangeArrowheads="1" noChangeShapeType="1"/>
-          </p:cNvCxnSpPr>
-          <p:nvPr>
-            <p:extLst>
-              <p:ext uri="{386F3935-93C4-4BCD-93E2-E3B085C9AB24}">
-                <p16:designElem xmlns:p16="http://schemas.microsoft.com/office/powerpoint/2015/main" val="1"/>
-              </p:ext>
-            </p:extLst>
-          </p:nvPr>
-        </p:nvCxnSpPr>
-        <p:spPr>
-          <a:xfrm flipH="1">
-            <a:off x="838200" y="6485313"/>
-            <a:ext cx="10515600" cy="0"/>
-          </a:xfrm>
-          <a:prstGeom prst="line">
-            <a:avLst/>
-          </a:prstGeom>
-          <a:ln w="57150">
-            <a:solidFill>
-              <a:schemeClr val="accent4"/>
-            </a:solidFill>
-          </a:ln>
-        </p:spPr>
-        <p:style>
-          <a:lnRef idx="1">
-            <a:schemeClr val="accent1"/>
-          </a:lnRef>
-          <a:fillRef idx="0">
-            <a:schemeClr val="accent1"/>
-          </a:fillRef>
-          <a:effectRef idx="0">
-            <a:schemeClr val="accent1"/>
-          </a:effectRef>
-          <a:fontRef idx="minor">
-            <a:schemeClr val="tx1"/>
-          </a:fontRef>
-        </p:style>
-      </p:cxnSp>
-      <p:graphicFrame>
-        <p:nvGraphicFramePr>
-          <p:cNvPr id="5" name="Content Placeholder 2">
-            <a:extLst>
-              <a:ext uri="{FF2B5EF4-FFF2-40B4-BE49-F238E27FC236}">
-                <a16:creationId xmlns:a16="http://schemas.microsoft.com/office/drawing/2014/main" id="{DB526102-6478-B75A-A9F8-AF96B419E13C}"/>
-              </a:ext>
-            </a:extLst>
-          </p:cNvPr>
-          <p:cNvGraphicFramePr>
-            <a:graphicFrameLocks noGrp="1"/>
-          </p:cNvGraphicFramePr>
-          <p:nvPr>
-            <p:ph idx="1"/>
-            <p:extLst>
-              <p:ext uri="{D42A27DB-BD31-4B8C-83A1-F6EECF244321}">
-                <p14:modId xmlns:p14="http://schemas.microsoft.com/office/powerpoint/2010/main" val="213192723"/>
-              </p:ext>
-            </p:extLst>
-          </p:nvPr>
-        </p:nvGraphicFramePr>
-        <p:xfrm>
-          <a:off x="904602" y="3017519"/>
-          <a:ext cx="10378440" cy="3209902"/>
-        </p:xfrm>
-        <a:graphic>
-          <a:graphicData uri="http://schemas.openxmlformats.org/drawingml/2006/diagram">
-            <dgm:relIds xmlns:dgm="http://schemas.openxmlformats.org/drawingml/2006/diagram" xmlns:r="http://schemas.openxmlformats.org/officeDocument/2006/relationships" r:dm="rId2" r:lo="rId3" r:qs="rId4" r:cs="rId5"/>
-          </a:graphicData>
-        </a:graphic>
-      </p:graphicFrame>
-    </p:spTree>
-    <p:extLst>
-      <p:ext uri="{BB962C8B-B14F-4D97-AF65-F5344CB8AC3E}">
-        <p14:creationId xmlns:p14="http://schemas.microsoft.com/office/powerpoint/2010/main" val="3879025173"/>
-      </p:ext>
-    </p:extLst>
-  </p:cSld>
-  <p:clrMapOvr>
-    <a:masterClrMapping/>
-  </p:clrMapOvr>
-</p:sld>
-</file>
-
-<file path=ppt/slides/slide5.xml><?xml version="1.0" encoding="utf-8"?>
-<p:sld xmlns:a="http://schemas.openxmlformats.org/drawingml/2006/main" xmlns:r="http://schemas.openxmlformats.org/officeDocument/2006/relationships" xmlns:p="http://schemas.openxmlformats.org/presentationml/2006/main">
-  <p:cSld>
-    <p:bg>
-      <p:bgPr>
-        <a:solidFill>
-          <a:schemeClr val="bg1"/>
-        </a:solidFill>
-        <a:effectLst/>
-      </p:bgPr>
-    </p:bg>
-    <p:spTree>
-      <p:nvGrpSpPr>
-        <p:cNvPr id="1" name=""/>
-        <p:cNvGrpSpPr/>
-        <p:nvPr/>
-      </p:nvGrpSpPr>
-      <p:grpSpPr>
-        <a:xfrm>
-          <a:off x="0" y="0"/>
-          <a:ext cx="0" cy="0"/>
-          <a:chOff x="0" y="0"/>
-          <a:chExt cx="0" cy="0"/>
-        </a:xfrm>
-      </p:grpSpPr>
-      <p:sp useBgFill="1">
-        <p:nvSpPr>
-          <p:cNvPr id="45" name="Rectangle 44">
-            <a:extLst>
-              <a:ext uri="{FF2B5EF4-FFF2-40B4-BE49-F238E27FC236}">
-                <a16:creationId xmlns:a16="http://schemas.microsoft.com/office/drawing/2014/main" id="{1B15ED52-F352-441B-82BF-E0EA34836D08}"/>
-              </a:ext>
-              <a:ext uri="{C183D7F6-B498-43B3-948B-1728B52AA6E4}">
-                <adec:decorative xmlns:adec="http://schemas.microsoft.com/office/drawing/2017/decorative" val="1"/>
-              </a:ext>
-            </a:extLst>
-          </p:cNvPr>
-          <p:cNvSpPr>
-            <a:spLocks noGrp="1" noRot="1" noChangeAspect="1" noMove="1" noResize="1" noEditPoints="1" noAdjustHandles="1" noChangeArrowheads="1" noChangeShapeType="1" noTextEdit="1"/>
-          </p:cNvSpPr>
-          <p:nvPr>
-            <p:extLst>
-              <p:ext uri="{386F3935-93C4-4BCD-93E2-E3B085C9AB24}">
-                <p16:designElem xmlns:p16="http://schemas.microsoft.com/office/powerpoint/2015/main" val="1"/>
-              </p:ext>
-            </p:extLst>
-          </p:nvPr>
-        </p:nvSpPr>
-        <p:spPr>
-          <a:xfrm>
-            <a:off x="0" y="0"/>
-            <a:ext cx="12192000" cy="6858000"/>
-          </a:xfrm>
-          <a:prstGeom prst="rect">
-            <a:avLst/>
-          </a:prstGeom>
-          <a:ln w="12700" cap="flat" cmpd="sng" algn="ctr">
-            <a:noFill/>
-            <a:prstDash val="solid"/>
-            <a:miter lim="800000"/>
-          </a:ln>
-          <a:effectLst/>
-          <a:extLst>
-            <a:ext uri="{91240B29-F687-4F45-9708-019B960494DF}">
-              <a14:hiddenLine xmlns:a14="http://schemas.microsoft.com/office/drawing/2010/main" w="12700" cap="flat" cmpd="sng" algn="ctr">
-                <a:solidFill>
-                  <a:schemeClr val="accent1">
-                    <a:shade val="50000"/>
-                  </a:schemeClr>
-                </a:solidFill>
-                <a:prstDash val="solid"/>
-                <a:miter lim="800000"/>
-              </a14:hiddenLine>
-            </a:ext>
-          </a:extLst>
-        </p:spPr>
-        <p:style>
-          <a:lnRef idx="2">
-            <a:schemeClr val="accent1">
-              <a:shade val="50000"/>
-            </a:schemeClr>
-          </a:lnRef>
-          <a:fillRef idx="1">
-            <a:schemeClr val="accent1"/>
-          </a:fillRef>
-          <a:effectRef idx="0">
-            <a:schemeClr val="accent1"/>
-          </a:effectRef>
-          <a:fontRef idx="minor">
-            <a:schemeClr val="lt1"/>
-          </a:fontRef>
-        </p:style>
-        <p:txBody>
-          <a:bodyPr rtlCol="0" anchor="ctr"/>
-          <a:lstStyle/>
-          <a:p>
-            <a:pPr algn="ctr"/>
-            <a:endParaRPr lang="en-US"/>
-          </a:p>
-        </p:txBody>
-      </p:sp>
-      <p:sp>
-        <p:nvSpPr>
-          <p:cNvPr id="10" name="Rectangle 9">
-            <a:extLst>
-              <a:ext uri="{FF2B5EF4-FFF2-40B4-BE49-F238E27FC236}">
-                <a16:creationId xmlns:a16="http://schemas.microsoft.com/office/drawing/2014/main" id="{3B2E3793-BFE6-45A2-9B7B-E18844431C99}"/>
-              </a:ext>
-              <a:ext uri="{C183D7F6-B498-43B3-948B-1728B52AA6E4}">
-                <adec:decorative xmlns:adec="http://schemas.microsoft.com/office/drawing/2017/decorative" val="1"/>
-              </a:ext>
-            </a:extLst>
-          </p:cNvPr>
-          <p:cNvSpPr>
-            <a:spLocks noGrp="1" noRot="1" noChangeAspect="1" noMove="1" noResize="1" noEditPoints="1" noAdjustHandles="1" noChangeArrowheads="1" noChangeShapeType="1" noTextEdit="1"/>
-          </p:cNvSpPr>
-          <p:nvPr>
-            <p:extLst>
-              <p:ext uri="{386F3935-93C4-4BCD-93E2-E3B085C9AB24}">
-                <p16:designElem xmlns:p16="http://schemas.microsoft.com/office/powerpoint/2015/main" val="1"/>
-              </p:ext>
-            </p:extLst>
-          </p:nvPr>
-        </p:nvSpPr>
-        <p:spPr>
-          <a:xfrm flipH="1">
-            <a:off x="-1" y="-1"/>
-            <a:ext cx="12191998" cy="1590742"/>
-          </a:xfrm>
-          <a:prstGeom prst="rect">
-            <a:avLst/>
-          </a:prstGeom>
-          <a:gradFill>
-            <a:gsLst>
-              <a:gs pos="0">
-                <a:srgbClr val="000000"/>
-              </a:gs>
-              <a:gs pos="100000">
-                <a:schemeClr val="accent1">
-                  <a:lumMod val="75000"/>
-                </a:schemeClr>
-              </a:gs>
-            </a:gsLst>
-            <a:lin ang="8400000" scaled="0"/>
-          </a:gradFill>
-          <a:ln>
-            <a:noFill/>
-          </a:ln>
-        </p:spPr>
-        <p:style>
-          <a:lnRef idx="2">
-            <a:schemeClr val="accent1">
-              <a:shade val="50000"/>
-            </a:schemeClr>
-          </a:lnRef>
-          <a:fillRef idx="1">
-            <a:schemeClr val="accent1"/>
-          </a:fillRef>
-          <a:effectRef idx="0">
-            <a:schemeClr val="accent1"/>
-          </a:effectRef>
-          <a:fontRef idx="minor">
-            <a:schemeClr val="lt1"/>
-          </a:fontRef>
-        </p:style>
-        <p:txBody>
-          <a:bodyPr rtlCol="0" anchor="ctr"/>
-          <a:lstStyle/>
-          <a:p>
-            <a:pPr algn="ctr"/>
-            <a:endParaRPr lang="en-US"/>
-          </a:p>
-        </p:txBody>
-      </p:sp>
-      <p:sp>
-        <p:nvSpPr>
-          <p:cNvPr id="46" name="Rectangle 45">
-            <a:extLst>
-              <a:ext uri="{FF2B5EF4-FFF2-40B4-BE49-F238E27FC236}">
-                <a16:creationId xmlns:a16="http://schemas.microsoft.com/office/drawing/2014/main" id="{BC4C4868-CB8F-4AF9-9CDB-8108F2C19B67}"/>
-              </a:ext>
-              <a:ext uri="{C183D7F6-B498-43B3-948B-1728B52AA6E4}">
-                <adec:decorative xmlns:adec="http://schemas.microsoft.com/office/drawing/2017/decorative" val="1"/>
-              </a:ext>
-            </a:extLst>
-          </p:cNvPr>
-          <p:cNvSpPr>
-            <a:spLocks noGrp="1" noRot="1" noChangeAspect="1" noMove="1" noResize="1" noEditPoints="1" noAdjustHandles="1" noChangeArrowheads="1" noChangeShapeType="1" noTextEdit="1"/>
-          </p:cNvSpPr>
-          <p:nvPr>
-            <p:extLst>
-              <p:ext uri="{386F3935-93C4-4BCD-93E2-E3B085C9AB24}">
-                <p16:designElem xmlns:p16="http://schemas.microsoft.com/office/powerpoint/2015/main" val="1"/>
-              </p:ext>
-            </p:extLst>
-          </p:nvPr>
-        </p:nvSpPr>
-        <p:spPr>
-          <a:xfrm rot="10800000" flipH="1">
-            <a:off x="-3" y="0"/>
-            <a:ext cx="8115306" cy="1590742"/>
-          </a:xfrm>
-          <a:prstGeom prst="rect">
-            <a:avLst/>
-          </a:prstGeom>
-          <a:gradFill>
-            <a:gsLst>
-              <a:gs pos="20000">
-                <a:schemeClr val="accent1">
-                  <a:alpha val="0"/>
-                </a:schemeClr>
-              </a:gs>
-              <a:gs pos="100000">
-                <a:schemeClr val="accent1">
-                  <a:lumMod val="50000"/>
-                  <a:alpha val="55000"/>
-                </a:schemeClr>
-              </a:gs>
-            </a:gsLst>
-            <a:lin ang="13800000" scaled="0"/>
-          </a:gradFill>
-          <a:ln>
-            <a:noFill/>
-          </a:ln>
-        </p:spPr>
-        <p:style>
-          <a:lnRef idx="2">
-            <a:schemeClr val="accent1">
-              <a:shade val="50000"/>
-            </a:schemeClr>
-          </a:lnRef>
-          <a:fillRef idx="1">
-            <a:schemeClr val="accent1"/>
-          </a:fillRef>
-          <a:effectRef idx="0">
-            <a:schemeClr val="accent1"/>
-          </a:effectRef>
-          <a:fontRef idx="minor">
-            <a:schemeClr val="lt1"/>
-          </a:fontRef>
-        </p:style>
-        <p:txBody>
-          <a:bodyPr rtlCol="0" anchor="ctr"/>
-          <a:lstStyle/>
-          <a:p>
-            <a:pPr algn="ctr"/>
-            <a:endParaRPr lang="en-US"/>
-          </a:p>
-        </p:txBody>
-      </p:sp>
-      <p:sp>
-        <p:nvSpPr>
-          <p:cNvPr id="47" name="Rectangle 46">
-            <a:extLst>
-              <a:ext uri="{FF2B5EF4-FFF2-40B4-BE49-F238E27FC236}">
-                <a16:creationId xmlns:a16="http://schemas.microsoft.com/office/drawing/2014/main" id="{375E0459-6403-40CD-989D-56A4407CA12E}"/>
-              </a:ext>
-              <a:ext uri="{C183D7F6-B498-43B3-948B-1728B52AA6E4}">
-                <adec:decorative xmlns:adec="http://schemas.microsoft.com/office/drawing/2017/decorative" val="1"/>
-              </a:ext>
-            </a:extLst>
-          </p:cNvPr>
-          <p:cNvSpPr>
-            <a:spLocks noGrp="1" noRot="1" noChangeAspect="1" noMove="1" noResize="1" noEditPoints="1" noAdjustHandles="1" noChangeArrowheads="1" noChangeShapeType="1" noTextEdit="1"/>
-          </p:cNvSpPr>
-          <p:nvPr>
-            <p:extLst>
-              <p:ext uri="{386F3935-93C4-4BCD-93E2-E3B085C9AB24}">
-                <p16:designElem xmlns:p16="http://schemas.microsoft.com/office/powerpoint/2015/main" val="1"/>
-              </p:ext>
-            </p:extLst>
-          </p:nvPr>
-        </p:nvSpPr>
-        <p:spPr>
-          <a:xfrm flipH="1">
-            <a:off x="8115299" y="-1"/>
-            <a:ext cx="4076698" cy="1590742"/>
-          </a:xfrm>
-          <a:prstGeom prst="rect">
-            <a:avLst/>
-          </a:prstGeom>
-          <a:gradFill>
-            <a:gsLst>
-              <a:gs pos="0">
-                <a:schemeClr val="accent1">
-                  <a:alpha val="66000"/>
-                </a:schemeClr>
-              </a:gs>
-              <a:gs pos="100000">
-                <a:srgbClr val="000000">
-                  <a:alpha val="30000"/>
-                </a:srgbClr>
-              </a:gs>
-            </a:gsLst>
-            <a:lin ang="13200000" scaled="0"/>
-          </a:gradFill>
-          <a:ln>
-            <a:noFill/>
-          </a:ln>
-        </p:spPr>
-        <p:style>
-          <a:lnRef idx="2">
-            <a:schemeClr val="accent1">
-              <a:shade val="50000"/>
-            </a:schemeClr>
-          </a:lnRef>
-          <a:fillRef idx="1">
-            <a:schemeClr val="accent1"/>
-          </a:fillRef>
-          <a:effectRef idx="0">
-            <a:schemeClr val="accent1"/>
-          </a:effectRef>
-          <a:fontRef idx="minor">
-            <a:schemeClr val="lt1"/>
-          </a:fontRef>
-        </p:style>
-        <p:txBody>
-          <a:bodyPr rtlCol="0" anchor="ctr"/>
-          <a:lstStyle/>
-          <a:p>
-            <a:pPr algn="ctr"/>
-            <a:endParaRPr lang="en-US"/>
-          </a:p>
-        </p:txBody>
-      </p:sp>
-      <p:sp>
-        <p:nvSpPr>
-          <p:cNvPr id="48" name="Rectangle 47">
-            <a:extLst>
-              <a:ext uri="{FF2B5EF4-FFF2-40B4-BE49-F238E27FC236}">
-                <a16:creationId xmlns:a16="http://schemas.microsoft.com/office/drawing/2014/main" id="{53E5B1A8-3AC9-4BD1-9BBC-78CA94F2D1BA}"/>
-              </a:ext>
-              <a:ext uri="{C183D7F6-B498-43B3-948B-1728B52AA6E4}">
-                <adec:decorative xmlns:adec="http://schemas.microsoft.com/office/drawing/2017/decorative" val="1"/>
-              </a:ext>
-            </a:extLst>
-          </p:cNvPr>
-          <p:cNvSpPr>
-            <a:spLocks noGrp="1" noRot="1" noChangeAspect="1" noMove="1" noResize="1" noEditPoints="1" noAdjustHandles="1" noChangeArrowheads="1" noChangeShapeType="1" noTextEdit="1"/>
-          </p:cNvSpPr>
-          <p:nvPr>
-            <p:extLst>
-              <p:ext uri="{386F3935-93C4-4BCD-93E2-E3B085C9AB24}">
-                <p16:designElem xmlns:p16="http://schemas.microsoft.com/office/powerpoint/2015/main" val="1"/>
-              </p:ext>
-            </p:extLst>
-          </p:nvPr>
-        </p:nvSpPr>
-        <p:spPr>
-          <a:xfrm>
-            <a:off x="459350" y="-1"/>
-            <a:ext cx="11732646" cy="1597433"/>
-          </a:xfrm>
-          <a:prstGeom prst="rect">
-            <a:avLst/>
-          </a:prstGeom>
-          <a:gradFill>
-            <a:gsLst>
-              <a:gs pos="50000">
-                <a:srgbClr val="000000">
-                  <a:alpha val="0"/>
-                </a:srgbClr>
-              </a:gs>
-              <a:gs pos="99000">
-                <a:schemeClr val="accent1">
-                  <a:lumMod val="50000"/>
-                  <a:alpha val="52000"/>
-                </a:schemeClr>
-              </a:gs>
-            </a:gsLst>
-            <a:lin ang="16800000" scaled="0"/>
-          </a:gradFill>
-          <a:ln>
-            <a:noFill/>
-          </a:ln>
-        </p:spPr>
-        <p:style>
-          <a:lnRef idx="2">
-            <a:schemeClr val="accent1">
-              <a:shade val="50000"/>
-            </a:schemeClr>
-          </a:lnRef>
-          <a:fillRef idx="1">
-            <a:schemeClr val="accent1"/>
-          </a:fillRef>
-          <a:effectRef idx="0">
-            <a:schemeClr val="accent1"/>
-          </a:effectRef>
-          <a:fontRef idx="minor">
-            <a:schemeClr val="lt1"/>
-          </a:fontRef>
-        </p:style>
-        <p:txBody>
-          <a:bodyPr rtlCol="0" anchor="ctr"/>
-          <a:lstStyle/>
-          <a:p>
-            <a:pPr algn="ctr"/>
-            <a:endParaRPr lang="en-US"/>
-          </a:p>
-        </p:txBody>
-      </p:sp>
-      <p:sp>
-        <p:nvSpPr>
-          <p:cNvPr id="2" name="Title 1">
-            <a:extLst>
-              <a:ext uri="{FF2B5EF4-FFF2-40B4-BE49-F238E27FC236}">
-                <a16:creationId xmlns:a16="http://schemas.microsoft.com/office/drawing/2014/main" id="{284A04EC-F7AF-2EF9-6B8F-4C923D2E9796}"/>
-              </a:ext>
-            </a:extLst>
-          </p:cNvPr>
-          <p:cNvSpPr>
-            <a:spLocks noGrp="1"/>
-          </p:cNvSpPr>
-          <p:nvPr>
-            <p:ph type="title"/>
-          </p:nvPr>
-        </p:nvSpPr>
-        <p:spPr>
-          <a:xfrm>
-            <a:off x="1371599" y="294538"/>
-            <a:ext cx="9895951" cy="1033669"/>
-          </a:xfrm>
-        </p:spPr>
-        <p:txBody>
-          <a:bodyPr>
-            <a:normAutofit/>
-          </a:bodyPr>
-          <a:lstStyle/>
-          <a:p>
             <a:r>
-              <a:rPr lang="en-US" sz="4000">
-                <a:solidFill>
-                  <a:srgbClr val="FFFFFF"/>
-                </a:solidFill>
-              </a:rPr>
-              <a:t>Model Training &amp; Tuning</a:t>
+              <a:rPr lang="en-US" sz="2000" dirty="0"/>
+              <a:t> and HDSCAN for clustering</a:t>
             </a:r>
           </a:p>
-        </p:txBody>
-      </p:sp>
-      <p:sp>
-        <p:nvSpPr>
-          <p:cNvPr id="49" name="Content Placeholder 2">
-            <a:extLst>
-              <a:ext uri="{FF2B5EF4-FFF2-40B4-BE49-F238E27FC236}">
-                <a16:creationId xmlns:a16="http://schemas.microsoft.com/office/drawing/2014/main" id="{6FB7DD14-30EC-7ADC-8F0E-C86E4E9B9E2D}"/>
-              </a:ext>
-            </a:extLst>
-          </p:cNvPr>
-          <p:cNvSpPr>
-            <a:spLocks noGrp="1"/>
-          </p:cNvSpPr>
-          <p:nvPr>
-            <p:ph idx="1"/>
-          </p:nvPr>
-        </p:nvSpPr>
-        <p:spPr>
-          <a:xfrm>
-            <a:off x="1371599" y="2318197"/>
-            <a:ext cx="9724031" cy="3683358"/>
-          </a:xfrm>
-        </p:spPr>
-        <p:txBody>
-          <a:bodyPr anchor="ctr">
-            <a:normAutofit/>
-          </a:bodyPr>
-          <a:lstStyle/>
           <a:p>
             <a:r>
-              <a:rPr lang="en-US" sz="2000"/>
-              <a:t>Data preprocessing &amp; feature engineering steps.</a:t>
-            </a:r>
-          </a:p>
-          <a:p>
-            <a:r>
-              <a:rPr lang="en-US" sz="2000"/>
-              <a:t>Hyperparameter tuning using RandomizedSearchCV.</a:t>
-            </a:r>
-          </a:p>
-          <a:p>
-            <a:r>
-              <a:rPr lang="en-US" sz="2000"/>
-              <a:t>Performance metrics: Accuracy, AUC.</a:t>
-            </a:r>
-          </a:p>
-          <a:p>
-            <a:r>
-              <a:rPr lang="en-US" sz="2000"/>
-              <a:t>Try other models such as LogisticsRegression, RandomForestClassifier and HDSCAN for clustering</a:t>
-            </a:r>
-          </a:p>
-          <a:p>
-            <a:r>
-              <a:rPr lang="en-US" sz="2000"/>
+              <a:rPr lang="en-US" sz="2000" dirty="0"/>
               <a:t>Save models to use in API</a:t>
             </a:r>
           </a:p>
@@ -14691,19 +15305,27 @@
           <a:lstStyle/>
           <a:p>
             <a:r>
-              <a:rPr lang="en-US" sz="2000"/>
-              <a:t>Frontend app (Angular) -&gt; Backend app (FastAPI) -&gt; ML models</a:t>
+              <a:rPr lang="en-US" sz="2000" dirty="0"/>
+              <a:t>Frontend app (Angular) -&gt; Backend app (</a:t>
             </a:r>
-          </a:p>
-          <a:p>
             <a:r>
-              <a:rPr lang="en-US" sz="2000"/>
+              <a:rPr lang="en-US" sz="2000" dirty="0" err="1"/>
+              <a:t>FastAPI</a:t>
+            </a:r>
+            <a:r>
+              <a:rPr lang="en-US" sz="2000" dirty="0"/>
+              <a:t>) -&gt; ML models</a:t>
+            </a:r>
+          </a:p>
+          <a:p>
+            <a:r>
+              <a:rPr lang="en-US" sz="2000" dirty="0"/>
               <a:t>Matchmaking flow: Player joins queue -&gt; Find match using clustering -&gt; Predict Outcome -&gt; if outcome around 50% then opponent found otherwise continue to find</a:t>
             </a:r>
           </a:p>
           <a:p>
             <a:r>
-              <a:rPr lang="en-US" sz="2000"/>
+              <a:rPr lang="en-US" sz="2000" dirty="0"/>
               <a:t>If could not find best partner using cluster then use traditional ELO system as fallback option to find opponent</a:t>
             </a:r>
           </a:p>
